--- a/OpenID & OAuth.pptx
+++ b/OpenID & OAuth.pptx
@@ -5,7 +5,7 @@
     <p:sldMasterId id="2147483648" r:id="rId1"/>
   </p:sldMasterIdLst>
   <p:notesMasterIdLst>
-    <p:notesMasterId r:id="rId43"/>
+    <p:notesMasterId r:id="rId44"/>
   </p:notesMasterIdLst>
   <p:sldIdLst>
     <p:sldId id="256" r:id="rId2"/>
@@ -49,6 +49,7 @@
     <p:sldId id="308" r:id="rId40"/>
     <p:sldId id="309" r:id="rId41"/>
     <p:sldId id="262" r:id="rId42"/>
+    <p:sldId id="311" r:id="rId43"/>
   </p:sldIdLst>
   <p:sldSz cx="12192000" cy="6858000"/>
   <p:notesSz cx="6858000" cy="9144000"/>
@@ -6568,8 +6569,16 @@
         <a:lstStyle/>
         <a:p>
           <a:r>
-            <a:rPr lang="de-AT" sz="1400"/>
-            <a:t>Fickr: FlickrAuth</a:t>
+            <a:rPr lang="de-AT" sz="1400" dirty="0" smtClean="0"/>
+            <a:t>Flickr</a:t>
+          </a:r>
+          <a:r>
+            <a:rPr lang="de-AT" sz="1400" dirty="0"/>
+            <a:t>: </a:t>
+          </a:r>
+          <a:r>
+            <a:rPr lang="de-AT" sz="1400" dirty="0" err="1"/>
+            <a:t>FlickrAuth</a:t>
           </a:r>
           <a:endParaRPr lang="en-US" sz="1400" dirty="0"/>
         </a:p>
@@ -6625,8 +6634,16 @@
         <a:lstStyle/>
         <a:p>
           <a:r>
-            <a:rPr lang="de-AT" sz="1400"/>
-            <a:t>Goole: AuthSub</a:t>
+            <a:rPr lang="de-AT" sz="1400" dirty="0" smtClean="0"/>
+            <a:t>Google</a:t>
+          </a:r>
+          <a:r>
+            <a:rPr lang="de-AT" sz="1400" dirty="0"/>
+            <a:t>: </a:t>
+          </a:r>
+          <a:r>
+            <a:rPr lang="de-AT" sz="1400" dirty="0" err="1"/>
+            <a:t>AuthSub</a:t>
           </a:r>
           <a:endParaRPr lang="en-US" sz="1400" dirty="0"/>
         </a:p>
@@ -6682,8 +6699,12 @@
         <a:lstStyle/>
         <a:p>
           <a:r>
-            <a:rPr lang="de-AT" sz="1400"/>
-            <a:t>Yahoo:  BBAuth</a:t>
+            <a:rPr lang="de-AT" sz="1400" dirty="0"/>
+            <a:t>Yahoo:  </a:t>
+          </a:r>
+          <a:r>
+            <a:rPr lang="de-AT" sz="1400" dirty="0" err="1"/>
+            <a:t>BBAuth</a:t>
           </a:r>
           <a:endParaRPr lang="en-US" sz="1400" dirty="0"/>
         </a:p>
@@ -6818,18 +6839,25 @@
         </dgm:presLayoutVars>
       </dgm:prSet>
       <dgm:spPr/>
+      <dgm:t>
+        <a:bodyPr/>
+        <a:lstStyle/>
+        <a:p>
+          <a:endParaRPr lang="en-US"/>
+        </a:p>
+      </dgm:t>
     </dgm:pt>
   </dgm:ptLst>
   <dgm:cxnLst>
-    <dgm:cxn modelId="{02B74705-A6C2-43D6-A325-D2FCCD2762C2}" type="presOf" srcId="{30C738D4-3ADA-49C1-B87B-61D672A94EE8}" destId="{8413A469-210A-4315-B81D-08A2F85CDB37}" srcOrd="0" destOrd="3" presId="urn:microsoft.com/office/officeart/2005/8/layout/hProcess9"/>
     <dgm:cxn modelId="{2B2A2B10-88BA-4FF8-8124-C828D9C5B842}" srcId="{740A65DF-8B34-4015-B867-4F799B59E9C8}" destId="{9923684D-1A47-4E75-AC5F-136599D7800B}" srcOrd="0" destOrd="0" parTransId="{1562586C-D525-45AC-86A0-A905692C0CE1}" sibTransId="{A7E49CDD-DA81-4F16-A2DE-CDAC121B59A1}"/>
-    <dgm:cxn modelId="{02ECBA15-A5C3-4971-9B3D-5596C493AF80}" type="presOf" srcId="{F50D35F3-75E5-46F2-9C8B-A697DCBA5779}" destId="{8413A469-210A-4315-B81D-08A2F85CDB37}" srcOrd="0" destOrd="2" presId="urn:microsoft.com/office/officeart/2005/8/layout/hProcess9"/>
     <dgm:cxn modelId="{DADC0658-6729-495A-9DE7-ADFD38C75FAA}" type="presOf" srcId="{740A65DF-8B34-4015-B867-4F799B59E9C8}" destId="{8413A469-210A-4315-B81D-08A2F85CDB37}" srcOrd="0" destOrd="0" presId="urn:microsoft.com/office/officeart/2005/8/layout/hProcess9"/>
     <dgm:cxn modelId="{8EEF2B9F-2CD6-4E50-A5BD-DFFFB82B0A23}" srcId="{AC7295A4-4A74-467B-91F7-C26141C0B8CF}" destId="{740A65DF-8B34-4015-B867-4F799B59E9C8}" srcOrd="0" destOrd="0" parTransId="{D8D55B38-94D3-40B2-92BA-6BAB2880ACF8}" sibTransId="{E98223CD-CBB9-4E49-87DF-FEDC957477D7}"/>
+    <dgm:cxn modelId="{02B74705-A6C2-43D6-A325-D2FCCD2762C2}" type="presOf" srcId="{30C738D4-3ADA-49C1-B87B-61D672A94EE8}" destId="{8413A469-210A-4315-B81D-08A2F85CDB37}" srcOrd="0" destOrd="3" presId="urn:microsoft.com/office/officeart/2005/8/layout/hProcess9"/>
+    <dgm:cxn modelId="{04C5A2E1-09AB-4E9B-826C-77673B8778DC}" srcId="{740A65DF-8B34-4015-B867-4F799B59E9C8}" destId="{30C738D4-3ADA-49C1-B87B-61D672A94EE8}" srcOrd="2" destOrd="0" parTransId="{0BA963E5-6FEC-4160-BDF9-96EABF082252}" sibTransId="{6DE25C05-B52B-4822-BFCF-814F5C284FF1}"/>
+    <dgm:cxn modelId="{02ECBA15-A5C3-4971-9B3D-5596C493AF80}" type="presOf" srcId="{F50D35F3-75E5-46F2-9C8B-A697DCBA5779}" destId="{8413A469-210A-4315-B81D-08A2F85CDB37}" srcOrd="0" destOrd="2" presId="urn:microsoft.com/office/officeart/2005/8/layout/hProcess9"/>
     <dgm:cxn modelId="{5BE1DAA0-CCCA-4E06-BC1E-65674C60673B}" srcId="{740A65DF-8B34-4015-B867-4F799B59E9C8}" destId="{F50D35F3-75E5-46F2-9C8B-A697DCBA5779}" srcOrd="1" destOrd="0" parTransId="{232F0037-8BBD-4194-AD5C-BE549C1A927A}" sibTransId="{65EBBF3B-4E03-4FCB-AEE9-0669F0B95180}"/>
+    <dgm:cxn modelId="{EE5042CB-9F48-4E10-976D-C7E303ED9CA8}" type="presOf" srcId="{9923684D-1A47-4E75-AC5F-136599D7800B}" destId="{8413A469-210A-4315-B81D-08A2F85CDB37}" srcOrd="0" destOrd="1" presId="urn:microsoft.com/office/officeart/2005/8/layout/hProcess9"/>
     <dgm:cxn modelId="{18D6A4B3-047A-4B00-A462-64F7C9B48168}" type="presOf" srcId="{AC7295A4-4A74-467B-91F7-C26141C0B8CF}" destId="{35E59B6F-4F7B-45CF-822E-43430880B4AC}" srcOrd="0" destOrd="0" presId="urn:microsoft.com/office/officeart/2005/8/layout/hProcess9"/>
-    <dgm:cxn modelId="{EE5042CB-9F48-4E10-976D-C7E303ED9CA8}" type="presOf" srcId="{9923684D-1A47-4E75-AC5F-136599D7800B}" destId="{8413A469-210A-4315-B81D-08A2F85CDB37}" srcOrd="0" destOrd="1" presId="urn:microsoft.com/office/officeart/2005/8/layout/hProcess9"/>
-    <dgm:cxn modelId="{04C5A2E1-09AB-4E9B-826C-77673B8778DC}" srcId="{740A65DF-8B34-4015-B867-4F799B59E9C8}" destId="{30C738D4-3ADA-49C1-B87B-61D672A94EE8}" srcOrd="2" destOrd="0" parTransId="{0BA963E5-6FEC-4160-BDF9-96EABF082252}" sibTransId="{6DE25C05-B52B-4822-BFCF-814F5C284FF1}"/>
     <dgm:cxn modelId="{F664463D-1C20-4D1D-A432-C06CFDE9CAF7}" type="presParOf" srcId="{35E59B6F-4F7B-45CF-822E-43430880B4AC}" destId="{4AB912ED-5F31-40D7-941C-02C200E6DE6B}" srcOrd="0" destOrd="0" presId="urn:microsoft.com/office/officeart/2005/8/layout/hProcess9"/>
     <dgm:cxn modelId="{9018B96B-4072-481C-B3A8-FF9222479CC9}" type="presParOf" srcId="{35E59B6F-4F7B-45CF-822E-43430880B4AC}" destId="{CF2F9E8B-76A3-4A95-9BD9-70EB9964F408}" srcOrd="1" destOrd="0" presId="urn:microsoft.com/office/officeart/2005/8/layout/hProcess9"/>
     <dgm:cxn modelId="{DDFE550A-5A17-4285-AD68-55A00B87771D}" type="presParOf" srcId="{CF2F9E8B-76A3-4A95-9BD9-70EB9964F408}" destId="{8413A469-210A-4315-B81D-08A2F85CDB37}" srcOrd="0" destOrd="0" presId="urn:microsoft.com/office/officeart/2005/8/layout/hProcess9"/>
@@ -7981,6 +8009,13 @@
         </dgm:presLayoutVars>
       </dgm:prSet>
       <dgm:spPr/>
+      <dgm:t>
+        <a:bodyPr/>
+        <a:lstStyle/>
+        <a:p>
+          <a:endParaRPr lang="en-US"/>
+        </a:p>
+      </dgm:t>
     </dgm:pt>
     <dgm:pt modelId="{4555BB86-09B4-4004-9E37-3B80084CD7BC}" type="pres">
       <dgm:prSet presAssocID="{E98223CD-CBB9-4E49-87DF-FEDC957477D7}" presName="sibTrans" presStyleCnt="0"/>
@@ -7993,6 +8028,13 @@
         </dgm:presLayoutVars>
       </dgm:prSet>
       <dgm:spPr/>
+      <dgm:t>
+        <a:bodyPr/>
+        <a:lstStyle/>
+        <a:p>
+          <a:endParaRPr lang="en-US"/>
+        </a:p>
+      </dgm:t>
     </dgm:pt>
     <dgm:pt modelId="{E3DC028F-036A-4378-9FBA-1E7490AA084E}" type="pres">
       <dgm:prSet presAssocID="{D1A3C03F-DB58-49E8-9DEA-2659B030BA99}" presName="sibTrans" presStyleCnt="0"/>
@@ -8005,6 +8047,13 @@
         </dgm:presLayoutVars>
       </dgm:prSet>
       <dgm:spPr/>
+      <dgm:t>
+        <a:bodyPr/>
+        <a:lstStyle/>
+        <a:p>
+          <a:endParaRPr lang="en-US"/>
+        </a:p>
+      </dgm:t>
     </dgm:pt>
     <dgm:pt modelId="{A037C96C-0281-43EE-B7F7-7288624ACF4E}" type="pres">
       <dgm:prSet presAssocID="{FDAEFEF1-67D3-4A9A-AD6C-362F53ED1B78}" presName="sibTrans" presStyleCnt="0"/>
@@ -8017,6 +8066,13 @@
         </dgm:presLayoutVars>
       </dgm:prSet>
       <dgm:spPr/>
+      <dgm:t>
+        <a:bodyPr/>
+        <a:lstStyle/>
+        <a:p>
+          <a:endParaRPr lang="en-US"/>
+        </a:p>
+      </dgm:t>
     </dgm:pt>
     <dgm:pt modelId="{71A5AA4E-9897-4312-A9ED-4649742BAD83}" type="pres">
       <dgm:prSet presAssocID="{191D20FF-B882-486B-9153-8A0E3907692E}" presName="sibTrans" presStyleCnt="0"/>
@@ -8029,6 +8085,13 @@
         </dgm:presLayoutVars>
       </dgm:prSet>
       <dgm:spPr/>
+      <dgm:t>
+        <a:bodyPr/>
+        <a:lstStyle/>
+        <a:p>
+          <a:endParaRPr lang="en-US"/>
+        </a:p>
+      </dgm:t>
     </dgm:pt>
     <dgm:pt modelId="{426E0D10-9698-4B1E-BFBC-59D17D994A0A}" type="pres">
       <dgm:prSet presAssocID="{AD8FF87B-BCEE-4306-8E53-CA4AD57DA3AB}" presName="sibTrans" presStyleCnt="0"/>
@@ -8041,6 +8104,13 @@
         </dgm:presLayoutVars>
       </dgm:prSet>
       <dgm:spPr/>
+      <dgm:t>
+        <a:bodyPr/>
+        <a:lstStyle/>
+        <a:p>
+          <a:endParaRPr lang="en-US"/>
+        </a:p>
+      </dgm:t>
     </dgm:pt>
     <dgm:pt modelId="{B4963882-AFDB-414A-96AC-A4F70F85B660}" type="pres">
       <dgm:prSet presAssocID="{31ABCE90-485D-43E6-875E-21D0D729B0A8}" presName="sibTrans" presStyleCnt="0"/>
@@ -8053,6 +8123,13 @@
         </dgm:presLayoutVars>
       </dgm:prSet>
       <dgm:spPr/>
+      <dgm:t>
+        <a:bodyPr/>
+        <a:lstStyle/>
+        <a:p>
+          <a:endParaRPr lang="en-US"/>
+        </a:p>
+      </dgm:t>
     </dgm:pt>
     <dgm:pt modelId="{24BCA266-CE8B-4924-8612-33B9E046C4FA}" type="pres">
       <dgm:prSet presAssocID="{6A3827EA-0A4A-46A9-BDBE-D106D715ECA2}" presName="sibTrans" presStyleCnt="0"/>
@@ -8065,46 +8142,53 @@
         </dgm:presLayoutVars>
       </dgm:prSet>
       <dgm:spPr/>
+      <dgm:t>
+        <a:bodyPr/>
+        <a:lstStyle/>
+        <a:p>
+          <a:endParaRPr lang="en-US"/>
+        </a:p>
+      </dgm:t>
     </dgm:pt>
   </dgm:ptLst>
   <dgm:cxnLst>
+    <dgm:cxn modelId="{0831D755-B133-4C54-9931-63E3CDFC88CD}" type="presOf" srcId="{2011EBBB-A8B6-4EB6-9B57-AEBF1FFE1515}" destId="{2BD1CE01-B3DF-428E-801E-5AB0E3B457BC}" srcOrd="0" destOrd="0" presId="urn:microsoft.com/office/officeart/2005/8/layout/hProcess9"/>
+    <dgm:cxn modelId="{DDB5EDA4-DE30-46E1-AAA1-BB4D7C9ED4DE}" srcId="{AC7295A4-4A74-467B-91F7-C26141C0B8CF}" destId="{2011EBBB-A8B6-4EB6-9B57-AEBF1FFE1515}" srcOrd="2" destOrd="0" parTransId="{FB08CAAE-0BEC-47B4-994A-A10EC8F66696}" sibTransId="{FDAEFEF1-67D3-4A9A-AD6C-362F53ED1B78}"/>
+    <dgm:cxn modelId="{C76E4784-9315-4D16-8A1B-73D44A6D3650}" srcId="{1F56DB73-0EB5-4D08-96CF-C5EA3528BC7F}" destId="{7AA6EA55-6475-4114-BDDB-B020AE3F922E}" srcOrd="0" destOrd="0" parTransId="{F222544F-876D-4B77-BFDF-C2E404140044}" sibTransId="{A3B00575-06D2-4EDD-9A35-6F117A812393}"/>
+    <dgm:cxn modelId="{5BE1DAA0-CCCA-4E06-BC1E-65674C60673B}" srcId="{740A65DF-8B34-4015-B867-4F799B59E9C8}" destId="{F50D35F3-75E5-46F2-9C8B-A697DCBA5779}" srcOrd="1" destOrd="0" parTransId="{232F0037-8BBD-4194-AD5C-BE549C1A927A}" sibTransId="{65EBBF3B-4E03-4FCB-AEE9-0669F0B95180}"/>
+    <dgm:cxn modelId="{9198F731-584D-465C-8487-1733361368E4}" srcId="{AC7295A4-4A74-467B-91F7-C26141C0B8CF}" destId="{512B0042-C276-43B5-AEAD-D34BE4ABAC81}" srcOrd="4" destOrd="0" parTransId="{55F815E3-191F-4CC6-974F-86401BA3E145}" sibTransId="{AD8FF87B-BCEE-4306-8E53-CA4AD57DA3AB}"/>
+    <dgm:cxn modelId="{2B2A2B10-88BA-4FF8-8124-C828D9C5B842}" srcId="{740A65DF-8B34-4015-B867-4F799B59E9C8}" destId="{9923684D-1A47-4E75-AC5F-136599D7800B}" srcOrd="0" destOrd="0" parTransId="{1562586C-D525-45AC-86A0-A905692C0CE1}" sibTransId="{A7E49CDD-DA81-4F16-A2DE-CDAC121B59A1}"/>
+    <dgm:cxn modelId="{496AB0F6-3F17-42FF-A5A8-073548CC9DA3}" type="presOf" srcId="{97C5EE35-D283-4063-AEB3-AC9A2FAA3ACB}" destId="{8A076A40-569B-4522-8A32-9C5FEC39EF09}" srcOrd="0" destOrd="1" presId="urn:microsoft.com/office/officeart/2005/8/layout/hProcess9"/>
+    <dgm:cxn modelId="{DADC0658-6729-495A-9DE7-ADFD38C75FAA}" type="presOf" srcId="{740A65DF-8B34-4015-B867-4F799B59E9C8}" destId="{8413A469-210A-4315-B81D-08A2F85CDB37}" srcOrd="0" destOrd="0" presId="urn:microsoft.com/office/officeart/2005/8/layout/hProcess9"/>
+    <dgm:cxn modelId="{E12866D6-7288-4A7D-BAE3-93CBE1746360}" srcId="{251A1435-31A5-4423-B935-C9EF8CAE60B0}" destId="{6F08482B-3EDB-4336-9DE9-8E3CE8085A19}" srcOrd="0" destOrd="0" parTransId="{9A1F2D7D-8CFD-4F5B-9342-ADF18658923E}" sibTransId="{F20185E2-FBB8-4625-92E4-C669356179AE}"/>
+    <dgm:cxn modelId="{E3AA6E92-26F8-4B79-A24F-049B79D003E0}" srcId="{AC7295A4-4A74-467B-91F7-C26141C0B8CF}" destId="{251A1435-31A5-4423-B935-C9EF8CAE60B0}" srcOrd="6" destOrd="0" parTransId="{FC726725-A2AA-4312-BB3B-E81633F86EE1}" sibTransId="{6A3827EA-0A4A-46A9-BDBE-D106D715ECA2}"/>
+    <dgm:cxn modelId="{FC75BD06-6E4E-4B3C-B8C5-DA55BDE2A3B2}" srcId="{E85C27E5-31F4-421B-8C43-D8728044324D}" destId="{F496DE44-3353-4C0E-9478-B640731B4617}" srcOrd="0" destOrd="0" parTransId="{F50989FC-E599-4FA2-94A8-B06DC21CD6D8}" sibTransId="{C624C880-4CF5-465E-8848-B6BA4F1C8F80}"/>
+    <dgm:cxn modelId="{7FE49199-D3CB-4581-B372-945F26129C6C}" srcId="{AC7295A4-4A74-467B-91F7-C26141C0B8CF}" destId="{E85C27E5-31F4-421B-8C43-D8728044324D}" srcOrd="3" destOrd="0" parTransId="{8FC39F06-CC30-445B-9482-C0516E8EA3AA}" sibTransId="{191D20FF-B882-486B-9153-8A0E3907692E}"/>
+    <dgm:cxn modelId="{8EEF2B9F-2CD6-4E50-A5BD-DFFFB82B0A23}" srcId="{AC7295A4-4A74-467B-91F7-C26141C0B8CF}" destId="{740A65DF-8B34-4015-B867-4F799B59E9C8}" srcOrd="0" destOrd="0" parTransId="{D8D55B38-94D3-40B2-92BA-6BAB2880ACF8}" sibTransId="{E98223CD-CBB9-4E49-87DF-FEDC957477D7}"/>
+    <dgm:cxn modelId="{94C656D9-0AAF-4D18-8508-B84B109D1C9C}" type="presOf" srcId="{DF9BEDFB-8241-46C7-BDF9-A612B650453C}" destId="{1ABABA1D-94C0-4E80-94F9-A64ECAD35E65}" srcOrd="0" destOrd="1" presId="urn:microsoft.com/office/officeart/2005/8/layout/hProcess9"/>
+    <dgm:cxn modelId="{02B74705-A6C2-43D6-A325-D2FCCD2762C2}" type="presOf" srcId="{30C738D4-3ADA-49C1-B87B-61D672A94EE8}" destId="{8413A469-210A-4315-B81D-08A2F85CDB37}" srcOrd="0" destOrd="3" presId="urn:microsoft.com/office/officeart/2005/8/layout/hProcess9"/>
+    <dgm:cxn modelId="{25549212-0489-435A-B515-D494EF35FAF7}" srcId="{2011EBBB-A8B6-4EB6-9B57-AEBF1FFE1515}" destId="{E67D78D7-FB41-4DC3-B122-BAFBF87AB564}" srcOrd="0" destOrd="0" parTransId="{FA9303C6-EB3F-4E3A-BB07-D99A2516B7B9}" sibTransId="{3FAA5688-FD7E-40E3-B1C9-A1327D34250B}"/>
+    <dgm:cxn modelId="{E66C8CE6-4E14-4BAB-87E3-F00B40CCD40E}" type="presOf" srcId="{1F56DB73-0EB5-4D08-96CF-C5EA3528BC7F}" destId="{FB7D8470-4FFD-4C42-8888-A64AC63C3253}" srcOrd="0" destOrd="0" presId="urn:microsoft.com/office/officeart/2005/8/layout/hProcess9"/>
+    <dgm:cxn modelId="{D3F544B7-6593-46D6-BC2D-3ED304B3A378}" type="presOf" srcId="{6F08482B-3EDB-4336-9DE9-8E3CE8085A19}" destId="{0FC23831-EAAB-4BC6-8D4D-5572CF630231}" srcOrd="0" destOrd="1" presId="urn:microsoft.com/office/officeart/2005/8/layout/hProcess9"/>
+    <dgm:cxn modelId="{1A5FB954-EE3B-4800-A818-753A7A54D49F}" type="presOf" srcId="{512B0042-C276-43B5-AEAD-D34BE4ABAC81}" destId="{8A076A40-569B-4522-8A32-9C5FEC39EF09}" srcOrd="0" destOrd="0" presId="urn:microsoft.com/office/officeart/2005/8/layout/hProcess9"/>
+    <dgm:cxn modelId="{18D6A4B3-047A-4B00-A462-64F7C9B48168}" type="presOf" srcId="{AC7295A4-4A74-467B-91F7-C26141C0B8CF}" destId="{35E59B6F-4F7B-45CF-822E-43430880B4AC}" srcOrd="0" destOrd="0" presId="urn:microsoft.com/office/officeart/2005/8/layout/hProcess9"/>
+    <dgm:cxn modelId="{3A300623-659E-4642-B6BF-F010F5EB95DB}" srcId="{512B0042-C276-43B5-AEAD-D34BE4ABAC81}" destId="{97C5EE35-D283-4063-AEB3-AC9A2FAA3ACB}" srcOrd="0" destOrd="0" parTransId="{D641B8FD-5355-49DE-B5C6-F84DA6F69180}" sibTransId="{A08C06F9-3903-40E0-B2B7-C3110CF7FF93}"/>
+    <dgm:cxn modelId="{D984B5DA-8ADA-42A8-831C-0DD7BCDC3EDF}" srcId="{AC7295A4-4A74-467B-91F7-C26141C0B8CF}" destId="{1F56DB73-0EB5-4D08-96CF-C5EA3528BC7F}" srcOrd="5" destOrd="0" parTransId="{C1D7DA29-E4A7-4B0A-91A3-1D413C3C9214}" sibTransId="{31ABCE90-485D-43E6-875E-21D0D729B0A8}"/>
+    <dgm:cxn modelId="{02ECBA15-A5C3-4971-9B3D-5596C493AF80}" type="presOf" srcId="{F50D35F3-75E5-46F2-9C8B-A697DCBA5779}" destId="{8413A469-210A-4315-B81D-08A2F85CDB37}" srcOrd="0" destOrd="2" presId="urn:microsoft.com/office/officeart/2005/8/layout/hProcess9"/>
+    <dgm:cxn modelId="{C1BC5C59-A1BC-470A-962E-F0E9040346A3}" srcId="{7CD3988C-686A-4208-9BF0-6F9025A84638}" destId="{29D568A9-A3CB-4F55-B68B-E2F5DBC8FA8A}" srcOrd="0" destOrd="0" parTransId="{B1FBE946-8F69-433A-841A-BEB5454DA153}" sibTransId="{75BC69B8-81F0-48C9-BF9B-768780599D77}"/>
+    <dgm:cxn modelId="{C4BDA2AA-823C-4644-BD03-80B87E70A1A5}" srcId="{AC7295A4-4A74-467B-91F7-C26141C0B8CF}" destId="{21175A44-72F1-427E-817F-F54B6DADC0A4}" srcOrd="1" destOrd="0" parTransId="{562D538A-BFA8-4497-9AC3-2459C4E8C013}" sibTransId="{D1A3C03F-DB58-49E8-9DEA-2659B030BA99}"/>
+    <dgm:cxn modelId="{71B6EF85-9352-444E-B54B-4967DAA47657}" type="presOf" srcId="{F496DE44-3353-4C0E-9478-B640731B4617}" destId="{3981E63F-818C-4354-A8D1-34C2350FD213}" srcOrd="0" destOrd="1" presId="urn:microsoft.com/office/officeart/2005/8/layout/hProcess9"/>
+    <dgm:cxn modelId="{EE5042CB-9F48-4E10-976D-C7E303ED9CA8}" type="presOf" srcId="{9923684D-1A47-4E75-AC5F-136599D7800B}" destId="{8413A469-210A-4315-B81D-08A2F85CDB37}" srcOrd="0" destOrd="1" presId="urn:microsoft.com/office/officeart/2005/8/layout/hProcess9"/>
+    <dgm:cxn modelId="{2D5B3B15-CFD4-4063-BC8B-3EFA0CEA28AA}" type="presOf" srcId="{251A1435-31A5-4423-B935-C9EF8CAE60B0}" destId="{0FC23831-EAAB-4BC6-8D4D-5572CF630231}" srcOrd="0" destOrd="0" presId="urn:microsoft.com/office/officeart/2005/8/layout/hProcess9"/>
     <dgm:cxn modelId="{B554CA02-E094-421B-8957-4C490DCD8552}" type="presOf" srcId="{7CD3988C-686A-4208-9BF0-6F9025A84638}" destId="{F8264DAE-394B-4D5A-AD1C-72691CC59683}" srcOrd="0" destOrd="0" presId="urn:microsoft.com/office/officeart/2005/8/layout/hProcess9"/>
-    <dgm:cxn modelId="{02B74705-A6C2-43D6-A325-D2FCCD2762C2}" type="presOf" srcId="{30C738D4-3ADA-49C1-B87B-61D672A94EE8}" destId="{8413A469-210A-4315-B81D-08A2F85CDB37}" srcOrd="0" destOrd="3" presId="urn:microsoft.com/office/officeart/2005/8/layout/hProcess9"/>
-    <dgm:cxn modelId="{FC75BD06-6E4E-4B3C-B8C5-DA55BDE2A3B2}" srcId="{E85C27E5-31F4-421B-8C43-D8728044324D}" destId="{F496DE44-3353-4C0E-9478-B640731B4617}" srcOrd="0" destOrd="0" parTransId="{F50989FC-E599-4FA2-94A8-B06DC21CD6D8}" sibTransId="{C624C880-4CF5-465E-8848-B6BA4F1C8F80}"/>
-    <dgm:cxn modelId="{2B2A2B10-88BA-4FF8-8124-C828D9C5B842}" srcId="{740A65DF-8B34-4015-B867-4F799B59E9C8}" destId="{9923684D-1A47-4E75-AC5F-136599D7800B}" srcOrd="0" destOrd="0" parTransId="{1562586C-D525-45AC-86A0-A905692C0CE1}" sibTransId="{A7E49CDD-DA81-4F16-A2DE-CDAC121B59A1}"/>
-    <dgm:cxn modelId="{25549212-0489-435A-B515-D494EF35FAF7}" srcId="{2011EBBB-A8B6-4EB6-9B57-AEBF1FFE1515}" destId="{E67D78D7-FB41-4DC3-B122-BAFBF87AB564}" srcOrd="0" destOrd="0" parTransId="{FA9303C6-EB3F-4E3A-BB07-D99A2516B7B9}" sibTransId="{3FAA5688-FD7E-40E3-B1C9-A1327D34250B}"/>
-    <dgm:cxn modelId="{2D5B3B15-CFD4-4063-BC8B-3EFA0CEA28AA}" type="presOf" srcId="{251A1435-31A5-4423-B935-C9EF8CAE60B0}" destId="{0FC23831-EAAB-4BC6-8D4D-5572CF630231}" srcOrd="0" destOrd="0" presId="urn:microsoft.com/office/officeart/2005/8/layout/hProcess9"/>
-    <dgm:cxn modelId="{02ECBA15-A5C3-4971-9B3D-5596C493AF80}" type="presOf" srcId="{F50D35F3-75E5-46F2-9C8B-A697DCBA5779}" destId="{8413A469-210A-4315-B81D-08A2F85CDB37}" srcOrd="0" destOrd="2" presId="urn:microsoft.com/office/officeart/2005/8/layout/hProcess9"/>
-    <dgm:cxn modelId="{3A300623-659E-4642-B6BF-F010F5EB95DB}" srcId="{512B0042-C276-43B5-AEAD-D34BE4ABAC81}" destId="{97C5EE35-D283-4063-AEB3-AC9A2FAA3ACB}" srcOrd="0" destOrd="0" parTransId="{D641B8FD-5355-49DE-B5C6-F84DA6F69180}" sibTransId="{A08C06F9-3903-40E0-B2B7-C3110CF7FF93}"/>
-    <dgm:cxn modelId="{9198F731-584D-465C-8487-1733361368E4}" srcId="{AC7295A4-4A74-467B-91F7-C26141C0B8CF}" destId="{512B0042-C276-43B5-AEAD-D34BE4ABAC81}" srcOrd="4" destOrd="0" parTransId="{55F815E3-191F-4CC6-974F-86401BA3E145}" sibTransId="{AD8FF87B-BCEE-4306-8E53-CA4AD57DA3AB}"/>
+    <dgm:cxn modelId="{A3EF90EE-1233-4BD1-8488-24E2F6EBAF6D}" srcId="{AC7295A4-4A74-467B-91F7-C26141C0B8CF}" destId="{7CD3988C-686A-4208-9BF0-6F9025A84638}" srcOrd="7" destOrd="0" parTransId="{619A1092-70CC-443A-B8B9-BD47BFB97AC7}" sibTransId="{331D0A34-39BE-43F9-BB19-40C55AFC5FFB}"/>
+    <dgm:cxn modelId="{21E5B18E-8C19-4DD3-8C32-60D3EA22B6B8}" type="presOf" srcId="{E85C27E5-31F4-421B-8C43-D8728044324D}" destId="{3981E63F-818C-4354-A8D1-34C2350FD213}" srcOrd="0" destOrd="0" presId="urn:microsoft.com/office/officeart/2005/8/layout/hProcess9"/>
     <dgm:cxn modelId="{75D25540-3511-450A-8B6C-83A6F856D68C}" srcId="{21175A44-72F1-427E-817F-F54B6DADC0A4}" destId="{DF9BEDFB-8241-46C7-BDF9-A612B650453C}" srcOrd="0" destOrd="0" parTransId="{E49677B4-311D-4993-A63B-4DD441DFB623}" sibTransId="{D13CFC0A-3056-4F02-A0E8-20382C08A565}"/>
     <dgm:cxn modelId="{2F7D0744-CA3F-47AC-A95F-7D9A4EB38D36}" type="presOf" srcId="{21175A44-72F1-427E-817F-F54B6DADC0A4}" destId="{1ABABA1D-94C0-4E80-94F9-A64ECAD35E65}" srcOrd="0" destOrd="0" presId="urn:microsoft.com/office/officeart/2005/8/layout/hProcess9"/>
-    <dgm:cxn modelId="{1A5FB954-EE3B-4800-A818-753A7A54D49F}" type="presOf" srcId="{512B0042-C276-43B5-AEAD-D34BE4ABAC81}" destId="{8A076A40-569B-4522-8A32-9C5FEC39EF09}" srcOrd="0" destOrd="0" presId="urn:microsoft.com/office/officeart/2005/8/layout/hProcess9"/>
-    <dgm:cxn modelId="{0831D755-B133-4C54-9931-63E3CDFC88CD}" type="presOf" srcId="{2011EBBB-A8B6-4EB6-9B57-AEBF1FFE1515}" destId="{2BD1CE01-B3DF-428E-801E-5AB0E3B457BC}" srcOrd="0" destOrd="0" presId="urn:microsoft.com/office/officeart/2005/8/layout/hProcess9"/>
+    <dgm:cxn modelId="{EF9EA4BB-CF80-4506-A7CA-636CD6134683}" type="presOf" srcId="{29D568A9-A3CB-4F55-B68B-E2F5DBC8FA8A}" destId="{F8264DAE-394B-4D5A-AD1C-72691CC59683}" srcOrd="0" destOrd="1" presId="urn:microsoft.com/office/officeart/2005/8/layout/hProcess9"/>
+    <dgm:cxn modelId="{04C5A2E1-09AB-4E9B-826C-77673B8778DC}" srcId="{740A65DF-8B34-4015-B867-4F799B59E9C8}" destId="{30C738D4-3ADA-49C1-B87B-61D672A94EE8}" srcOrd="2" destOrd="0" parTransId="{0BA963E5-6FEC-4160-BDF9-96EABF082252}" sibTransId="{6DE25C05-B52B-4822-BFCF-814F5C284FF1}"/>
     <dgm:cxn modelId="{A570AC56-44C4-4B57-A76D-B905EDFFD160}" type="presOf" srcId="{7AA6EA55-6475-4114-BDDB-B020AE3F922E}" destId="{FB7D8470-4FFD-4C42-8888-A64AC63C3253}" srcOrd="0" destOrd="1" presId="urn:microsoft.com/office/officeart/2005/8/layout/hProcess9"/>
-    <dgm:cxn modelId="{DADC0658-6729-495A-9DE7-ADFD38C75FAA}" type="presOf" srcId="{740A65DF-8B34-4015-B867-4F799B59E9C8}" destId="{8413A469-210A-4315-B81D-08A2F85CDB37}" srcOrd="0" destOrd="0" presId="urn:microsoft.com/office/officeart/2005/8/layout/hProcess9"/>
-    <dgm:cxn modelId="{C1BC5C59-A1BC-470A-962E-F0E9040346A3}" srcId="{7CD3988C-686A-4208-9BF0-6F9025A84638}" destId="{29D568A9-A3CB-4F55-B68B-E2F5DBC8FA8A}" srcOrd="0" destOrd="0" parTransId="{B1FBE946-8F69-433A-841A-BEB5454DA153}" sibTransId="{75BC69B8-81F0-48C9-BF9B-768780599D77}"/>
-    <dgm:cxn modelId="{C76E4784-9315-4D16-8A1B-73D44A6D3650}" srcId="{1F56DB73-0EB5-4D08-96CF-C5EA3528BC7F}" destId="{7AA6EA55-6475-4114-BDDB-B020AE3F922E}" srcOrd="0" destOrd="0" parTransId="{F222544F-876D-4B77-BFDF-C2E404140044}" sibTransId="{A3B00575-06D2-4EDD-9A35-6F117A812393}"/>
-    <dgm:cxn modelId="{71B6EF85-9352-444E-B54B-4967DAA47657}" type="presOf" srcId="{F496DE44-3353-4C0E-9478-B640731B4617}" destId="{3981E63F-818C-4354-A8D1-34C2350FD213}" srcOrd="0" destOrd="1" presId="urn:microsoft.com/office/officeart/2005/8/layout/hProcess9"/>
-    <dgm:cxn modelId="{21E5B18E-8C19-4DD3-8C32-60D3EA22B6B8}" type="presOf" srcId="{E85C27E5-31F4-421B-8C43-D8728044324D}" destId="{3981E63F-818C-4354-A8D1-34C2350FD213}" srcOrd="0" destOrd="0" presId="urn:microsoft.com/office/officeart/2005/8/layout/hProcess9"/>
-    <dgm:cxn modelId="{E3AA6E92-26F8-4B79-A24F-049B79D003E0}" srcId="{AC7295A4-4A74-467B-91F7-C26141C0B8CF}" destId="{251A1435-31A5-4423-B935-C9EF8CAE60B0}" srcOrd="6" destOrd="0" parTransId="{FC726725-A2AA-4312-BB3B-E81633F86EE1}" sibTransId="{6A3827EA-0A4A-46A9-BDBE-D106D715ECA2}"/>
-    <dgm:cxn modelId="{7FE49199-D3CB-4581-B372-945F26129C6C}" srcId="{AC7295A4-4A74-467B-91F7-C26141C0B8CF}" destId="{E85C27E5-31F4-421B-8C43-D8728044324D}" srcOrd="3" destOrd="0" parTransId="{8FC39F06-CC30-445B-9482-C0516E8EA3AA}" sibTransId="{191D20FF-B882-486B-9153-8A0E3907692E}"/>
     <dgm:cxn modelId="{109FCB9D-777D-4D96-8160-3B746559A14C}" type="presOf" srcId="{E67D78D7-FB41-4DC3-B122-BAFBF87AB564}" destId="{2BD1CE01-B3DF-428E-801E-5AB0E3B457BC}" srcOrd="0" destOrd="1" presId="urn:microsoft.com/office/officeart/2005/8/layout/hProcess9"/>
-    <dgm:cxn modelId="{8EEF2B9F-2CD6-4E50-A5BD-DFFFB82B0A23}" srcId="{AC7295A4-4A74-467B-91F7-C26141C0B8CF}" destId="{740A65DF-8B34-4015-B867-4F799B59E9C8}" srcOrd="0" destOrd="0" parTransId="{D8D55B38-94D3-40B2-92BA-6BAB2880ACF8}" sibTransId="{E98223CD-CBB9-4E49-87DF-FEDC957477D7}"/>
-    <dgm:cxn modelId="{5BE1DAA0-CCCA-4E06-BC1E-65674C60673B}" srcId="{740A65DF-8B34-4015-B867-4F799B59E9C8}" destId="{F50D35F3-75E5-46F2-9C8B-A697DCBA5779}" srcOrd="1" destOrd="0" parTransId="{232F0037-8BBD-4194-AD5C-BE549C1A927A}" sibTransId="{65EBBF3B-4E03-4FCB-AEE9-0669F0B95180}"/>
-    <dgm:cxn modelId="{DDB5EDA4-DE30-46E1-AAA1-BB4D7C9ED4DE}" srcId="{AC7295A4-4A74-467B-91F7-C26141C0B8CF}" destId="{2011EBBB-A8B6-4EB6-9B57-AEBF1FFE1515}" srcOrd="2" destOrd="0" parTransId="{FB08CAAE-0BEC-47B4-994A-A10EC8F66696}" sibTransId="{FDAEFEF1-67D3-4A9A-AD6C-362F53ED1B78}"/>
-    <dgm:cxn modelId="{C4BDA2AA-823C-4644-BD03-80B87E70A1A5}" srcId="{AC7295A4-4A74-467B-91F7-C26141C0B8CF}" destId="{21175A44-72F1-427E-817F-F54B6DADC0A4}" srcOrd="1" destOrd="0" parTransId="{562D538A-BFA8-4497-9AC3-2459C4E8C013}" sibTransId="{D1A3C03F-DB58-49E8-9DEA-2659B030BA99}"/>
-    <dgm:cxn modelId="{18D6A4B3-047A-4B00-A462-64F7C9B48168}" type="presOf" srcId="{AC7295A4-4A74-467B-91F7-C26141C0B8CF}" destId="{35E59B6F-4F7B-45CF-822E-43430880B4AC}" srcOrd="0" destOrd="0" presId="urn:microsoft.com/office/officeart/2005/8/layout/hProcess9"/>
-    <dgm:cxn modelId="{D3F544B7-6593-46D6-BC2D-3ED304B3A378}" type="presOf" srcId="{6F08482B-3EDB-4336-9DE9-8E3CE8085A19}" destId="{0FC23831-EAAB-4BC6-8D4D-5572CF630231}" srcOrd="0" destOrd="1" presId="urn:microsoft.com/office/officeart/2005/8/layout/hProcess9"/>
-    <dgm:cxn modelId="{EF9EA4BB-CF80-4506-A7CA-636CD6134683}" type="presOf" srcId="{29D568A9-A3CB-4F55-B68B-E2F5DBC8FA8A}" destId="{F8264DAE-394B-4D5A-AD1C-72691CC59683}" srcOrd="0" destOrd="1" presId="urn:microsoft.com/office/officeart/2005/8/layout/hProcess9"/>
-    <dgm:cxn modelId="{EE5042CB-9F48-4E10-976D-C7E303ED9CA8}" type="presOf" srcId="{9923684D-1A47-4E75-AC5F-136599D7800B}" destId="{8413A469-210A-4315-B81D-08A2F85CDB37}" srcOrd="0" destOrd="1" presId="urn:microsoft.com/office/officeart/2005/8/layout/hProcess9"/>
-    <dgm:cxn modelId="{E12866D6-7288-4A7D-BAE3-93CBE1746360}" srcId="{251A1435-31A5-4423-B935-C9EF8CAE60B0}" destId="{6F08482B-3EDB-4336-9DE9-8E3CE8085A19}" srcOrd="0" destOrd="0" parTransId="{9A1F2D7D-8CFD-4F5B-9342-ADF18658923E}" sibTransId="{F20185E2-FBB8-4625-92E4-C669356179AE}"/>
-    <dgm:cxn modelId="{94C656D9-0AAF-4D18-8508-B84B109D1C9C}" type="presOf" srcId="{DF9BEDFB-8241-46C7-BDF9-A612B650453C}" destId="{1ABABA1D-94C0-4E80-94F9-A64ECAD35E65}" srcOrd="0" destOrd="1" presId="urn:microsoft.com/office/officeart/2005/8/layout/hProcess9"/>
-    <dgm:cxn modelId="{D984B5DA-8ADA-42A8-831C-0DD7BCDC3EDF}" srcId="{AC7295A4-4A74-467B-91F7-C26141C0B8CF}" destId="{1F56DB73-0EB5-4D08-96CF-C5EA3528BC7F}" srcOrd="5" destOrd="0" parTransId="{C1D7DA29-E4A7-4B0A-91A3-1D413C3C9214}" sibTransId="{31ABCE90-485D-43E6-875E-21D0D729B0A8}"/>
-    <dgm:cxn modelId="{04C5A2E1-09AB-4E9B-826C-77673B8778DC}" srcId="{740A65DF-8B34-4015-B867-4F799B59E9C8}" destId="{30C738D4-3ADA-49C1-B87B-61D672A94EE8}" srcOrd="2" destOrd="0" parTransId="{0BA963E5-6FEC-4160-BDF9-96EABF082252}" sibTransId="{6DE25C05-B52B-4822-BFCF-814F5C284FF1}"/>
-    <dgm:cxn modelId="{E66C8CE6-4E14-4BAB-87E3-F00B40CCD40E}" type="presOf" srcId="{1F56DB73-0EB5-4D08-96CF-C5EA3528BC7F}" destId="{FB7D8470-4FFD-4C42-8888-A64AC63C3253}" srcOrd="0" destOrd="0" presId="urn:microsoft.com/office/officeart/2005/8/layout/hProcess9"/>
-    <dgm:cxn modelId="{A3EF90EE-1233-4BD1-8488-24E2F6EBAF6D}" srcId="{AC7295A4-4A74-467B-91F7-C26141C0B8CF}" destId="{7CD3988C-686A-4208-9BF0-6F9025A84638}" srcOrd="7" destOrd="0" parTransId="{619A1092-70CC-443A-B8B9-BD47BFB97AC7}" sibTransId="{331D0A34-39BE-43F9-BB19-40C55AFC5FFB}"/>
-    <dgm:cxn modelId="{496AB0F6-3F17-42FF-A5A8-073548CC9DA3}" type="presOf" srcId="{97C5EE35-D283-4063-AEB3-AC9A2FAA3ACB}" destId="{8A076A40-569B-4522-8A32-9C5FEC39EF09}" srcOrd="0" destOrd="1" presId="urn:microsoft.com/office/officeart/2005/8/layout/hProcess9"/>
     <dgm:cxn modelId="{F664463D-1C20-4D1D-A432-C06CFDE9CAF7}" type="presParOf" srcId="{35E59B6F-4F7B-45CF-822E-43430880B4AC}" destId="{4AB912ED-5F31-40D7-941C-02C200E6DE6B}" srcOrd="0" destOrd="0" presId="urn:microsoft.com/office/officeart/2005/8/layout/hProcess9"/>
     <dgm:cxn modelId="{9018B96B-4072-481C-B3A8-FF9222479CC9}" type="presParOf" srcId="{35E59B6F-4F7B-45CF-822E-43430880B4AC}" destId="{CF2F9E8B-76A3-4A95-9BD9-70EB9964F408}" srcOrd="1" destOrd="0" presId="urn:microsoft.com/office/officeart/2005/8/layout/hProcess9"/>
     <dgm:cxn modelId="{DDFE550A-5A17-4285-AD68-55A00B87771D}" type="presParOf" srcId="{CF2F9E8B-76A3-4A95-9BD9-70EB9964F408}" destId="{8413A469-210A-4315-B81D-08A2F85CDB37}" srcOrd="0" destOrd="0" presId="urn:microsoft.com/office/officeart/2005/8/layout/hProcess9"/>
@@ -8228,7 +8312,7 @@
         </a:bodyPr>
         <a:lstStyle/>
         <a:p>
-          <a:pPr marL="0" lvl="0" indent="0" algn="l" defTabSz="889000">
+          <a:pPr lvl="0" algn="l" defTabSz="889000">
             <a:lnSpc>
               <a:spcPct val="90000"/>
             </a:lnSpc>
@@ -8238,7 +8322,6 @@
             <a:spcAft>
               <a:spcPct val="35000"/>
             </a:spcAft>
-            <a:buNone/>
           </a:pPr>
           <a:r>
             <a:rPr lang="de-AT" sz="2000" kern="1200" dirty="0"/>
@@ -8257,11 +8340,19 @@
             <a:spcAft>
               <a:spcPct val="15000"/>
             </a:spcAft>
-            <a:buChar char="•"/>
+            <a:buChar char="••"/>
           </a:pPr>
           <a:r>
-            <a:rPr lang="de-AT" sz="1400" kern="1200"/>
-            <a:t>Fickr: FlickrAuth</a:t>
+            <a:rPr lang="de-AT" sz="1400" kern="1200" dirty="0" smtClean="0"/>
+            <a:t>Flickr</a:t>
+          </a:r>
+          <a:r>
+            <a:rPr lang="de-AT" sz="1400" kern="1200" dirty="0"/>
+            <a:t>: </a:t>
+          </a:r>
+          <a:r>
+            <a:rPr lang="de-AT" sz="1400" kern="1200" dirty="0" err="1"/>
+            <a:t>FlickrAuth</a:t>
           </a:r>
           <a:endParaRPr lang="en-US" sz="1400" kern="1200" dirty="0"/>
         </a:p>
@@ -8276,11 +8367,19 @@
             <a:spcAft>
               <a:spcPct val="15000"/>
             </a:spcAft>
-            <a:buChar char="•"/>
+            <a:buChar char="••"/>
           </a:pPr>
           <a:r>
-            <a:rPr lang="de-AT" sz="1400" kern="1200"/>
-            <a:t>Goole: AuthSub</a:t>
+            <a:rPr lang="de-AT" sz="1400" kern="1200" dirty="0" smtClean="0"/>
+            <a:t>Google</a:t>
+          </a:r>
+          <a:r>
+            <a:rPr lang="de-AT" sz="1400" kern="1200" dirty="0"/>
+            <a:t>: </a:t>
+          </a:r>
+          <a:r>
+            <a:rPr lang="de-AT" sz="1400" kern="1200" dirty="0" err="1"/>
+            <a:t>AuthSub</a:t>
           </a:r>
           <a:endParaRPr lang="en-US" sz="1400" kern="1200" dirty="0"/>
         </a:p>
@@ -8295,11 +8394,15 @@
             <a:spcAft>
               <a:spcPct val="15000"/>
             </a:spcAft>
-            <a:buChar char="•"/>
+            <a:buChar char="••"/>
           </a:pPr>
           <a:r>
-            <a:rPr lang="de-AT" sz="1400" kern="1200"/>
-            <a:t>Yahoo:  BBAuth</a:t>
+            <a:rPr lang="de-AT" sz="1400" kern="1200" dirty="0"/>
+            <a:t>Yahoo:  </a:t>
+          </a:r>
+          <a:r>
+            <a:rPr lang="de-AT" sz="1400" kern="1200" dirty="0" err="1"/>
+            <a:t>BBAuth</a:t>
           </a:r>
           <a:endParaRPr lang="en-US" sz="1400" kern="1200" dirty="0"/>
         </a:p>
@@ -8408,7 +8511,7 @@
         </a:bodyPr>
         <a:lstStyle/>
         <a:p>
-          <a:pPr marL="0" lvl="0" indent="0" algn="l" defTabSz="889000">
+          <a:pPr lvl="0" algn="l" defTabSz="889000">
             <a:lnSpc>
               <a:spcPct val="90000"/>
             </a:lnSpc>
@@ -8418,7 +8521,6 @@
             <a:spcAft>
               <a:spcPct val="35000"/>
             </a:spcAft>
-            <a:buNone/>
           </a:pPr>
           <a:r>
             <a:rPr lang="de-AT" sz="2000" kern="1200"/>
@@ -8437,7 +8539,7 @@
             <a:spcAft>
               <a:spcPct val="15000"/>
             </a:spcAft>
-            <a:buChar char="•"/>
+            <a:buChar char="••"/>
           </a:pPr>
           <a:r>
             <a:rPr lang="de-AT" sz="1400" kern="1200"/>
@@ -8456,7 +8558,7 @@
             <a:spcAft>
               <a:spcPct val="15000"/>
             </a:spcAft>
-            <a:buChar char="•"/>
+            <a:buChar char="••"/>
           </a:pPr>
           <a:r>
             <a:rPr lang="de-AT" sz="1400" kern="1200"/>
@@ -8475,7 +8577,7 @@
             <a:spcAft>
               <a:spcPct val="15000"/>
             </a:spcAft>
-            <a:buChar char="•"/>
+            <a:buChar char="••"/>
           </a:pPr>
           <a:r>
             <a:rPr lang="de-AT" sz="1400" kern="1200"/>
@@ -8536,7 +8638,7 @@
         </a:bodyPr>
         <a:lstStyle/>
         <a:p>
-          <a:pPr marL="0" lvl="0" indent="0" algn="l" defTabSz="889000">
+          <a:pPr marL="0" lvl="0" algn="l" defTabSz="889000">
             <a:lnSpc>
               <a:spcPct val="90000"/>
             </a:lnSpc>
@@ -8565,7 +8667,7 @@
             <a:spcAft>
               <a:spcPct val="15000"/>
             </a:spcAft>
-            <a:buNone/>
+            <a:buChar char="••"/>
           </a:pPr>
           <a:r>
             <a:rPr lang="de-AT" sz="1400" kern="1200"/>
@@ -8626,7 +8728,7 @@
         </a:bodyPr>
         <a:lstStyle/>
         <a:p>
-          <a:pPr marL="0" lvl="0" indent="0" algn="l" defTabSz="889000">
+          <a:pPr marL="0" lvl="0" algn="l" defTabSz="889000">
             <a:lnSpc>
               <a:spcPct val="90000"/>
             </a:lnSpc>
@@ -8655,7 +8757,7 @@
             <a:spcAft>
               <a:spcPct val="15000"/>
             </a:spcAft>
-            <a:buNone/>
+            <a:buChar char="••"/>
           </a:pPr>
           <a:r>
             <a:rPr lang="de-AT" sz="1400" kern="1200" dirty="0"/>
@@ -8716,7 +8818,7 @@
         </a:bodyPr>
         <a:lstStyle/>
         <a:p>
-          <a:pPr marL="0" lvl="0" indent="0" algn="l" defTabSz="889000">
+          <a:pPr marL="0" lvl="0" algn="l" defTabSz="889000">
             <a:lnSpc>
               <a:spcPct val="90000"/>
             </a:lnSpc>
@@ -8745,7 +8847,7 @@
             <a:spcAft>
               <a:spcPct val="15000"/>
             </a:spcAft>
-            <a:buNone/>
+            <a:buChar char="••"/>
           </a:pPr>
           <a:r>
             <a:rPr lang="de-AT" sz="1400" b="1" kern="1200" dirty="0"/>
@@ -8818,7 +8920,7 @@
         </a:bodyPr>
         <a:lstStyle/>
         <a:p>
-          <a:pPr marL="0" lvl="0" indent="0" algn="l" defTabSz="889000">
+          <a:pPr marL="0" lvl="0" algn="l" defTabSz="889000">
             <a:lnSpc>
               <a:spcPct val="90000"/>
             </a:lnSpc>
@@ -8847,7 +8949,7 @@
             <a:spcAft>
               <a:spcPct val="15000"/>
             </a:spcAft>
-            <a:buNone/>
+            <a:buChar char="••"/>
           </a:pPr>
           <a:r>
             <a:rPr lang="de-AT" sz="1400" kern="1200"/>
@@ -8908,7 +9010,7 @@
         </a:bodyPr>
         <a:lstStyle/>
         <a:p>
-          <a:pPr marL="0" lvl="0" indent="0" algn="l" defTabSz="889000">
+          <a:pPr marL="0" lvl="0" algn="l" defTabSz="889000">
             <a:lnSpc>
               <a:spcPct val="90000"/>
             </a:lnSpc>
@@ -8937,7 +9039,7 @@
             <a:spcAft>
               <a:spcPct val="15000"/>
             </a:spcAft>
-            <a:buNone/>
+            <a:buChar char="••"/>
           </a:pPr>
           <a:r>
             <a:rPr lang="de-AT" sz="1400" b="1" kern="1200" dirty="0"/>
@@ -8998,7 +9100,7 @@
         </a:bodyPr>
         <a:lstStyle/>
         <a:p>
-          <a:pPr marL="0" lvl="0" indent="0" algn="l" defTabSz="889000">
+          <a:pPr lvl="0" algn="l" defTabSz="889000">
             <a:lnSpc>
               <a:spcPct val="90000"/>
             </a:lnSpc>
@@ -9027,7 +9129,7 @@
             <a:spcAft>
               <a:spcPct val="15000"/>
             </a:spcAft>
-            <a:buNone/>
+            <a:buChar char="••"/>
           </a:pPr>
           <a:r>
             <a:rPr lang="de-AT" sz="1400" kern="1200"/>
@@ -9088,7 +9190,7 @@
         </a:bodyPr>
         <a:lstStyle/>
         <a:p>
-          <a:pPr marL="0" lvl="0" indent="0" algn="l" defTabSz="889000">
+          <a:pPr lvl="0" algn="l" defTabSz="889000">
             <a:lnSpc>
               <a:spcPct val="90000"/>
             </a:lnSpc>
@@ -9117,7 +9219,7 @@
             <a:spcAft>
               <a:spcPct val="15000"/>
             </a:spcAft>
-            <a:buNone/>
+            <a:buChar char="••"/>
           </a:pPr>
           <a:r>
             <a:rPr lang="de-AT" sz="1400" b="1" kern="1200"/>
@@ -11874,7 +11976,7 @@
           <a:p>
             <a:fld id="{FF084CBC-36E0-4CC0-918D-767D7E309F2F}" type="datetimeFigureOut">
               <a:rPr lang="en-US" smtClean="0"/>
-              <a:t>11/30/2018</a:t>
+              <a:t>2018-11-30</a:t>
             </a:fld>
             <a:endParaRPr lang="en-US"/>
           </a:p>
@@ -12456,7 +12558,7 @@
           <a:p>
             <a:fld id="{8272ECE3-2878-47BE-B879-BFDD2207B1DF}" type="datetimeFigureOut">
               <a:rPr lang="en-US" smtClean="0"/>
-              <a:t>11/30/2018</a:t>
+              <a:t>2018-11-30</a:t>
             </a:fld>
             <a:endParaRPr lang="en-US"/>
           </a:p>
@@ -12654,7 +12756,7 @@
           <a:p>
             <a:fld id="{8272ECE3-2878-47BE-B879-BFDD2207B1DF}" type="datetimeFigureOut">
               <a:rPr lang="en-US" smtClean="0"/>
-              <a:t>11/30/2018</a:t>
+              <a:t>2018-11-30</a:t>
             </a:fld>
             <a:endParaRPr lang="en-US"/>
           </a:p>
@@ -12862,7 +12964,7 @@
           <a:p>
             <a:fld id="{8272ECE3-2878-47BE-B879-BFDD2207B1DF}" type="datetimeFigureOut">
               <a:rPr lang="en-US" smtClean="0"/>
-              <a:t>11/30/2018</a:t>
+              <a:t>2018-11-30</a:t>
             </a:fld>
             <a:endParaRPr lang="en-US"/>
           </a:p>
@@ -13060,7 +13162,7 @@
           <a:p>
             <a:fld id="{8272ECE3-2878-47BE-B879-BFDD2207B1DF}" type="datetimeFigureOut">
               <a:rPr lang="en-US" smtClean="0"/>
-              <a:t>11/30/2018</a:t>
+              <a:t>2018-11-30</a:t>
             </a:fld>
             <a:endParaRPr lang="en-US"/>
           </a:p>
@@ -13335,7 +13437,7 @@
           <a:p>
             <a:fld id="{8272ECE3-2878-47BE-B879-BFDD2207B1DF}" type="datetimeFigureOut">
               <a:rPr lang="en-US" smtClean="0"/>
-              <a:t>11/30/2018</a:t>
+              <a:t>2018-11-30</a:t>
             </a:fld>
             <a:endParaRPr lang="en-US"/>
           </a:p>
@@ -13600,7 +13702,7 @@
           <a:p>
             <a:fld id="{8272ECE3-2878-47BE-B879-BFDD2207B1DF}" type="datetimeFigureOut">
               <a:rPr lang="en-US" smtClean="0"/>
-              <a:t>11/30/2018</a:t>
+              <a:t>2018-11-30</a:t>
             </a:fld>
             <a:endParaRPr lang="en-US"/>
           </a:p>
@@ -14012,7 +14114,7 @@
           <a:p>
             <a:fld id="{8272ECE3-2878-47BE-B879-BFDD2207B1DF}" type="datetimeFigureOut">
               <a:rPr lang="en-US" smtClean="0"/>
-              <a:t>11/30/2018</a:t>
+              <a:t>2018-11-30</a:t>
             </a:fld>
             <a:endParaRPr lang="en-US"/>
           </a:p>
@@ -14153,7 +14255,7 @@
           <a:p>
             <a:fld id="{8272ECE3-2878-47BE-B879-BFDD2207B1DF}" type="datetimeFigureOut">
               <a:rPr lang="en-US" smtClean="0"/>
-              <a:t>11/30/2018</a:t>
+              <a:t>2018-11-30</a:t>
             </a:fld>
             <a:endParaRPr lang="en-US"/>
           </a:p>
@@ -14266,7 +14368,7 @@
           <a:p>
             <a:fld id="{8272ECE3-2878-47BE-B879-BFDD2207B1DF}" type="datetimeFigureOut">
               <a:rPr lang="en-US" smtClean="0"/>
-              <a:t>11/30/2018</a:t>
+              <a:t>2018-11-30</a:t>
             </a:fld>
             <a:endParaRPr lang="en-US"/>
           </a:p>
@@ -14577,7 +14679,7 @@
           <a:p>
             <a:fld id="{8272ECE3-2878-47BE-B879-BFDD2207B1DF}" type="datetimeFigureOut">
               <a:rPr lang="en-US" smtClean="0"/>
-              <a:t>11/30/2018</a:t>
+              <a:t>2018-11-30</a:t>
             </a:fld>
             <a:endParaRPr lang="en-US"/>
           </a:p>
@@ -14865,7 +14967,7 @@
           <a:p>
             <a:fld id="{8272ECE3-2878-47BE-B879-BFDD2207B1DF}" type="datetimeFigureOut">
               <a:rPr lang="en-US" smtClean="0"/>
-              <a:t>11/30/2018</a:t>
+              <a:t>2018-11-30</a:t>
             </a:fld>
             <a:endParaRPr lang="en-US"/>
           </a:p>
@@ -15106,7 +15208,7 @@
           <a:p>
             <a:fld id="{8272ECE3-2878-47BE-B879-BFDD2207B1DF}" type="datetimeFigureOut">
               <a:rPr lang="en-US" smtClean="0"/>
-              <a:t>11/30/2018</a:t>
+              <a:t>2018-11-30</a:t>
             </a:fld>
             <a:endParaRPr lang="en-US"/>
           </a:p>
@@ -15597,6 +15699,13 @@
   <p:clrMapOvr>
     <a:masterClrMapping/>
   </p:clrMapOvr>
+  <p:timing>
+    <p:tnLst>
+      <p:par>
+        <p:cTn id="1" dur="indefinite" restart="never" nodeType="tmRoot"/>
+      </p:par>
+    </p:tnLst>
+  </p:timing>
 </p:sld>
 </file>
 
@@ -15681,6 +15790,13 @@
   <p:clrMapOvr>
     <a:masterClrMapping/>
   </p:clrMapOvr>
+  <p:timing>
+    <p:tnLst>
+      <p:par>
+        <p:cTn id="1" dur="indefinite" restart="never" nodeType="tmRoot"/>
+      </p:par>
+    </p:tnLst>
+  </p:timing>
 </p:sld>
 </file>
 
@@ -15851,7 +15967,7 @@
                   <a14:useLocalDpi xmlns:a14="http://schemas.microsoft.com/office/drawing/2010/main" val="0"/>
                 </a:ext>
                 <a:ext uri="{96DAC541-7B7A-43D3-8B79-37D633B846F1}">
-                  <asvg:svgBlip xmlns:asvg="http://schemas.microsoft.com/office/drawing/2016/SVG/main" r:embed="rId3"/>
+                  <asvg:svgBlip xmlns="" xmlns:asvg="http://schemas.microsoft.com/office/drawing/2016/SVG/main" r:embed="rId3"/>
                 </a:ext>
               </a:extLst>
             </a:blip>
@@ -15925,6 +16041,13 @@
   <p:clrMapOvr>
     <a:masterClrMapping/>
   </p:clrMapOvr>
+  <p:timing>
+    <p:tnLst>
+      <p:par>
+        <p:cTn id="1" dur="indefinite" restart="never" nodeType="tmRoot"/>
+      </p:par>
+    </p:tnLst>
+  </p:timing>
 </p:sld>
 </file>
 
@@ -16156,7 +16279,7 @@
                     <a14:useLocalDpi xmlns:a14="http://schemas.microsoft.com/office/drawing/2010/main" val="0"/>
                   </a:ext>
                   <a:ext uri="{96DAC541-7B7A-43D3-8B79-37D633B846F1}">
-                    <asvg:svgBlip xmlns:asvg="http://schemas.microsoft.com/office/drawing/2016/SVG/main" r:embed="rId3"/>
+                    <asvg:svgBlip xmlns="" xmlns:asvg="http://schemas.microsoft.com/office/drawing/2016/SVG/main" r:embed="rId3"/>
                   </a:ext>
                 </a:extLst>
               </a:blip>
@@ -16196,7 +16319,7 @@
                   <a14:useLocalDpi xmlns:a14="http://schemas.microsoft.com/office/drawing/2010/main" val="0"/>
                 </a:ext>
                 <a:ext uri="{96DAC541-7B7A-43D3-8B79-37D633B846F1}">
-                  <asvg:svgBlip xmlns:asvg="http://schemas.microsoft.com/office/drawing/2016/SVG/main" r:embed="rId5"/>
+                  <asvg:svgBlip xmlns="" xmlns:asvg="http://schemas.microsoft.com/office/drawing/2016/SVG/main" r:embed="rId5"/>
                 </a:ext>
               </a:extLst>
             </a:blip>
@@ -16225,6 +16348,13 @@
   <p:clrMapOvr>
     <a:masterClrMapping/>
   </p:clrMapOvr>
+  <p:timing>
+    <p:tnLst>
+      <p:par>
+        <p:cTn id="1" dur="indefinite" restart="never" nodeType="tmRoot"/>
+      </p:par>
+    </p:tnLst>
+  </p:timing>
 </p:sld>
 </file>
 
@@ -16427,7 +16557,7 @@
                     <a14:useLocalDpi xmlns:a14="http://schemas.microsoft.com/office/drawing/2010/main" val="0"/>
                   </a:ext>
                   <a:ext uri="{96DAC541-7B7A-43D3-8B79-37D633B846F1}">
-                    <asvg:svgBlip xmlns:asvg="http://schemas.microsoft.com/office/drawing/2016/SVG/main" r:embed="rId3"/>
+                    <asvg:svgBlip xmlns="" xmlns:asvg="http://schemas.microsoft.com/office/drawing/2016/SVG/main" r:embed="rId3"/>
                   </a:ext>
                 </a:extLst>
               </a:blip>
@@ -16466,7 +16596,7 @@
                     <a14:useLocalDpi xmlns:a14="http://schemas.microsoft.com/office/drawing/2010/main" val="0"/>
                   </a:ext>
                   <a:ext uri="{96DAC541-7B7A-43D3-8B79-37D633B846F1}">
-                    <asvg:svgBlip xmlns:asvg="http://schemas.microsoft.com/office/drawing/2016/SVG/main" r:embed="rId5"/>
+                    <asvg:svgBlip xmlns="" xmlns:asvg="http://schemas.microsoft.com/office/drawing/2016/SVG/main" r:embed="rId5"/>
                   </a:ext>
                 </a:extLst>
               </a:blip>
@@ -16537,6 +16667,13 @@
   <p:clrMapOvr>
     <a:masterClrMapping/>
   </p:clrMapOvr>
+  <p:timing>
+    <p:tnLst>
+      <p:par>
+        <p:cTn id="1" dur="indefinite" restart="never" nodeType="tmRoot"/>
+      </p:par>
+    </p:tnLst>
+  </p:timing>
 </p:sld>
 </file>
 
@@ -16601,7 +16738,7 @@
         <p:spPr/>
         <p:txBody>
           <a:bodyPr anchor="ctr">
-            <a:normAutofit lnSpcReduction="10000"/>
+            <a:normAutofit fontScale="92500" lnSpcReduction="10000"/>
           </a:bodyPr>
           <a:lstStyle/>
           <a:p>
@@ -16671,7 +16808,15 @@
             </a:r>
             <a:r>
               <a:rPr lang="de-DE" sz="2000" dirty="0"/>
-              <a:t> vertraulich gespeichert werden. Typischerweise eine native oder mobile Applikation.</a:t>
+              <a:t> vertraulich gespeichert werden. Typischerweise eine </a:t>
+            </a:r>
+            <a:r>
+              <a:rPr lang="de-DE" sz="2000" dirty="0" smtClean="0"/>
+              <a:t>native, mobile oder single-page Applikation</a:t>
+            </a:r>
+            <a:r>
+              <a:rPr lang="de-DE" sz="2000" dirty="0"/>
+              <a:t>.</a:t>
             </a:r>
           </a:p>
           <a:p>
@@ -16779,7 +16924,7 @@
                   <a14:useLocalDpi xmlns:a14="http://schemas.microsoft.com/office/drawing/2010/main" val="0"/>
                 </a:ext>
                 <a:ext uri="{96DAC541-7B7A-43D3-8B79-37D633B846F1}">
-                  <asvg:svgBlip xmlns:asvg="http://schemas.microsoft.com/office/drawing/2016/SVG/main" r:embed="rId3"/>
+                  <asvg:svgBlip xmlns="" xmlns:asvg="http://schemas.microsoft.com/office/drawing/2016/SVG/main" r:embed="rId3"/>
                 </a:ext>
               </a:extLst>
             </a:blip>
@@ -16853,6 +16998,13 @@
   <p:clrMapOvr>
     <a:masterClrMapping/>
   </p:clrMapOvr>
+  <p:timing>
+    <p:tnLst>
+      <p:par>
+        <p:cTn id="1" dur="indefinite" restart="never" nodeType="tmRoot"/>
+      </p:par>
+    </p:tnLst>
+  </p:timing>
 </p:sld>
 </file>
 
@@ -17042,7 +17194,7 @@
                     <a14:useLocalDpi xmlns:a14="http://schemas.microsoft.com/office/drawing/2010/main" val="0"/>
                   </a:ext>
                   <a:ext uri="{96DAC541-7B7A-43D3-8B79-37D633B846F1}">
-                    <asvg:svgBlip xmlns:asvg="http://schemas.microsoft.com/office/drawing/2016/SVG/main" r:embed="rId3"/>
+                    <asvg:svgBlip xmlns="" xmlns:asvg="http://schemas.microsoft.com/office/drawing/2016/SVG/main" r:embed="rId3"/>
                   </a:ext>
                 </a:extLst>
               </a:blip>
@@ -17119,7 +17271,7 @@
                   <a14:useLocalDpi xmlns:a14="http://schemas.microsoft.com/office/drawing/2010/main" val="0"/>
                 </a:ext>
                 <a:ext uri="{96DAC541-7B7A-43D3-8B79-37D633B846F1}">
-                  <asvg:svgBlip xmlns:asvg="http://schemas.microsoft.com/office/drawing/2016/SVG/main" r:embed="rId5"/>
+                  <asvg:svgBlip xmlns="" xmlns:asvg="http://schemas.microsoft.com/office/drawing/2016/SVG/main" r:embed="rId5"/>
                 </a:ext>
               </a:extLst>
             </a:blip>
@@ -17148,6 +17300,13 @@
   <p:clrMapOvr>
     <a:masterClrMapping/>
   </p:clrMapOvr>
+  <p:timing>
+    <p:tnLst>
+      <p:par>
+        <p:cTn id="1" dur="indefinite" restart="never" nodeType="tmRoot"/>
+      </p:par>
+    </p:tnLst>
+  </p:timing>
 </p:sld>
 </file>
 
@@ -17653,16 +17812,16 @@
                 </a:solidFill>
                 <a:latin typeface="Bradley Hand ITC" panose="03070402050302030203" pitchFamily="66" charset="0"/>
               </a:rPr>
-              <a:t>Client ID </a:t>
+              <a:t>Client ID für </a:t>
             </a:r>
             <a:r>
-              <a:rPr lang="en-US" sz="2400" b="1" dirty="0" err="1">
+              <a:rPr lang="en-US" sz="2400" b="1" dirty="0" smtClean="0">
                 <a:solidFill>
                   <a:srgbClr val="FF0000"/>
                 </a:solidFill>
                 <a:latin typeface="Bradley Hand ITC" panose="03070402050302030203" pitchFamily="66" charset="0"/>
               </a:rPr>
-              <a:t>für</a:t>
+              <a:t>den </a:t>
             </a:r>
             <a:r>
               <a:rPr lang="en-US" sz="2400" b="1" dirty="0">
@@ -17671,7 +17830,7 @@
                 </a:solidFill>
                 <a:latin typeface="Bradley Hand ITC" panose="03070402050302030203" pitchFamily="66" charset="0"/>
               </a:rPr>
-              <a:t> den das Token </a:t>
+              <a:t>das Token </a:t>
             </a:r>
             <a:r>
               <a:rPr lang="en-US" sz="2400" b="1" dirty="0" err="1">
@@ -17689,8 +17848,23 @@
                 </a:solidFill>
                 <a:latin typeface="Bradley Hand ITC" panose="03070402050302030203" pitchFamily="66" charset="0"/>
               </a:rPr>
-              <a:t> war</a:t>
+              <a:t> </a:t>
             </a:r>
+            <a:r>
+              <a:rPr lang="en-US" sz="2400" b="1" dirty="0" smtClean="0">
+                <a:solidFill>
+                  <a:srgbClr val="FF0000"/>
+                </a:solidFill>
+                <a:latin typeface="Bradley Hand ITC" panose="03070402050302030203" pitchFamily="66" charset="0"/>
+              </a:rPr>
+              <a:t>war</a:t>
+            </a:r>
+            <a:endParaRPr lang="en-US" sz="2400" b="1" dirty="0">
+              <a:solidFill>
+                <a:srgbClr val="FF0000"/>
+              </a:solidFill>
+              <a:latin typeface="Bradley Hand ITC" panose="03070402050302030203" pitchFamily="66" charset="0"/>
+            </a:endParaRPr>
           </a:p>
         </p:txBody>
       </p:sp>
@@ -18050,6 +18224,13 @@
   <p:clrMapOvr>
     <a:masterClrMapping/>
   </p:clrMapOvr>
+  <p:timing>
+    <p:tnLst>
+      <p:par>
+        <p:cTn id="1" dur="indefinite" restart="never" nodeType="tmRoot"/>
+      </p:par>
+    </p:tnLst>
+  </p:timing>
 </p:sld>
 </file>
 
@@ -18246,7 +18427,7 @@
                   <a14:useLocalDpi xmlns:a14="http://schemas.microsoft.com/office/drawing/2010/main" val="0"/>
                 </a:ext>
                 <a:ext uri="{96DAC541-7B7A-43D3-8B79-37D633B846F1}">
-                  <asvg:svgBlip xmlns:asvg="http://schemas.microsoft.com/office/drawing/2016/SVG/main" r:embed="rId3"/>
+                  <asvg:svgBlip xmlns="" xmlns:asvg="http://schemas.microsoft.com/office/drawing/2016/SVG/main" r:embed="rId3"/>
                 </a:ext>
               </a:extLst>
             </a:blip>
@@ -18312,6 +18493,13 @@
   <p:clrMapOvr>
     <a:masterClrMapping/>
   </p:clrMapOvr>
+  <p:timing>
+    <p:tnLst>
+      <p:par>
+        <p:cTn id="1" dur="indefinite" restart="never" nodeType="tmRoot"/>
+      </p:par>
+    </p:tnLst>
+  </p:timing>
 </p:sld>
 </file>
 
@@ -18805,6 +18993,13 @@
   <p:clrMapOvr>
     <a:masterClrMapping/>
   </p:clrMapOvr>
+  <p:timing>
+    <p:tnLst>
+      <p:par>
+        <p:cTn id="1" dur="indefinite" restart="never" nodeType="tmRoot"/>
+      </p:par>
+    </p:tnLst>
+  </p:timing>
 </p:sld>
 </file>
 
@@ -18989,7 +19184,7 @@
                     <a14:useLocalDpi xmlns:a14="http://schemas.microsoft.com/office/drawing/2010/main" val="0"/>
                   </a:ext>
                   <a:ext uri="{96DAC541-7B7A-43D3-8B79-37D633B846F1}">
-                    <asvg:svgBlip xmlns:asvg="http://schemas.microsoft.com/office/drawing/2016/SVG/main" r:embed="rId3"/>
+                    <asvg:svgBlip xmlns="" xmlns:asvg="http://schemas.microsoft.com/office/drawing/2016/SVG/main" r:embed="rId3"/>
                   </a:ext>
                 </a:extLst>
               </a:blip>
@@ -19066,7 +19261,7 @@
                   <a14:useLocalDpi xmlns:a14="http://schemas.microsoft.com/office/drawing/2010/main" val="0"/>
                 </a:ext>
                 <a:ext uri="{96DAC541-7B7A-43D3-8B79-37D633B846F1}">
-                  <asvg:svgBlip xmlns:asvg="http://schemas.microsoft.com/office/drawing/2016/SVG/main" r:embed="rId5"/>
+                  <asvg:svgBlip xmlns="" xmlns:asvg="http://schemas.microsoft.com/office/drawing/2016/SVG/main" r:embed="rId5"/>
                 </a:ext>
               </a:extLst>
             </a:blip>
@@ -19095,6 +19290,13 @@
   <p:clrMapOvr>
     <a:masterClrMapping/>
   </p:clrMapOvr>
+  <p:timing>
+    <p:tnLst>
+      <p:par>
+        <p:cTn id="1" dur="indefinite" restart="never" nodeType="tmRoot"/>
+      </p:par>
+    </p:tnLst>
+  </p:timing>
 </p:sld>
 </file>
 
@@ -19287,7 +19489,11 @@
           <a:p>
             <a:r>
               <a:rPr lang="de-AT" sz="3200" dirty="0"/>
-              <a:t>Daniel Wagner</a:t>
+              <a:t>Daniel </a:t>
+            </a:r>
+            <a:r>
+              <a:rPr lang="de-AT" sz="3200" dirty="0" smtClean="0"/>
+              <a:t>Wagner</a:t>
             </a:r>
             <a:endParaRPr lang="en-US" sz="3200" dirty="0"/>
           </a:p>
@@ -19307,8 +19513,8 @@
         </p:nvSpPr>
         <p:spPr>
           <a:xfrm>
-            <a:off x="2024169" y="5609358"/>
-            <a:ext cx="3026982" cy="584775"/>
+            <a:off x="2465920" y="5609358"/>
+            <a:ext cx="2659895" cy="584775"/>
           </a:xfrm>
           <a:prstGeom prst="rect">
             <a:avLst/>
@@ -19322,8 +19528,8 @@
           <a:lstStyle/>
           <a:p>
             <a:r>
-              <a:rPr lang="de-AT" sz="3200" dirty="0"/>
-              <a:t>@daniel_wagn3r</a:t>
+              <a:rPr lang="de-AT" sz="3200" dirty="0" smtClean="0"/>
+              <a:t>daniel_wagn3r</a:t>
             </a:r>
             <a:endParaRPr lang="en-US" sz="3200" dirty="0"/>
           </a:p>
@@ -19379,8 +19585,8 @@
         </p:nvSpPr>
         <p:spPr>
           <a:xfrm>
-            <a:off x="7690322" y="5609358"/>
-            <a:ext cx="1673279" cy="584775"/>
+            <a:off x="8113591" y="5609359"/>
+            <a:ext cx="1306191" cy="584775"/>
           </a:xfrm>
           <a:prstGeom prst="rect">
             <a:avLst/>
@@ -19394,11 +19600,7 @@
           <a:lstStyle/>
           <a:p>
             <a:r>
-              <a:rPr lang="de-AT" sz="3200" dirty="0"/>
-              <a:t>@</a:t>
-            </a:r>
-            <a:r>
-              <a:rPr lang="de-AT" sz="3200" dirty="0" err="1"/>
+              <a:rPr lang="de-AT" sz="3200" dirty="0" err="1" smtClean="0"/>
               <a:t>akalcik</a:t>
             </a:r>
             <a:endParaRPr lang="en-US" sz="3200" dirty="0"/>
@@ -19499,6 +19701,66 @@
           </a:extLst>
         </p:spPr>
       </p:pic>
+      <p:pic>
+        <p:nvPicPr>
+          <p:cNvPr id="3" name="Picture 2"/>
+          <p:cNvPicPr>
+            <a:picLocks noChangeAspect="1"/>
+          </p:cNvPicPr>
+          <p:nvPr/>
+        </p:nvPicPr>
+        <p:blipFill>
+          <a:blip r:embed="rId6" cstate="hqprint">
+            <a:extLst>
+              <a:ext uri="{28A0092B-C50C-407E-A947-70E740481C1C}">
+                <a14:useLocalDpi xmlns:a14="http://schemas.microsoft.com/office/drawing/2010/main" val="0"/>
+              </a:ext>
+            </a:extLst>
+          </a:blip>
+          <a:stretch>
+            <a:fillRect/>
+          </a:stretch>
+        </p:blipFill>
+        <p:spPr>
+          <a:xfrm>
+            <a:off x="2075830" y="5710311"/>
+            <a:ext cx="470002" cy="382867"/>
+          </a:xfrm>
+          <a:prstGeom prst="rect">
+            <a:avLst/>
+          </a:prstGeom>
+        </p:spPr>
+      </p:pic>
+      <p:pic>
+        <p:nvPicPr>
+          <p:cNvPr id="12" name="Picture 11"/>
+          <p:cNvPicPr>
+            <a:picLocks noChangeAspect="1"/>
+          </p:cNvPicPr>
+          <p:nvPr/>
+        </p:nvPicPr>
+        <p:blipFill>
+          <a:blip r:embed="rId6" cstate="hqprint">
+            <a:extLst>
+              <a:ext uri="{28A0092B-C50C-407E-A947-70E740481C1C}">
+                <a14:useLocalDpi xmlns:a14="http://schemas.microsoft.com/office/drawing/2010/main" val="0"/>
+              </a:ext>
+            </a:extLst>
+          </a:blip>
+          <a:stretch>
+            <a:fillRect/>
+          </a:stretch>
+        </p:blipFill>
+        <p:spPr>
+          <a:xfrm>
+            <a:off x="7692204" y="5710311"/>
+            <a:ext cx="470002" cy="382867"/>
+          </a:xfrm>
+          <a:prstGeom prst="rect">
+            <a:avLst/>
+          </a:prstGeom>
+        </p:spPr>
+      </p:pic>
     </p:spTree>
     <p:extLst>
       <p:ext uri="{BB962C8B-B14F-4D97-AF65-F5344CB8AC3E}">
@@ -19509,6 +19771,13 @@
   <p:clrMapOvr>
     <a:masterClrMapping/>
   </p:clrMapOvr>
+  <p:timing>
+    <p:tnLst>
+      <p:par>
+        <p:cTn id="1" dur="indefinite" restart="never" nodeType="tmRoot"/>
+      </p:par>
+    </p:tnLst>
+  </p:timing>
 </p:sld>
 </file>
 
@@ -19656,6 +19925,13 @@
   <p:clrMapOvr>
     <a:masterClrMapping/>
   </p:clrMapOvr>
+  <p:timing>
+    <p:tnLst>
+      <p:par>
+        <p:cTn id="1" dur="indefinite" restart="never" nodeType="tmRoot"/>
+      </p:par>
+    </p:tnLst>
+  </p:timing>
 </p:sld>
 </file>
 
@@ -19775,6 +20051,13 @@
   <p:clrMapOvr>
     <a:masterClrMapping/>
   </p:clrMapOvr>
+  <p:timing>
+    <p:tnLst>
+      <p:par>
+        <p:cTn id="1" dur="indefinite" restart="never" nodeType="tmRoot"/>
+      </p:par>
+    </p:tnLst>
+  </p:timing>
 </p:sld>
 </file>
 
@@ -19865,7 +20148,7 @@
                   <a14:useLocalDpi xmlns:a14="http://schemas.microsoft.com/office/drawing/2010/main" val="0"/>
                 </a:ext>
                 <a:ext uri="{96DAC541-7B7A-43D3-8B79-37D633B846F1}">
-                  <asvg:svgBlip xmlns:asvg="http://schemas.microsoft.com/office/drawing/2016/SVG/main" r:embed="rId3"/>
+                  <asvg:svgBlip xmlns="" xmlns:asvg="http://schemas.microsoft.com/office/drawing/2016/SVG/main" r:embed="rId3"/>
                 </a:ext>
               </a:extLst>
             </a:blip>
@@ -19962,7 +20245,7 @@
                   <a14:useLocalDpi xmlns:a14="http://schemas.microsoft.com/office/drawing/2010/main" val="0"/>
                 </a:ext>
                 <a:ext uri="{96DAC541-7B7A-43D3-8B79-37D633B846F1}">
-                  <asvg:svgBlip xmlns:asvg="http://schemas.microsoft.com/office/drawing/2016/SVG/main" r:embed="rId5"/>
+                  <asvg:svgBlip xmlns="" xmlns:asvg="http://schemas.microsoft.com/office/drawing/2016/SVG/main" r:embed="rId5"/>
                 </a:ext>
               </a:extLst>
             </a:blip>
@@ -20087,7 +20370,7 @@
                     <a14:useLocalDpi xmlns:a14="http://schemas.microsoft.com/office/drawing/2010/main" val="0"/>
                   </a:ext>
                   <a:ext uri="{96DAC541-7B7A-43D3-8B79-37D633B846F1}">
-                    <asvg:svgBlip xmlns:asvg="http://schemas.microsoft.com/office/drawing/2016/SVG/main" r:embed="rId7"/>
+                    <asvg:svgBlip xmlns="" xmlns:asvg="http://schemas.microsoft.com/office/drawing/2016/SVG/main" r:embed="rId7"/>
                   </a:ext>
                 </a:extLst>
               </a:blip>
@@ -20126,7 +20409,7 @@
                     <a14:useLocalDpi xmlns:a14="http://schemas.microsoft.com/office/drawing/2010/main" val="0"/>
                   </a:ext>
                   <a:ext uri="{96DAC541-7B7A-43D3-8B79-37D633B846F1}">
-                    <asvg:svgBlip xmlns:asvg="http://schemas.microsoft.com/office/drawing/2016/SVG/main" r:embed="rId9"/>
+                    <asvg:svgBlip xmlns="" xmlns:asvg="http://schemas.microsoft.com/office/drawing/2016/SVG/main" r:embed="rId9"/>
                   </a:ext>
                 </a:extLst>
               </a:blip>
@@ -20289,7 +20572,7 @@
                     <a14:useLocalDpi xmlns:a14="http://schemas.microsoft.com/office/drawing/2010/main" val="0"/>
                   </a:ext>
                   <a:ext uri="{96DAC541-7B7A-43D3-8B79-37D633B846F1}">
-                    <asvg:svgBlip xmlns:asvg="http://schemas.microsoft.com/office/drawing/2016/SVG/main" r:embed="rId9"/>
+                    <asvg:svgBlip xmlns="" xmlns:asvg="http://schemas.microsoft.com/office/drawing/2016/SVG/main" r:embed="rId9"/>
                   </a:ext>
                 </a:extLst>
               </a:blip>
@@ -20329,7 +20612,7 @@
                   <a14:useLocalDpi xmlns:a14="http://schemas.microsoft.com/office/drawing/2010/main" val="0"/>
                 </a:ext>
                 <a:ext uri="{96DAC541-7B7A-43D3-8B79-37D633B846F1}">
-                  <asvg:svgBlip xmlns:asvg="http://schemas.microsoft.com/office/drawing/2016/SVG/main" r:embed="rId11"/>
+                  <asvg:svgBlip xmlns="" xmlns:asvg="http://schemas.microsoft.com/office/drawing/2016/SVG/main" r:embed="rId11"/>
                 </a:ext>
               </a:extLst>
             </a:blip>
@@ -21153,6 +21436,13 @@
   <p:clrMapOvr>
     <a:masterClrMapping/>
   </p:clrMapOvr>
+  <p:timing>
+    <p:tnLst>
+      <p:par>
+        <p:cTn id="1" dur="indefinite" restart="never" nodeType="tmRoot"/>
+      </p:par>
+    </p:tnLst>
+  </p:timing>
 </p:sld>
 </file>
 
@@ -21241,6 +21531,13 @@
   <p:clrMapOvr>
     <a:masterClrMapping/>
   </p:clrMapOvr>
+  <p:timing>
+    <p:tnLst>
+      <p:par>
+        <p:cTn id="1" dur="indefinite" restart="never" nodeType="tmRoot"/>
+      </p:par>
+    </p:tnLst>
+  </p:timing>
 </p:sld>
 </file>
 
@@ -21444,6 +21741,13 @@
   <p:clrMapOvr>
     <a:masterClrMapping/>
   </p:clrMapOvr>
+  <p:timing>
+    <p:tnLst>
+      <p:par>
+        <p:cTn id="1" dur="indefinite" restart="never" nodeType="tmRoot"/>
+      </p:par>
+    </p:tnLst>
+  </p:timing>
 </p:sld>
 </file>
 
@@ -21542,7 +21846,7 @@
                   <a14:useLocalDpi xmlns:a14="http://schemas.microsoft.com/office/drawing/2010/main" val="0"/>
                 </a:ext>
                 <a:ext uri="{96DAC541-7B7A-43D3-8B79-37D633B846F1}">
-                  <asvg:svgBlip xmlns:asvg="http://schemas.microsoft.com/office/drawing/2016/SVG/main" r:embed="rId3"/>
+                  <asvg:svgBlip xmlns="" xmlns:asvg="http://schemas.microsoft.com/office/drawing/2016/SVG/main" r:embed="rId3"/>
                 </a:ext>
               </a:extLst>
             </a:blip>
@@ -21663,7 +21967,7 @@
                     <a14:useLocalDpi xmlns:a14="http://schemas.microsoft.com/office/drawing/2010/main" val="0"/>
                   </a:ext>
                   <a:ext uri="{96DAC541-7B7A-43D3-8B79-37D633B846F1}">
-                    <asvg:svgBlip xmlns:asvg="http://schemas.microsoft.com/office/drawing/2016/SVG/main" r:embed="rId5"/>
+                    <asvg:svgBlip xmlns="" xmlns:asvg="http://schemas.microsoft.com/office/drawing/2016/SVG/main" r:embed="rId5"/>
                   </a:ext>
                 </a:extLst>
               </a:blip>
@@ -21702,7 +22006,7 @@
                     <a14:useLocalDpi xmlns:a14="http://schemas.microsoft.com/office/drawing/2010/main" val="0"/>
                   </a:ext>
                   <a:ext uri="{96DAC541-7B7A-43D3-8B79-37D633B846F1}">
-                    <asvg:svgBlip xmlns:asvg="http://schemas.microsoft.com/office/drawing/2016/SVG/main" r:embed="rId7"/>
+                    <asvg:svgBlip xmlns="" xmlns:asvg="http://schemas.microsoft.com/office/drawing/2016/SVG/main" r:embed="rId7"/>
                   </a:ext>
                 </a:extLst>
               </a:blip>
@@ -22239,7 +22543,7 @@
                     <a14:useLocalDpi xmlns:a14="http://schemas.microsoft.com/office/drawing/2010/main" val="0"/>
                   </a:ext>
                   <a:ext uri="{96DAC541-7B7A-43D3-8B79-37D633B846F1}">
-                    <asvg:svgBlip xmlns:asvg="http://schemas.microsoft.com/office/drawing/2016/SVG/main" r:embed="rId7"/>
+                    <asvg:svgBlip xmlns="" xmlns:asvg="http://schemas.microsoft.com/office/drawing/2016/SVG/main" r:embed="rId7"/>
                   </a:ext>
                 </a:extLst>
               </a:blip>
@@ -22279,7 +22583,7 @@
                   <a14:useLocalDpi xmlns:a14="http://schemas.microsoft.com/office/drawing/2010/main" val="0"/>
                 </a:ext>
                 <a:ext uri="{96DAC541-7B7A-43D3-8B79-37D633B846F1}">
-                  <asvg:svgBlip xmlns:asvg="http://schemas.microsoft.com/office/drawing/2016/SVG/main" r:embed="rId11"/>
+                  <asvg:svgBlip xmlns="" xmlns:asvg="http://schemas.microsoft.com/office/drawing/2016/SVG/main" r:embed="rId11"/>
                 </a:ext>
               </a:extLst>
             </a:blip>
@@ -22421,6 +22725,13 @@
   <p:clrMapOvr>
     <a:masterClrMapping/>
   </p:clrMapOvr>
+  <p:timing>
+    <p:tnLst>
+      <p:par>
+        <p:cTn id="1" dur="indefinite" restart="never" nodeType="tmRoot"/>
+      </p:par>
+    </p:tnLst>
+  </p:timing>
 </p:sld>
 </file>
 
@@ -22490,11 +22801,17 @@
           <p:cNvGraphicFramePr>
             <a:graphicFrameLocks noGrp="1"/>
           </p:cNvGraphicFramePr>
-          <p:nvPr/>
+          <p:nvPr>
+            <p:extLst>
+              <p:ext uri="{D42A27DB-BD31-4B8C-83A1-F6EECF244321}">
+                <p14:modId xmlns:p14="http://schemas.microsoft.com/office/powerpoint/2010/main" val="3040827912"/>
+              </p:ext>
+            </p:extLst>
+          </p:nvPr>
         </p:nvGraphicFramePr>
         <p:xfrm>
           <a:off x="2032000" y="2872740"/>
-          <a:ext cx="8128000" cy="1112520"/>
+          <a:ext cx="8128000" cy="1381760"/>
         </p:xfrm>
         <a:graphic>
           <a:graphicData uri="http://schemas.openxmlformats.org/drawingml/2006/table">
@@ -22503,31 +22820,38 @@
                 <a:tableStyleId>{5940675A-B579-460E-94D1-54222C63F5DA}</a:tableStyleId>
               </a:tblPr>
               <a:tblGrid>
-                <a:gridCol w="2032000">
+                <a:gridCol w="1625600">
                   <a:extLst>
                     <a:ext uri="{9D8B030D-6E8A-4147-A177-3AD203B41FA5}">
                       <a16:colId xmlns:a16="http://schemas.microsoft.com/office/drawing/2014/main" val="1929636500"/>
                     </a:ext>
                   </a:extLst>
                 </a:gridCol>
-                <a:gridCol w="2032000">
+                <a:gridCol w="1625600">
                   <a:extLst>
                     <a:ext uri="{9D8B030D-6E8A-4147-A177-3AD203B41FA5}">
                       <a16:colId xmlns:a16="http://schemas.microsoft.com/office/drawing/2014/main" val="3240070001"/>
                     </a:ext>
                   </a:extLst>
                 </a:gridCol>
-                <a:gridCol w="2032000">
+                <a:gridCol w="1625600">
                   <a:extLst>
                     <a:ext uri="{9D8B030D-6E8A-4147-A177-3AD203B41FA5}">
                       <a16:colId xmlns:a16="http://schemas.microsoft.com/office/drawing/2014/main" val="116783287"/>
                     </a:ext>
                   </a:extLst>
                 </a:gridCol>
-                <a:gridCol w="2032000">
+                <a:gridCol w="1625600">
                   <a:extLst>
                     <a:ext uri="{9D8B030D-6E8A-4147-A177-3AD203B41FA5}">
                       <a16:colId xmlns:a16="http://schemas.microsoft.com/office/drawing/2014/main" val="492657174"/>
+                    </a:ext>
+                  </a:extLst>
+                </a:gridCol>
+                <a:gridCol w="1625600">
+                  <a:extLst>
+                    <a:ext uri="{9D8B030D-6E8A-4147-A177-3AD203B41FA5}">
+                      <a16:colId xmlns:a16="http://schemas.microsoft.com/office/drawing/2014/main" val="2051988827"/>
                     </a:ext>
                   </a:extLst>
                 </a:gridCol>
@@ -22649,6 +22973,33 @@
                     </a:solidFill>
                   </a:tcPr>
                 </a:tc>
+                <a:tc>
+                  <a:txBody>
+                    <a:bodyPr/>
+                    <a:lstStyle/>
+                    <a:p>
+                      <a:pPr algn="ctr"/>
+                      <a:r>
+                        <a:rPr lang="en-US" dirty="0" smtClean="0">
+                          <a:solidFill>
+                            <a:schemeClr val="bg1"/>
+                          </a:solidFill>
+                        </a:rPr>
+                        <a:t>Refresh Token</a:t>
+                      </a:r>
+                      <a:endParaRPr lang="en-US" dirty="0">
+                        <a:solidFill>
+                          <a:schemeClr val="bg1"/>
+                        </a:solidFill>
+                      </a:endParaRPr>
+                    </a:p>
+                  </a:txBody>
+                  <a:tcPr>
+                    <a:solidFill>
+                      <a:schemeClr val="tx1"/>
+                    </a:solidFill>
+                  </a:tcPr>
+                </a:tc>
                 <a:extLst>
                   <a:ext uri="{0D108BD9-81ED-4DB2-BD59-A6C34878D82A}">
                     <a16:rowId xmlns:a16="http://schemas.microsoft.com/office/drawing/2014/main" val="1928875511"/>
@@ -22683,10 +23034,6 @@
                     <a:lstStyle/>
                     <a:p>
                       <a:pPr algn="ctr"/>
-                      <a:r>
-                        <a:rPr lang="de-AT" dirty="0"/>
-                        <a:t>X</a:t>
-                      </a:r>
                       <a:endParaRPr lang="en-US" dirty="0"/>
                     </a:p>
                   </a:txBody>
@@ -22698,10 +23045,6 @@
                     <a:lstStyle/>
                     <a:p>
                       <a:pPr algn="ctr"/>
-                      <a:r>
-                        <a:rPr lang="de-AT" dirty="0"/>
-                        <a:t>X</a:t>
-                      </a:r>
                       <a:endParaRPr lang="en-US" dirty="0"/>
                     </a:p>
                   </a:txBody>
@@ -22713,10 +23056,17 @@
                     <a:lstStyle/>
                     <a:p>
                       <a:pPr algn="ctr"/>
-                      <a:r>
-                        <a:rPr lang="de-AT" dirty="0"/>
-                        <a:t>X</a:t>
-                      </a:r>
+                      <a:endParaRPr lang="en-US" dirty="0"/>
+                    </a:p>
+                  </a:txBody>
+                  <a:tcPr/>
+                </a:tc>
+                <a:tc>
+                  <a:txBody>
+                    <a:bodyPr/>
+                    <a:lstStyle/>
+                    <a:p>
+                      <a:pPr algn="ctr"/>
                       <a:endParaRPr lang="en-US" dirty="0"/>
                     </a:p>
                   </a:txBody>
@@ -22756,8 +23106,19 @@
                     <a:lstStyle/>
                     <a:p>
                       <a:pPr algn="ctr"/>
+                      <a:endParaRPr lang="en-US" dirty="0"/>
+                    </a:p>
+                  </a:txBody>
+                  <a:tcPr/>
+                </a:tc>
+                <a:tc>
+                  <a:txBody>
+                    <a:bodyPr/>
+                    <a:lstStyle/>
+                    <a:p>
+                      <a:pPr algn="ctr"/>
                       <a:r>
-                        <a:rPr lang="de-AT" dirty="0"/>
+                        <a:rPr lang="de-AT" dirty="0" smtClean="0"/>
                         <a:t>X</a:t>
                       </a:r>
                       <a:endParaRPr lang="en-US" dirty="0"/>
@@ -22771,10 +23132,6 @@
                     <a:lstStyle/>
                     <a:p>
                       <a:pPr algn="ctr"/>
-                      <a:r>
-                        <a:rPr lang="de-AT" dirty="0"/>
-                        <a:t>Ausgestellt</a:t>
-                      </a:r>
                       <a:endParaRPr lang="en-US" dirty="0"/>
                     </a:p>
                   </a:txBody>
@@ -22786,10 +23143,6 @@
                     <a:lstStyle/>
                     <a:p>
                       <a:pPr algn="ctr"/>
-                      <a:r>
-                        <a:rPr lang="de-AT" dirty="0"/>
-                        <a:t>X</a:t>
-                      </a:r>
                       <a:endParaRPr lang="en-US" dirty="0"/>
                     </a:p>
                   </a:txBody>
@@ -22815,6 +23168,13 @@
   <p:clrMapOvr>
     <a:masterClrMapping/>
   </p:clrMapOvr>
+  <p:timing>
+    <p:tnLst>
+      <p:par>
+        <p:cTn id="1" dur="indefinite" restart="never" nodeType="tmRoot"/>
+      </p:par>
+    </p:tnLst>
+  </p:timing>
 </p:sld>
 </file>
 
@@ -22926,7 +23286,7 @@
                   <a14:useLocalDpi xmlns:a14="http://schemas.microsoft.com/office/drawing/2010/main" val="0"/>
                 </a:ext>
                 <a:ext uri="{96DAC541-7B7A-43D3-8B79-37D633B846F1}">
-                  <asvg:svgBlip xmlns:asvg="http://schemas.microsoft.com/office/drawing/2016/SVG/main" r:embed="rId3"/>
+                  <asvg:svgBlip xmlns="" xmlns:asvg="http://schemas.microsoft.com/office/drawing/2016/SVG/main" r:embed="rId3"/>
                 </a:ext>
               </a:extLst>
             </a:blip>
@@ -23027,7 +23387,7 @@
                   <a14:useLocalDpi xmlns:a14="http://schemas.microsoft.com/office/drawing/2010/main" val="0"/>
                 </a:ext>
                 <a:ext uri="{96DAC541-7B7A-43D3-8B79-37D633B846F1}">
-                  <asvg:svgBlip xmlns:asvg="http://schemas.microsoft.com/office/drawing/2016/SVG/main" r:embed="rId5"/>
+                  <asvg:svgBlip xmlns="" xmlns:asvg="http://schemas.microsoft.com/office/drawing/2016/SVG/main" r:embed="rId5"/>
                 </a:ext>
               </a:extLst>
             </a:blip>
@@ -23152,7 +23512,7 @@
                     <a14:useLocalDpi xmlns:a14="http://schemas.microsoft.com/office/drawing/2010/main" val="0"/>
                   </a:ext>
                   <a:ext uri="{96DAC541-7B7A-43D3-8B79-37D633B846F1}">
-                    <asvg:svgBlip xmlns:asvg="http://schemas.microsoft.com/office/drawing/2016/SVG/main" r:embed="rId7"/>
+                    <asvg:svgBlip xmlns="" xmlns:asvg="http://schemas.microsoft.com/office/drawing/2016/SVG/main" r:embed="rId7"/>
                   </a:ext>
                 </a:extLst>
               </a:blip>
@@ -23191,7 +23551,7 @@
                     <a14:useLocalDpi xmlns:a14="http://schemas.microsoft.com/office/drawing/2010/main" val="0"/>
                   </a:ext>
                   <a:ext uri="{96DAC541-7B7A-43D3-8B79-37D633B846F1}">
-                    <asvg:svgBlip xmlns:asvg="http://schemas.microsoft.com/office/drawing/2016/SVG/main" r:embed="rId9"/>
+                    <asvg:svgBlip xmlns="" xmlns:asvg="http://schemas.microsoft.com/office/drawing/2016/SVG/main" r:embed="rId9"/>
                   </a:ext>
                 </a:extLst>
               </a:blip>
@@ -23782,7 +24142,7 @@
                     <a14:useLocalDpi xmlns:a14="http://schemas.microsoft.com/office/drawing/2010/main" val="0"/>
                   </a:ext>
                   <a:ext uri="{96DAC541-7B7A-43D3-8B79-37D633B846F1}">
-                    <asvg:svgBlip xmlns:asvg="http://schemas.microsoft.com/office/drawing/2016/SVG/main" r:embed="rId9"/>
+                    <asvg:svgBlip xmlns="" xmlns:asvg="http://schemas.microsoft.com/office/drawing/2016/SVG/main" r:embed="rId9"/>
                   </a:ext>
                 </a:extLst>
               </a:blip>
@@ -23822,7 +24182,7 @@
                   <a14:useLocalDpi xmlns:a14="http://schemas.microsoft.com/office/drawing/2010/main" val="0"/>
                 </a:ext>
                 <a:ext uri="{96DAC541-7B7A-43D3-8B79-37D633B846F1}">
-                  <asvg:svgBlip xmlns:asvg="http://schemas.microsoft.com/office/drawing/2016/SVG/main" r:embed="rId11"/>
+                  <asvg:svgBlip xmlns="" xmlns:asvg="http://schemas.microsoft.com/office/drawing/2016/SVG/main" r:embed="rId11"/>
                 </a:ext>
               </a:extLst>
             </a:blip>
@@ -23965,6 +24325,13 @@
   <p:clrMapOvr>
     <a:masterClrMapping/>
   </p:clrMapOvr>
+  <p:timing>
+    <p:tnLst>
+      <p:par>
+        <p:cTn id="1" dur="indefinite" restart="never" nodeType="tmRoot"/>
+      </p:par>
+    </p:tnLst>
+  </p:timing>
 </p:sld>
 </file>
 
@@ -24041,14 +24408,14 @@
           <p:nvPr>
             <p:extLst>
               <p:ext uri="{D42A27DB-BD31-4B8C-83A1-F6EECF244321}">
-                <p14:modId xmlns:p14="http://schemas.microsoft.com/office/powerpoint/2010/main" val="2949796710"/>
+                <p14:modId xmlns:p14="http://schemas.microsoft.com/office/powerpoint/2010/main" val="3231807467"/>
               </p:ext>
             </p:extLst>
           </p:nvPr>
         </p:nvGraphicFramePr>
         <p:xfrm>
           <a:off x="2032000" y="2872740"/>
-          <a:ext cx="8128000" cy="1112520"/>
+          <a:ext cx="8128000" cy="1381760"/>
         </p:xfrm>
         <a:graphic>
           <a:graphicData uri="http://schemas.openxmlformats.org/drawingml/2006/table">
@@ -24057,31 +24424,38 @@
                 <a:tableStyleId>{5940675A-B579-460E-94D1-54222C63F5DA}</a:tableStyleId>
               </a:tblPr>
               <a:tblGrid>
-                <a:gridCol w="2032000">
+                <a:gridCol w="1625600">
                   <a:extLst>
                     <a:ext uri="{9D8B030D-6E8A-4147-A177-3AD203B41FA5}">
                       <a16:colId xmlns:a16="http://schemas.microsoft.com/office/drawing/2014/main" val="1929636500"/>
                     </a:ext>
                   </a:extLst>
                 </a:gridCol>
-                <a:gridCol w="2032000">
+                <a:gridCol w="1625600">
                   <a:extLst>
                     <a:ext uri="{9D8B030D-6E8A-4147-A177-3AD203B41FA5}">
                       <a16:colId xmlns:a16="http://schemas.microsoft.com/office/drawing/2014/main" val="3240070001"/>
                     </a:ext>
                   </a:extLst>
                 </a:gridCol>
-                <a:gridCol w="2032000">
+                <a:gridCol w="1625600">
                   <a:extLst>
                     <a:ext uri="{9D8B030D-6E8A-4147-A177-3AD203B41FA5}">
                       <a16:colId xmlns:a16="http://schemas.microsoft.com/office/drawing/2014/main" val="116783287"/>
                     </a:ext>
                   </a:extLst>
                 </a:gridCol>
-                <a:gridCol w="2032000">
+                <a:gridCol w="1625600">
                   <a:extLst>
                     <a:ext uri="{9D8B030D-6E8A-4147-A177-3AD203B41FA5}">
                       <a16:colId xmlns:a16="http://schemas.microsoft.com/office/drawing/2014/main" val="492657174"/>
+                    </a:ext>
+                  </a:extLst>
+                </a:gridCol>
+                <a:gridCol w="1625600">
+                  <a:extLst>
+                    <a:ext uri="{9D8B030D-6E8A-4147-A177-3AD203B41FA5}">
+                      <a16:colId xmlns:a16="http://schemas.microsoft.com/office/drawing/2014/main" val="2326065939"/>
                     </a:ext>
                   </a:extLst>
                 </a:gridCol>
@@ -24203,6 +24577,33 @@
                     </a:solidFill>
                   </a:tcPr>
                 </a:tc>
+                <a:tc>
+                  <a:txBody>
+                    <a:bodyPr/>
+                    <a:lstStyle/>
+                    <a:p>
+                      <a:pPr algn="ctr"/>
+                      <a:r>
+                        <a:rPr lang="en-US" dirty="0" smtClean="0">
+                          <a:solidFill>
+                            <a:schemeClr val="bg1"/>
+                          </a:solidFill>
+                        </a:rPr>
+                        <a:t>Refresh Token</a:t>
+                      </a:r>
+                      <a:endParaRPr lang="en-US" dirty="0">
+                        <a:solidFill>
+                          <a:schemeClr val="bg1"/>
+                        </a:solidFill>
+                      </a:endParaRPr>
+                    </a:p>
+                  </a:txBody>
+                  <a:tcPr>
+                    <a:solidFill>
+                      <a:schemeClr val="tx1"/>
+                    </a:solidFill>
+                  </a:tcPr>
+                </a:tc>
                 <a:extLst>
                   <a:ext uri="{0D108BD9-81ED-4DB2-BD59-A6C34878D82A}">
                     <a16:rowId xmlns:a16="http://schemas.microsoft.com/office/drawing/2014/main" val="1928875511"/>
@@ -24237,10 +24638,6 @@
                     <a:lstStyle/>
                     <a:p>
                       <a:pPr algn="ctr"/>
-                      <a:r>
-                        <a:rPr lang="de-AT" dirty="0"/>
-                        <a:t>X</a:t>
-                      </a:r>
                       <a:endParaRPr lang="en-US" dirty="0"/>
                     </a:p>
                   </a:txBody>
@@ -24252,10 +24649,6 @@
                     <a:lstStyle/>
                     <a:p>
                       <a:pPr algn="ctr"/>
-                      <a:r>
-                        <a:rPr lang="de-AT" dirty="0"/>
-                        <a:t>X</a:t>
-                      </a:r>
                       <a:endParaRPr lang="en-US" dirty="0"/>
                     </a:p>
                   </a:txBody>
@@ -24267,10 +24660,17 @@
                     <a:lstStyle/>
                     <a:p>
                       <a:pPr algn="ctr"/>
-                      <a:r>
-                        <a:rPr lang="de-AT" dirty="0"/>
-                        <a:t>X</a:t>
-                      </a:r>
+                      <a:endParaRPr lang="en-US" dirty="0"/>
+                    </a:p>
+                  </a:txBody>
+                  <a:tcPr/>
+                </a:tc>
+                <a:tc>
+                  <a:txBody>
+                    <a:bodyPr/>
+                    <a:lstStyle/>
+                    <a:p>
+                      <a:pPr algn="ctr"/>
                       <a:endParaRPr lang="en-US" dirty="0"/>
                     </a:p>
                   </a:txBody>
@@ -24310,6 +24710,32 @@
                     <a:lstStyle/>
                     <a:p>
                       <a:pPr algn="ctr"/>
+                      <a:endParaRPr lang="en-US" dirty="0"/>
+                    </a:p>
+                  </a:txBody>
+                  <a:tcPr/>
+                </a:tc>
+                <a:tc>
+                  <a:txBody>
+                    <a:bodyPr/>
+                    <a:lstStyle/>
+                    <a:p>
+                      <a:pPr algn="ctr"/>
+                      <a:r>
+                        <a:rPr lang="de-AT" dirty="0" smtClean="0"/>
+                        <a:t>X</a:t>
+                      </a:r>
+                      <a:endParaRPr lang="en-US" dirty="0"/>
+                    </a:p>
+                  </a:txBody>
+                  <a:tcPr/>
+                </a:tc>
+                <a:tc>
+                  <a:txBody>
+                    <a:bodyPr/>
+                    <a:lstStyle/>
+                    <a:p>
+                      <a:pPr algn="ctr"/>
                       <a:r>
                         <a:rPr lang="de-AT" dirty="0"/>
                         <a:t>X</a:t>
@@ -24326,22 +24752,7 @@
                     <a:p>
                       <a:pPr algn="ctr"/>
                       <a:r>
-                        <a:rPr lang="de-AT" dirty="0"/>
-                        <a:t>Ausgestellt</a:t>
-                      </a:r>
-                      <a:endParaRPr lang="en-US" dirty="0"/>
-                    </a:p>
-                  </a:txBody>
-                  <a:tcPr/>
-                </a:tc>
-                <a:tc>
-                  <a:txBody>
-                    <a:bodyPr/>
-                    <a:lstStyle/>
-                    <a:p>
-                      <a:pPr algn="ctr"/>
-                      <a:r>
-                        <a:rPr lang="de-AT" dirty="0"/>
+                        <a:rPr lang="en-US" dirty="0" smtClean="0"/>
                         <a:t>X</a:t>
                       </a:r>
                       <a:endParaRPr lang="en-US" dirty="0"/>
@@ -24369,6 +24780,13 @@
   <p:clrMapOvr>
     <a:masterClrMapping/>
   </p:clrMapOvr>
+  <p:timing>
+    <p:tnLst>
+      <p:par>
+        <p:cTn id="1" dur="indefinite" restart="never" nodeType="tmRoot"/>
+      </p:par>
+    </p:tnLst>
+  </p:timing>
 </p:sld>
 </file>
 
@@ -24509,7 +24927,7 @@
                   <a14:useLocalDpi xmlns:a14="http://schemas.microsoft.com/office/drawing/2010/main" val="0"/>
                 </a:ext>
                 <a:ext uri="{96DAC541-7B7A-43D3-8B79-37D633B846F1}">
-                  <asvg:svgBlip xmlns:asvg="http://schemas.microsoft.com/office/drawing/2016/SVG/main" r:embed="rId3"/>
+                  <asvg:svgBlip xmlns="" xmlns:asvg="http://schemas.microsoft.com/office/drawing/2016/SVG/main" r:embed="rId3"/>
                 </a:ext>
               </a:extLst>
             </a:blip>
@@ -24610,7 +25028,7 @@
                   <a14:useLocalDpi xmlns:a14="http://schemas.microsoft.com/office/drawing/2010/main" val="0"/>
                 </a:ext>
                 <a:ext uri="{96DAC541-7B7A-43D3-8B79-37D633B846F1}">
-                  <asvg:svgBlip xmlns:asvg="http://schemas.microsoft.com/office/drawing/2016/SVG/main" r:embed="rId5"/>
+                  <asvg:svgBlip xmlns="" xmlns:asvg="http://schemas.microsoft.com/office/drawing/2016/SVG/main" r:embed="rId5"/>
                 </a:ext>
               </a:extLst>
             </a:blip>
@@ -24735,7 +25153,7 @@
                     <a14:useLocalDpi xmlns:a14="http://schemas.microsoft.com/office/drawing/2010/main" val="0"/>
                   </a:ext>
                   <a:ext uri="{96DAC541-7B7A-43D3-8B79-37D633B846F1}">
-                    <asvg:svgBlip xmlns:asvg="http://schemas.microsoft.com/office/drawing/2016/SVG/main" r:embed="rId7"/>
+                    <asvg:svgBlip xmlns="" xmlns:asvg="http://schemas.microsoft.com/office/drawing/2016/SVG/main" r:embed="rId7"/>
                   </a:ext>
                 </a:extLst>
               </a:blip>
@@ -24774,7 +25192,7 @@
                     <a14:useLocalDpi xmlns:a14="http://schemas.microsoft.com/office/drawing/2010/main" val="0"/>
                   </a:ext>
                   <a:ext uri="{96DAC541-7B7A-43D3-8B79-37D633B846F1}">
-                    <asvg:svgBlip xmlns:asvg="http://schemas.microsoft.com/office/drawing/2016/SVG/main" r:embed="rId9"/>
+                    <asvg:svgBlip xmlns="" xmlns:asvg="http://schemas.microsoft.com/office/drawing/2016/SVG/main" r:embed="rId9"/>
                   </a:ext>
                 </a:extLst>
               </a:blip>
@@ -25614,7 +26032,7 @@
                     <a14:useLocalDpi xmlns:a14="http://schemas.microsoft.com/office/drawing/2010/main" val="0"/>
                   </a:ext>
                   <a:ext uri="{96DAC541-7B7A-43D3-8B79-37D633B846F1}">
-                    <asvg:svgBlip xmlns:asvg="http://schemas.microsoft.com/office/drawing/2016/SVG/main" r:embed="rId9"/>
+                    <asvg:svgBlip xmlns="" xmlns:asvg="http://schemas.microsoft.com/office/drawing/2016/SVG/main" r:embed="rId9"/>
                   </a:ext>
                 </a:extLst>
               </a:blip>
@@ -25654,7 +26072,7 @@
                   <a14:useLocalDpi xmlns:a14="http://schemas.microsoft.com/office/drawing/2010/main" val="0"/>
                 </a:ext>
                 <a:ext uri="{96DAC541-7B7A-43D3-8B79-37D633B846F1}">
-                  <asvg:svgBlip xmlns:asvg="http://schemas.microsoft.com/office/drawing/2016/SVG/main" r:embed="rId11"/>
+                  <asvg:svgBlip xmlns="" xmlns:asvg="http://schemas.microsoft.com/office/drawing/2016/SVG/main" r:embed="rId11"/>
                 </a:ext>
               </a:extLst>
             </a:blip>
@@ -25888,7 +26306,7 @@
                   <a14:useLocalDpi xmlns:a14="http://schemas.microsoft.com/office/drawing/2010/main" val="0"/>
                 </a:ext>
                 <a:ext uri="{96DAC541-7B7A-43D3-8B79-37D633B846F1}">
-                  <asvg:svgBlip xmlns:asvg="http://schemas.microsoft.com/office/drawing/2016/SVG/main" r:embed="rId13"/>
+                  <asvg:svgBlip xmlns="" xmlns:asvg="http://schemas.microsoft.com/office/drawing/2016/SVG/main" r:embed="rId13"/>
                 </a:ext>
               </a:extLst>
             </a:blip>
@@ -25992,7 +26410,7 @@
                   <a14:useLocalDpi xmlns:a14="http://schemas.microsoft.com/office/drawing/2010/main" val="0"/>
                 </a:ext>
                 <a:ext uri="{96DAC541-7B7A-43D3-8B79-37D633B846F1}">
-                  <asvg:svgBlip xmlns:asvg="http://schemas.microsoft.com/office/drawing/2016/SVG/main" r:embed="rId13"/>
+                  <asvg:svgBlip xmlns="" xmlns:asvg="http://schemas.microsoft.com/office/drawing/2016/SVG/main" r:embed="rId13"/>
                 </a:ext>
               </a:extLst>
             </a:blip>
@@ -26096,7 +26514,7 @@
                   <a14:useLocalDpi xmlns:a14="http://schemas.microsoft.com/office/drawing/2010/main" val="0"/>
                 </a:ext>
                 <a:ext uri="{96DAC541-7B7A-43D3-8B79-37D633B846F1}">
-                  <asvg:svgBlip xmlns:asvg="http://schemas.microsoft.com/office/drawing/2016/SVG/main" r:embed="rId13"/>
+                  <asvg:svgBlip xmlns="" xmlns:asvg="http://schemas.microsoft.com/office/drawing/2016/SVG/main" r:embed="rId13"/>
                 </a:ext>
               </a:extLst>
             </a:blip>
@@ -26219,6 +26637,13 @@
   <p:clrMapOvr>
     <a:masterClrMapping/>
   </p:clrMapOvr>
+  <p:timing>
+    <p:tnLst>
+      <p:par>
+        <p:cTn id="1" dur="indefinite" restart="never" nodeType="tmRoot"/>
+      </p:par>
+    </p:tnLst>
+  </p:timing>
 </p:sld>
 </file>
 
@@ -26294,12 +26719,16 @@
               <a:t>Simple </a:t>
             </a:r>
             <a:r>
-              <a:rPr lang="de-AT" dirty="0" err="1"/>
-              <a:t>loging</a:t>
+              <a:rPr lang="de-AT" dirty="0" err="1" smtClean="0"/>
+              <a:t>login</a:t>
+            </a:r>
+            <a:r>
+              <a:rPr lang="de-AT" dirty="0" smtClean="0"/>
+              <a:t> </a:t>
             </a:r>
             <a:r>
               <a:rPr lang="de-AT" dirty="0"/>
-              <a:t> (</a:t>
+              <a:t>(</a:t>
             </a:r>
             <a:r>
               <a:rPr lang="de-AT" dirty="0" err="1"/>
@@ -26370,6 +26799,13 @@
   <p:clrMapOvr>
     <a:masterClrMapping/>
   </p:clrMapOvr>
+  <p:timing>
+    <p:tnLst>
+      <p:par>
+        <p:cTn id="1" dur="indefinite" restart="never" nodeType="tmRoot"/>
+      </p:par>
+    </p:tnLst>
+  </p:timing>
 </p:sld>
 </file>
 
@@ -26438,14 +26874,14 @@
           <p:nvPr>
             <p:extLst>
               <p:ext uri="{D42A27DB-BD31-4B8C-83A1-F6EECF244321}">
-                <p14:modId xmlns:p14="http://schemas.microsoft.com/office/powerpoint/2010/main" val="2814195720"/>
+                <p14:modId xmlns:p14="http://schemas.microsoft.com/office/powerpoint/2010/main" val="3065077088"/>
               </p:ext>
             </p:extLst>
           </p:nvPr>
         </p:nvGraphicFramePr>
         <p:xfrm>
           <a:off x="2032000" y="2872740"/>
-          <a:ext cx="8128000" cy="1112520"/>
+          <a:ext cx="8128000" cy="1381760"/>
         </p:xfrm>
         <a:graphic>
           <a:graphicData uri="http://schemas.openxmlformats.org/drawingml/2006/table">
@@ -26454,31 +26890,38 @@
                 <a:tableStyleId>{5940675A-B579-460E-94D1-54222C63F5DA}</a:tableStyleId>
               </a:tblPr>
               <a:tblGrid>
-                <a:gridCol w="2032000">
+                <a:gridCol w="1625600">
                   <a:extLst>
                     <a:ext uri="{9D8B030D-6E8A-4147-A177-3AD203B41FA5}">
                       <a16:colId xmlns:a16="http://schemas.microsoft.com/office/drawing/2014/main" val="1929636500"/>
                     </a:ext>
                   </a:extLst>
                 </a:gridCol>
-                <a:gridCol w="2032000">
+                <a:gridCol w="1625600">
                   <a:extLst>
                     <a:ext uri="{9D8B030D-6E8A-4147-A177-3AD203B41FA5}">
                       <a16:colId xmlns:a16="http://schemas.microsoft.com/office/drawing/2014/main" val="3240070001"/>
                     </a:ext>
                   </a:extLst>
                 </a:gridCol>
-                <a:gridCol w="2032000">
+                <a:gridCol w="1625600">
                   <a:extLst>
                     <a:ext uri="{9D8B030D-6E8A-4147-A177-3AD203B41FA5}">
                       <a16:colId xmlns:a16="http://schemas.microsoft.com/office/drawing/2014/main" val="116783287"/>
                     </a:ext>
                   </a:extLst>
                 </a:gridCol>
-                <a:gridCol w="2032000">
+                <a:gridCol w="1625600">
                   <a:extLst>
                     <a:ext uri="{9D8B030D-6E8A-4147-A177-3AD203B41FA5}">
                       <a16:colId xmlns:a16="http://schemas.microsoft.com/office/drawing/2014/main" val="492657174"/>
+                    </a:ext>
+                  </a:extLst>
+                </a:gridCol>
+                <a:gridCol w="1625600">
+                  <a:extLst>
+                    <a:ext uri="{9D8B030D-6E8A-4147-A177-3AD203B41FA5}">
+                      <a16:colId xmlns:a16="http://schemas.microsoft.com/office/drawing/2014/main" val="2921898879"/>
                     </a:ext>
                   </a:extLst>
                 </a:gridCol>
@@ -26600,6 +27043,33 @@
                     </a:solidFill>
                   </a:tcPr>
                 </a:tc>
+                <a:tc>
+                  <a:txBody>
+                    <a:bodyPr/>
+                    <a:lstStyle/>
+                    <a:p>
+                      <a:pPr algn="ctr"/>
+                      <a:r>
+                        <a:rPr lang="en-US" dirty="0" smtClean="0">
+                          <a:solidFill>
+                            <a:schemeClr val="bg1"/>
+                          </a:solidFill>
+                        </a:rPr>
+                        <a:t>Refresh Token</a:t>
+                      </a:r>
+                      <a:endParaRPr lang="en-US" dirty="0">
+                        <a:solidFill>
+                          <a:schemeClr val="bg1"/>
+                        </a:solidFill>
+                      </a:endParaRPr>
+                    </a:p>
+                  </a:txBody>
+                  <a:tcPr>
+                    <a:solidFill>
+                      <a:schemeClr val="tx1"/>
+                    </a:solidFill>
+                  </a:tcPr>
+                </a:tc>
                 <a:extLst>
                   <a:ext uri="{0D108BD9-81ED-4DB2-BD59-A6C34878D82A}">
                     <a16:rowId xmlns:a16="http://schemas.microsoft.com/office/drawing/2014/main" val="1928875511"/>
@@ -26635,22 +27105,7 @@
                     <a:p>
                       <a:pPr algn="ctr"/>
                       <a:r>
-                        <a:rPr lang="de-AT" dirty="0"/>
-                        <a:t>Ausgestellt</a:t>
-                      </a:r>
-                      <a:endParaRPr lang="en-US" dirty="0"/>
-                    </a:p>
-                  </a:txBody>
-                  <a:tcPr/>
-                </a:tc>
-                <a:tc>
-                  <a:txBody>
-                    <a:bodyPr/>
-                    <a:lstStyle/>
-                    <a:p>
-                      <a:pPr algn="ctr"/>
-                      <a:r>
-                        <a:rPr lang="de-AT" dirty="0"/>
+                        <a:rPr lang="de-AT" dirty="0" smtClean="0"/>
                         <a:t>X</a:t>
                       </a:r>
                       <a:endParaRPr lang="en-US" dirty="0"/>
@@ -26664,10 +27119,28 @@
                     <a:lstStyle/>
                     <a:p>
                       <a:pPr algn="ctr"/>
-                      <a:r>
-                        <a:rPr lang="de-AT" dirty="0"/>
-                        <a:t>X</a:t>
-                      </a:r>
+                      <a:endParaRPr lang="en-US" dirty="0"/>
+                    </a:p>
+                  </a:txBody>
+                  <a:tcPr/>
+                </a:tc>
+                <a:tc>
+                  <a:txBody>
+                    <a:bodyPr/>
+                    <a:lstStyle/>
+                    <a:p>
+                      <a:pPr algn="ctr"/>
+                      <a:endParaRPr lang="en-US" dirty="0"/>
+                    </a:p>
+                  </a:txBody>
+                  <a:tcPr/>
+                </a:tc>
+                <a:tc>
+                  <a:txBody>
+                    <a:bodyPr/>
+                    <a:lstStyle/>
+                    <a:p>
+                      <a:pPr algn="ctr"/>
                       <a:endParaRPr lang="en-US" dirty="0"/>
                     </a:p>
                   </a:txBody>
@@ -26707,8 +27180,19 @@
                     <a:lstStyle/>
                     <a:p>
                       <a:pPr algn="ctr"/>
+                      <a:endParaRPr lang="en-US" dirty="0"/>
+                    </a:p>
+                  </a:txBody>
+                  <a:tcPr/>
+                </a:tc>
+                <a:tc>
+                  <a:txBody>
+                    <a:bodyPr/>
+                    <a:lstStyle/>
+                    <a:p>
+                      <a:pPr algn="ctr"/>
                       <a:r>
-                        <a:rPr lang="de-AT" dirty="0"/>
+                        <a:rPr lang="de-AT" dirty="0" smtClean="0"/>
                         <a:t>X</a:t>
                       </a:r>
                       <a:endParaRPr lang="en-US" dirty="0"/>
@@ -26723,8 +27207,8 @@
                     <a:p>
                       <a:pPr algn="ctr"/>
                       <a:r>
-                        <a:rPr lang="de-AT" dirty="0"/>
-                        <a:t>Ausgestellt</a:t>
+                        <a:rPr lang="de-AT" dirty="0" smtClean="0"/>
+                        <a:t>X</a:t>
                       </a:r>
                       <a:endParaRPr lang="en-US" dirty="0"/>
                     </a:p>
@@ -26738,8 +27222,8 @@
                     <a:p>
                       <a:pPr algn="ctr"/>
                       <a:r>
-                        <a:rPr lang="de-AT" dirty="0"/>
-                        <a:t>Ausgestellt</a:t>
+                        <a:rPr lang="en-US" dirty="0" smtClean="0"/>
+                        <a:t>X</a:t>
                       </a:r>
                       <a:endParaRPr lang="en-US" dirty="0"/>
                     </a:p>
@@ -26766,6 +27250,13 @@
   <p:clrMapOvr>
     <a:masterClrMapping/>
   </p:clrMapOvr>
+  <p:timing>
+    <p:tnLst>
+      <p:par>
+        <p:cTn id="1" dur="indefinite" restart="never" nodeType="tmRoot"/>
+      </p:par>
+    </p:tnLst>
+  </p:timing>
 </p:sld>
 </file>
 
@@ -26956,7 +27447,7 @@
                   <a14:useLocalDpi xmlns:a14="http://schemas.microsoft.com/office/drawing/2010/main" val="0"/>
                 </a:ext>
                 <a:ext uri="{96DAC541-7B7A-43D3-8B79-37D633B846F1}">
-                  <asvg:svgBlip xmlns:asvg="http://schemas.microsoft.com/office/drawing/2016/SVG/main" r:embed="rId3"/>
+                  <asvg:svgBlip xmlns="" xmlns:asvg="http://schemas.microsoft.com/office/drawing/2016/SVG/main" r:embed="rId3"/>
                 </a:ext>
               </a:extLst>
             </a:blip>
@@ -27053,7 +27544,7 @@
                   <a14:useLocalDpi xmlns:a14="http://schemas.microsoft.com/office/drawing/2010/main" val="0"/>
                 </a:ext>
                 <a:ext uri="{96DAC541-7B7A-43D3-8B79-37D633B846F1}">
-                  <asvg:svgBlip xmlns:asvg="http://schemas.microsoft.com/office/drawing/2016/SVG/main" r:embed="rId5"/>
+                  <asvg:svgBlip xmlns="" xmlns:asvg="http://schemas.microsoft.com/office/drawing/2016/SVG/main" r:embed="rId5"/>
                 </a:ext>
               </a:extLst>
             </a:blip>
@@ -27178,7 +27669,7 @@
                     <a14:useLocalDpi xmlns:a14="http://schemas.microsoft.com/office/drawing/2010/main" val="0"/>
                   </a:ext>
                   <a:ext uri="{96DAC541-7B7A-43D3-8B79-37D633B846F1}">
-                    <asvg:svgBlip xmlns:asvg="http://schemas.microsoft.com/office/drawing/2016/SVG/main" r:embed="rId7"/>
+                    <asvg:svgBlip xmlns="" xmlns:asvg="http://schemas.microsoft.com/office/drawing/2016/SVG/main" r:embed="rId7"/>
                   </a:ext>
                 </a:extLst>
               </a:blip>
@@ -27217,7 +27708,7 @@
                     <a14:useLocalDpi xmlns:a14="http://schemas.microsoft.com/office/drawing/2010/main" val="0"/>
                   </a:ext>
                   <a:ext uri="{96DAC541-7B7A-43D3-8B79-37D633B846F1}">
-                    <asvg:svgBlip xmlns:asvg="http://schemas.microsoft.com/office/drawing/2016/SVG/main" r:embed="rId9"/>
+                    <asvg:svgBlip xmlns="" xmlns:asvg="http://schemas.microsoft.com/office/drawing/2016/SVG/main" r:embed="rId9"/>
                   </a:ext>
                 </a:extLst>
               </a:blip>
@@ -27828,7 +28319,7 @@
                     <a14:useLocalDpi xmlns:a14="http://schemas.microsoft.com/office/drawing/2010/main" val="0"/>
                   </a:ext>
                   <a:ext uri="{96DAC541-7B7A-43D3-8B79-37D633B846F1}">
-                    <asvg:svgBlip xmlns:asvg="http://schemas.microsoft.com/office/drawing/2016/SVG/main" r:embed="rId9"/>
+                    <asvg:svgBlip xmlns="" xmlns:asvg="http://schemas.microsoft.com/office/drawing/2016/SVG/main" r:embed="rId9"/>
                   </a:ext>
                 </a:extLst>
               </a:blip>
@@ -27868,7 +28359,7 @@
                   <a14:useLocalDpi xmlns:a14="http://schemas.microsoft.com/office/drawing/2010/main" val="0"/>
                 </a:ext>
                 <a:ext uri="{96DAC541-7B7A-43D3-8B79-37D633B846F1}">
-                  <asvg:svgBlip xmlns:asvg="http://schemas.microsoft.com/office/drawing/2016/SVG/main" r:embed="rId11"/>
+                  <asvg:svgBlip xmlns="" xmlns:asvg="http://schemas.microsoft.com/office/drawing/2016/SVG/main" r:embed="rId11"/>
                 </a:ext>
               </a:extLst>
             </a:blip>
@@ -28102,7 +28593,7 @@
                   <a14:useLocalDpi xmlns:a14="http://schemas.microsoft.com/office/drawing/2010/main" val="0"/>
                 </a:ext>
                 <a:ext uri="{96DAC541-7B7A-43D3-8B79-37D633B846F1}">
-                  <asvg:svgBlip xmlns:asvg="http://schemas.microsoft.com/office/drawing/2016/SVG/main" r:embed="rId13"/>
+                  <asvg:svgBlip xmlns="" xmlns:asvg="http://schemas.microsoft.com/office/drawing/2016/SVG/main" r:embed="rId13"/>
                 </a:ext>
               </a:extLst>
             </a:blip>
@@ -28206,7 +28697,7 @@
                   <a14:useLocalDpi xmlns:a14="http://schemas.microsoft.com/office/drawing/2010/main" val="0"/>
                 </a:ext>
                 <a:ext uri="{96DAC541-7B7A-43D3-8B79-37D633B846F1}">
-                  <asvg:svgBlip xmlns:asvg="http://schemas.microsoft.com/office/drawing/2016/SVG/main" r:embed="rId13"/>
+                  <asvg:svgBlip xmlns="" xmlns:asvg="http://schemas.microsoft.com/office/drawing/2016/SVG/main" r:embed="rId13"/>
                 </a:ext>
               </a:extLst>
             </a:blip>
@@ -28310,7 +28801,7 @@
                   <a14:useLocalDpi xmlns:a14="http://schemas.microsoft.com/office/drawing/2010/main" val="0"/>
                 </a:ext>
                 <a:ext uri="{96DAC541-7B7A-43D3-8B79-37D633B846F1}">
-                  <asvg:svgBlip xmlns:asvg="http://schemas.microsoft.com/office/drawing/2016/SVG/main" r:embed="rId13"/>
+                  <asvg:svgBlip xmlns="" xmlns:asvg="http://schemas.microsoft.com/office/drawing/2016/SVG/main" r:embed="rId13"/>
                 </a:ext>
               </a:extLst>
             </a:blip>
@@ -28383,6 +28874,13 @@
   <p:clrMapOvr>
     <a:masterClrMapping/>
   </p:clrMapOvr>
+  <p:timing>
+    <p:tnLst>
+      <p:par>
+        <p:cTn id="1" dur="indefinite" restart="never" nodeType="tmRoot"/>
+      </p:par>
+    </p:tnLst>
+  </p:timing>
 </p:sld>
 </file>
 
@@ -28451,14 +28949,14 @@
           <p:nvPr>
             <p:extLst>
               <p:ext uri="{D42A27DB-BD31-4B8C-83A1-F6EECF244321}">
-                <p14:modId xmlns:p14="http://schemas.microsoft.com/office/powerpoint/2010/main" val="2514263546"/>
+                <p14:modId xmlns:p14="http://schemas.microsoft.com/office/powerpoint/2010/main" val="167934150"/>
               </p:ext>
             </p:extLst>
           </p:nvPr>
         </p:nvGraphicFramePr>
         <p:xfrm>
           <a:off x="2032000" y="2872740"/>
-          <a:ext cx="8128000" cy="1112520"/>
+          <a:ext cx="8128000" cy="1381760"/>
         </p:xfrm>
         <a:graphic>
           <a:graphicData uri="http://schemas.openxmlformats.org/drawingml/2006/table">
@@ -28467,31 +28965,38 @@
                 <a:tableStyleId>{5940675A-B579-460E-94D1-54222C63F5DA}</a:tableStyleId>
               </a:tblPr>
               <a:tblGrid>
-                <a:gridCol w="2032000">
+                <a:gridCol w="1625600">
                   <a:extLst>
                     <a:ext uri="{9D8B030D-6E8A-4147-A177-3AD203B41FA5}">
                       <a16:colId xmlns:a16="http://schemas.microsoft.com/office/drawing/2014/main" val="1929636500"/>
                     </a:ext>
                   </a:extLst>
                 </a:gridCol>
-                <a:gridCol w="2032000">
+                <a:gridCol w="1625600">
                   <a:extLst>
                     <a:ext uri="{9D8B030D-6E8A-4147-A177-3AD203B41FA5}">
                       <a16:colId xmlns:a16="http://schemas.microsoft.com/office/drawing/2014/main" val="3240070001"/>
                     </a:ext>
                   </a:extLst>
                 </a:gridCol>
-                <a:gridCol w="2032000">
+                <a:gridCol w="1625600">
                   <a:extLst>
                     <a:ext uri="{9D8B030D-6E8A-4147-A177-3AD203B41FA5}">
                       <a16:colId xmlns:a16="http://schemas.microsoft.com/office/drawing/2014/main" val="116783287"/>
                     </a:ext>
                   </a:extLst>
                 </a:gridCol>
-                <a:gridCol w="2032000">
+                <a:gridCol w="1625600">
                   <a:extLst>
                     <a:ext uri="{9D8B030D-6E8A-4147-A177-3AD203B41FA5}">
                       <a16:colId xmlns:a16="http://schemas.microsoft.com/office/drawing/2014/main" val="492657174"/>
+                    </a:ext>
+                  </a:extLst>
+                </a:gridCol>
+                <a:gridCol w="1625600">
+                  <a:extLst>
+                    <a:ext uri="{9D8B030D-6E8A-4147-A177-3AD203B41FA5}">
+                      <a16:colId xmlns:a16="http://schemas.microsoft.com/office/drawing/2014/main" val="398837150"/>
                     </a:ext>
                   </a:extLst>
                 </a:gridCol>
@@ -28613,6 +29118,33 @@
                     </a:solidFill>
                   </a:tcPr>
                 </a:tc>
+                <a:tc>
+                  <a:txBody>
+                    <a:bodyPr/>
+                    <a:lstStyle/>
+                    <a:p>
+                      <a:pPr algn="ctr"/>
+                      <a:r>
+                        <a:rPr lang="en-US" dirty="0" smtClean="0">
+                          <a:solidFill>
+                            <a:schemeClr val="bg1"/>
+                          </a:solidFill>
+                        </a:rPr>
+                        <a:t>Refresh Token</a:t>
+                      </a:r>
+                      <a:endParaRPr lang="en-US" dirty="0">
+                        <a:solidFill>
+                          <a:schemeClr val="bg1"/>
+                        </a:solidFill>
+                      </a:endParaRPr>
+                    </a:p>
+                  </a:txBody>
+                  <a:tcPr>
+                    <a:solidFill>
+                      <a:schemeClr val="tx1"/>
+                    </a:solidFill>
+                  </a:tcPr>
+                </a:tc>
                 <a:extLst>
                   <a:ext uri="{0D108BD9-81ED-4DB2-BD59-A6C34878D82A}">
                     <a16:rowId xmlns:a16="http://schemas.microsoft.com/office/drawing/2014/main" val="1928875511"/>
@@ -28647,8 +29179,19 @@
                     <a:lstStyle/>
                     <a:p>
                       <a:pPr algn="ctr"/>
+                      <a:endParaRPr lang="en-US" dirty="0"/>
+                    </a:p>
+                  </a:txBody>
+                  <a:tcPr/>
+                </a:tc>
+                <a:tc>
+                  <a:txBody>
+                    <a:bodyPr/>
+                    <a:lstStyle/>
+                    <a:p>
+                      <a:pPr algn="ctr"/>
                       <a:r>
-                        <a:rPr lang="de-AT" dirty="0"/>
+                        <a:rPr lang="en-US" dirty="0" smtClean="0"/>
                         <a:t>X</a:t>
                       </a:r>
                       <a:endParaRPr lang="en-US" dirty="0"/>
@@ -28663,8 +29206,8 @@
                     <a:p>
                       <a:pPr algn="ctr"/>
                       <a:r>
-                        <a:rPr lang="de-AT" dirty="0"/>
-                        <a:t>Ausgestellt</a:t>
+                        <a:rPr lang="en-US" dirty="0" smtClean="0"/>
+                        <a:t>X</a:t>
                       </a:r>
                       <a:endParaRPr lang="en-US" dirty="0"/>
                     </a:p>
@@ -28677,10 +29220,6 @@
                     <a:lstStyle/>
                     <a:p>
                       <a:pPr algn="ctr"/>
-                      <a:r>
-                        <a:rPr lang="de-AT" dirty="0"/>
-                        <a:t>X</a:t>
-                      </a:r>
                       <a:endParaRPr lang="en-US" dirty="0"/>
                     </a:p>
                   </a:txBody>
@@ -28720,10 +29259,6 @@
                     <a:lstStyle/>
                     <a:p>
                       <a:pPr algn="ctr"/>
-                      <a:r>
-                        <a:rPr lang="de-AT" dirty="0"/>
-                        <a:t>X</a:t>
-                      </a:r>
                       <a:endParaRPr lang="en-US" dirty="0"/>
                     </a:p>
                   </a:txBody>
@@ -28735,10 +29270,6 @@
                     <a:lstStyle/>
                     <a:p>
                       <a:pPr algn="ctr"/>
-                      <a:r>
-                        <a:rPr lang="de-AT" dirty="0"/>
-                        <a:t>X</a:t>
-                      </a:r>
                       <a:endParaRPr lang="en-US" dirty="0"/>
                     </a:p>
                   </a:txBody>
@@ -28750,10 +29281,17 @@
                     <a:lstStyle/>
                     <a:p>
                       <a:pPr algn="ctr"/>
-                      <a:r>
-                        <a:rPr lang="de-AT" dirty="0"/>
-                        <a:t>X</a:t>
-                      </a:r>
+                      <a:endParaRPr lang="en-US" dirty="0"/>
+                    </a:p>
+                  </a:txBody>
+                  <a:tcPr/>
+                </a:tc>
+                <a:tc>
+                  <a:txBody>
+                    <a:bodyPr/>
+                    <a:lstStyle/>
+                    <a:p>
+                      <a:pPr algn="ctr"/>
                       <a:endParaRPr lang="en-US" dirty="0"/>
                     </a:p>
                   </a:txBody>
@@ -28779,6 +29317,13 @@
   <p:clrMapOvr>
     <a:masterClrMapping/>
   </p:clrMapOvr>
+  <p:timing>
+    <p:tnLst>
+      <p:par>
+        <p:cTn id="1" dur="indefinite" restart="never" nodeType="tmRoot"/>
+      </p:par>
+    </p:tnLst>
+  </p:timing>
 </p:sld>
 </file>
 
@@ -28871,6 +29416,13 @@
   <p:clrMapOvr>
     <a:masterClrMapping/>
   </p:clrMapOvr>
+  <p:timing>
+    <p:tnLst>
+      <p:par>
+        <p:cTn id="1" dur="indefinite" restart="never" nodeType="tmRoot"/>
+      </p:par>
+    </p:tnLst>
+  </p:timing>
 </p:sld>
 </file>
 
@@ -29007,7 +29559,7 @@
                   <a14:useLocalDpi xmlns:a14="http://schemas.microsoft.com/office/drawing/2010/main" val="0"/>
                 </a:ext>
                 <a:ext uri="{96DAC541-7B7A-43D3-8B79-37D633B846F1}">
-                  <asvg:svgBlip xmlns:asvg="http://schemas.microsoft.com/office/drawing/2016/SVG/main" r:embed="rId3"/>
+                  <asvg:svgBlip xmlns="" xmlns:asvg="http://schemas.microsoft.com/office/drawing/2016/SVG/main" r:embed="rId3"/>
                 </a:ext>
               </a:extLst>
             </a:blip>
@@ -29108,7 +29660,7 @@
                   <a14:useLocalDpi xmlns:a14="http://schemas.microsoft.com/office/drawing/2010/main" val="0"/>
                 </a:ext>
                 <a:ext uri="{96DAC541-7B7A-43D3-8B79-37D633B846F1}">
-                  <asvg:svgBlip xmlns:asvg="http://schemas.microsoft.com/office/drawing/2016/SVG/main" r:embed="rId5"/>
+                  <asvg:svgBlip xmlns="" xmlns:asvg="http://schemas.microsoft.com/office/drawing/2016/SVG/main" r:embed="rId5"/>
                 </a:ext>
               </a:extLst>
             </a:blip>
@@ -29233,7 +29785,7 @@
                     <a14:useLocalDpi xmlns:a14="http://schemas.microsoft.com/office/drawing/2010/main" val="0"/>
                   </a:ext>
                   <a:ext uri="{96DAC541-7B7A-43D3-8B79-37D633B846F1}">
-                    <asvg:svgBlip xmlns:asvg="http://schemas.microsoft.com/office/drawing/2016/SVG/main" r:embed="rId7"/>
+                    <asvg:svgBlip xmlns="" xmlns:asvg="http://schemas.microsoft.com/office/drawing/2016/SVG/main" r:embed="rId7"/>
                   </a:ext>
                 </a:extLst>
               </a:blip>
@@ -29272,7 +29824,7 @@
                     <a14:useLocalDpi xmlns:a14="http://schemas.microsoft.com/office/drawing/2010/main" val="0"/>
                   </a:ext>
                   <a:ext uri="{96DAC541-7B7A-43D3-8B79-37D633B846F1}">
-                    <asvg:svgBlip xmlns:asvg="http://schemas.microsoft.com/office/drawing/2016/SVG/main" r:embed="rId9"/>
+                    <asvg:svgBlip xmlns="" xmlns:asvg="http://schemas.microsoft.com/office/drawing/2016/SVG/main" r:embed="rId9"/>
                   </a:ext>
                 </a:extLst>
               </a:blip>
@@ -30112,7 +30664,7 @@
                     <a14:useLocalDpi xmlns:a14="http://schemas.microsoft.com/office/drawing/2010/main" val="0"/>
                   </a:ext>
                   <a:ext uri="{96DAC541-7B7A-43D3-8B79-37D633B846F1}">
-                    <asvg:svgBlip xmlns:asvg="http://schemas.microsoft.com/office/drawing/2016/SVG/main" r:embed="rId9"/>
+                    <asvg:svgBlip xmlns="" xmlns:asvg="http://schemas.microsoft.com/office/drawing/2016/SVG/main" r:embed="rId9"/>
                   </a:ext>
                 </a:extLst>
               </a:blip>
@@ -30152,7 +30704,7 @@
                   <a14:useLocalDpi xmlns:a14="http://schemas.microsoft.com/office/drawing/2010/main" val="0"/>
                 </a:ext>
                 <a:ext uri="{96DAC541-7B7A-43D3-8B79-37D633B846F1}">
-                  <asvg:svgBlip xmlns:asvg="http://schemas.microsoft.com/office/drawing/2016/SVG/main" r:embed="rId11"/>
+                  <asvg:svgBlip xmlns="" xmlns:asvg="http://schemas.microsoft.com/office/drawing/2016/SVG/main" r:embed="rId11"/>
                 </a:ext>
               </a:extLst>
             </a:blip>
@@ -30386,7 +30938,7 @@
                   <a14:useLocalDpi xmlns:a14="http://schemas.microsoft.com/office/drawing/2010/main" val="0"/>
                 </a:ext>
                 <a:ext uri="{96DAC541-7B7A-43D3-8B79-37D633B846F1}">
-                  <asvg:svgBlip xmlns:asvg="http://schemas.microsoft.com/office/drawing/2016/SVG/main" r:embed="rId13"/>
+                  <asvg:svgBlip xmlns="" xmlns:asvg="http://schemas.microsoft.com/office/drawing/2016/SVG/main" r:embed="rId13"/>
                 </a:ext>
               </a:extLst>
             </a:blip>
@@ -30490,7 +31042,7 @@
                   <a14:useLocalDpi xmlns:a14="http://schemas.microsoft.com/office/drawing/2010/main" val="0"/>
                 </a:ext>
                 <a:ext uri="{96DAC541-7B7A-43D3-8B79-37D633B846F1}">
-                  <asvg:svgBlip xmlns:asvg="http://schemas.microsoft.com/office/drawing/2016/SVG/main" r:embed="rId13"/>
+                  <asvg:svgBlip xmlns="" xmlns:asvg="http://schemas.microsoft.com/office/drawing/2016/SVG/main" r:embed="rId13"/>
                 </a:ext>
               </a:extLst>
             </a:blip>
@@ -30594,7 +31146,7 @@
                   <a14:useLocalDpi xmlns:a14="http://schemas.microsoft.com/office/drawing/2010/main" val="0"/>
                 </a:ext>
                 <a:ext uri="{96DAC541-7B7A-43D3-8B79-37D633B846F1}">
-                  <asvg:svgBlip xmlns:asvg="http://schemas.microsoft.com/office/drawing/2016/SVG/main" r:embed="rId13"/>
+                  <asvg:svgBlip xmlns="" xmlns:asvg="http://schemas.microsoft.com/office/drawing/2016/SVG/main" r:embed="rId13"/>
                 </a:ext>
               </a:extLst>
             </a:blip>
@@ -30717,6 +31269,13 @@
   <p:clrMapOvr>
     <a:masterClrMapping/>
   </p:clrMapOvr>
+  <p:timing>
+    <p:tnLst>
+      <p:par>
+        <p:cTn id="1" dur="indefinite" restart="never" nodeType="tmRoot"/>
+      </p:par>
+    </p:tnLst>
+  </p:timing>
 </p:sld>
 </file>
 
@@ -30781,14 +31340,14 @@
           <p:nvPr>
             <p:extLst>
               <p:ext uri="{D42A27DB-BD31-4B8C-83A1-F6EECF244321}">
-                <p14:modId xmlns:p14="http://schemas.microsoft.com/office/powerpoint/2010/main" val="3872184624"/>
+                <p14:modId xmlns:p14="http://schemas.microsoft.com/office/powerpoint/2010/main" val="868592721"/>
               </p:ext>
             </p:extLst>
           </p:nvPr>
         </p:nvGraphicFramePr>
         <p:xfrm>
           <a:off x="2032000" y="2872740"/>
-          <a:ext cx="8128000" cy="1112520"/>
+          <a:ext cx="8128000" cy="1381760"/>
         </p:xfrm>
         <a:graphic>
           <a:graphicData uri="http://schemas.openxmlformats.org/drawingml/2006/table">
@@ -30797,31 +31356,38 @@
                 <a:tableStyleId>{5940675A-B579-460E-94D1-54222C63F5DA}</a:tableStyleId>
               </a:tblPr>
               <a:tblGrid>
-                <a:gridCol w="2032000">
+                <a:gridCol w="1625600">
                   <a:extLst>
                     <a:ext uri="{9D8B030D-6E8A-4147-A177-3AD203B41FA5}">
                       <a16:colId xmlns:a16="http://schemas.microsoft.com/office/drawing/2014/main" val="1929636500"/>
                     </a:ext>
                   </a:extLst>
                 </a:gridCol>
-                <a:gridCol w="2032000">
+                <a:gridCol w="1625600">
                   <a:extLst>
                     <a:ext uri="{9D8B030D-6E8A-4147-A177-3AD203B41FA5}">
                       <a16:colId xmlns:a16="http://schemas.microsoft.com/office/drawing/2014/main" val="3240070001"/>
                     </a:ext>
                   </a:extLst>
                 </a:gridCol>
-                <a:gridCol w="2032000">
+                <a:gridCol w="1625600">
                   <a:extLst>
                     <a:ext uri="{9D8B030D-6E8A-4147-A177-3AD203B41FA5}">
                       <a16:colId xmlns:a16="http://schemas.microsoft.com/office/drawing/2014/main" val="116783287"/>
                     </a:ext>
                   </a:extLst>
                 </a:gridCol>
-                <a:gridCol w="2032000">
+                <a:gridCol w="1625600">
                   <a:extLst>
                     <a:ext uri="{9D8B030D-6E8A-4147-A177-3AD203B41FA5}">
                       <a16:colId xmlns:a16="http://schemas.microsoft.com/office/drawing/2014/main" val="492657174"/>
+                    </a:ext>
+                  </a:extLst>
+                </a:gridCol>
+                <a:gridCol w="1625600">
+                  <a:extLst>
+                    <a:ext uri="{9D8B030D-6E8A-4147-A177-3AD203B41FA5}">
+                      <a16:colId xmlns:a16="http://schemas.microsoft.com/office/drawing/2014/main" val="2588437635"/>
                     </a:ext>
                   </a:extLst>
                 </a:gridCol>
@@ -30943,6 +31509,41 @@
                     </a:solidFill>
                   </a:tcPr>
                 </a:tc>
+                <a:tc>
+                  <a:txBody>
+                    <a:bodyPr/>
+                    <a:lstStyle/>
+                    <a:p>
+                      <a:pPr algn="ctr"/>
+                      <a:r>
+                        <a:rPr lang="en-US" dirty="0" smtClean="0">
+                          <a:solidFill>
+                            <a:schemeClr val="bg1"/>
+                          </a:solidFill>
+                        </a:rPr>
+                        <a:t>Refresh</a:t>
+                      </a:r>
+                      <a:r>
+                        <a:rPr lang="en-US" baseline="0" dirty="0" smtClean="0">
+                          <a:solidFill>
+                            <a:schemeClr val="bg1"/>
+                          </a:solidFill>
+                        </a:rPr>
+                        <a:t> Token</a:t>
+                      </a:r>
+                      <a:endParaRPr lang="en-US" dirty="0">
+                        <a:solidFill>
+                          <a:schemeClr val="bg1"/>
+                        </a:solidFill>
+                      </a:endParaRPr>
+                    </a:p>
+                  </a:txBody>
+                  <a:tcPr>
+                    <a:solidFill>
+                      <a:schemeClr val="tx1"/>
+                    </a:solidFill>
+                  </a:tcPr>
+                </a:tc>
                 <a:extLst>
                   <a:ext uri="{0D108BD9-81ED-4DB2-BD59-A6C34878D82A}">
                     <a16:rowId xmlns:a16="http://schemas.microsoft.com/office/drawing/2014/main" val="1928875511"/>
@@ -30978,8 +31579,8 @@
                     <a:p>
                       <a:pPr algn="ctr"/>
                       <a:r>
-                        <a:rPr lang="de-AT" dirty="0"/>
-                        <a:t>Ausgestellt</a:t>
+                        <a:rPr lang="de-AT" dirty="0" smtClean="0"/>
+                        <a:t>X</a:t>
                       </a:r>
                       <a:endParaRPr lang="en-US" dirty="0"/>
                     </a:p>
@@ -30993,8 +31594,8 @@
                     <a:p>
                       <a:pPr algn="ctr"/>
                       <a:r>
-                        <a:rPr lang="de-AT" dirty="0"/>
-                        <a:t>Ausgestellt</a:t>
+                        <a:rPr lang="de-AT" dirty="0" smtClean="0"/>
+                        <a:t>X</a:t>
                       </a:r>
                       <a:endParaRPr lang="en-US" dirty="0"/>
                     </a:p>
@@ -31008,9 +31609,20 @@
                     <a:p>
                       <a:pPr algn="ctr"/>
                       <a:r>
-                        <a:rPr lang="de-AT" dirty="0"/>
-                        <a:t>Ausgestellt</a:t>
+                        <a:rPr lang="de-AT" dirty="0" smtClean="0"/>
+                        <a:t>X</a:t>
                       </a:r>
+                      <a:endParaRPr lang="en-US" dirty="0"/>
+                    </a:p>
+                  </a:txBody>
+                  <a:tcPr/>
+                </a:tc>
+                <a:tc>
+                  <a:txBody>
+                    <a:bodyPr/>
+                    <a:lstStyle/>
+                    <a:p>
+                      <a:pPr algn="ctr"/>
                       <a:endParaRPr lang="en-US" dirty="0"/>
                     </a:p>
                   </a:txBody>
@@ -31050,8 +31662,19 @@
                     <a:lstStyle/>
                     <a:p>
                       <a:pPr algn="ctr"/>
+                      <a:endParaRPr lang="en-US" dirty="0"/>
+                    </a:p>
+                  </a:txBody>
+                  <a:tcPr/>
+                </a:tc>
+                <a:tc>
+                  <a:txBody>
+                    <a:bodyPr/>
+                    <a:lstStyle/>
+                    <a:p>
+                      <a:pPr algn="ctr"/>
                       <a:r>
-                        <a:rPr lang="de-AT" dirty="0"/>
+                        <a:rPr lang="de-AT" dirty="0" smtClean="0"/>
                         <a:t>X</a:t>
                       </a:r>
                       <a:endParaRPr lang="en-US" dirty="0"/>
@@ -31066,8 +31689,8 @@
                     <a:p>
                       <a:pPr algn="ctr"/>
                       <a:r>
-                        <a:rPr lang="de-AT" dirty="0"/>
-                        <a:t>Ausgestellt</a:t>
+                        <a:rPr lang="de-AT" dirty="0" smtClean="0"/>
+                        <a:t>X</a:t>
                       </a:r>
                       <a:endParaRPr lang="en-US" dirty="0"/>
                     </a:p>
@@ -31081,8 +31704,8 @@
                     <a:p>
                       <a:pPr algn="ctr"/>
                       <a:r>
-                        <a:rPr lang="de-AT" dirty="0"/>
-                        <a:t>Ausgestellt</a:t>
+                        <a:rPr lang="en-US" dirty="0" smtClean="0"/>
+                        <a:t>X</a:t>
                       </a:r>
                       <a:endParaRPr lang="en-US" dirty="0"/>
                     </a:p>
@@ -31109,6 +31732,13 @@
   <p:clrMapOvr>
     <a:masterClrMapping/>
   </p:clrMapOvr>
+  <p:timing>
+    <p:tnLst>
+      <p:par>
+        <p:cTn id="1" dur="indefinite" restart="never" nodeType="tmRoot"/>
+      </p:par>
+    </p:tnLst>
+  </p:timing>
 </p:sld>
 </file>
 
@@ -33686,6 +34316,13 @@
   <p:clrMapOvr>
     <a:masterClrMapping/>
   </p:clrMapOvr>
+  <p:timing>
+    <p:tnLst>
+      <p:par>
+        <p:cTn id="1" dur="indefinite" restart="never" nodeType="tmRoot"/>
+      </p:par>
+    </p:tnLst>
+  </p:timing>
 </p:sld>
 </file>
 
@@ -33785,7 +34422,7 @@
                   <a14:useLocalDpi xmlns:a14="http://schemas.microsoft.com/office/drawing/2010/main" val="0"/>
                 </a:ext>
                 <a:ext uri="{96DAC541-7B7A-43D3-8B79-37D633B846F1}">
-                  <asvg:svgBlip xmlns:asvg="http://schemas.microsoft.com/office/drawing/2016/SVG/main" r:embed="rId3"/>
+                  <asvg:svgBlip xmlns="" xmlns:asvg="http://schemas.microsoft.com/office/drawing/2016/SVG/main" r:embed="rId3"/>
                 </a:ext>
               </a:extLst>
             </a:blip>
@@ -33886,7 +34523,7 @@
                   <a14:useLocalDpi xmlns:a14="http://schemas.microsoft.com/office/drawing/2010/main" val="0"/>
                 </a:ext>
                 <a:ext uri="{96DAC541-7B7A-43D3-8B79-37D633B846F1}">
-                  <asvg:svgBlip xmlns:asvg="http://schemas.microsoft.com/office/drawing/2016/SVG/main" r:embed="rId5"/>
+                  <asvg:svgBlip xmlns="" xmlns:asvg="http://schemas.microsoft.com/office/drawing/2016/SVG/main" r:embed="rId5"/>
                 </a:ext>
               </a:extLst>
             </a:blip>
@@ -34011,7 +34648,7 @@
                     <a14:useLocalDpi xmlns:a14="http://schemas.microsoft.com/office/drawing/2010/main" val="0"/>
                   </a:ext>
                   <a:ext uri="{96DAC541-7B7A-43D3-8B79-37D633B846F1}">
-                    <asvg:svgBlip xmlns:asvg="http://schemas.microsoft.com/office/drawing/2016/SVG/main" r:embed="rId7"/>
+                    <asvg:svgBlip xmlns="" xmlns:asvg="http://schemas.microsoft.com/office/drawing/2016/SVG/main" r:embed="rId7"/>
                   </a:ext>
                 </a:extLst>
               </a:blip>
@@ -34050,7 +34687,7 @@
                     <a14:useLocalDpi xmlns:a14="http://schemas.microsoft.com/office/drawing/2010/main" val="0"/>
                   </a:ext>
                   <a:ext uri="{96DAC541-7B7A-43D3-8B79-37D633B846F1}">
-                    <asvg:svgBlip xmlns:asvg="http://schemas.microsoft.com/office/drawing/2016/SVG/main" r:embed="rId9"/>
+                    <asvg:svgBlip xmlns="" xmlns:asvg="http://schemas.microsoft.com/office/drawing/2016/SVG/main" r:embed="rId9"/>
                   </a:ext>
                 </a:extLst>
               </a:blip>
@@ -34155,7 +34792,11 @@
             <a:pPr algn="ctr"/>
             <a:r>
               <a:rPr lang="de-AT" dirty="0"/>
-              <a:t>1. Login anfrage</a:t>
+              <a:t>1. Login </a:t>
+            </a:r>
+            <a:r>
+              <a:rPr lang="de-AT" dirty="0" smtClean="0"/>
+              <a:t>Anfrage</a:t>
             </a:r>
             <a:endParaRPr lang="en-US" dirty="0"/>
           </a:p>
@@ -34274,20 +34915,16 @@
             <a:p>
               <a:pPr algn="ctr"/>
               <a:r>
-                <a:rPr lang="de-AT" dirty="0"/>
+                <a:rPr lang="de-AT" dirty="0" smtClean="0"/>
                 <a:t>2. Redirect zu </a:t>
               </a:r>
               <a:r>
-                <a:rPr lang="de-AT" i="1" dirty="0" err="1"/>
+                <a:rPr lang="de-AT" i="1" dirty="0" err="1" smtClean="0"/>
                 <a:t>Authorization</a:t>
               </a:r>
               <a:r>
-                <a:rPr lang="de-AT" i="1" dirty="0"/>
-                <a:t> Server + PKSE </a:t>
-              </a:r>
-              <a:r>
-                <a:rPr lang="de-AT" i="1" dirty="0" err="1"/>
-                <a:t>Verifier</a:t>
+                <a:rPr lang="de-AT" i="1" dirty="0" smtClean="0"/>
+                <a:t> Server + Code Challenge</a:t>
               </a:r>
               <a:endParaRPr lang="en-US" i="1" dirty="0"/>
             </a:p>
@@ -34398,32 +35035,36 @@
             <a:p>
               <a:pPr algn="ctr"/>
               <a:r>
-                <a:rPr lang="de-AT" dirty="0"/>
+                <a:rPr lang="de-AT" dirty="0" smtClean="0"/>
                 <a:t>7. </a:t>
               </a:r>
               <a:r>
-                <a:rPr lang="de-AT" i="1" dirty="0"/>
+                <a:rPr lang="de-AT" i="1" dirty="0" smtClean="0"/>
                 <a:t>Client</a:t>
               </a:r>
               <a:r>
-                <a:rPr lang="de-AT" dirty="0"/>
+                <a:rPr lang="de-AT" dirty="0" smtClean="0"/>
                 <a:t> </a:t>
               </a:r>
               <a:r>
-                <a:rPr lang="de-AT" dirty="0" err="1"/>
+                <a:rPr lang="de-AT" dirty="0" err="1" smtClean="0"/>
                 <a:t>authorisiert</a:t>
               </a:r>
               <a:r>
-                <a:rPr lang="de-AT" dirty="0"/>
+                <a:rPr lang="de-AT" dirty="0" smtClean="0"/>
                 <a:t> sich mit </a:t>
               </a:r>
               <a:r>
-                <a:rPr lang="de-AT" i="1" dirty="0" err="1"/>
+                <a:rPr lang="de-AT" i="1" dirty="0" err="1" smtClean="0"/>
                 <a:t>Authorization</a:t>
               </a:r>
               <a:r>
-                <a:rPr lang="de-AT" i="1" dirty="0"/>
-                <a:t> Code und PKSE</a:t>
+                <a:rPr lang="de-AT" i="1" dirty="0" smtClean="0"/>
+                <a:t> Code und Code </a:t>
+              </a:r>
+              <a:r>
+                <a:rPr lang="de-AT" i="1" dirty="0" err="1" smtClean="0"/>
+                <a:t>Verifier</a:t>
               </a:r>
               <a:endParaRPr lang="en-US" i="1" dirty="0"/>
             </a:p>
@@ -34894,7 +35535,7 @@
                     <a14:useLocalDpi xmlns:a14="http://schemas.microsoft.com/office/drawing/2010/main" val="0"/>
                   </a:ext>
                   <a:ext uri="{96DAC541-7B7A-43D3-8B79-37D633B846F1}">
-                    <asvg:svgBlip xmlns:asvg="http://schemas.microsoft.com/office/drawing/2016/SVG/main" r:embed="rId9"/>
+                    <asvg:svgBlip xmlns="" xmlns:asvg="http://schemas.microsoft.com/office/drawing/2016/SVG/main" r:embed="rId9"/>
                   </a:ext>
                 </a:extLst>
               </a:blip>
@@ -34934,7 +35575,7 @@
                   <a14:useLocalDpi xmlns:a14="http://schemas.microsoft.com/office/drawing/2010/main" val="0"/>
                 </a:ext>
                 <a:ext uri="{96DAC541-7B7A-43D3-8B79-37D633B846F1}">
-                  <asvg:svgBlip xmlns:asvg="http://schemas.microsoft.com/office/drawing/2016/SVG/main" r:embed="rId11"/>
+                  <asvg:svgBlip xmlns="" xmlns:asvg="http://schemas.microsoft.com/office/drawing/2016/SVG/main" r:embed="rId11"/>
                 </a:ext>
               </a:extLst>
             </a:blip>
@@ -35168,7 +35809,7 @@
                   <a14:useLocalDpi xmlns:a14="http://schemas.microsoft.com/office/drawing/2010/main" val="0"/>
                 </a:ext>
                 <a:ext uri="{96DAC541-7B7A-43D3-8B79-37D633B846F1}">
-                  <asvg:svgBlip xmlns:asvg="http://schemas.microsoft.com/office/drawing/2016/SVG/main" r:embed="rId13"/>
+                  <asvg:svgBlip xmlns="" xmlns:asvg="http://schemas.microsoft.com/office/drawing/2016/SVG/main" r:embed="rId13"/>
                 </a:ext>
               </a:extLst>
             </a:blip>
@@ -35272,7 +35913,7 @@
                   <a14:useLocalDpi xmlns:a14="http://schemas.microsoft.com/office/drawing/2010/main" val="0"/>
                 </a:ext>
                 <a:ext uri="{96DAC541-7B7A-43D3-8B79-37D633B846F1}">
-                  <asvg:svgBlip xmlns:asvg="http://schemas.microsoft.com/office/drawing/2016/SVG/main" r:embed="rId13"/>
+                  <asvg:svgBlip xmlns="" xmlns:asvg="http://schemas.microsoft.com/office/drawing/2016/SVG/main" r:embed="rId13"/>
                 </a:ext>
               </a:extLst>
             </a:blip>
@@ -35467,7 +36108,7 @@
                   <a14:useLocalDpi xmlns:a14="http://schemas.microsoft.com/office/drawing/2010/main" val="0"/>
                 </a:ext>
                 <a:ext uri="{96DAC541-7B7A-43D3-8B79-37D633B846F1}">
-                  <asvg:svgBlip xmlns:asvg="http://schemas.microsoft.com/office/drawing/2016/SVG/main" r:embed="rId13"/>
+                  <asvg:svgBlip xmlns="" xmlns:asvg="http://schemas.microsoft.com/office/drawing/2016/SVG/main" r:embed="rId13"/>
                 </a:ext>
               </a:extLst>
             </a:blip>
@@ -35540,6 +36181,13 @@
   <p:clrMapOvr>
     <a:masterClrMapping/>
   </p:clrMapOvr>
+  <p:timing>
+    <p:tnLst>
+      <p:par>
+        <p:cTn id="1" dur="indefinite" restart="never" nodeType="tmRoot"/>
+      </p:par>
+    </p:tnLst>
+  </p:timing>
 </p:sld>
 </file>
 
@@ -35604,14 +36252,14 @@
           <p:nvPr>
             <p:extLst>
               <p:ext uri="{D42A27DB-BD31-4B8C-83A1-F6EECF244321}">
-                <p14:modId xmlns:p14="http://schemas.microsoft.com/office/powerpoint/2010/main" val="2913134159"/>
+                <p14:modId xmlns:p14="http://schemas.microsoft.com/office/powerpoint/2010/main" val="3433360073"/>
               </p:ext>
             </p:extLst>
           </p:nvPr>
         </p:nvGraphicFramePr>
         <p:xfrm>
           <a:off x="838200" y="1526129"/>
-          <a:ext cx="10440000" cy="4966746"/>
+          <a:ext cx="10440000" cy="4963982"/>
         </p:xfrm>
         <a:graphic>
           <a:graphicData uri="http://schemas.openxmlformats.org/drawingml/2006/table">
@@ -36019,12 +36667,12 @@
                         <a:t>Alle Tokens von </a:t>
                       </a:r>
                       <a:r>
-                        <a:rPr lang="de-AT" i="1" dirty="0" err="1"/>
-                        <a:t>Authorization</a:t>
+                        <a:rPr lang="de-AT" i="1" dirty="0" smtClean="0"/>
+                        <a:t>Token </a:t>
                       </a:r>
                       <a:r>
                         <a:rPr lang="de-AT" i="1" dirty="0"/>
-                        <a:t> Endpunkt</a:t>
+                        <a:t>Endpunkt</a:t>
                       </a:r>
                       <a:endParaRPr lang="en-US" i="1" dirty="0"/>
                     </a:p>
@@ -36492,6 +37140,13 @@
   <p:clrMapOvr>
     <a:masterClrMapping/>
   </p:clrMapOvr>
+  <p:timing>
+    <p:tnLst>
+      <p:par>
+        <p:cTn id="1" dur="indefinite" restart="never" nodeType="tmRoot"/>
+      </p:par>
+    </p:tnLst>
+  </p:timing>
 </p:sld>
 </file>
 
@@ -36582,7 +37237,7 @@
                   <a14:useLocalDpi xmlns:a14="http://schemas.microsoft.com/office/drawing/2010/main" val="0"/>
                 </a:ext>
                 <a:ext uri="{96DAC541-7B7A-43D3-8B79-37D633B846F1}">
-                  <asvg:svgBlip xmlns:asvg="http://schemas.microsoft.com/office/drawing/2016/SVG/main" r:embed="rId3"/>
+                  <asvg:svgBlip xmlns="" xmlns:asvg="http://schemas.microsoft.com/office/drawing/2016/SVG/main" r:embed="rId3"/>
                 </a:ext>
               </a:extLst>
             </a:blip>
@@ -36716,7 +37371,7 @@
                   <a14:useLocalDpi xmlns:a14="http://schemas.microsoft.com/office/drawing/2010/main" val="0"/>
                 </a:ext>
                 <a:ext uri="{96DAC541-7B7A-43D3-8B79-37D633B846F1}">
-                  <asvg:svgBlip xmlns:asvg="http://schemas.microsoft.com/office/drawing/2016/SVG/main" r:embed="rId5"/>
+                  <asvg:svgBlip xmlns="" xmlns:asvg="http://schemas.microsoft.com/office/drawing/2016/SVG/main" r:embed="rId5"/>
                 </a:ext>
               </a:extLst>
             </a:blip>
@@ -36776,7 +37431,7 @@
                   <a14:useLocalDpi xmlns:a14="http://schemas.microsoft.com/office/drawing/2010/main" val="0"/>
                 </a:ext>
                 <a:ext uri="{96DAC541-7B7A-43D3-8B79-37D633B846F1}">
-                  <asvg:svgBlip xmlns:asvg="http://schemas.microsoft.com/office/drawing/2016/SVG/main" r:embed="rId7"/>
+                  <asvg:svgBlip xmlns="" xmlns:asvg="http://schemas.microsoft.com/office/drawing/2016/SVG/main" r:embed="rId7"/>
                 </a:ext>
               </a:extLst>
             </a:blip>
@@ -37345,7 +38000,7 @@
                   <a14:useLocalDpi xmlns:a14="http://schemas.microsoft.com/office/drawing/2010/main" val="0"/>
                 </a:ext>
                 <a:ext uri="{96DAC541-7B7A-43D3-8B79-37D633B846F1}">
-                  <asvg:svgBlip xmlns:asvg="http://schemas.microsoft.com/office/drawing/2016/SVG/main" r:embed="rId7"/>
+                  <asvg:svgBlip xmlns="" xmlns:asvg="http://schemas.microsoft.com/office/drawing/2016/SVG/main" r:embed="rId7"/>
                 </a:ext>
               </a:extLst>
             </a:blip>
@@ -37601,7 +38256,7 @@
                   <a14:useLocalDpi xmlns:a14="http://schemas.microsoft.com/office/drawing/2010/main" val="0"/>
                 </a:ext>
                 <a:ext uri="{96DAC541-7B7A-43D3-8B79-37D633B846F1}">
-                  <asvg:svgBlip xmlns:asvg="http://schemas.microsoft.com/office/drawing/2016/SVG/main" r:embed="rId3"/>
+                  <asvg:svgBlip xmlns="" xmlns:asvg="http://schemas.microsoft.com/office/drawing/2016/SVG/main" r:embed="rId3"/>
                 </a:ext>
               </a:extLst>
             </a:blip>
@@ -38423,6 +39078,13 @@
   <p:clrMapOvr>
     <a:masterClrMapping/>
   </p:clrMapOvr>
+  <p:timing>
+    <p:tnLst>
+      <p:par>
+        <p:cTn id="1" dur="indefinite" restart="never" nodeType="tmRoot"/>
+      </p:par>
+    </p:tnLst>
+  </p:timing>
 </p:sld>
 </file>
 
@@ -38501,14 +39163,14 @@
           <p:nvPr>
             <p:extLst>
               <p:ext uri="{D42A27DB-BD31-4B8C-83A1-F6EECF244321}">
-                <p14:modId xmlns:p14="http://schemas.microsoft.com/office/powerpoint/2010/main" val="2857646455"/>
+                <p14:modId xmlns:p14="http://schemas.microsoft.com/office/powerpoint/2010/main" val="2864577627"/>
               </p:ext>
             </p:extLst>
           </p:nvPr>
         </p:nvGraphicFramePr>
         <p:xfrm>
-          <a:off x="3553118" y="1450715"/>
-          <a:ext cx="4865018" cy="5235538"/>
+          <a:off x="3431188" y="1485549"/>
+          <a:ext cx="5329624" cy="4961218"/>
         </p:xfrm>
         <a:graphic>
           <a:graphicData uri="http://schemas.openxmlformats.org/drawingml/2006/table">
@@ -38517,14 +39179,14 @@
                 <a:tableStyleId>{5940675A-B579-460E-94D1-54222C63F5DA}</a:tableStyleId>
               </a:tblPr>
               <a:tblGrid>
-                <a:gridCol w="2432509">
+                <a:gridCol w="2664812">
                   <a:extLst>
                     <a:ext uri="{9D8B030D-6E8A-4147-A177-3AD203B41FA5}">
                       <a16:colId xmlns:a16="http://schemas.microsoft.com/office/drawing/2014/main" val="1929636500"/>
                     </a:ext>
                   </a:extLst>
                 </a:gridCol>
-                <a:gridCol w="2432509">
+                <a:gridCol w="2664812">
                   <a:extLst>
                     <a:ext uri="{9D8B030D-6E8A-4147-A177-3AD203B41FA5}">
                       <a16:colId xmlns:a16="http://schemas.microsoft.com/office/drawing/2014/main" val="395898648"/>
@@ -38951,10 +39613,16 @@
                     <a:p>
                       <a:pPr algn="l"/>
                       <a:r>
-                        <a:rPr lang="de-AT" dirty="0">
+                        <a:rPr lang="de-AT" dirty="0" err="1" smtClean="0">
                           <a:latin typeface="Consolas" panose="020B0609020204030204" pitchFamily="49" charset="0"/>
                         </a:rPr>
-                        <a:t>Code </a:t>
+                        <a:t>code</a:t>
+                      </a:r>
+                      <a:r>
+                        <a:rPr lang="de-AT" dirty="0" smtClean="0">
+                          <a:latin typeface="Consolas" panose="020B0609020204030204" pitchFamily="49" charset="0"/>
+                        </a:rPr>
+                        <a:t> </a:t>
                       </a:r>
                       <a:r>
                         <a:rPr lang="de-AT" dirty="0" err="1">
@@ -39001,6 +39669,13 @@
   <p:clrMapOvr>
     <a:masterClrMapping/>
   </p:clrMapOvr>
+  <p:timing>
+    <p:tnLst>
+      <p:par>
+        <p:cTn id="1" dur="indefinite" restart="never" nodeType="tmRoot"/>
+      </p:par>
+    </p:tnLst>
+  </p:timing>
 </p:sld>
 </file>
 
@@ -39190,7 +39865,7 @@
                   <a14:useLocalDpi xmlns:a14="http://schemas.microsoft.com/office/drawing/2010/main" val="0"/>
                 </a:ext>
                 <a:ext uri="{96DAC541-7B7A-43D3-8B79-37D633B846F1}">
-                  <asvg:svgBlip xmlns:asvg="http://schemas.microsoft.com/office/drawing/2016/SVG/main" r:embed="rId5"/>
+                  <asvg:svgBlip xmlns="" xmlns:asvg="http://schemas.microsoft.com/office/drawing/2016/SVG/main" r:embed="rId5"/>
                 </a:ext>
               </a:extLst>
             </a:blip>
@@ -39295,7 +39970,7 @@
                   <a14:useLocalDpi xmlns:a14="http://schemas.microsoft.com/office/drawing/2010/main" val="0"/>
                 </a:ext>
                 <a:ext uri="{96DAC541-7B7A-43D3-8B79-37D633B846F1}">
-                  <asvg:svgBlip xmlns:asvg="http://schemas.microsoft.com/office/drawing/2016/SVG/main" r:embed="rId7"/>
+                  <asvg:svgBlip xmlns="" xmlns:asvg="http://schemas.microsoft.com/office/drawing/2016/SVG/main" r:embed="rId7"/>
                 </a:ext>
               </a:extLst>
             </a:blip>
@@ -39412,7 +40087,7 @@
                     <a14:useLocalDpi xmlns:a14="http://schemas.microsoft.com/office/drawing/2010/main" val="0"/>
                   </a:ext>
                   <a:ext uri="{96DAC541-7B7A-43D3-8B79-37D633B846F1}">
-                    <asvg:svgBlip xmlns:asvg="http://schemas.microsoft.com/office/drawing/2016/SVG/main" r:embed="rId9"/>
+                    <asvg:svgBlip xmlns="" xmlns:asvg="http://schemas.microsoft.com/office/drawing/2016/SVG/main" r:embed="rId9"/>
                   </a:ext>
                 </a:extLst>
               </a:blip>
@@ -39451,7 +40126,7 @@
                     <a14:useLocalDpi xmlns:a14="http://schemas.microsoft.com/office/drawing/2010/main" val="0"/>
                   </a:ext>
                   <a:ext uri="{96DAC541-7B7A-43D3-8B79-37D633B846F1}">
-                    <asvg:svgBlip xmlns:asvg="http://schemas.microsoft.com/office/drawing/2016/SVG/main" r:embed="rId11"/>
+                    <asvg:svgBlip xmlns="" xmlns:asvg="http://schemas.microsoft.com/office/drawing/2016/SVG/main" r:embed="rId11"/>
                   </a:ext>
                 </a:extLst>
               </a:blip>
@@ -39553,7 +40228,7 @@
                   <a14:useLocalDpi xmlns:a14="http://schemas.microsoft.com/office/drawing/2010/main" val="0"/>
                 </a:ext>
                 <a:ext uri="{96DAC541-7B7A-43D3-8B79-37D633B846F1}">
-                  <asvg:svgBlip xmlns:asvg="http://schemas.microsoft.com/office/drawing/2016/SVG/main" r:embed="rId13"/>
+                  <asvg:svgBlip xmlns="" xmlns:asvg="http://schemas.microsoft.com/office/drawing/2016/SVG/main" r:embed="rId13"/>
                 </a:ext>
               </a:extLst>
             </a:blip>
@@ -39650,7 +40325,7 @@
                   <a14:useLocalDpi xmlns:a14="http://schemas.microsoft.com/office/drawing/2010/main" val="0"/>
                 </a:ext>
                 <a:ext uri="{96DAC541-7B7A-43D3-8B79-37D633B846F1}">
-                  <asvg:svgBlip xmlns:asvg="http://schemas.microsoft.com/office/drawing/2016/SVG/main" r:embed="rId15"/>
+                  <asvg:svgBlip xmlns="" xmlns:asvg="http://schemas.microsoft.com/office/drawing/2016/SVG/main" r:embed="rId15"/>
                 </a:ext>
               </a:extLst>
             </a:blip>
@@ -39812,7 +40487,7 @@
                     <a14:useLocalDpi xmlns:a14="http://schemas.microsoft.com/office/drawing/2010/main" val="0"/>
                   </a:ext>
                   <a:ext uri="{96DAC541-7B7A-43D3-8B79-37D633B846F1}">
-                    <asvg:svgBlip xmlns:asvg="http://schemas.microsoft.com/office/drawing/2016/SVG/main" r:embed="rId11"/>
+                    <asvg:svgBlip xmlns="" xmlns:asvg="http://schemas.microsoft.com/office/drawing/2016/SVG/main" r:embed="rId11"/>
                   </a:ext>
                 </a:extLst>
               </a:blip>
@@ -39852,7 +40527,7 @@
                   <a14:useLocalDpi xmlns:a14="http://schemas.microsoft.com/office/drawing/2010/main" val="0"/>
                 </a:ext>
                 <a:ext uri="{96DAC541-7B7A-43D3-8B79-37D633B846F1}">
-                  <asvg:svgBlip xmlns:asvg="http://schemas.microsoft.com/office/drawing/2016/SVG/main" r:embed="rId17"/>
+                  <asvg:svgBlip xmlns="" xmlns:asvg="http://schemas.microsoft.com/office/drawing/2016/SVG/main" r:embed="rId17"/>
                 </a:ext>
               </a:extLst>
             </a:blip>
@@ -39932,7 +40607,7 @@
                     <a14:useLocalDpi xmlns:a14="http://schemas.microsoft.com/office/drawing/2010/main" val="0"/>
                   </a:ext>
                   <a:ext uri="{96DAC541-7B7A-43D3-8B79-37D633B846F1}">
-                    <asvg:svgBlip xmlns:asvg="http://schemas.microsoft.com/office/drawing/2016/SVG/main" r:embed="rId13"/>
+                    <asvg:svgBlip xmlns="" xmlns:asvg="http://schemas.microsoft.com/office/drawing/2016/SVG/main" r:embed="rId13"/>
                   </a:ext>
                 </a:extLst>
               </a:blip>
@@ -40009,7 +40684,7 @@
                   <a14:useLocalDpi xmlns:a14="http://schemas.microsoft.com/office/drawing/2010/main" val="0"/>
                 </a:ext>
                 <a:ext uri="{96DAC541-7B7A-43D3-8B79-37D633B846F1}">
-                  <asvg:svgBlip xmlns:asvg="http://schemas.microsoft.com/office/drawing/2016/SVG/main" r:embed="rId19"/>
+                  <asvg:svgBlip xmlns="" xmlns:asvg="http://schemas.microsoft.com/office/drawing/2016/SVG/main" r:embed="rId19"/>
                 </a:ext>
               </a:extLst>
             </a:blip>
@@ -40089,7 +40764,7 @@
                     <a14:useLocalDpi xmlns:a14="http://schemas.microsoft.com/office/drawing/2010/main" val="0"/>
                   </a:ext>
                   <a:ext uri="{96DAC541-7B7A-43D3-8B79-37D633B846F1}">
-                    <asvg:svgBlip xmlns:asvg="http://schemas.microsoft.com/office/drawing/2016/SVG/main" r:embed="rId13"/>
+                    <asvg:svgBlip xmlns="" xmlns:asvg="http://schemas.microsoft.com/office/drawing/2016/SVG/main" r:embed="rId13"/>
                   </a:ext>
                 </a:extLst>
               </a:blip>
@@ -40166,7 +40841,7 @@
                   <a14:useLocalDpi xmlns:a14="http://schemas.microsoft.com/office/drawing/2010/main" val="0"/>
                 </a:ext>
                 <a:ext uri="{96DAC541-7B7A-43D3-8B79-37D633B846F1}">
-                  <asvg:svgBlip xmlns:asvg="http://schemas.microsoft.com/office/drawing/2016/SVG/main" r:embed="rId21"/>
+                  <asvg:svgBlip xmlns="" xmlns:asvg="http://schemas.microsoft.com/office/drawing/2016/SVG/main" r:embed="rId21"/>
                 </a:ext>
               </a:extLst>
             </a:blip>
@@ -40226,7 +40901,7 @@
                   <a14:useLocalDpi xmlns:a14="http://schemas.microsoft.com/office/drawing/2010/main" val="0"/>
                 </a:ext>
                 <a:ext uri="{96DAC541-7B7A-43D3-8B79-37D633B846F1}">
-                  <asvg:svgBlip xmlns:asvg="http://schemas.microsoft.com/office/drawing/2016/SVG/main" r:embed="rId23"/>
+                  <asvg:svgBlip xmlns="" xmlns:asvg="http://schemas.microsoft.com/office/drawing/2016/SVG/main" r:embed="rId23"/>
                 </a:ext>
               </a:extLst>
             </a:blip>
@@ -40360,7 +41035,7 @@
                   <a14:useLocalDpi xmlns:a14="http://schemas.microsoft.com/office/drawing/2010/main" val="0"/>
                 </a:ext>
                 <a:ext uri="{96DAC541-7B7A-43D3-8B79-37D633B846F1}">
-                  <asvg:svgBlip xmlns:asvg="http://schemas.microsoft.com/office/drawing/2016/SVG/main" r:embed="rId25"/>
+                  <asvg:svgBlip xmlns="" xmlns:asvg="http://schemas.microsoft.com/office/drawing/2016/SVG/main" r:embed="rId25"/>
                 </a:ext>
               </a:extLst>
             </a:blip>
@@ -40420,7 +41095,7 @@
                   <a14:useLocalDpi xmlns:a14="http://schemas.microsoft.com/office/drawing/2010/main" val="0"/>
                 </a:ext>
                 <a:ext uri="{96DAC541-7B7A-43D3-8B79-37D633B846F1}">
-                  <asvg:svgBlip xmlns:asvg="http://schemas.microsoft.com/office/drawing/2016/SVG/main" r:embed="rId7"/>
+                  <asvg:svgBlip xmlns="" xmlns:asvg="http://schemas.microsoft.com/office/drawing/2016/SVG/main" r:embed="rId7"/>
                 </a:ext>
               </a:extLst>
             </a:blip>
@@ -40537,7 +41212,7 @@
                     <a14:useLocalDpi xmlns:a14="http://schemas.microsoft.com/office/drawing/2010/main" val="0"/>
                   </a:ext>
                   <a:ext uri="{96DAC541-7B7A-43D3-8B79-37D633B846F1}">
-                    <asvg:svgBlip xmlns:asvg="http://schemas.microsoft.com/office/drawing/2016/SVG/main" r:embed="rId11"/>
+                    <asvg:svgBlip xmlns="" xmlns:asvg="http://schemas.microsoft.com/office/drawing/2016/SVG/main" r:embed="rId11"/>
                   </a:ext>
                 </a:extLst>
               </a:blip>
@@ -40618,7 +41293,7 @@
                   <a14:useLocalDpi xmlns:a14="http://schemas.microsoft.com/office/drawing/2010/main" val="0"/>
                 </a:ext>
                 <a:ext uri="{96DAC541-7B7A-43D3-8B79-37D633B846F1}">
-                  <asvg:svgBlip xmlns:asvg="http://schemas.microsoft.com/office/drawing/2016/SVG/main" r:embed="rId27"/>
+                  <asvg:svgBlip xmlns="" xmlns:asvg="http://schemas.microsoft.com/office/drawing/2016/SVG/main" r:embed="rId27"/>
                 </a:ext>
               </a:extLst>
             </a:blip>
@@ -40678,7 +41353,7 @@
                   <a14:useLocalDpi xmlns:a14="http://schemas.microsoft.com/office/drawing/2010/main" val="0"/>
                 </a:ext>
                 <a:ext uri="{96DAC541-7B7A-43D3-8B79-37D633B846F1}">
-                  <asvg:svgBlip xmlns:asvg="http://schemas.microsoft.com/office/drawing/2016/SVG/main" r:embed="rId29"/>
+                  <asvg:svgBlip xmlns="" xmlns:asvg="http://schemas.microsoft.com/office/drawing/2016/SVG/main" r:embed="rId29"/>
                 </a:ext>
               </a:extLst>
             </a:blip>
@@ -40969,6 +41644,140 @@
   <p:clrMapOvr>
     <a:masterClrMapping/>
   </p:clrMapOvr>
+  <mc:AlternateContent xmlns:mc="http://schemas.openxmlformats.org/markup-compatibility/2006" xmlns:p14="http://schemas.microsoft.com/office/powerpoint/2010/main">
+    <mc:Choice Requires="p14">
+      <p:transition spd="slow" p14:dur="2000"/>
+    </mc:Choice>
+    <mc:Fallback xmlns="">
+      <p:transition spd="slow"/>
+    </mc:Fallback>
+  </mc:AlternateContent>
+  <p:timing>
+    <p:tnLst>
+      <p:par>
+        <p:cTn id="1" dur="indefinite" restart="never" nodeType="tmRoot"/>
+      </p:par>
+    </p:tnLst>
+  </p:timing>
+</p:sld>
+</file>
+
+<file path=ppt/slides/slide42.xml><?xml version="1.0" encoding="utf-8"?>
+<p:sld xmlns:a="http://schemas.openxmlformats.org/drawingml/2006/main" xmlns:r="http://schemas.openxmlformats.org/officeDocument/2006/relationships" xmlns:p="http://schemas.openxmlformats.org/presentationml/2006/main">
+  <p:cSld>
+    <p:spTree>
+      <p:nvGrpSpPr>
+        <p:cNvPr id="1" name=""/>
+        <p:cNvGrpSpPr/>
+        <p:nvPr/>
+      </p:nvGrpSpPr>
+      <p:grpSpPr>
+        <a:xfrm>
+          <a:off x="0" y="0"/>
+          <a:ext cx="0" cy="0"/>
+          <a:chOff x="0" y="0"/>
+          <a:chExt cx="0" cy="0"/>
+        </a:xfrm>
+      </p:grpSpPr>
+      <p:sp>
+        <p:nvSpPr>
+          <p:cNvPr id="2" name="Title 1"/>
+          <p:cNvSpPr>
+            <a:spLocks noGrp="1"/>
+          </p:cNvSpPr>
+          <p:nvPr>
+            <p:ph type="title"/>
+          </p:nvPr>
+        </p:nvSpPr>
+        <p:spPr/>
+        <p:txBody>
+          <a:bodyPr/>
+          <a:lstStyle/>
+          <a:p>
+            <a:r>
+              <a:rPr lang="de-AT" dirty="0" err="1" smtClean="0"/>
+              <a:t>Examples</a:t>
+            </a:r>
+            <a:endParaRPr lang="de-AT" dirty="0"/>
+          </a:p>
+        </p:txBody>
+      </p:sp>
+      <p:pic>
+        <p:nvPicPr>
+          <p:cNvPr id="3" name="Picture 2"/>
+          <p:cNvPicPr>
+            <a:picLocks noChangeAspect="1"/>
+          </p:cNvPicPr>
+          <p:nvPr/>
+        </p:nvPicPr>
+        <p:blipFill>
+          <a:blip r:embed="rId2">
+            <a:extLst>
+              <a:ext uri="{28A0092B-C50C-407E-A947-70E740481C1C}">
+                <a14:useLocalDpi xmlns:a14="http://schemas.microsoft.com/office/drawing/2010/main" val="0"/>
+              </a:ext>
+            </a:extLst>
+          </a:blip>
+          <a:stretch>
+            <a:fillRect/>
+          </a:stretch>
+        </p:blipFill>
+        <p:spPr>
+          <a:xfrm>
+            <a:off x="1143000" y="3169224"/>
+            <a:ext cx="730827" cy="730827"/>
+          </a:xfrm>
+          <a:prstGeom prst="rect">
+            <a:avLst/>
+          </a:prstGeom>
+        </p:spPr>
+      </p:pic>
+      <p:sp>
+        <p:nvSpPr>
+          <p:cNvPr id="4" name="TextBox 3">
+            <a:extLst>
+              <a:ext uri="{FF2B5EF4-FFF2-40B4-BE49-F238E27FC236}">
+                <a16:creationId xmlns:a16="http://schemas.microsoft.com/office/drawing/2014/main" id="{8F24A36A-7B68-4FB3-BD38-0855063C1A8F}"/>
+              </a:ext>
+            </a:extLst>
+          </p:cNvPr>
+          <p:cNvSpPr txBox="1"/>
+          <p:nvPr/>
+        </p:nvSpPr>
+        <p:spPr>
+          <a:xfrm>
+            <a:off x="2560425" y="3242249"/>
+            <a:ext cx="8670579" cy="584775"/>
+          </a:xfrm>
+          <a:prstGeom prst="rect">
+            <a:avLst/>
+          </a:prstGeom>
+          <a:noFill/>
+        </p:spPr>
+        <p:txBody>
+          <a:bodyPr wrap="none" rtlCol="0">
+            <a:spAutoFit/>
+          </a:bodyPr>
+          <a:lstStyle/>
+          <a:p>
+            <a:r>
+              <a:rPr lang="de-AT" sz="3200" dirty="0"/>
+              <a:t>https://github.com/danielwagn3r/apisummit-2018</a:t>
+            </a:r>
+            <a:endParaRPr lang="en-US" sz="3200" dirty="0"/>
+          </a:p>
+        </p:txBody>
+      </p:sp>
+    </p:spTree>
+    <p:extLst>
+      <p:ext uri="{BB962C8B-B14F-4D97-AF65-F5344CB8AC3E}">
+        <p14:creationId xmlns:p14="http://schemas.microsoft.com/office/powerpoint/2010/main" val="608528089"/>
+      </p:ext>
+    </p:extLst>
+  </p:cSld>
+  <p:clrMapOvr>
+    <a:masterClrMapping/>
+  </p:clrMapOvr>
 </p:sld>
 </file>
 
@@ -41002,7 +41811,7 @@
           <p:nvPr>
             <p:extLst>
               <p:ext uri="{D42A27DB-BD31-4B8C-83A1-F6EECF244321}">
-                <p14:modId xmlns:p14="http://schemas.microsoft.com/office/powerpoint/2010/main" val="121691198"/>
+                <p14:modId xmlns:p14="http://schemas.microsoft.com/office/powerpoint/2010/main" val="2641184598"/>
               </p:ext>
             </p:extLst>
           </p:nvPr>
@@ -41061,6 +41870,13 @@
   <p:clrMapOvr>
     <a:masterClrMapping/>
   </p:clrMapOvr>
+  <p:timing>
+    <p:tnLst>
+      <p:par>
+        <p:cTn id="1" dur="indefinite" restart="never" nodeType="tmRoot"/>
+      </p:par>
+    </p:tnLst>
+  </p:timing>
 </p:sld>
 </file>
 
@@ -41171,6 +41987,13 @@
   <p:clrMapOvr>
     <a:masterClrMapping/>
   </p:clrMapOvr>
+  <p:timing>
+    <p:tnLst>
+      <p:par>
+        <p:cTn id="1" dur="indefinite" restart="never" nodeType="tmRoot"/>
+      </p:par>
+    </p:tnLst>
+  </p:timing>
 </p:sld>
 </file>
 
@@ -41263,6 +42086,13 @@
   <p:clrMapOvr>
     <a:masterClrMapping/>
   </p:clrMapOvr>
+  <p:timing>
+    <p:tnLst>
+      <p:par>
+        <p:cTn id="1" dur="indefinite" restart="never" nodeType="tmRoot"/>
+      </p:par>
+    </p:tnLst>
+  </p:timing>
 </p:sld>
 </file>
 
@@ -41405,6 +42235,13 @@
   <p:clrMapOvr>
     <a:masterClrMapping/>
   </p:clrMapOvr>
+  <p:timing>
+    <p:tnLst>
+      <p:par>
+        <p:cTn id="1" dur="indefinite" restart="never" nodeType="tmRoot"/>
+      </p:par>
+    </p:tnLst>
+  </p:timing>
 </p:sld>
 </file>
 
@@ -41481,15 +42318,26 @@
               <a:t> </a:t>
             </a:r>
             <a:r>
-              <a:rPr lang="de-AT" sz="4800" dirty="0" err="1"/>
+              <a:rPr lang="de-AT" sz="4800" dirty="0" err="1" smtClean="0"/>
               <a:t>framework</a:t>
             </a:r>
             <a:r>
               <a:rPr lang="de-AT" sz="4800" dirty="0"/>
-              <a:t> like a </a:t>
+              <a:t/>
+            </a:r>
+            <a:br>
+              <a:rPr lang="de-AT" sz="4800" dirty="0"/>
+            </a:br>
+            <a:r>
+              <a:rPr lang="de-AT" sz="4800" dirty="0" err="1" smtClean="0"/>
+              <a:t>than</a:t>
             </a:r>
             <a:r>
-              <a:rPr lang="de-AT" sz="4800" dirty="0" err="1"/>
+              <a:rPr lang="de-AT" sz="4800" dirty="0" smtClean="0"/>
+              <a:t> </a:t>
+            </a:r>
+            <a:r>
+              <a:rPr lang="de-AT" sz="4800" dirty="0" err="1" smtClean="0"/>
               <a:t>protocol</a:t>
             </a:r>
             <a:endParaRPr lang="en-US" sz="4800" dirty="0"/>
@@ -41506,6 +42354,13 @@
   <p:clrMapOvr>
     <a:masterClrMapping/>
   </p:clrMapOvr>
+  <p:timing>
+    <p:tnLst>
+      <p:par>
+        <p:cTn id="1" dur="indefinite" restart="never" nodeType="tmRoot"/>
+      </p:par>
+    </p:tnLst>
+  </p:timing>
 </p:sld>
 </file>
 

--- a/OpenID & OAuth.pptx
+++ b/OpenID & OAuth.pptx
@@ -5,7 +5,7 @@
     <p:sldMasterId id="2147483648" r:id="rId1"/>
   </p:sldMasterIdLst>
   <p:notesMasterIdLst>
-    <p:notesMasterId r:id="rId44"/>
+    <p:notesMasterId r:id="rId45"/>
   </p:notesMasterIdLst>
   <p:sldIdLst>
     <p:sldId id="256" r:id="rId2"/>
@@ -46,10 +46,11 @@
     <p:sldId id="282" r:id="rId37"/>
     <p:sldId id="287" r:id="rId38"/>
     <p:sldId id="297" r:id="rId39"/>
-    <p:sldId id="308" r:id="rId40"/>
-    <p:sldId id="309" r:id="rId41"/>
-    <p:sldId id="262" r:id="rId42"/>
-    <p:sldId id="311" r:id="rId43"/>
+    <p:sldId id="312" r:id="rId40"/>
+    <p:sldId id="308" r:id="rId41"/>
+    <p:sldId id="309" r:id="rId42"/>
+    <p:sldId id="262" r:id="rId43"/>
+    <p:sldId id="311" r:id="rId44"/>
   </p:sldIdLst>
   <p:sldSz cx="12192000" cy="6858000"/>
   <p:notesSz cx="6858000" cy="9144000"/>
@@ -6569,12 +6570,8 @@
         <a:lstStyle/>
         <a:p>
           <a:r>
-            <a:rPr lang="de-AT" sz="1400" dirty="0" smtClean="0"/>
-            <a:t>Flickr</a:t>
-          </a:r>
-          <a:r>
             <a:rPr lang="de-AT" sz="1400" dirty="0"/>
-            <a:t>: </a:t>
+            <a:t>Flickr: </a:t>
           </a:r>
           <a:r>
             <a:rPr lang="de-AT" sz="1400" dirty="0" err="1"/>
@@ -6634,12 +6631,8 @@
         <a:lstStyle/>
         <a:p>
           <a:r>
-            <a:rPr lang="de-AT" sz="1400" dirty="0" smtClean="0"/>
-            <a:t>Google</a:t>
-          </a:r>
-          <a:r>
             <a:rPr lang="de-AT" sz="1400" dirty="0"/>
-            <a:t>: </a:t>
+            <a:t>Google: </a:t>
           </a:r>
           <a:r>
             <a:rPr lang="de-AT" sz="1400" dirty="0" err="1"/>
@@ -6839,25 +6832,18 @@
         </dgm:presLayoutVars>
       </dgm:prSet>
       <dgm:spPr/>
-      <dgm:t>
-        <a:bodyPr/>
-        <a:lstStyle/>
-        <a:p>
-          <a:endParaRPr lang="en-US"/>
-        </a:p>
-      </dgm:t>
     </dgm:pt>
   </dgm:ptLst>
   <dgm:cxnLst>
+    <dgm:cxn modelId="{02B74705-A6C2-43D6-A325-D2FCCD2762C2}" type="presOf" srcId="{30C738D4-3ADA-49C1-B87B-61D672A94EE8}" destId="{8413A469-210A-4315-B81D-08A2F85CDB37}" srcOrd="0" destOrd="3" presId="urn:microsoft.com/office/officeart/2005/8/layout/hProcess9"/>
     <dgm:cxn modelId="{2B2A2B10-88BA-4FF8-8124-C828D9C5B842}" srcId="{740A65DF-8B34-4015-B867-4F799B59E9C8}" destId="{9923684D-1A47-4E75-AC5F-136599D7800B}" srcOrd="0" destOrd="0" parTransId="{1562586C-D525-45AC-86A0-A905692C0CE1}" sibTransId="{A7E49CDD-DA81-4F16-A2DE-CDAC121B59A1}"/>
+    <dgm:cxn modelId="{02ECBA15-A5C3-4971-9B3D-5596C493AF80}" type="presOf" srcId="{F50D35F3-75E5-46F2-9C8B-A697DCBA5779}" destId="{8413A469-210A-4315-B81D-08A2F85CDB37}" srcOrd="0" destOrd="2" presId="urn:microsoft.com/office/officeart/2005/8/layout/hProcess9"/>
     <dgm:cxn modelId="{DADC0658-6729-495A-9DE7-ADFD38C75FAA}" type="presOf" srcId="{740A65DF-8B34-4015-B867-4F799B59E9C8}" destId="{8413A469-210A-4315-B81D-08A2F85CDB37}" srcOrd="0" destOrd="0" presId="urn:microsoft.com/office/officeart/2005/8/layout/hProcess9"/>
     <dgm:cxn modelId="{8EEF2B9F-2CD6-4E50-A5BD-DFFFB82B0A23}" srcId="{AC7295A4-4A74-467B-91F7-C26141C0B8CF}" destId="{740A65DF-8B34-4015-B867-4F799B59E9C8}" srcOrd="0" destOrd="0" parTransId="{D8D55B38-94D3-40B2-92BA-6BAB2880ACF8}" sibTransId="{E98223CD-CBB9-4E49-87DF-FEDC957477D7}"/>
-    <dgm:cxn modelId="{02B74705-A6C2-43D6-A325-D2FCCD2762C2}" type="presOf" srcId="{30C738D4-3ADA-49C1-B87B-61D672A94EE8}" destId="{8413A469-210A-4315-B81D-08A2F85CDB37}" srcOrd="0" destOrd="3" presId="urn:microsoft.com/office/officeart/2005/8/layout/hProcess9"/>
+    <dgm:cxn modelId="{5BE1DAA0-CCCA-4E06-BC1E-65674C60673B}" srcId="{740A65DF-8B34-4015-B867-4F799B59E9C8}" destId="{F50D35F3-75E5-46F2-9C8B-A697DCBA5779}" srcOrd="1" destOrd="0" parTransId="{232F0037-8BBD-4194-AD5C-BE549C1A927A}" sibTransId="{65EBBF3B-4E03-4FCB-AEE9-0669F0B95180}"/>
+    <dgm:cxn modelId="{18D6A4B3-047A-4B00-A462-64F7C9B48168}" type="presOf" srcId="{AC7295A4-4A74-467B-91F7-C26141C0B8CF}" destId="{35E59B6F-4F7B-45CF-822E-43430880B4AC}" srcOrd="0" destOrd="0" presId="urn:microsoft.com/office/officeart/2005/8/layout/hProcess9"/>
+    <dgm:cxn modelId="{EE5042CB-9F48-4E10-976D-C7E303ED9CA8}" type="presOf" srcId="{9923684D-1A47-4E75-AC5F-136599D7800B}" destId="{8413A469-210A-4315-B81D-08A2F85CDB37}" srcOrd="0" destOrd="1" presId="urn:microsoft.com/office/officeart/2005/8/layout/hProcess9"/>
     <dgm:cxn modelId="{04C5A2E1-09AB-4E9B-826C-77673B8778DC}" srcId="{740A65DF-8B34-4015-B867-4F799B59E9C8}" destId="{30C738D4-3ADA-49C1-B87B-61D672A94EE8}" srcOrd="2" destOrd="0" parTransId="{0BA963E5-6FEC-4160-BDF9-96EABF082252}" sibTransId="{6DE25C05-B52B-4822-BFCF-814F5C284FF1}"/>
-    <dgm:cxn modelId="{02ECBA15-A5C3-4971-9B3D-5596C493AF80}" type="presOf" srcId="{F50D35F3-75E5-46F2-9C8B-A697DCBA5779}" destId="{8413A469-210A-4315-B81D-08A2F85CDB37}" srcOrd="0" destOrd="2" presId="urn:microsoft.com/office/officeart/2005/8/layout/hProcess9"/>
-    <dgm:cxn modelId="{5BE1DAA0-CCCA-4E06-BC1E-65674C60673B}" srcId="{740A65DF-8B34-4015-B867-4F799B59E9C8}" destId="{F50D35F3-75E5-46F2-9C8B-A697DCBA5779}" srcOrd="1" destOrd="0" parTransId="{232F0037-8BBD-4194-AD5C-BE549C1A927A}" sibTransId="{65EBBF3B-4E03-4FCB-AEE9-0669F0B95180}"/>
-    <dgm:cxn modelId="{EE5042CB-9F48-4E10-976D-C7E303ED9CA8}" type="presOf" srcId="{9923684D-1A47-4E75-AC5F-136599D7800B}" destId="{8413A469-210A-4315-B81D-08A2F85CDB37}" srcOrd="0" destOrd="1" presId="urn:microsoft.com/office/officeart/2005/8/layout/hProcess9"/>
-    <dgm:cxn modelId="{18D6A4B3-047A-4B00-A462-64F7C9B48168}" type="presOf" srcId="{AC7295A4-4A74-467B-91F7-C26141C0B8CF}" destId="{35E59B6F-4F7B-45CF-822E-43430880B4AC}" srcOrd="0" destOrd="0" presId="urn:microsoft.com/office/officeart/2005/8/layout/hProcess9"/>
     <dgm:cxn modelId="{F664463D-1C20-4D1D-A432-C06CFDE9CAF7}" type="presParOf" srcId="{35E59B6F-4F7B-45CF-822E-43430880B4AC}" destId="{4AB912ED-5F31-40D7-941C-02C200E6DE6B}" srcOrd="0" destOrd="0" presId="urn:microsoft.com/office/officeart/2005/8/layout/hProcess9"/>
     <dgm:cxn modelId="{9018B96B-4072-481C-B3A8-FF9222479CC9}" type="presParOf" srcId="{35E59B6F-4F7B-45CF-822E-43430880B4AC}" destId="{CF2F9E8B-76A3-4A95-9BD9-70EB9964F408}" srcOrd="1" destOrd="0" presId="urn:microsoft.com/office/officeart/2005/8/layout/hProcess9"/>
     <dgm:cxn modelId="{DDFE550A-5A17-4285-AD68-55A00B87771D}" type="presParOf" srcId="{CF2F9E8B-76A3-4A95-9BD9-70EB9964F408}" destId="{8413A469-210A-4315-B81D-08A2F85CDB37}" srcOrd="0" destOrd="0" presId="urn:microsoft.com/office/officeart/2005/8/layout/hProcess9"/>
@@ -8009,13 +7995,6 @@
         </dgm:presLayoutVars>
       </dgm:prSet>
       <dgm:spPr/>
-      <dgm:t>
-        <a:bodyPr/>
-        <a:lstStyle/>
-        <a:p>
-          <a:endParaRPr lang="en-US"/>
-        </a:p>
-      </dgm:t>
     </dgm:pt>
     <dgm:pt modelId="{4555BB86-09B4-4004-9E37-3B80084CD7BC}" type="pres">
       <dgm:prSet presAssocID="{E98223CD-CBB9-4E49-87DF-FEDC957477D7}" presName="sibTrans" presStyleCnt="0"/>
@@ -8028,13 +8007,6 @@
         </dgm:presLayoutVars>
       </dgm:prSet>
       <dgm:spPr/>
-      <dgm:t>
-        <a:bodyPr/>
-        <a:lstStyle/>
-        <a:p>
-          <a:endParaRPr lang="en-US"/>
-        </a:p>
-      </dgm:t>
     </dgm:pt>
     <dgm:pt modelId="{E3DC028F-036A-4378-9FBA-1E7490AA084E}" type="pres">
       <dgm:prSet presAssocID="{D1A3C03F-DB58-49E8-9DEA-2659B030BA99}" presName="sibTrans" presStyleCnt="0"/>
@@ -8047,13 +8019,6 @@
         </dgm:presLayoutVars>
       </dgm:prSet>
       <dgm:spPr/>
-      <dgm:t>
-        <a:bodyPr/>
-        <a:lstStyle/>
-        <a:p>
-          <a:endParaRPr lang="en-US"/>
-        </a:p>
-      </dgm:t>
     </dgm:pt>
     <dgm:pt modelId="{A037C96C-0281-43EE-B7F7-7288624ACF4E}" type="pres">
       <dgm:prSet presAssocID="{FDAEFEF1-67D3-4A9A-AD6C-362F53ED1B78}" presName="sibTrans" presStyleCnt="0"/>
@@ -8066,13 +8031,6 @@
         </dgm:presLayoutVars>
       </dgm:prSet>
       <dgm:spPr/>
-      <dgm:t>
-        <a:bodyPr/>
-        <a:lstStyle/>
-        <a:p>
-          <a:endParaRPr lang="en-US"/>
-        </a:p>
-      </dgm:t>
     </dgm:pt>
     <dgm:pt modelId="{71A5AA4E-9897-4312-A9ED-4649742BAD83}" type="pres">
       <dgm:prSet presAssocID="{191D20FF-B882-486B-9153-8A0E3907692E}" presName="sibTrans" presStyleCnt="0"/>
@@ -8085,13 +8043,6 @@
         </dgm:presLayoutVars>
       </dgm:prSet>
       <dgm:spPr/>
-      <dgm:t>
-        <a:bodyPr/>
-        <a:lstStyle/>
-        <a:p>
-          <a:endParaRPr lang="en-US"/>
-        </a:p>
-      </dgm:t>
     </dgm:pt>
     <dgm:pt modelId="{426E0D10-9698-4B1E-BFBC-59D17D994A0A}" type="pres">
       <dgm:prSet presAssocID="{AD8FF87B-BCEE-4306-8E53-CA4AD57DA3AB}" presName="sibTrans" presStyleCnt="0"/>
@@ -8104,13 +8055,6 @@
         </dgm:presLayoutVars>
       </dgm:prSet>
       <dgm:spPr/>
-      <dgm:t>
-        <a:bodyPr/>
-        <a:lstStyle/>
-        <a:p>
-          <a:endParaRPr lang="en-US"/>
-        </a:p>
-      </dgm:t>
     </dgm:pt>
     <dgm:pt modelId="{B4963882-AFDB-414A-96AC-A4F70F85B660}" type="pres">
       <dgm:prSet presAssocID="{31ABCE90-485D-43E6-875E-21D0D729B0A8}" presName="sibTrans" presStyleCnt="0"/>
@@ -8123,13 +8067,6 @@
         </dgm:presLayoutVars>
       </dgm:prSet>
       <dgm:spPr/>
-      <dgm:t>
-        <a:bodyPr/>
-        <a:lstStyle/>
-        <a:p>
-          <a:endParaRPr lang="en-US"/>
-        </a:p>
-      </dgm:t>
     </dgm:pt>
     <dgm:pt modelId="{24BCA266-CE8B-4924-8612-33B9E046C4FA}" type="pres">
       <dgm:prSet presAssocID="{6A3827EA-0A4A-46A9-BDBE-D106D715ECA2}" presName="sibTrans" presStyleCnt="0"/>
@@ -8142,53 +8079,46 @@
         </dgm:presLayoutVars>
       </dgm:prSet>
       <dgm:spPr/>
-      <dgm:t>
-        <a:bodyPr/>
-        <a:lstStyle/>
-        <a:p>
-          <a:endParaRPr lang="en-US"/>
-        </a:p>
-      </dgm:t>
     </dgm:pt>
   </dgm:ptLst>
   <dgm:cxnLst>
-    <dgm:cxn modelId="{0831D755-B133-4C54-9931-63E3CDFC88CD}" type="presOf" srcId="{2011EBBB-A8B6-4EB6-9B57-AEBF1FFE1515}" destId="{2BD1CE01-B3DF-428E-801E-5AB0E3B457BC}" srcOrd="0" destOrd="0" presId="urn:microsoft.com/office/officeart/2005/8/layout/hProcess9"/>
-    <dgm:cxn modelId="{DDB5EDA4-DE30-46E1-AAA1-BB4D7C9ED4DE}" srcId="{AC7295A4-4A74-467B-91F7-C26141C0B8CF}" destId="{2011EBBB-A8B6-4EB6-9B57-AEBF1FFE1515}" srcOrd="2" destOrd="0" parTransId="{FB08CAAE-0BEC-47B4-994A-A10EC8F66696}" sibTransId="{FDAEFEF1-67D3-4A9A-AD6C-362F53ED1B78}"/>
-    <dgm:cxn modelId="{C76E4784-9315-4D16-8A1B-73D44A6D3650}" srcId="{1F56DB73-0EB5-4D08-96CF-C5EA3528BC7F}" destId="{7AA6EA55-6475-4114-BDDB-B020AE3F922E}" srcOrd="0" destOrd="0" parTransId="{F222544F-876D-4B77-BFDF-C2E404140044}" sibTransId="{A3B00575-06D2-4EDD-9A35-6F117A812393}"/>
-    <dgm:cxn modelId="{5BE1DAA0-CCCA-4E06-BC1E-65674C60673B}" srcId="{740A65DF-8B34-4015-B867-4F799B59E9C8}" destId="{F50D35F3-75E5-46F2-9C8B-A697DCBA5779}" srcOrd="1" destOrd="0" parTransId="{232F0037-8BBD-4194-AD5C-BE549C1A927A}" sibTransId="{65EBBF3B-4E03-4FCB-AEE9-0669F0B95180}"/>
+    <dgm:cxn modelId="{B554CA02-E094-421B-8957-4C490DCD8552}" type="presOf" srcId="{7CD3988C-686A-4208-9BF0-6F9025A84638}" destId="{F8264DAE-394B-4D5A-AD1C-72691CC59683}" srcOrd="0" destOrd="0" presId="urn:microsoft.com/office/officeart/2005/8/layout/hProcess9"/>
+    <dgm:cxn modelId="{02B74705-A6C2-43D6-A325-D2FCCD2762C2}" type="presOf" srcId="{30C738D4-3ADA-49C1-B87B-61D672A94EE8}" destId="{8413A469-210A-4315-B81D-08A2F85CDB37}" srcOrd="0" destOrd="3" presId="urn:microsoft.com/office/officeart/2005/8/layout/hProcess9"/>
+    <dgm:cxn modelId="{FC75BD06-6E4E-4B3C-B8C5-DA55BDE2A3B2}" srcId="{E85C27E5-31F4-421B-8C43-D8728044324D}" destId="{F496DE44-3353-4C0E-9478-B640731B4617}" srcOrd="0" destOrd="0" parTransId="{F50989FC-E599-4FA2-94A8-B06DC21CD6D8}" sibTransId="{C624C880-4CF5-465E-8848-B6BA4F1C8F80}"/>
+    <dgm:cxn modelId="{2B2A2B10-88BA-4FF8-8124-C828D9C5B842}" srcId="{740A65DF-8B34-4015-B867-4F799B59E9C8}" destId="{9923684D-1A47-4E75-AC5F-136599D7800B}" srcOrd="0" destOrd="0" parTransId="{1562586C-D525-45AC-86A0-A905692C0CE1}" sibTransId="{A7E49CDD-DA81-4F16-A2DE-CDAC121B59A1}"/>
+    <dgm:cxn modelId="{25549212-0489-435A-B515-D494EF35FAF7}" srcId="{2011EBBB-A8B6-4EB6-9B57-AEBF1FFE1515}" destId="{E67D78D7-FB41-4DC3-B122-BAFBF87AB564}" srcOrd="0" destOrd="0" parTransId="{FA9303C6-EB3F-4E3A-BB07-D99A2516B7B9}" sibTransId="{3FAA5688-FD7E-40E3-B1C9-A1327D34250B}"/>
+    <dgm:cxn modelId="{2D5B3B15-CFD4-4063-BC8B-3EFA0CEA28AA}" type="presOf" srcId="{251A1435-31A5-4423-B935-C9EF8CAE60B0}" destId="{0FC23831-EAAB-4BC6-8D4D-5572CF630231}" srcOrd="0" destOrd="0" presId="urn:microsoft.com/office/officeart/2005/8/layout/hProcess9"/>
+    <dgm:cxn modelId="{02ECBA15-A5C3-4971-9B3D-5596C493AF80}" type="presOf" srcId="{F50D35F3-75E5-46F2-9C8B-A697DCBA5779}" destId="{8413A469-210A-4315-B81D-08A2F85CDB37}" srcOrd="0" destOrd="2" presId="urn:microsoft.com/office/officeart/2005/8/layout/hProcess9"/>
+    <dgm:cxn modelId="{3A300623-659E-4642-B6BF-F010F5EB95DB}" srcId="{512B0042-C276-43B5-AEAD-D34BE4ABAC81}" destId="{97C5EE35-D283-4063-AEB3-AC9A2FAA3ACB}" srcOrd="0" destOrd="0" parTransId="{D641B8FD-5355-49DE-B5C6-F84DA6F69180}" sibTransId="{A08C06F9-3903-40E0-B2B7-C3110CF7FF93}"/>
     <dgm:cxn modelId="{9198F731-584D-465C-8487-1733361368E4}" srcId="{AC7295A4-4A74-467B-91F7-C26141C0B8CF}" destId="{512B0042-C276-43B5-AEAD-D34BE4ABAC81}" srcOrd="4" destOrd="0" parTransId="{55F815E3-191F-4CC6-974F-86401BA3E145}" sibTransId="{AD8FF87B-BCEE-4306-8E53-CA4AD57DA3AB}"/>
-    <dgm:cxn modelId="{2B2A2B10-88BA-4FF8-8124-C828D9C5B842}" srcId="{740A65DF-8B34-4015-B867-4F799B59E9C8}" destId="{9923684D-1A47-4E75-AC5F-136599D7800B}" srcOrd="0" destOrd="0" parTransId="{1562586C-D525-45AC-86A0-A905692C0CE1}" sibTransId="{A7E49CDD-DA81-4F16-A2DE-CDAC121B59A1}"/>
-    <dgm:cxn modelId="{496AB0F6-3F17-42FF-A5A8-073548CC9DA3}" type="presOf" srcId="{97C5EE35-D283-4063-AEB3-AC9A2FAA3ACB}" destId="{8A076A40-569B-4522-8A32-9C5FEC39EF09}" srcOrd="0" destOrd="1" presId="urn:microsoft.com/office/officeart/2005/8/layout/hProcess9"/>
-    <dgm:cxn modelId="{DADC0658-6729-495A-9DE7-ADFD38C75FAA}" type="presOf" srcId="{740A65DF-8B34-4015-B867-4F799B59E9C8}" destId="{8413A469-210A-4315-B81D-08A2F85CDB37}" srcOrd="0" destOrd="0" presId="urn:microsoft.com/office/officeart/2005/8/layout/hProcess9"/>
-    <dgm:cxn modelId="{E12866D6-7288-4A7D-BAE3-93CBE1746360}" srcId="{251A1435-31A5-4423-B935-C9EF8CAE60B0}" destId="{6F08482B-3EDB-4336-9DE9-8E3CE8085A19}" srcOrd="0" destOrd="0" parTransId="{9A1F2D7D-8CFD-4F5B-9342-ADF18658923E}" sibTransId="{F20185E2-FBB8-4625-92E4-C669356179AE}"/>
-    <dgm:cxn modelId="{E3AA6E92-26F8-4B79-A24F-049B79D003E0}" srcId="{AC7295A4-4A74-467B-91F7-C26141C0B8CF}" destId="{251A1435-31A5-4423-B935-C9EF8CAE60B0}" srcOrd="6" destOrd="0" parTransId="{FC726725-A2AA-4312-BB3B-E81633F86EE1}" sibTransId="{6A3827EA-0A4A-46A9-BDBE-D106D715ECA2}"/>
-    <dgm:cxn modelId="{FC75BD06-6E4E-4B3C-B8C5-DA55BDE2A3B2}" srcId="{E85C27E5-31F4-421B-8C43-D8728044324D}" destId="{F496DE44-3353-4C0E-9478-B640731B4617}" srcOrd="0" destOrd="0" parTransId="{F50989FC-E599-4FA2-94A8-B06DC21CD6D8}" sibTransId="{C624C880-4CF5-465E-8848-B6BA4F1C8F80}"/>
-    <dgm:cxn modelId="{7FE49199-D3CB-4581-B372-945F26129C6C}" srcId="{AC7295A4-4A74-467B-91F7-C26141C0B8CF}" destId="{E85C27E5-31F4-421B-8C43-D8728044324D}" srcOrd="3" destOrd="0" parTransId="{8FC39F06-CC30-445B-9482-C0516E8EA3AA}" sibTransId="{191D20FF-B882-486B-9153-8A0E3907692E}"/>
-    <dgm:cxn modelId="{8EEF2B9F-2CD6-4E50-A5BD-DFFFB82B0A23}" srcId="{AC7295A4-4A74-467B-91F7-C26141C0B8CF}" destId="{740A65DF-8B34-4015-B867-4F799B59E9C8}" srcOrd="0" destOrd="0" parTransId="{D8D55B38-94D3-40B2-92BA-6BAB2880ACF8}" sibTransId="{E98223CD-CBB9-4E49-87DF-FEDC957477D7}"/>
-    <dgm:cxn modelId="{94C656D9-0AAF-4D18-8508-B84B109D1C9C}" type="presOf" srcId="{DF9BEDFB-8241-46C7-BDF9-A612B650453C}" destId="{1ABABA1D-94C0-4E80-94F9-A64ECAD35E65}" srcOrd="0" destOrd="1" presId="urn:microsoft.com/office/officeart/2005/8/layout/hProcess9"/>
-    <dgm:cxn modelId="{02B74705-A6C2-43D6-A325-D2FCCD2762C2}" type="presOf" srcId="{30C738D4-3ADA-49C1-B87B-61D672A94EE8}" destId="{8413A469-210A-4315-B81D-08A2F85CDB37}" srcOrd="0" destOrd="3" presId="urn:microsoft.com/office/officeart/2005/8/layout/hProcess9"/>
-    <dgm:cxn modelId="{25549212-0489-435A-B515-D494EF35FAF7}" srcId="{2011EBBB-A8B6-4EB6-9B57-AEBF1FFE1515}" destId="{E67D78D7-FB41-4DC3-B122-BAFBF87AB564}" srcOrd="0" destOrd="0" parTransId="{FA9303C6-EB3F-4E3A-BB07-D99A2516B7B9}" sibTransId="{3FAA5688-FD7E-40E3-B1C9-A1327D34250B}"/>
-    <dgm:cxn modelId="{E66C8CE6-4E14-4BAB-87E3-F00B40CCD40E}" type="presOf" srcId="{1F56DB73-0EB5-4D08-96CF-C5EA3528BC7F}" destId="{FB7D8470-4FFD-4C42-8888-A64AC63C3253}" srcOrd="0" destOrd="0" presId="urn:microsoft.com/office/officeart/2005/8/layout/hProcess9"/>
-    <dgm:cxn modelId="{D3F544B7-6593-46D6-BC2D-3ED304B3A378}" type="presOf" srcId="{6F08482B-3EDB-4336-9DE9-8E3CE8085A19}" destId="{0FC23831-EAAB-4BC6-8D4D-5572CF630231}" srcOrd="0" destOrd="1" presId="urn:microsoft.com/office/officeart/2005/8/layout/hProcess9"/>
-    <dgm:cxn modelId="{1A5FB954-EE3B-4800-A818-753A7A54D49F}" type="presOf" srcId="{512B0042-C276-43B5-AEAD-D34BE4ABAC81}" destId="{8A076A40-569B-4522-8A32-9C5FEC39EF09}" srcOrd="0" destOrd="0" presId="urn:microsoft.com/office/officeart/2005/8/layout/hProcess9"/>
-    <dgm:cxn modelId="{18D6A4B3-047A-4B00-A462-64F7C9B48168}" type="presOf" srcId="{AC7295A4-4A74-467B-91F7-C26141C0B8CF}" destId="{35E59B6F-4F7B-45CF-822E-43430880B4AC}" srcOrd="0" destOrd="0" presId="urn:microsoft.com/office/officeart/2005/8/layout/hProcess9"/>
-    <dgm:cxn modelId="{3A300623-659E-4642-B6BF-F010F5EB95DB}" srcId="{512B0042-C276-43B5-AEAD-D34BE4ABAC81}" destId="{97C5EE35-D283-4063-AEB3-AC9A2FAA3ACB}" srcOrd="0" destOrd="0" parTransId="{D641B8FD-5355-49DE-B5C6-F84DA6F69180}" sibTransId="{A08C06F9-3903-40E0-B2B7-C3110CF7FF93}"/>
-    <dgm:cxn modelId="{D984B5DA-8ADA-42A8-831C-0DD7BCDC3EDF}" srcId="{AC7295A4-4A74-467B-91F7-C26141C0B8CF}" destId="{1F56DB73-0EB5-4D08-96CF-C5EA3528BC7F}" srcOrd="5" destOrd="0" parTransId="{C1D7DA29-E4A7-4B0A-91A3-1D413C3C9214}" sibTransId="{31ABCE90-485D-43E6-875E-21D0D729B0A8}"/>
-    <dgm:cxn modelId="{02ECBA15-A5C3-4971-9B3D-5596C493AF80}" type="presOf" srcId="{F50D35F3-75E5-46F2-9C8B-A697DCBA5779}" destId="{8413A469-210A-4315-B81D-08A2F85CDB37}" srcOrd="0" destOrd="2" presId="urn:microsoft.com/office/officeart/2005/8/layout/hProcess9"/>
-    <dgm:cxn modelId="{C1BC5C59-A1BC-470A-962E-F0E9040346A3}" srcId="{7CD3988C-686A-4208-9BF0-6F9025A84638}" destId="{29D568A9-A3CB-4F55-B68B-E2F5DBC8FA8A}" srcOrd="0" destOrd="0" parTransId="{B1FBE946-8F69-433A-841A-BEB5454DA153}" sibTransId="{75BC69B8-81F0-48C9-BF9B-768780599D77}"/>
-    <dgm:cxn modelId="{C4BDA2AA-823C-4644-BD03-80B87E70A1A5}" srcId="{AC7295A4-4A74-467B-91F7-C26141C0B8CF}" destId="{21175A44-72F1-427E-817F-F54B6DADC0A4}" srcOrd="1" destOrd="0" parTransId="{562D538A-BFA8-4497-9AC3-2459C4E8C013}" sibTransId="{D1A3C03F-DB58-49E8-9DEA-2659B030BA99}"/>
-    <dgm:cxn modelId="{71B6EF85-9352-444E-B54B-4967DAA47657}" type="presOf" srcId="{F496DE44-3353-4C0E-9478-B640731B4617}" destId="{3981E63F-818C-4354-A8D1-34C2350FD213}" srcOrd="0" destOrd="1" presId="urn:microsoft.com/office/officeart/2005/8/layout/hProcess9"/>
-    <dgm:cxn modelId="{EE5042CB-9F48-4E10-976D-C7E303ED9CA8}" type="presOf" srcId="{9923684D-1A47-4E75-AC5F-136599D7800B}" destId="{8413A469-210A-4315-B81D-08A2F85CDB37}" srcOrd="0" destOrd="1" presId="urn:microsoft.com/office/officeart/2005/8/layout/hProcess9"/>
-    <dgm:cxn modelId="{2D5B3B15-CFD4-4063-BC8B-3EFA0CEA28AA}" type="presOf" srcId="{251A1435-31A5-4423-B935-C9EF8CAE60B0}" destId="{0FC23831-EAAB-4BC6-8D4D-5572CF630231}" srcOrd="0" destOrd="0" presId="urn:microsoft.com/office/officeart/2005/8/layout/hProcess9"/>
-    <dgm:cxn modelId="{B554CA02-E094-421B-8957-4C490DCD8552}" type="presOf" srcId="{7CD3988C-686A-4208-9BF0-6F9025A84638}" destId="{F8264DAE-394B-4D5A-AD1C-72691CC59683}" srcOrd="0" destOrd="0" presId="urn:microsoft.com/office/officeart/2005/8/layout/hProcess9"/>
-    <dgm:cxn modelId="{A3EF90EE-1233-4BD1-8488-24E2F6EBAF6D}" srcId="{AC7295A4-4A74-467B-91F7-C26141C0B8CF}" destId="{7CD3988C-686A-4208-9BF0-6F9025A84638}" srcOrd="7" destOrd="0" parTransId="{619A1092-70CC-443A-B8B9-BD47BFB97AC7}" sibTransId="{331D0A34-39BE-43F9-BB19-40C55AFC5FFB}"/>
-    <dgm:cxn modelId="{21E5B18E-8C19-4DD3-8C32-60D3EA22B6B8}" type="presOf" srcId="{E85C27E5-31F4-421B-8C43-D8728044324D}" destId="{3981E63F-818C-4354-A8D1-34C2350FD213}" srcOrd="0" destOrd="0" presId="urn:microsoft.com/office/officeart/2005/8/layout/hProcess9"/>
     <dgm:cxn modelId="{75D25540-3511-450A-8B6C-83A6F856D68C}" srcId="{21175A44-72F1-427E-817F-F54B6DADC0A4}" destId="{DF9BEDFB-8241-46C7-BDF9-A612B650453C}" srcOrd="0" destOrd="0" parTransId="{E49677B4-311D-4993-A63B-4DD441DFB623}" sibTransId="{D13CFC0A-3056-4F02-A0E8-20382C08A565}"/>
     <dgm:cxn modelId="{2F7D0744-CA3F-47AC-A95F-7D9A4EB38D36}" type="presOf" srcId="{21175A44-72F1-427E-817F-F54B6DADC0A4}" destId="{1ABABA1D-94C0-4E80-94F9-A64ECAD35E65}" srcOrd="0" destOrd="0" presId="urn:microsoft.com/office/officeart/2005/8/layout/hProcess9"/>
+    <dgm:cxn modelId="{1A5FB954-EE3B-4800-A818-753A7A54D49F}" type="presOf" srcId="{512B0042-C276-43B5-AEAD-D34BE4ABAC81}" destId="{8A076A40-569B-4522-8A32-9C5FEC39EF09}" srcOrd="0" destOrd="0" presId="urn:microsoft.com/office/officeart/2005/8/layout/hProcess9"/>
+    <dgm:cxn modelId="{0831D755-B133-4C54-9931-63E3CDFC88CD}" type="presOf" srcId="{2011EBBB-A8B6-4EB6-9B57-AEBF1FFE1515}" destId="{2BD1CE01-B3DF-428E-801E-5AB0E3B457BC}" srcOrd="0" destOrd="0" presId="urn:microsoft.com/office/officeart/2005/8/layout/hProcess9"/>
+    <dgm:cxn modelId="{A570AC56-44C4-4B57-A76D-B905EDFFD160}" type="presOf" srcId="{7AA6EA55-6475-4114-BDDB-B020AE3F922E}" destId="{FB7D8470-4FFD-4C42-8888-A64AC63C3253}" srcOrd="0" destOrd="1" presId="urn:microsoft.com/office/officeart/2005/8/layout/hProcess9"/>
+    <dgm:cxn modelId="{DADC0658-6729-495A-9DE7-ADFD38C75FAA}" type="presOf" srcId="{740A65DF-8B34-4015-B867-4F799B59E9C8}" destId="{8413A469-210A-4315-B81D-08A2F85CDB37}" srcOrd="0" destOrd="0" presId="urn:microsoft.com/office/officeart/2005/8/layout/hProcess9"/>
+    <dgm:cxn modelId="{C1BC5C59-A1BC-470A-962E-F0E9040346A3}" srcId="{7CD3988C-686A-4208-9BF0-6F9025A84638}" destId="{29D568A9-A3CB-4F55-B68B-E2F5DBC8FA8A}" srcOrd="0" destOrd="0" parTransId="{B1FBE946-8F69-433A-841A-BEB5454DA153}" sibTransId="{75BC69B8-81F0-48C9-BF9B-768780599D77}"/>
+    <dgm:cxn modelId="{C76E4784-9315-4D16-8A1B-73D44A6D3650}" srcId="{1F56DB73-0EB5-4D08-96CF-C5EA3528BC7F}" destId="{7AA6EA55-6475-4114-BDDB-B020AE3F922E}" srcOrd="0" destOrd="0" parTransId="{F222544F-876D-4B77-BFDF-C2E404140044}" sibTransId="{A3B00575-06D2-4EDD-9A35-6F117A812393}"/>
+    <dgm:cxn modelId="{71B6EF85-9352-444E-B54B-4967DAA47657}" type="presOf" srcId="{F496DE44-3353-4C0E-9478-B640731B4617}" destId="{3981E63F-818C-4354-A8D1-34C2350FD213}" srcOrd="0" destOrd="1" presId="urn:microsoft.com/office/officeart/2005/8/layout/hProcess9"/>
+    <dgm:cxn modelId="{21E5B18E-8C19-4DD3-8C32-60D3EA22B6B8}" type="presOf" srcId="{E85C27E5-31F4-421B-8C43-D8728044324D}" destId="{3981E63F-818C-4354-A8D1-34C2350FD213}" srcOrd="0" destOrd="0" presId="urn:microsoft.com/office/officeart/2005/8/layout/hProcess9"/>
+    <dgm:cxn modelId="{E3AA6E92-26F8-4B79-A24F-049B79D003E0}" srcId="{AC7295A4-4A74-467B-91F7-C26141C0B8CF}" destId="{251A1435-31A5-4423-B935-C9EF8CAE60B0}" srcOrd="6" destOrd="0" parTransId="{FC726725-A2AA-4312-BB3B-E81633F86EE1}" sibTransId="{6A3827EA-0A4A-46A9-BDBE-D106D715ECA2}"/>
+    <dgm:cxn modelId="{7FE49199-D3CB-4581-B372-945F26129C6C}" srcId="{AC7295A4-4A74-467B-91F7-C26141C0B8CF}" destId="{E85C27E5-31F4-421B-8C43-D8728044324D}" srcOrd="3" destOrd="0" parTransId="{8FC39F06-CC30-445B-9482-C0516E8EA3AA}" sibTransId="{191D20FF-B882-486B-9153-8A0E3907692E}"/>
+    <dgm:cxn modelId="{109FCB9D-777D-4D96-8160-3B746559A14C}" type="presOf" srcId="{E67D78D7-FB41-4DC3-B122-BAFBF87AB564}" destId="{2BD1CE01-B3DF-428E-801E-5AB0E3B457BC}" srcOrd="0" destOrd="1" presId="urn:microsoft.com/office/officeart/2005/8/layout/hProcess9"/>
+    <dgm:cxn modelId="{8EEF2B9F-2CD6-4E50-A5BD-DFFFB82B0A23}" srcId="{AC7295A4-4A74-467B-91F7-C26141C0B8CF}" destId="{740A65DF-8B34-4015-B867-4F799B59E9C8}" srcOrd="0" destOrd="0" parTransId="{D8D55B38-94D3-40B2-92BA-6BAB2880ACF8}" sibTransId="{E98223CD-CBB9-4E49-87DF-FEDC957477D7}"/>
+    <dgm:cxn modelId="{5BE1DAA0-CCCA-4E06-BC1E-65674C60673B}" srcId="{740A65DF-8B34-4015-B867-4F799B59E9C8}" destId="{F50D35F3-75E5-46F2-9C8B-A697DCBA5779}" srcOrd="1" destOrd="0" parTransId="{232F0037-8BBD-4194-AD5C-BE549C1A927A}" sibTransId="{65EBBF3B-4E03-4FCB-AEE9-0669F0B95180}"/>
+    <dgm:cxn modelId="{DDB5EDA4-DE30-46E1-AAA1-BB4D7C9ED4DE}" srcId="{AC7295A4-4A74-467B-91F7-C26141C0B8CF}" destId="{2011EBBB-A8B6-4EB6-9B57-AEBF1FFE1515}" srcOrd="2" destOrd="0" parTransId="{FB08CAAE-0BEC-47B4-994A-A10EC8F66696}" sibTransId="{FDAEFEF1-67D3-4A9A-AD6C-362F53ED1B78}"/>
+    <dgm:cxn modelId="{C4BDA2AA-823C-4644-BD03-80B87E70A1A5}" srcId="{AC7295A4-4A74-467B-91F7-C26141C0B8CF}" destId="{21175A44-72F1-427E-817F-F54B6DADC0A4}" srcOrd="1" destOrd="0" parTransId="{562D538A-BFA8-4497-9AC3-2459C4E8C013}" sibTransId="{D1A3C03F-DB58-49E8-9DEA-2659B030BA99}"/>
+    <dgm:cxn modelId="{18D6A4B3-047A-4B00-A462-64F7C9B48168}" type="presOf" srcId="{AC7295A4-4A74-467B-91F7-C26141C0B8CF}" destId="{35E59B6F-4F7B-45CF-822E-43430880B4AC}" srcOrd="0" destOrd="0" presId="urn:microsoft.com/office/officeart/2005/8/layout/hProcess9"/>
+    <dgm:cxn modelId="{D3F544B7-6593-46D6-BC2D-3ED304B3A378}" type="presOf" srcId="{6F08482B-3EDB-4336-9DE9-8E3CE8085A19}" destId="{0FC23831-EAAB-4BC6-8D4D-5572CF630231}" srcOrd="0" destOrd="1" presId="urn:microsoft.com/office/officeart/2005/8/layout/hProcess9"/>
     <dgm:cxn modelId="{EF9EA4BB-CF80-4506-A7CA-636CD6134683}" type="presOf" srcId="{29D568A9-A3CB-4F55-B68B-E2F5DBC8FA8A}" destId="{F8264DAE-394B-4D5A-AD1C-72691CC59683}" srcOrd="0" destOrd="1" presId="urn:microsoft.com/office/officeart/2005/8/layout/hProcess9"/>
+    <dgm:cxn modelId="{EE5042CB-9F48-4E10-976D-C7E303ED9CA8}" type="presOf" srcId="{9923684D-1A47-4E75-AC5F-136599D7800B}" destId="{8413A469-210A-4315-B81D-08A2F85CDB37}" srcOrd="0" destOrd="1" presId="urn:microsoft.com/office/officeart/2005/8/layout/hProcess9"/>
+    <dgm:cxn modelId="{E12866D6-7288-4A7D-BAE3-93CBE1746360}" srcId="{251A1435-31A5-4423-B935-C9EF8CAE60B0}" destId="{6F08482B-3EDB-4336-9DE9-8E3CE8085A19}" srcOrd="0" destOrd="0" parTransId="{9A1F2D7D-8CFD-4F5B-9342-ADF18658923E}" sibTransId="{F20185E2-FBB8-4625-92E4-C669356179AE}"/>
+    <dgm:cxn modelId="{94C656D9-0AAF-4D18-8508-B84B109D1C9C}" type="presOf" srcId="{DF9BEDFB-8241-46C7-BDF9-A612B650453C}" destId="{1ABABA1D-94C0-4E80-94F9-A64ECAD35E65}" srcOrd="0" destOrd="1" presId="urn:microsoft.com/office/officeart/2005/8/layout/hProcess9"/>
+    <dgm:cxn modelId="{D984B5DA-8ADA-42A8-831C-0DD7BCDC3EDF}" srcId="{AC7295A4-4A74-467B-91F7-C26141C0B8CF}" destId="{1F56DB73-0EB5-4D08-96CF-C5EA3528BC7F}" srcOrd="5" destOrd="0" parTransId="{C1D7DA29-E4A7-4B0A-91A3-1D413C3C9214}" sibTransId="{31ABCE90-485D-43E6-875E-21D0D729B0A8}"/>
     <dgm:cxn modelId="{04C5A2E1-09AB-4E9B-826C-77673B8778DC}" srcId="{740A65DF-8B34-4015-B867-4F799B59E9C8}" destId="{30C738D4-3ADA-49C1-B87B-61D672A94EE8}" srcOrd="2" destOrd="0" parTransId="{0BA963E5-6FEC-4160-BDF9-96EABF082252}" sibTransId="{6DE25C05-B52B-4822-BFCF-814F5C284FF1}"/>
-    <dgm:cxn modelId="{A570AC56-44C4-4B57-A76D-B905EDFFD160}" type="presOf" srcId="{7AA6EA55-6475-4114-BDDB-B020AE3F922E}" destId="{FB7D8470-4FFD-4C42-8888-A64AC63C3253}" srcOrd="0" destOrd="1" presId="urn:microsoft.com/office/officeart/2005/8/layout/hProcess9"/>
-    <dgm:cxn modelId="{109FCB9D-777D-4D96-8160-3B746559A14C}" type="presOf" srcId="{E67D78D7-FB41-4DC3-B122-BAFBF87AB564}" destId="{2BD1CE01-B3DF-428E-801E-5AB0E3B457BC}" srcOrd="0" destOrd="1" presId="urn:microsoft.com/office/officeart/2005/8/layout/hProcess9"/>
+    <dgm:cxn modelId="{E66C8CE6-4E14-4BAB-87E3-F00B40CCD40E}" type="presOf" srcId="{1F56DB73-0EB5-4D08-96CF-C5EA3528BC7F}" destId="{FB7D8470-4FFD-4C42-8888-A64AC63C3253}" srcOrd="0" destOrd="0" presId="urn:microsoft.com/office/officeart/2005/8/layout/hProcess9"/>
+    <dgm:cxn modelId="{A3EF90EE-1233-4BD1-8488-24E2F6EBAF6D}" srcId="{AC7295A4-4A74-467B-91F7-C26141C0B8CF}" destId="{7CD3988C-686A-4208-9BF0-6F9025A84638}" srcOrd="7" destOrd="0" parTransId="{619A1092-70CC-443A-B8B9-BD47BFB97AC7}" sibTransId="{331D0A34-39BE-43F9-BB19-40C55AFC5FFB}"/>
+    <dgm:cxn modelId="{496AB0F6-3F17-42FF-A5A8-073548CC9DA3}" type="presOf" srcId="{97C5EE35-D283-4063-AEB3-AC9A2FAA3ACB}" destId="{8A076A40-569B-4522-8A32-9C5FEC39EF09}" srcOrd="0" destOrd="1" presId="urn:microsoft.com/office/officeart/2005/8/layout/hProcess9"/>
     <dgm:cxn modelId="{F664463D-1C20-4D1D-A432-C06CFDE9CAF7}" type="presParOf" srcId="{35E59B6F-4F7B-45CF-822E-43430880B4AC}" destId="{4AB912ED-5F31-40D7-941C-02C200E6DE6B}" srcOrd="0" destOrd="0" presId="urn:microsoft.com/office/officeart/2005/8/layout/hProcess9"/>
     <dgm:cxn modelId="{9018B96B-4072-481C-B3A8-FF9222479CC9}" type="presParOf" srcId="{35E59B6F-4F7B-45CF-822E-43430880B4AC}" destId="{CF2F9E8B-76A3-4A95-9BD9-70EB9964F408}" srcOrd="1" destOrd="0" presId="urn:microsoft.com/office/officeart/2005/8/layout/hProcess9"/>
     <dgm:cxn modelId="{DDFE550A-5A17-4285-AD68-55A00B87771D}" type="presParOf" srcId="{CF2F9E8B-76A3-4A95-9BD9-70EB9964F408}" destId="{8413A469-210A-4315-B81D-08A2F85CDB37}" srcOrd="0" destOrd="0" presId="urn:microsoft.com/office/officeart/2005/8/layout/hProcess9"/>
@@ -8312,7 +8242,7 @@
         </a:bodyPr>
         <a:lstStyle/>
         <a:p>
-          <a:pPr lvl="0" algn="l" defTabSz="889000">
+          <a:pPr marL="0" lvl="0" indent="0" algn="l" defTabSz="889000">
             <a:lnSpc>
               <a:spcPct val="90000"/>
             </a:lnSpc>
@@ -8322,6 +8252,7 @@
             <a:spcAft>
               <a:spcPct val="35000"/>
             </a:spcAft>
+            <a:buNone/>
           </a:pPr>
           <a:r>
             <a:rPr lang="de-AT" sz="2000" kern="1200" dirty="0"/>
@@ -8340,15 +8271,11 @@
             <a:spcAft>
               <a:spcPct val="15000"/>
             </a:spcAft>
-            <a:buChar char="••"/>
+            <a:buChar char="•"/>
           </a:pPr>
           <a:r>
-            <a:rPr lang="de-AT" sz="1400" kern="1200" dirty="0" smtClean="0"/>
-            <a:t>Flickr</a:t>
-          </a:r>
-          <a:r>
             <a:rPr lang="de-AT" sz="1400" kern="1200" dirty="0"/>
-            <a:t>: </a:t>
+            <a:t>Flickr: </a:t>
           </a:r>
           <a:r>
             <a:rPr lang="de-AT" sz="1400" kern="1200" dirty="0" err="1"/>
@@ -8367,15 +8294,11 @@
             <a:spcAft>
               <a:spcPct val="15000"/>
             </a:spcAft>
-            <a:buChar char="••"/>
+            <a:buChar char="•"/>
           </a:pPr>
           <a:r>
-            <a:rPr lang="de-AT" sz="1400" kern="1200" dirty="0" smtClean="0"/>
-            <a:t>Google</a:t>
-          </a:r>
-          <a:r>
             <a:rPr lang="de-AT" sz="1400" kern="1200" dirty="0"/>
-            <a:t>: </a:t>
+            <a:t>Google: </a:t>
           </a:r>
           <a:r>
             <a:rPr lang="de-AT" sz="1400" kern="1200" dirty="0" err="1"/>
@@ -8394,7 +8317,7 @@
             <a:spcAft>
               <a:spcPct val="15000"/>
             </a:spcAft>
-            <a:buChar char="••"/>
+            <a:buChar char="•"/>
           </a:pPr>
           <a:r>
             <a:rPr lang="de-AT" sz="1400" kern="1200" dirty="0"/>
@@ -8511,7 +8434,7 @@
         </a:bodyPr>
         <a:lstStyle/>
         <a:p>
-          <a:pPr lvl="0" algn="l" defTabSz="889000">
+          <a:pPr marL="0" lvl="0" indent="0" algn="l" defTabSz="889000">
             <a:lnSpc>
               <a:spcPct val="90000"/>
             </a:lnSpc>
@@ -8521,6 +8444,7 @@
             <a:spcAft>
               <a:spcPct val="35000"/>
             </a:spcAft>
+            <a:buNone/>
           </a:pPr>
           <a:r>
             <a:rPr lang="de-AT" sz="2000" kern="1200"/>
@@ -8539,7 +8463,7 @@
             <a:spcAft>
               <a:spcPct val="15000"/>
             </a:spcAft>
-            <a:buChar char="••"/>
+            <a:buChar char="•"/>
           </a:pPr>
           <a:r>
             <a:rPr lang="de-AT" sz="1400" kern="1200"/>
@@ -8558,7 +8482,7 @@
             <a:spcAft>
               <a:spcPct val="15000"/>
             </a:spcAft>
-            <a:buChar char="••"/>
+            <a:buChar char="•"/>
           </a:pPr>
           <a:r>
             <a:rPr lang="de-AT" sz="1400" kern="1200"/>
@@ -8577,7 +8501,7 @@
             <a:spcAft>
               <a:spcPct val="15000"/>
             </a:spcAft>
-            <a:buChar char="••"/>
+            <a:buChar char="•"/>
           </a:pPr>
           <a:r>
             <a:rPr lang="de-AT" sz="1400" kern="1200"/>
@@ -8638,7 +8562,7 @@
         </a:bodyPr>
         <a:lstStyle/>
         <a:p>
-          <a:pPr marL="0" lvl="0" algn="l" defTabSz="889000">
+          <a:pPr marL="0" lvl="0" indent="0" algn="l" defTabSz="889000">
             <a:lnSpc>
               <a:spcPct val="90000"/>
             </a:lnSpc>
@@ -8667,7 +8591,7 @@
             <a:spcAft>
               <a:spcPct val="15000"/>
             </a:spcAft>
-            <a:buChar char="••"/>
+            <a:buNone/>
           </a:pPr>
           <a:r>
             <a:rPr lang="de-AT" sz="1400" kern="1200"/>
@@ -8728,7 +8652,7 @@
         </a:bodyPr>
         <a:lstStyle/>
         <a:p>
-          <a:pPr marL="0" lvl="0" algn="l" defTabSz="889000">
+          <a:pPr marL="0" lvl="0" indent="0" algn="l" defTabSz="889000">
             <a:lnSpc>
               <a:spcPct val="90000"/>
             </a:lnSpc>
@@ -8757,7 +8681,7 @@
             <a:spcAft>
               <a:spcPct val="15000"/>
             </a:spcAft>
-            <a:buChar char="••"/>
+            <a:buNone/>
           </a:pPr>
           <a:r>
             <a:rPr lang="de-AT" sz="1400" kern="1200" dirty="0"/>
@@ -8818,7 +8742,7 @@
         </a:bodyPr>
         <a:lstStyle/>
         <a:p>
-          <a:pPr marL="0" lvl="0" algn="l" defTabSz="889000">
+          <a:pPr marL="0" lvl="0" indent="0" algn="l" defTabSz="889000">
             <a:lnSpc>
               <a:spcPct val="90000"/>
             </a:lnSpc>
@@ -8847,7 +8771,7 @@
             <a:spcAft>
               <a:spcPct val="15000"/>
             </a:spcAft>
-            <a:buChar char="••"/>
+            <a:buNone/>
           </a:pPr>
           <a:r>
             <a:rPr lang="de-AT" sz="1400" b="1" kern="1200" dirty="0"/>
@@ -8920,7 +8844,7 @@
         </a:bodyPr>
         <a:lstStyle/>
         <a:p>
-          <a:pPr marL="0" lvl="0" algn="l" defTabSz="889000">
+          <a:pPr marL="0" lvl="0" indent="0" algn="l" defTabSz="889000">
             <a:lnSpc>
               <a:spcPct val="90000"/>
             </a:lnSpc>
@@ -8949,7 +8873,7 @@
             <a:spcAft>
               <a:spcPct val="15000"/>
             </a:spcAft>
-            <a:buChar char="••"/>
+            <a:buNone/>
           </a:pPr>
           <a:r>
             <a:rPr lang="de-AT" sz="1400" kern="1200"/>
@@ -9010,7 +8934,7 @@
         </a:bodyPr>
         <a:lstStyle/>
         <a:p>
-          <a:pPr marL="0" lvl="0" algn="l" defTabSz="889000">
+          <a:pPr marL="0" lvl="0" indent="0" algn="l" defTabSz="889000">
             <a:lnSpc>
               <a:spcPct val="90000"/>
             </a:lnSpc>
@@ -9039,7 +8963,7 @@
             <a:spcAft>
               <a:spcPct val="15000"/>
             </a:spcAft>
-            <a:buChar char="••"/>
+            <a:buNone/>
           </a:pPr>
           <a:r>
             <a:rPr lang="de-AT" sz="1400" b="1" kern="1200" dirty="0"/>
@@ -9100,7 +9024,7 @@
         </a:bodyPr>
         <a:lstStyle/>
         <a:p>
-          <a:pPr lvl="0" algn="l" defTabSz="889000">
+          <a:pPr marL="0" lvl="0" indent="0" algn="l" defTabSz="889000">
             <a:lnSpc>
               <a:spcPct val="90000"/>
             </a:lnSpc>
@@ -9129,7 +9053,7 @@
             <a:spcAft>
               <a:spcPct val="15000"/>
             </a:spcAft>
-            <a:buChar char="••"/>
+            <a:buNone/>
           </a:pPr>
           <a:r>
             <a:rPr lang="de-AT" sz="1400" kern="1200"/>
@@ -9190,7 +9114,7 @@
         </a:bodyPr>
         <a:lstStyle/>
         <a:p>
-          <a:pPr lvl="0" algn="l" defTabSz="889000">
+          <a:pPr marL="0" lvl="0" indent="0" algn="l" defTabSz="889000">
             <a:lnSpc>
               <a:spcPct val="90000"/>
             </a:lnSpc>
@@ -9219,7 +9143,7 @@
             <a:spcAft>
               <a:spcPct val="15000"/>
             </a:spcAft>
-            <a:buChar char="••"/>
+            <a:buNone/>
           </a:pPr>
           <a:r>
             <a:rPr lang="de-AT" sz="1400" b="1" kern="1200"/>
@@ -11641,35 +11565,6 @@
 </inkml:ink>
 </file>
 
-<file path=ppt/ink/ink10.xml><?xml version="1.0" encoding="utf-8"?>
-<inkml:ink xmlns:inkml="http://www.w3.org/2003/InkML">
-  <inkml:definitions>
-    <inkml:context xml:id="ctx0">
-      <inkml:inkSource xml:id="inkSrc0">
-        <inkml:traceFormat>
-          <inkml:channel name="X" type="integer" min="-2.14748E9" max="2.14748E9" units="cm"/>
-          <inkml:channel name="Y" type="integer" min="-2.14748E9" max="2.14748E9" units="cm"/>
-        </inkml:traceFormat>
-        <inkml:channelProperties>
-          <inkml:channelProperty channel="X" name="resolution" value="1000" units="1/cm"/>
-          <inkml:channelProperty channel="Y" name="resolution" value="1000" units="1/cm"/>
-        </inkml:channelProperties>
-      </inkml:inkSource>
-      <inkml:timestamp xml:id="ts0" timeString="2018-11-25T18:19:08.259"/>
-    </inkml:context>
-    <inkml:brush xml:id="br0">
-      <inkml:brushProperty name="width" value="0.05" units="cm"/>
-      <inkml:brushProperty name="height" value="0.05" units="cm"/>
-      <inkml:brushProperty name="color" value="#E71224"/>
-      <inkml:brushProperty name="ignorePressure" value="1"/>
-    </inkml:brush>
-  </inkml:definitions>
-  <inkml:trace contextRef="#ctx0" brushRef="#br0">1422 649,'-388'-181,"5460"2546,-5043-2351,-19-9</inkml:trace>
-  <inkml:trace contextRef="#ctx0" brushRef="#br0" timeOffset="3004.196">291 122,'6096'2842,"-6004"-2799,-68-32</inkml:trace>
-  <inkml:trace contextRef="#ctx0" brushRef="#br0" timeOffset="21586.295">6401 1,'-6400'3121,"6399"-3120,1-1</inkml:trace>
-</inkml:ink>
-</file>
-
 <file path=ppt/ink/ink2.xml><?xml version="1.0" encoding="utf-8"?>
 <inkml:ink xmlns:inkml="http://www.w3.org/2003/InkML">
   <inkml:definitions>
@@ -11976,7 +11871,7 @@
           <a:p>
             <a:fld id="{FF084CBC-36E0-4CC0-918D-767D7E309F2F}" type="datetimeFigureOut">
               <a:rPr lang="en-US" smtClean="0"/>
-              <a:t>2018-11-30</a:t>
+              <a:t>12/2/2018</a:t>
             </a:fld>
             <a:endParaRPr lang="en-US"/>
           </a:p>
@@ -12558,7 +12453,7 @@
           <a:p>
             <a:fld id="{8272ECE3-2878-47BE-B879-BFDD2207B1DF}" type="datetimeFigureOut">
               <a:rPr lang="en-US" smtClean="0"/>
-              <a:t>2018-11-30</a:t>
+              <a:t>12/2/2018</a:t>
             </a:fld>
             <a:endParaRPr lang="en-US"/>
           </a:p>
@@ -12756,7 +12651,7 @@
           <a:p>
             <a:fld id="{8272ECE3-2878-47BE-B879-BFDD2207B1DF}" type="datetimeFigureOut">
               <a:rPr lang="en-US" smtClean="0"/>
-              <a:t>2018-11-30</a:t>
+              <a:t>12/2/2018</a:t>
             </a:fld>
             <a:endParaRPr lang="en-US"/>
           </a:p>
@@ -12964,7 +12859,7 @@
           <a:p>
             <a:fld id="{8272ECE3-2878-47BE-B879-BFDD2207B1DF}" type="datetimeFigureOut">
               <a:rPr lang="en-US" smtClean="0"/>
-              <a:t>2018-11-30</a:t>
+              <a:t>12/2/2018</a:t>
             </a:fld>
             <a:endParaRPr lang="en-US"/>
           </a:p>
@@ -13162,7 +13057,7 @@
           <a:p>
             <a:fld id="{8272ECE3-2878-47BE-B879-BFDD2207B1DF}" type="datetimeFigureOut">
               <a:rPr lang="en-US" smtClean="0"/>
-              <a:t>2018-11-30</a:t>
+              <a:t>12/2/2018</a:t>
             </a:fld>
             <a:endParaRPr lang="en-US"/>
           </a:p>
@@ -13437,7 +13332,7 @@
           <a:p>
             <a:fld id="{8272ECE3-2878-47BE-B879-BFDD2207B1DF}" type="datetimeFigureOut">
               <a:rPr lang="en-US" smtClean="0"/>
-              <a:t>2018-11-30</a:t>
+              <a:t>12/2/2018</a:t>
             </a:fld>
             <a:endParaRPr lang="en-US"/>
           </a:p>
@@ -13702,7 +13597,7 @@
           <a:p>
             <a:fld id="{8272ECE3-2878-47BE-B879-BFDD2207B1DF}" type="datetimeFigureOut">
               <a:rPr lang="en-US" smtClean="0"/>
-              <a:t>2018-11-30</a:t>
+              <a:t>12/2/2018</a:t>
             </a:fld>
             <a:endParaRPr lang="en-US"/>
           </a:p>
@@ -14114,7 +14009,7 @@
           <a:p>
             <a:fld id="{8272ECE3-2878-47BE-B879-BFDD2207B1DF}" type="datetimeFigureOut">
               <a:rPr lang="en-US" smtClean="0"/>
-              <a:t>2018-11-30</a:t>
+              <a:t>12/2/2018</a:t>
             </a:fld>
             <a:endParaRPr lang="en-US"/>
           </a:p>
@@ -14255,7 +14150,7 @@
           <a:p>
             <a:fld id="{8272ECE3-2878-47BE-B879-BFDD2207B1DF}" type="datetimeFigureOut">
               <a:rPr lang="en-US" smtClean="0"/>
-              <a:t>2018-11-30</a:t>
+              <a:t>12/2/2018</a:t>
             </a:fld>
             <a:endParaRPr lang="en-US"/>
           </a:p>
@@ -14368,7 +14263,7 @@
           <a:p>
             <a:fld id="{8272ECE3-2878-47BE-B879-BFDD2207B1DF}" type="datetimeFigureOut">
               <a:rPr lang="en-US" smtClean="0"/>
-              <a:t>2018-11-30</a:t>
+              <a:t>12/2/2018</a:t>
             </a:fld>
             <a:endParaRPr lang="en-US"/>
           </a:p>
@@ -14679,7 +14574,7 @@
           <a:p>
             <a:fld id="{8272ECE3-2878-47BE-B879-BFDD2207B1DF}" type="datetimeFigureOut">
               <a:rPr lang="en-US" smtClean="0"/>
-              <a:t>2018-11-30</a:t>
+              <a:t>12/2/2018</a:t>
             </a:fld>
             <a:endParaRPr lang="en-US"/>
           </a:p>
@@ -14967,7 +14862,7 @@
           <a:p>
             <a:fld id="{8272ECE3-2878-47BE-B879-BFDD2207B1DF}" type="datetimeFigureOut">
               <a:rPr lang="en-US" smtClean="0"/>
-              <a:t>2018-11-30</a:t>
+              <a:t>12/2/2018</a:t>
             </a:fld>
             <a:endParaRPr lang="en-US"/>
           </a:p>
@@ -15208,7 +15103,7 @@
           <a:p>
             <a:fld id="{8272ECE3-2878-47BE-B879-BFDD2207B1DF}" type="datetimeFigureOut">
               <a:rPr lang="en-US" smtClean="0"/>
-              <a:t>2018-11-30</a:t>
+              <a:t>12/2/2018</a:t>
             </a:fld>
             <a:endParaRPr lang="en-US"/>
           </a:p>
@@ -15699,13 +15594,6 @@
   <p:clrMapOvr>
     <a:masterClrMapping/>
   </p:clrMapOvr>
-  <p:timing>
-    <p:tnLst>
-      <p:par>
-        <p:cTn id="1" dur="indefinite" restart="never" nodeType="tmRoot"/>
-      </p:par>
-    </p:tnLst>
-  </p:timing>
 </p:sld>
 </file>
 
@@ -15790,13 +15678,6 @@
   <p:clrMapOvr>
     <a:masterClrMapping/>
   </p:clrMapOvr>
-  <p:timing>
-    <p:tnLst>
-      <p:par>
-        <p:cTn id="1" dur="indefinite" restart="never" nodeType="tmRoot"/>
-      </p:par>
-    </p:tnLst>
-  </p:timing>
 </p:sld>
 </file>
 
@@ -15967,7 +15848,7 @@
                   <a14:useLocalDpi xmlns:a14="http://schemas.microsoft.com/office/drawing/2010/main" val="0"/>
                 </a:ext>
                 <a:ext uri="{96DAC541-7B7A-43D3-8B79-37D633B846F1}">
-                  <asvg:svgBlip xmlns="" xmlns:asvg="http://schemas.microsoft.com/office/drawing/2016/SVG/main" r:embed="rId3"/>
+                  <asvg:svgBlip xmlns:asvg="http://schemas.microsoft.com/office/drawing/2016/SVG/main" r:embed="rId3"/>
                 </a:ext>
               </a:extLst>
             </a:blip>
@@ -16041,13 +15922,6 @@
   <p:clrMapOvr>
     <a:masterClrMapping/>
   </p:clrMapOvr>
-  <p:timing>
-    <p:tnLst>
-      <p:par>
-        <p:cTn id="1" dur="indefinite" restart="never" nodeType="tmRoot"/>
-      </p:par>
-    </p:tnLst>
-  </p:timing>
 </p:sld>
 </file>
 
@@ -16279,7 +16153,7 @@
                     <a14:useLocalDpi xmlns:a14="http://schemas.microsoft.com/office/drawing/2010/main" val="0"/>
                   </a:ext>
                   <a:ext uri="{96DAC541-7B7A-43D3-8B79-37D633B846F1}">
-                    <asvg:svgBlip xmlns="" xmlns:asvg="http://schemas.microsoft.com/office/drawing/2016/SVG/main" r:embed="rId3"/>
+                    <asvg:svgBlip xmlns:asvg="http://schemas.microsoft.com/office/drawing/2016/SVG/main" r:embed="rId3"/>
                   </a:ext>
                 </a:extLst>
               </a:blip>
@@ -16319,7 +16193,7 @@
                   <a14:useLocalDpi xmlns:a14="http://schemas.microsoft.com/office/drawing/2010/main" val="0"/>
                 </a:ext>
                 <a:ext uri="{96DAC541-7B7A-43D3-8B79-37D633B846F1}">
-                  <asvg:svgBlip xmlns="" xmlns:asvg="http://schemas.microsoft.com/office/drawing/2016/SVG/main" r:embed="rId5"/>
+                  <asvg:svgBlip xmlns:asvg="http://schemas.microsoft.com/office/drawing/2016/SVG/main" r:embed="rId5"/>
                 </a:ext>
               </a:extLst>
             </a:blip>
@@ -16348,13 +16222,6 @@
   <p:clrMapOvr>
     <a:masterClrMapping/>
   </p:clrMapOvr>
-  <p:timing>
-    <p:tnLst>
-      <p:par>
-        <p:cTn id="1" dur="indefinite" restart="never" nodeType="tmRoot"/>
-      </p:par>
-    </p:tnLst>
-  </p:timing>
 </p:sld>
 </file>
 
@@ -16557,7 +16424,7 @@
                     <a14:useLocalDpi xmlns:a14="http://schemas.microsoft.com/office/drawing/2010/main" val="0"/>
                   </a:ext>
                   <a:ext uri="{96DAC541-7B7A-43D3-8B79-37D633B846F1}">
-                    <asvg:svgBlip xmlns="" xmlns:asvg="http://schemas.microsoft.com/office/drawing/2016/SVG/main" r:embed="rId3"/>
+                    <asvg:svgBlip xmlns:asvg="http://schemas.microsoft.com/office/drawing/2016/SVG/main" r:embed="rId3"/>
                   </a:ext>
                 </a:extLst>
               </a:blip>
@@ -16596,7 +16463,7 @@
                     <a14:useLocalDpi xmlns:a14="http://schemas.microsoft.com/office/drawing/2010/main" val="0"/>
                   </a:ext>
                   <a:ext uri="{96DAC541-7B7A-43D3-8B79-37D633B846F1}">
-                    <asvg:svgBlip xmlns="" xmlns:asvg="http://schemas.microsoft.com/office/drawing/2016/SVG/main" r:embed="rId5"/>
+                    <asvg:svgBlip xmlns:asvg="http://schemas.microsoft.com/office/drawing/2016/SVG/main" r:embed="rId5"/>
                   </a:ext>
                 </a:extLst>
               </a:blip>
@@ -16667,13 +16534,6 @@
   <p:clrMapOvr>
     <a:masterClrMapping/>
   </p:clrMapOvr>
-  <p:timing>
-    <p:tnLst>
-      <p:par>
-        <p:cTn id="1" dur="indefinite" restart="never" nodeType="tmRoot"/>
-      </p:par>
-    </p:tnLst>
-  </p:timing>
 </p:sld>
 </file>
 
@@ -16808,15 +16668,7 @@
             </a:r>
             <a:r>
               <a:rPr lang="de-DE" sz="2000" dirty="0"/>
-              <a:t> vertraulich gespeichert werden. Typischerweise eine </a:t>
-            </a:r>
-            <a:r>
-              <a:rPr lang="de-DE" sz="2000" dirty="0" smtClean="0"/>
-              <a:t>native, mobile oder single-page Applikation</a:t>
-            </a:r>
-            <a:r>
-              <a:rPr lang="de-DE" sz="2000" dirty="0"/>
-              <a:t>.</a:t>
+              <a:t> vertraulich gespeichert werden. Typischerweise eine native, mobile oder single-page Applikation.</a:t>
             </a:r>
           </a:p>
           <a:p>
@@ -16924,7 +16776,7 @@
                   <a14:useLocalDpi xmlns:a14="http://schemas.microsoft.com/office/drawing/2010/main" val="0"/>
                 </a:ext>
                 <a:ext uri="{96DAC541-7B7A-43D3-8B79-37D633B846F1}">
-                  <asvg:svgBlip xmlns="" xmlns:asvg="http://schemas.microsoft.com/office/drawing/2016/SVG/main" r:embed="rId3"/>
+                  <asvg:svgBlip xmlns:asvg="http://schemas.microsoft.com/office/drawing/2016/SVG/main" r:embed="rId3"/>
                 </a:ext>
               </a:extLst>
             </a:blip>
@@ -16998,13 +16850,6 @@
   <p:clrMapOvr>
     <a:masterClrMapping/>
   </p:clrMapOvr>
-  <p:timing>
-    <p:tnLst>
-      <p:par>
-        <p:cTn id="1" dur="indefinite" restart="never" nodeType="tmRoot"/>
-      </p:par>
-    </p:tnLst>
-  </p:timing>
 </p:sld>
 </file>
 
@@ -17194,7 +17039,7 @@
                     <a14:useLocalDpi xmlns:a14="http://schemas.microsoft.com/office/drawing/2010/main" val="0"/>
                   </a:ext>
                   <a:ext uri="{96DAC541-7B7A-43D3-8B79-37D633B846F1}">
-                    <asvg:svgBlip xmlns="" xmlns:asvg="http://schemas.microsoft.com/office/drawing/2016/SVG/main" r:embed="rId3"/>
+                    <asvg:svgBlip xmlns:asvg="http://schemas.microsoft.com/office/drawing/2016/SVG/main" r:embed="rId3"/>
                   </a:ext>
                 </a:extLst>
               </a:blip>
@@ -17271,7 +17116,7 @@
                   <a14:useLocalDpi xmlns:a14="http://schemas.microsoft.com/office/drawing/2010/main" val="0"/>
                 </a:ext>
                 <a:ext uri="{96DAC541-7B7A-43D3-8B79-37D633B846F1}">
-                  <asvg:svgBlip xmlns="" xmlns:asvg="http://schemas.microsoft.com/office/drawing/2016/SVG/main" r:embed="rId5"/>
+                  <asvg:svgBlip xmlns:asvg="http://schemas.microsoft.com/office/drawing/2016/SVG/main" r:embed="rId5"/>
                 </a:ext>
               </a:extLst>
             </a:blip>
@@ -17300,13 +17145,6 @@
   <p:clrMapOvr>
     <a:masterClrMapping/>
   </p:clrMapOvr>
-  <p:timing>
-    <p:tnLst>
-      <p:par>
-        <p:cTn id="1" dur="indefinite" restart="never" nodeType="tmRoot"/>
-      </p:par>
-    </p:tnLst>
-  </p:timing>
 </p:sld>
 </file>
 
@@ -17812,25 +17650,7 @@
                 </a:solidFill>
                 <a:latin typeface="Bradley Hand ITC" panose="03070402050302030203" pitchFamily="66" charset="0"/>
               </a:rPr>
-              <a:t>Client ID für </a:t>
-            </a:r>
-            <a:r>
-              <a:rPr lang="en-US" sz="2400" b="1" dirty="0" smtClean="0">
-                <a:solidFill>
-                  <a:srgbClr val="FF0000"/>
-                </a:solidFill>
-                <a:latin typeface="Bradley Hand ITC" panose="03070402050302030203" pitchFamily="66" charset="0"/>
-              </a:rPr>
-              <a:t>den </a:t>
-            </a:r>
-            <a:r>
-              <a:rPr lang="en-US" sz="2400" b="1" dirty="0">
-                <a:solidFill>
-                  <a:srgbClr val="FF0000"/>
-                </a:solidFill>
-                <a:latin typeface="Bradley Hand ITC" panose="03070402050302030203" pitchFamily="66" charset="0"/>
-              </a:rPr>
-              <a:t>das Token </a:t>
+              <a:t>Client ID für den das Token </a:t>
             </a:r>
             <a:r>
               <a:rPr lang="en-US" sz="2400" b="1" dirty="0" err="1">
@@ -17848,23 +17668,8 @@
                 </a:solidFill>
                 <a:latin typeface="Bradley Hand ITC" panose="03070402050302030203" pitchFamily="66" charset="0"/>
               </a:rPr>
-              <a:t> </a:t>
+              <a:t> war</a:t>
             </a:r>
-            <a:r>
-              <a:rPr lang="en-US" sz="2400" b="1" dirty="0" smtClean="0">
-                <a:solidFill>
-                  <a:srgbClr val="FF0000"/>
-                </a:solidFill>
-                <a:latin typeface="Bradley Hand ITC" panose="03070402050302030203" pitchFamily="66" charset="0"/>
-              </a:rPr>
-              <a:t>war</a:t>
-            </a:r>
-            <a:endParaRPr lang="en-US" sz="2400" b="1" dirty="0">
-              <a:solidFill>
-                <a:srgbClr val="FF0000"/>
-              </a:solidFill>
-              <a:latin typeface="Bradley Hand ITC" panose="03070402050302030203" pitchFamily="66" charset="0"/>
-            </a:endParaRPr>
           </a:p>
         </p:txBody>
       </p:sp>
@@ -18224,13 +18029,6 @@
   <p:clrMapOvr>
     <a:masterClrMapping/>
   </p:clrMapOvr>
-  <p:timing>
-    <p:tnLst>
-      <p:par>
-        <p:cTn id="1" dur="indefinite" restart="never" nodeType="tmRoot"/>
-      </p:par>
-    </p:tnLst>
-  </p:timing>
 </p:sld>
 </file>
 
@@ -18427,7 +18225,7 @@
                   <a14:useLocalDpi xmlns:a14="http://schemas.microsoft.com/office/drawing/2010/main" val="0"/>
                 </a:ext>
                 <a:ext uri="{96DAC541-7B7A-43D3-8B79-37D633B846F1}">
-                  <asvg:svgBlip xmlns="" xmlns:asvg="http://schemas.microsoft.com/office/drawing/2016/SVG/main" r:embed="rId3"/>
+                  <asvg:svgBlip xmlns:asvg="http://schemas.microsoft.com/office/drawing/2016/SVG/main" r:embed="rId3"/>
                 </a:ext>
               </a:extLst>
             </a:blip>
@@ -18493,13 +18291,6 @@
   <p:clrMapOvr>
     <a:masterClrMapping/>
   </p:clrMapOvr>
-  <p:timing>
-    <p:tnLst>
-      <p:par>
-        <p:cTn id="1" dur="indefinite" restart="never" nodeType="tmRoot"/>
-      </p:par>
-    </p:tnLst>
-  </p:timing>
 </p:sld>
 </file>
 
@@ -18993,13 +18784,6 @@
   <p:clrMapOvr>
     <a:masterClrMapping/>
   </p:clrMapOvr>
-  <p:timing>
-    <p:tnLst>
-      <p:par>
-        <p:cTn id="1" dur="indefinite" restart="never" nodeType="tmRoot"/>
-      </p:par>
-    </p:tnLst>
-  </p:timing>
 </p:sld>
 </file>
 
@@ -19184,7 +18968,7 @@
                     <a14:useLocalDpi xmlns:a14="http://schemas.microsoft.com/office/drawing/2010/main" val="0"/>
                   </a:ext>
                   <a:ext uri="{96DAC541-7B7A-43D3-8B79-37D633B846F1}">
-                    <asvg:svgBlip xmlns="" xmlns:asvg="http://schemas.microsoft.com/office/drawing/2016/SVG/main" r:embed="rId3"/>
+                    <asvg:svgBlip xmlns:asvg="http://schemas.microsoft.com/office/drawing/2016/SVG/main" r:embed="rId3"/>
                   </a:ext>
                 </a:extLst>
               </a:blip>
@@ -19261,7 +19045,7 @@
                   <a14:useLocalDpi xmlns:a14="http://schemas.microsoft.com/office/drawing/2010/main" val="0"/>
                 </a:ext>
                 <a:ext uri="{96DAC541-7B7A-43D3-8B79-37D633B846F1}">
-                  <asvg:svgBlip xmlns="" xmlns:asvg="http://schemas.microsoft.com/office/drawing/2016/SVG/main" r:embed="rId5"/>
+                  <asvg:svgBlip xmlns:asvg="http://schemas.microsoft.com/office/drawing/2016/SVG/main" r:embed="rId5"/>
                 </a:ext>
               </a:extLst>
             </a:blip>
@@ -19290,13 +19074,6 @@
   <p:clrMapOvr>
     <a:masterClrMapping/>
   </p:clrMapOvr>
-  <p:timing>
-    <p:tnLst>
-      <p:par>
-        <p:cTn id="1" dur="indefinite" restart="never" nodeType="tmRoot"/>
-      </p:par>
-    </p:tnLst>
-  </p:timing>
 </p:sld>
 </file>
 
@@ -19489,11 +19266,7 @@
           <a:p>
             <a:r>
               <a:rPr lang="de-AT" sz="3200" dirty="0"/>
-              <a:t>Daniel </a:t>
-            </a:r>
-            <a:r>
-              <a:rPr lang="de-AT" sz="3200" dirty="0" smtClean="0"/>
-              <a:t>Wagner</a:t>
+              <a:t>Daniel Wagner</a:t>
             </a:r>
             <a:endParaRPr lang="en-US" sz="3200" dirty="0"/>
           </a:p>
@@ -19528,7 +19301,9 @@
           <a:lstStyle/>
           <a:p>
             <a:r>
-              <a:rPr lang="de-AT" sz="3200" dirty="0" smtClean="0"/>
+              <a:rPr lang="de-AT" sz="3200" dirty="0">
+                <a:hlinkClick r:id="rId4"/>
+              </a:rPr>
               <a:t>daniel_wagn3r</a:t>
             </a:r>
             <a:endParaRPr lang="en-US" sz="3200" dirty="0"/>
@@ -19600,7 +19375,9 @@
           <a:lstStyle/>
           <a:p>
             <a:r>
-              <a:rPr lang="de-AT" sz="3200" dirty="0" err="1" smtClean="0"/>
+              <a:rPr lang="de-AT" sz="3200" dirty="0" err="1">
+                <a:hlinkClick r:id="rId5"/>
+              </a:rPr>
               <a:t>akalcik</a:t>
             </a:r>
             <a:endParaRPr lang="en-US" sz="3200" dirty="0"/>
@@ -19622,7 +19399,7 @@
           <p:nvPr/>
         </p:nvPicPr>
         <p:blipFill>
-          <a:blip r:embed="rId4">
+          <a:blip r:embed="rId6">
             <a:extLst>
               <a:ext uri="{28A0092B-C50C-407E-A947-70E740481C1C}">
                 <a14:useLocalDpi xmlns:a14="http://schemas.microsoft.com/office/drawing/2010/main" val="0"/>
@@ -19669,7 +19446,7 @@
           <p:nvPr/>
         </p:nvPicPr>
         <p:blipFill>
-          <a:blip r:embed="rId5" cstate="hqprint">
+          <a:blip r:embed="rId7" cstate="hqprint">
             <a:extLst>
               <a:ext uri="{28A0092B-C50C-407E-A947-70E740481C1C}">
                 <a14:useLocalDpi xmlns:a14="http://schemas.microsoft.com/office/drawing/2010/main" val="0"/>
@@ -19710,7 +19487,7 @@
           <p:nvPr/>
         </p:nvPicPr>
         <p:blipFill>
-          <a:blip r:embed="rId6" cstate="hqprint">
+          <a:blip r:embed="rId8" cstate="hqprint">
             <a:extLst>
               <a:ext uri="{28A0092B-C50C-407E-A947-70E740481C1C}">
                 <a14:useLocalDpi xmlns:a14="http://schemas.microsoft.com/office/drawing/2010/main" val="0"/>
@@ -19740,7 +19517,7 @@
           <p:nvPr/>
         </p:nvPicPr>
         <p:blipFill>
-          <a:blip r:embed="rId6" cstate="hqprint">
+          <a:blip r:embed="rId8" cstate="hqprint">
             <a:extLst>
               <a:ext uri="{28A0092B-C50C-407E-A947-70E740481C1C}">
                 <a14:useLocalDpi xmlns:a14="http://schemas.microsoft.com/office/drawing/2010/main" val="0"/>
@@ -19771,13 +19548,6 @@
   <p:clrMapOvr>
     <a:masterClrMapping/>
   </p:clrMapOvr>
-  <p:timing>
-    <p:tnLst>
-      <p:par>
-        <p:cTn id="1" dur="indefinite" restart="never" nodeType="tmRoot"/>
-      </p:par>
-    </p:tnLst>
-  </p:timing>
 </p:sld>
 </file>
 
@@ -19925,13 +19695,6 @@
   <p:clrMapOvr>
     <a:masterClrMapping/>
   </p:clrMapOvr>
-  <p:timing>
-    <p:tnLst>
-      <p:par>
-        <p:cTn id="1" dur="indefinite" restart="never" nodeType="tmRoot"/>
-      </p:par>
-    </p:tnLst>
-  </p:timing>
 </p:sld>
 </file>
 
@@ -20051,13 +19814,6 @@
   <p:clrMapOvr>
     <a:masterClrMapping/>
   </p:clrMapOvr>
-  <p:timing>
-    <p:tnLst>
-      <p:par>
-        <p:cTn id="1" dur="indefinite" restart="never" nodeType="tmRoot"/>
-      </p:par>
-    </p:tnLst>
-  </p:timing>
 </p:sld>
 </file>
 
@@ -20148,7 +19904,7 @@
                   <a14:useLocalDpi xmlns:a14="http://schemas.microsoft.com/office/drawing/2010/main" val="0"/>
                 </a:ext>
                 <a:ext uri="{96DAC541-7B7A-43D3-8B79-37D633B846F1}">
-                  <asvg:svgBlip xmlns="" xmlns:asvg="http://schemas.microsoft.com/office/drawing/2016/SVG/main" r:embed="rId3"/>
+                  <asvg:svgBlip xmlns:asvg="http://schemas.microsoft.com/office/drawing/2016/SVG/main" r:embed="rId3"/>
                 </a:ext>
               </a:extLst>
             </a:blip>
@@ -20245,7 +20001,7 @@
                   <a14:useLocalDpi xmlns:a14="http://schemas.microsoft.com/office/drawing/2010/main" val="0"/>
                 </a:ext>
                 <a:ext uri="{96DAC541-7B7A-43D3-8B79-37D633B846F1}">
-                  <asvg:svgBlip xmlns="" xmlns:asvg="http://schemas.microsoft.com/office/drawing/2016/SVG/main" r:embed="rId5"/>
+                  <asvg:svgBlip xmlns:asvg="http://schemas.microsoft.com/office/drawing/2016/SVG/main" r:embed="rId5"/>
                 </a:ext>
               </a:extLst>
             </a:blip>
@@ -20370,7 +20126,7 @@
                     <a14:useLocalDpi xmlns:a14="http://schemas.microsoft.com/office/drawing/2010/main" val="0"/>
                   </a:ext>
                   <a:ext uri="{96DAC541-7B7A-43D3-8B79-37D633B846F1}">
-                    <asvg:svgBlip xmlns="" xmlns:asvg="http://schemas.microsoft.com/office/drawing/2016/SVG/main" r:embed="rId7"/>
+                    <asvg:svgBlip xmlns:asvg="http://schemas.microsoft.com/office/drawing/2016/SVG/main" r:embed="rId7"/>
                   </a:ext>
                 </a:extLst>
               </a:blip>
@@ -20409,7 +20165,7 @@
                     <a14:useLocalDpi xmlns:a14="http://schemas.microsoft.com/office/drawing/2010/main" val="0"/>
                   </a:ext>
                   <a:ext uri="{96DAC541-7B7A-43D3-8B79-37D633B846F1}">
-                    <asvg:svgBlip xmlns="" xmlns:asvg="http://schemas.microsoft.com/office/drawing/2016/SVG/main" r:embed="rId9"/>
+                    <asvg:svgBlip xmlns:asvg="http://schemas.microsoft.com/office/drawing/2016/SVG/main" r:embed="rId9"/>
                   </a:ext>
                 </a:extLst>
               </a:blip>
@@ -20572,7 +20328,7 @@
                     <a14:useLocalDpi xmlns:a14="http://schemas.microsoft.com/office/drawing/2010/main" val="0"/>
                   </a:ext>
                   <a:ext uri="{96DAC541-7B7A-43D3-8B79-37D633B846F1}">
-                    <asvg:svgBlip xmlns="" xmlns:asvg="http://schemas.microsoft.com/office/drawing/2016/SVG/main" r:embed="rId9"/>
+                    <asvg:svgBlip xmlns:asvg="http://schemas.microsoft.com/office/drawing/2016/SVG/main" r:embed="rId9"/>
                   </a:ext>
                 </a:extLst>
               </a:blip>
@@ -20612,7 +20368,7 @@
                   <a14:useLocalDpi xmlns:a14="http://schemas.microsoft.com/office/drawing/2010/main" val="0"/>
                 </a:ext>
                 <a:ext uri="{96DAC541-7B7A-43D3-8B79-37D633B846F1}">
-                  <asvg:svgBlip xmlns="" xmlns:asvg="http://schemas.microsoft.com/office/drawing/2016/SVG/main" r:embed="rId11"/>
+                  <asvg:svgBlip xmlns:asvg="http://schemas.microsoft.com/office/drawing/2016/SVG/main" r:embed="rId11"/>
                 </a:ext>
               </a:extLst>
             </a:blip>
@@ -21436,13 +21192,6 @@
   <p:clrMapOvr>
     <a:masterClrMapping/>
   </p:clrMapOvr>
-  <p:timing>
-    <p:tnLst>
-      <p:par>
-        <p:cTn id="1" dur="indefinite" restart="never" nodeType="tmRoot"/>
-      </p:par>
-    </p:tnLst>
-  </p:timing>
 </p:sld>
 </file>
 
@@ -21531,13 +21280,6 @@
   <p:clrMapOvr>
     <a:masterClrMapping/>
   </p:clrMapOvr>
-  <p:timing>
-    <p:tnLst>
-      <p:par>
-        <p:cTn id="1" dur="indefinite" restart="never" nodeType="tmRoot"/>
-      </p:par>
-    </p:tnLst>
-  </p:timing>
 </p:sld>
 </file>
 
@@ -21741,13 +21483,6 @@
   <p:clrMapOvr>
     <a:masterClrMapping/>
   </p:clrMapOvr>
-  <p:timing>
-    <p:tnLst>
-      <p:par>
-        <p:cTn id="1" dur="indefinite" restart="never" nodeType="tmRoot"/>
-      </p:par>
-    </p:tnLst>
-  </p:timing>
 </p:sld>
 </file>
 
@@ -21846,7 +21581,7 @@
                   <a14:useLocalDpi xmlns:a14="http://schemas.microsoft.com/office/drawing/2010/main" val="0"/>
                 </a:ext>
                 <a:ext uri="{96DAC541-7B7A-43D3-8B79-37D633B846F1}">
-                  <asvg:svgBlip xmlns="" xmlns:asvg="http://schemas.microsoft.com/office/drawing/2016/SVG/main" r:embed="rId3"/>
+                  <asvg:svgBlip xmlns:asvg="http://schemas.microsoft.com/office/drawing/2016/SVG/main" r:embed="rId3"/>
                 </a:ext>
               </a:extLst>
             </a:blip>
@@ -21967,7 +21702,7 @@
                     <a14:useLocalDpi xmlns:a14="http://schemas.microsoft.com/office/drawing/2010/main" val="0"/>
                   </a:ext>
                   <a:ext uri="{96DAC541-7B7A-43D3-8B79-37D633B846F1}">
-                    <asvg:svgBlip xmlns="" xmlns:asvg="http://schemas.microsoft.com/office/drawing/2016/SVG/main" r:embed="rId5"/>
+                    <asvg:svgBlip xmlns:asvg="http://schemas.microsoft.com/office/drawing/2016/SVG/main" r:embed="rId5"/>
                   </a:ext>
                 </a:extLst>
               </a:blip>
@@ -22006,7 +21741,7 @@
                     <a14:useLocalDpi xmlns:a14="http://schemas.microsoft.com/office/drawing/2010/main" val="0"/>
                   </a:ext>
                   <a:ext uri="{96DAC541-7B7A-43D3-8B79-37D633B846F1}">
-                    <asvg:svgBlip xmlns="" xmlns:asvg="http://schemas.microsoft.com/office/drawing/2016/SVG/main" r:embed="rId7"/>
+                    <asvg:svgBlip xmlns:asvg="http://schemas.microsoft.com/office/drawing/2016/SVG/main" r:embed="rId7"/>
                   </a:ext>
                 </a:extLst>
               </a:blip>
@@ -22543,7 +22278,7 @@
                     <a14:useLocalDpi xmlns:a14="http://schemas.microsoft.com/office/drawing/2010/main" val="0"/>
                   </a:ext>
                   <a:ext uri="{96DAC541-7B7A-43D3-8B79-37D633B846F1}">
-                    <asvg:svgBlip xmlns="" xmlns:asvg="http://schemas.microsoft.com/office/drawing/2016/SVG/main" r:embed="rId7"/>
+                    <asvg:svgBlip xmlns:asvg="http://schemas.microsoft.com/office/drawing/2016/SVG/main" r:embed="rId7"/>
                   </a:ext>
                 </a:extLst>
               </a:blip>
@@ -22583,7 +22318,7 @@
                   <a14:useLocalDpi xmlns:a14="http://schemas.microsoft.com/office/drawing/2010/main" val="0"/>
                 </a:ext>
                 <a:ext uri="{96DAC541-7B7A-43D3-8B79-37D633B846F1}">
-                  <asvg:svgBlip xmlns="" xmlns:asvg="http://schemas.microsoft.com/office/drawing/2016/SVG/main" r:embed="rId11"/>
+                  <asvg:svgBlip xmlns:asvg="http://schemas.microsoft.com/office/drawing/2016/SVG/main" r:embed="rId11"/>
                 </a:ext>
               </a:extLst>
             </a:blip>
@@ -22725,13 +22460,6 @@
   <p:clrMapOvr>
     <a:masterClrMapping/>
   </p:clrMapOvr>
-  <p:timing>
-    <p:tnLst>
-      <p:par>
-        <p:cTn id="1" dur="indefinite" restart="never" nodeType="tmRoot"/>
-      </p:par>
-    </p:tnLst>
-  </p:timing>
 </p:sld>
 </file>
 
@@ -22980,18 +22708,13 @@
                     <a:p>
                       <a:pPr algn="ctr"/>
                       <a:r>
-                        <a:rPr lang="en-US" dirty="0" smtClean="0">
+                        <a:rPr lang="en-US" dirty="0">
                           <a:solidFill>
                             <a:schemeClr val="bg1"/>
                           </a:solidFill>
                         </a:rPr>
                         <a:t>Refresh Token</a:t>
                       </a:r>
-                      <a:endParaRPr lang="en-US" dirty="0">
-                        <a:solidFill>
-                          <a:schemeClr val="bg1"/>
-                        </a:solidFill>
-                      </a:endParaRPr>
                     </a:p>
                   </a:txBody>
                   <a:tcPr>
@@ -23118,7 +22841,7 @@
                     <a:p>
                       <a:pPr algn="ctr"/>
                       <a:r>
-                        <a:rPr lang="de-AT" dirty="0" smtClean="0"/>
+                        <a:rPr lang="de-AT" dirty="0"/>
                         <a:t>X</a:t>
                       </a:r>
                       <a:endParaRPr lang="en-US" dirty="0"/>
@@ -23168,13 +22891,6 @@
   <p:clrMapOvr>
     <a:masterClrMapping/>
   </p:clrMapOvr>
-  <p:timing>
-    <p:tnLst>
-      <p:par>
-        <p:cTn id="1" dur="indefinite" restart="never" nodeType="tmRoot"/>
-      </p:par>
-    </p:tnLst>
-  </p:timing>
 </p:sld>
 </file>
 
@@ -23286,7 +23002,7 @@
                   <a14:useLocalDpi xmlns:a14="http://schemas.microsoft.com/office/drawing/2010/main" val="0"/>
                 </a:ext>
                 <a:ext uri="{96DAC541-7B7A-43D3-8B79-37D633B846F1}">
-                  <asvg:svgBlip xmlns="" xmlns:asvg="http://schemas.microsoft.com/office/drawing/2016/SVG/main" r:embed="rId3"/>
+                  <asvg:svgBlip xmlns:asvg="http://schemas.microsoft.com/office/drawing/2016/SVG/main" r:embed="rId3"/>
                 </a:ext>
               </a:extLst>
             </a:blip>
@@ -23387,7 +23103,7 @@
                   <a14:useLocalDpi xmlns:a14="http://schemas.microsoft.com/office/drawing/2010/main" val="0"/>
                 </a:ext>
                 <a:ext uri="{96DAC541-7B7A-43D3-8B79-37D633B846F1}">
-                  <asvg:svgBlip xmlns="" xmlns:asvg="http://schemas.microsoft.com/office/drawing/2016/SVG/main" r:embed="rId5"/>
+                  <asvg:svgBlip xmlns:asvg="http://schemas.microsoft.com/office/drawing/2016/SVG/main" r:embed="rId5"/>
                 </a:ext>
               </a:extLst>
             </a:blip>
@@ -23512,7 +23228,7 @@
                     <a14:useLocalDpi xmlns:a14="http://schemas.microsoft.com/office/drawing/2010/main" val="0"/>
                   </a:ext>
                   <a:ext uri="{96DAC541-7B7A-43D3-8B79-37D633B846F1}">
-                    <asvg:svgBlip xmlns="" xmlns:asvg="http://schemas.microsoft.com/office/drawing/2016/SVG/main" r:embed="rId7"/>
+                    <asvg:svgBlip xmlns:asvg="http://schemas.microsoft.com/office/drawing/2016/SVG/main" r:embed="rId7"/>
                   </a:ext>
                 </a:extLst>
               </a:blip>
@@ -23551,7 +23267,7 @@
                     <a14:useLocalDpi xmlns:a14="http://schemas.microsoft.com/office/drawing/2010/main" val="0"/>
                   </a:ext>
                   <a:ext uri="{96DAC541-7B7A-43D3-8B79-37D633B846F1}">
-                    <asvg:svgBlip xmlns="" xmlns:asvg="http://schemas.microsoft.com/office/drawing/2016/SVG/main" r:embed="rId9"/>
+                    <asvg:svgBlip xmlns:asvg="http://schemas.microsoft.com/office/drawing/2016/SVG/main" r:embed="rId9"/>
                   </a:ext>
                 </a:extLst>
               </a:blip>
@@ -24142,7 +23858,7 @@
                     <a14:useLocalDpi xmlns:a14="http://schemas.microsoft.com/office/drawing/2010/main" val="0"/>
                   </a:ext>
                   <a:ext uri="{96DAC541-7B7A-43D3-8B79-37D633B846F1}">
-                    <asvg:svgBlip xmlns="" xmlns:asvg="http://schemas.microsoft.com/office/drawing/2016/SVG/main" r:embed="rId9"/>
+                    <asvg:svgBlip xmlns:asvg="http://schemas.microsoft.com/office/drawing/2016/SVG/main" r:embed="rId9"/>
                   </a:ext>
                 </a:extLst>
               </a:blip>
@@ -24182,7 +23898,7 @@
                   <a14:useLocalDpi xmlns:a14="http://schemas.microsoft.com/office/drawing/2010/main" val="0"/>
                 </a:ext>
                 <a:ext uri="{96DAC541-7B7A-43D3-8B79-37D633B846F1}">
-                  <asvg:svgBlip xmlns="" xmlns:asvg="http://schemas.microsoft.com/office/drawing/2016/SVG/main" r:embed="rId11"/>
+                  <asvg:svgBlip xmlns:asvg="http://schemas.microsoft.com/office/drawing/2016/SVG/main" r:embed="rId11"/>
                 </a:ext>
               </a:extLst>
             </a:blip>
@@ -24325,13 +24041,6 @@
   <p:clrMapOvr>
     <a:masterClrMapping/>
   </p:clrMapOvr>
-  <p:timing>
-    <p:tnLst>
-      <p:par>
-        <p:cTn id="1" dur="indefinite" restart="never" nodeType="tmRoot"/>
-      </p:par>
-    </p:tnLst>
-  </p:timing>
 </p:sld>
 </file>
 
@@ -24584,18 +24293,13 @@
                     <a:p>
                       <a:pPr algn="ctr"/>
                       <a:r>
-                        <a:rPr lang="en-US" dirty="0" smtClean="0">
+                        <a:rPr lang="en-US" dirty="0">
                           <a:solidFill>
                             <a:schemeClr val="bg1"/>
                           </a:solidFill>
                         </a:rPr>
                         <a:t>Refresh Token</a:t>
                       </a:r>
-                      <a:endParaRPr lang="en-US" dirty="0">
-                        <a:solidFill>
-                          <a:schemeClr val="bg1"/>
-                        </a:solidFill>
-                      </a:endParaRPr>
                     </a:p>
                   </a:txBody>
                   <a:tcPr>
@@ -24722,7 +24426,7 @@
                     <a:p>
                       <a:pPr algn="ctr"/>
                       <a:r>
-                        <a:rPr lang="de-AT" dirty="0" smtClean="0"/>
+                        <a:rPr lang="de-AT" dirty="0"/>
                         <a:t>X</a:t>
                       </a:r>
                       <a:endParaRPr lang="en-US" dirty="0"/>
@@ -24752,10 +24456,9 @@
                     <a:p>
                       <a:pPr algn="ctr"/>
                       <a:r>
-                        <a:rPr lang="en-US" dirty="0" smtClean="0"/>
+                        <a:rPr lang="en-US" dirty="0"/>
                         <a:t>X</a:t>
                       </a:r>
-                      <a:endParaRPr lang="en-US" dirty="0"/>
                     </a:p>
                   </a:txBody>
                   <a:tcPr/>
@@ -24780,13 +24483,6 @@
   <p:clrMapOvr>
     <a:masterClrMapping/>
   </p:clrMapOvr>
-  <p:timing>
-    <p:tnLst>
-      <p:par>
-        <p:cTn id="1" dur="indefinite" restart="never" nodeType="tmRoot"/>
-      </p:par>
-    </p:tnLst>
-  </p:timing>
 </p:sld>
 </file>
 
@@ -24927,7 +24623,7 @@
                   <a14:useLocalDpi xmlns:a14="http://schemas.microsoft.com/office/drawing/2010/main" val="0"/>
                 </a:ext>
                 <a:ext uri="{96DAC541-7B7A-43D3-8B79-37D633B846F1}">
-                  <asvg:svgBlip xmlns="" xmlns:asvg="http://schemas.microsoft.com/office/drawing/2016/SVG/main" r:embed="rId3"/>
+                  <asvg:svgBlip xmlns:asvg="http://schemas.microsoft.com/office/drawing/2016/SVG/main" r:embed="rId3"/>
                 </a:ext>
               </a:extLst>
             </a:blip>
@@ -25028,7 +24724,7 @@
                   <a14:useLocalDpi xmlns:a14="http://schemas.microsoft.com/office/drawing/2010/main" val="0"/>
                 </a:ext>
                 <a:ext uri="{96DAC541-7B7A-43D3-8B79-37D633B846F1}">
-                  <asvg:svgBlip xmlns="" xmlns:asvg="http://schemas.microsoft.com/office/drawing/2016/SVG/main" r:embed="rId5"/>
+                  <asvg:svgBlip xmlns:asvg="http://schemas.microsoft.com/office/drawing/2016/SVG/main" r:embed="rId5"/>
                 </a:ext>
               </a:extLst>
             </a:blip>
@@ -25153,7 +24849,7 @@
                     <a14:useLocalDpi xmlns:a14="http://schemas.microsoft.com/office/drawing/2010/main" val="0"/>
                   </a:ext>
                   <a:ext uri="{96DAC541-7B7A-43D3-8B79-37D633B846F1}">
-                    <asvg:svgBlip xmlns="" xmlns:asvg="http://schemas.microsoft.com/office/drawing/2016/SVG/main" r:embed="rId7"/>
+                    <asvg:svgBlip xmlns:asvg="http://schemas.microsoft.com/office/drawing/2016/SVG/main" r:embed="rId7"/>
                   </a:ext>
                 </a:extLst>
               </a:blip>
@@ -25192,7 +24888,7 @@
                     <a14:useLocalDpi xmlns:a14="http://schemas.microsoft.com/office/drawing/2010/main" val="0"/>
                   </a:ext>
                   <a:ext uri="{96DAC541-7B7A-43D3-8B79-37D633B846F1}">
-                    <asvg:svgBlip xmlns="" xmlns:asvg="http://schemas.microsoft.com/office/drawing/2016/SVG/main" r:embed="rId9"/>
+                    <asvg:svgBlip xmlns:asvg="http://schemas.microsoft.com/office/drawing/2016/SVG/main" r:embed="rId9"/>
                   </a:ext>
                 </a:extLst>
               </a:blip>
@@ -26032,7 +25728,7 @@
                     <a14:useLocalDpi xmlns:a14="http://schemas.microsoft.com/office/drawing/2010/main" val="0"/>
                   </a:ext>
                   <a:ext uri="{96DAC541-7B7A-43D3-8B79-37D633B846F1}">
-                    <asvg:svgBlip xmlns="" xmlns:asvg="http://schemas.microsoft.com/office/drawing/2016/SVG/main" r:embed="rId9"/>
+                    <asvg:svgBlip xmlns:asvg="http://schemas.microsoft.com/office/drawing/2016/SVG/main" r:embed="rId9"/>
                   </a:ext>
                 </a:extLst>
               </a:blip>
@@ -26072,7 +25768,7 @@
                   <a14:useLocalDpi xmlns:a14="http://schemas.microsoft.com/office/drawing/2010/main" val="0"/>
                 </a:ext>
                 <a:ext uri="{96DAC541-7B7A-43D3-8B79-37D633B846F1}">
-                  <asvg:svgBlip xmlns="" xmlns:asvg="http://schemas.microsoft.com/office/drawing/2016/SVG/main" r:embed="rId11"/>
+                  <asvg:svgBlip xmlns:asvg="http://schemas.microsoft.com/office/drawing/2016/SVG/main" r:embed="rId11"/>
                 </a:ext>
               </a:extLst>
             </a:blip>
@@ -26306,7 +26002,7 @@
                   <a14:useLocalDpi xmlns:a14="http://schemas.microsoft.com/office/drawing/2010/main" val="0"/>
                 </a:ext>
                 <a:ext uri="{96DAC541-7B7A-43D3-8B79-37D633B846F1}">
-                  <asvg:svgBlip xmlns="" xmlns:asvg="http://schemas.microsoft.com/office/drawing/2016/SVG/main" r:embed="rId13"/>
+                  <asvg:svgBlip xmlns:asvg="http://schemas.microsoft.com/office/drawing/2016/SVG/main" r:embed="rId13"/>
                 </a:ext>
               </a:extLst>
             </a:blip>
@@ -26410,7 +26106,7 @@
                   <a14:useLocalDpi xmlns:a14="http://schemas.microsoft.com/office/drawing/2010/main" val="0"/>
                 </a:ext>
                 <a:ext uri="{96DAC541-7B7A-43D3-8B79-37D633B846F1}">
-                  <asvg:svgBlip xmlns="" xmlns:asvg="http://schemas.microsoft.com/office/drawing/2016/SVG/main" r:embed="rId13"/>
+                  <asvg:svgBlip xmlns:asvg="http://schemas.microsoft.com/office/drawing/2016/SVG/main" r:embed="rId13"/>
                 </a:ext>
               </a:extLst>
             </a:blip>
@@ -26514,7 +26210,7 @@
                   <a14:useLocalDpi xmlns:a14="http://schemas.microsoft.com/office/drawing/2010/main" val="0"/>
                 </a:ext>
                 <a:ext uri="{96DAC541-7B7A-43D3-8B79-37D633B846F1}">
-                  <asvg:svgBlip xmlns="" xmlns:asvg="http://schemas.microsoft.com/office/drawing/2016/SVG/main" r:embed="rId13"/>
+                  <asvg:svgBlip xmlns:asvg="http://schemas.microsoft.com/office/drawing/2016/SVG/main" r:embed="rId13"/>
                 </a:ext>
               </a:extLst>
             </a:blip>
@@ -26637,13 +26333,6 @@
   <p:clrMapOvr>
     <a:masterClrMapping/>
   </p:clrMapOvr>
-  <p:timing>
-    <p:tnLst>
-      <p:par>
-        <p:cTn id="1" dur="indefinite" restart="never" nodeType="tmRoot"/>
-      </p:par>
-    </p:tnLst>
-  </p:timing>
 </p:sld>
 </file>
 
@@ -26719,16 +26408,12 @@
               <a:t>Simple </a:t>
             </a:r>
             <a:r>
-              <a:rPr lang="de-AT" dirty="0" err="1" smtClean="0"/>
+              <a:rPr lang="de-AT" dirty="0" err="1"/>
               <a:t>login</a:t>
             </a:r>
             <a:r>
-              <a:rPr lang="de-AT" dirty="0" smtClean="0"/>
-              <a:t> </a:t>
-            </a:r>
-            <a:r>
               <a:rPr lang="de-AT" dirty="0"/>
-              <a:t>(</a:t>
+              <a:t> (</a:t>
             </a:r>
             <a:r>
               <a:rPr lang="de-AT" dirty="0" err="1"/>
@@ -26799,13 +26484,6 @@
   <p:clrMapOvr>
     <a:masterClrMapping/>
   </p:clrMapOvr>
-  <p:timing>
-    <p:tnLst>
-      <p:par>
-        <p:cTn id="1" dur="indefinite" restart="never" nodeType="tmRoot"/>
-      </p:par>
-    </p:tnLst>
-  </p:timing>
 </p:sld>
 </file>
 
@@ -27050,18 +26728,13 @@
                     <a:p>
                       <a:pPr algn="ctr"/>
                       <a:r>
-                        <a:rPr lang="en-US" dirty="0" smtClean="0">
+                        <a:rPr lang="en-US" dirty="0">
                           <a:solidFill>
                             <a:schemeClr val="bg1"/>
                           </a:solidFill>
                         </a:rPr>
                         <a:t>Refresh Token</a:t>
                       </a:r>
-                      <a:endParaRPr lang="en-US" dirty="0">
-                        <a:solidFill>
-                          <a:schemeClr val="bg1"/>
-                        </a:solidFill>
-                      </a:endParaRPr>
                     </a:p>
                   </a:txBody>
                   <a:tcPr>
@@ -27105,7 +26778,7 @@
                     <a:p>
                       <a:pPr algn="ctr"/>
                       <a:r>
-                        <a:rPr lang="de-AT" dirty="0" smtClean="0"/>
+                        <a:rPr lang="de-AT" dirty="0"/>
                         <a:t>X</a:t>
                       </a:r>
                       <a:endParaRPr lang="en-US" dirty="0"/>
@@ -27192,7 +26865,7 @@
                     <a:p>
                       <a:pPr algn="ctr"/>
                       <a:r>
-                        <a:rPr lang="de-AT" dirty="0" smtClean="0"/>
+                        <a:rPr lang="de-AT" dirty="0"/>
                         <a:t>X</a:t>
                       </a:r>
                       <a:endParaRPr lang="en-US" dirty="0"/>
@@ -27207,7 +26880,7 @@
                     <a:p>
                       <a:pPr algn="ctr"/>
                       <a:r>
-                        <a:rPr lang="de-AT" dirty="0" smtClean="0"/>
+                        <a:rPr lang="de-AT" dirty="0"/>
                         <a:t>X</a:t>
                       </a:r>
                       <a:endParaRPr lang="en-US" dirty="0"/>
@@ -27222,10 +26895,9 @@
                     <a:p>
                       <a:pPr algn="ctr"/>
                       <a:r>
-                        <a:rPr lang="en-US" dirty="0" smtClean="0"/>
+                        <a:rPr lang="en-US" dirty="0"/>
                         <a:t>X</a:t>
                       </a:r>
-                      <a:endParaRPr lang="en-US" dirty="0"/>
                     </a:p>
                   </a:txBody>
                   <a:tcPr/>
@@ -27250,13 +26922,6 @@
   <p:clrMapOvr>
     <a:masterClrMapping/>
   </p:clrMapOvr>
-  <p:timing>
-    <p:tnLst>
-      <p:par>
-        <p:cTn id="1" dur="indefinite" restart="never" nodeType="tmRoot"/>
-      </p:par>
-    </p:tnLst>
-  </p:timing>
 </p:sld>
 </file>
 
@@ -27447,7 +27112,7 @@
                   <a14:useLocalDpi xmlns:a14="http://schemas.microsoft.com/office/drawing/2010/main" val="0"/>
                 </a:ext>
                 <a:ext uri="{96DAC541-7B7A-43D3-8B79-37D633B846F1}">
-                  <asvg:svgBlip xmlns="" xmlns:asvg="http://schemas.microsoft.com/office/drawing/2016/SVG/main" r:embed="rId3"/>
+                  <asvg:svgBlip xmlns:asvg="http://schemas.microsoft.com/office/drawing/2016/SVG/main" r:embed="rId3"/>
                 </a:ext>
               </a:extLst>
             </a:blip>
@@ -27544,7 +27209,7 @@
                   <a14:useLocalDpi xmlns:a14="http://schemas.microsoft.com/office/drawing/2010/main" val="0"/>
                 </a:ext>
                 <a:ext uri="{96DAC541-7B7A-43D3-8B79-37D633B846F1}">
-                  <asvg:svgBlip xmlns="" xmlns:asvg="http://schemas.microsoft.com/office/drawing/2016/SVG/main" r:embed="rId5"/>
+                  <asvg:svgBlip xmlns:asvg="http://schemas.microsoft.com/office/drawing/2016/SVG/main" r:embed="rId5"/>
                 </a:ext>
               </a:extLst>
             </a:blip>
@@ -27669,7 +27334,7 @@
                     <a14:useLocalDpi xmlns:a14="http://schemas.microsoft.com/office/drawing/2010/main" val="0"/>
                   </a:ext>
                   <a:ext uri="{96DAC541-7B7A-43D3-8B79-37D633B846F1}">
-                    <asvg:svgBlip xmlns="" xmlns:asvg="http://schemas.microsoft.com/office/drawing/2016/SVG/main" r:embed="rId7"/>
+                    <asvg:svgBlip xmlns:asvg="http://schemas.microsoft.com/office/drawing/2016/SVG/main" r:embed="rId7"/>
                   </a:ext>
                 </a:extLst>
               </a:blip>
@@ -27708,7 +27373,7 @@
                     <a14:useLocalDpi xmlns:a14="http://schemas.microsoft.com/office/drawing/2010/main" val="0"/>
                   </a:ext>
                   <a:ext uri="{96DAC541-7B7A-43D3-8B79-37D633B846F1}">
-                    <asvg:svgBlip xmlns="" xmlns:asvg="http://schemas.microsoft.com/office/drawing/2016/SVG/main" r:embed="rId9"/>
+                    <asvg:svgBlip xmlns:asvg="http://schemas.microsoft.com/office/drawing/2016/SVG/main" r:embed="rId9"/>
                   </a:ext>
                 </a:extLst>
               </a:blip>
@@ -28319,7 +27984,7 @@
                     <a14:useLocalDpi xmlns:a14="http://schemas.microsoft.com/office/drawing/2010/main" val="0"/>
                   </a:ext>
                   <a:ext uri="{96DAC541-7B7A-43D3-8B79-37D633B846F1}">
-                    <asvg:svgBlip xmlns="" xmlns:asvg="http://schemas.microsoft.com/office/drawing/2016/SVG/main" r:embed="rId9"/>
+                    <asvg:svgBlip xmlns:asvg="http://schemas.microsoft.com/office/drawing/2016/SVG/main" r:embed="rId9"/>
                   </a:ext>
                 </a:extLst>
               </a:blip>
@@ -28359,7 +28024,7 @@
                   <a14:useLocalDpi xmlns:a14="http://schemas.microsoft.com/office/drawing/2010/main" val="0"/>
                 </a:ext>
                 <a:ext uri="{96DAC541-7B7A-43D3-8B79-37D633B846F1}">
-                  <asvg:svgBlip xmlns="" xmlns:asvg="http://schemas.microsoft.com/office/drawing/2016/SVG/main" r:embed="rId11"/>
+                  <asvg:svgBlip xmlns:asvg="http://schemas.microsoft.com/office/drawing/2016/SVG/main" r:embed="rId11"/>
                 </a:ext>
               </a:extLst>
             </a:blip>
@@ -28593,7 +28258,7 @@
                   <a14:useLocalDpi xmlns:a14="http://schemas.microsoft.com/office/drawing/2010/main" val="0"/>
                 </a:ext>
                 <a:ext uri="{96DAC541-7B7A-43D3-8B79-37D633B846F1}">
-                  <asvg:svgBlip xmlns="" xmlns:asvg="http://schemas.microsoft.com/office/drawing/2016/SVG/main" r:embed="rId13"/>
+                  <asvg:svgBlip xmlns:asvg="http://schemas.microsoft.com/office/drawing/2016/SVG/main" r:embed="rId13"/>
                 </a:ext>
               </a:extLst>
             </a:blip>
@@ -28697,7 +28362,7 @@
                   <a14:useLocalDpi xmlns:a14="http://schemas.microsoft.com/office/drawing/2010/main" val="0"/>
                 </a:ext>
                 <a:ext uri="{96DAC541-7B7A-43D3-8B79-37D633B846F1}">
-                  <asvg:svgBlip xmlns="" xmlns:asvg="http://schemas.microsoft.com/office/drawing/2016/SVG/main" r:embed="rId13"/>
+                  <asvg:svgBlip xmlns:asvg="http://schemas.microsoft.com/office/drawing/2016/SVG/main" r:embed="rId13"/>
                 </a:ext>
               </a:extLst>
             </a:blip>
@@ -28801,7 +28466,7 @@
                   <a14:useLocalDpi xmlns:a14="http://schemas.microsoft.com/office/drawing/2010/main" val="0"/>
                 </a:ext>
                 <a:ext uri="{96DAC541-7B7A-43D3-8B79-37D633B846F1}">
-                  <asvg:svgBlip xmlns="" xmlns:asvg="http://schemas.microsoft.com/office/drawing/2016/SVG/main" r:embed="rId13"/>
+                  <asvg:svgBlip xmlns:asvg="http://schemas.microsoft.com/office/drawing/2016/SVG/main" r:embed="rId13"/>
                 </a:ext>
               </a:extLst>
             </a:blip>
@@ -28874,13 +28539,6 @@
   <p:clrMapOvr>
     <a:masterClrMapping/>
   </p:clrMapOvr>
-  <p:timing>
-    <p:tnLst>
-      <p:par>
-        <p:cTn id="1" dur="indefinite" restart="never" nodeType="tmRoot"/>
-      </p:par>
-    </p:tnLst>
-  </p:timing>
 </p:sld>
 </file>
 
@@ -29125,18 +28783,13 @@
                     <a:p>
                       <a:pPr algn="ctr"/>
                       <a:r>
-                        <a:rPr lang="en-US" dirty="0" smtClean="0">
+                        <a:rPr lang="en-US" dirty="0">
                           <a:solidFill>
                             <a:schemeClr val="bg1"/>
                           </a:solidFill>
                         </a:rPr>
                         <a:t>Refresh Token</a:t>
                       </a:r>
-                      <a:endParaRPr lang="en-US" dirty="0">
-                        <a:solidFill>
-                          <a:schemeClr val="bg1"/>
-                        </a:solidFill>
-                      </a:endParaRPr>
                     </a:p>
                   </a:txBody>
                   <a:tcPr>
@@ -29191,10 +28844,9 @@
                     <a:p>
                       <a:pPr algn="ctr"/>
                       <a:r>
-                        <a:rPr lang="en-US" dirty="0" smtClean="0"/>
+                        <a:rPr lang="en-US" dirty="0"/>
                         <a:t>X</a:t>
                       </a:r>
-                      <a:endParaRPr lang="en-US" dirty="0"/>
                     </a:p>
                   </a:txBody>
                   <a:tcPr/>
@@ -29206,10 +28858,9 @@
                     <a:p>
                       <a:pPr algn="ctr"/>
                       <a:r>
-                        <a:rPr lang="en-US" dirty="0" smtClean="0"/>
+                        <a:rPr lang="en-US" dirty="0"/>
                         <a:t>X</a:t>
                       </a:r>
-                      <a:endParaRPr lang="en-US" dirty="0"/>
                     </a:p>
                   </a:txBody>
                   <a:tcPr/>
@@ -29317,13 +28968,6 @@
   <p:clrMapOvr>
     <a:masterClrMapping/>
   </p:clrMapOvr>
-  <p:timing>
-    <p:tnLst>
-      <p:par>
-        <p:cTn id="1" dur="indefinite" restart="never" nodeType="tmRoot"/>
-      </p:par>
-    </p:tnLst>
-  </p:timing>
 </p:sld>
 </file>
 
@@ -29416,13 +29060,6 @@
   <p:clrMapOvr>
     <a:masterClrMapping/>
   </p:clrMapOvr>
-  <p:timing>
-    <p:tnLst>
-      <p:par>
-        <p:cTn id="1" dur="indefinite" restart="never" nodeType="tmRoot"/>
-      </p:par>
-    </p:tnLst>
-  </p:timing>
 </p:sld>
 </file>
 
@@ -29559,7 +29196,7 @@
                   <a14:useLocalDpi xmlns:a14="http://schemas.microsoft.com/office/drawing/2010/main" val="0"/>
                 </a:ext>
                 <a:ext uri="{96DAC541-7B7A-43D3-8B79-37D633B846F1}">
-                  <asvg:svgBlip xmlns="" xmlns:asvg="http://schemas.microsoft.com/office/drawing/2016/SVG/main" r:embed="rId3"/>
+                  <asvg:svgBlip xmlns:asvg="http://schemas.microsoft.com/office/drawing/2016/SVG/main" r:embed="rId3"/>
                 </a:ext>
               </a:extLst>
             </a:blip>
@@ -29660,7 +29297,7 @@
                   <a14:useLocalDpi xmlns:a14="http://schemas.microsoft.com/office/drawing/2010/main" val="0"/>
                 </a:ext>
                 <a:ext uri="{96DAC541-7B7A-43D3-8B79-37D633B846F1}">
-                  <asvg:svgBlip xmlns="" xmlns:asvg="http://schemas.microsoft.com/office/drawing/2016/SVG/main" r:embed="rId5"/>
+                  <asvg:svgBlip xmlns:asvg="http://schemas.microsoft.com/office/drawing/2016/SVG/main" r:embed="rId5"/>
                 </a:ext>
               </a:extLst>
             </a:blip>
@@ -29785,7 +29422,7 @@
                     <a14:useLocalDpi xmlns:a14="http://schemas.microsoft.com/office/drawing/2010/main" val="0"/>
                   </a:ext>
                   <a:ext uri="{96DAC541-7B7A-43D3-8B79-37D633B846F1}">
-                    <asvg:svgBlip xmlns="" xmlns:asvg="http://schemas.microsoft.com/office/drawing/2016/SVG/main" r:embed="rId7"/>
+                    <asvg:svgBlip xmlns:asvg="http://schemas.microsoft.com/office/drawing/2016/SVG/main" r:embed="rId7"/>
                   </a:ext>
                 </a:extLst>
               </a:blip>
@@ -29824,7 +29461,7 @@
                     <a14:useLocalDpi xmlns:a14="http://schemas.microsoft.com/office/drawing/2010/main" val="0"/>
                   </a:ext>
                   <a:ext uri="{96DAC541-7B7A-43D3-8B79-37D633B846F1}">
-                    <asvg:svgBlip xmlns="" xmlns:asvg="http://schemas.microsoft.com/office/drawing/2016/SVG/main" r:embed="rId9"/>
+                    <asvg:svgBlip xmlns:asvg="http://schemas.microsoft.com/office/drawing/2016/SVG/main" r:embed="rId9"/>
                   </a:ext>
                 </a:extLst>
               </a:blip>
@@ -30664,7 +30301,7 @@
                     <a14:useLocalDpi xmlns:a14="http://schemas.microsoft.com/office/drawing/2010/main" val="0"/>
                   </a:ext>
                   <a:ext uri="{96DAC541-7B7A-43D3-8B79-37D633B846F1}">
-                    <asvg:svgBlip xmlns="" xmlns:asvg="http://schemas.microsoft.com/office/drawing/2016/SVG/main" r:embed="rId9"/>
+                    <asvg:svgBlip xmlns:asvg="http://schemas.microsoft.com/office/drawing/2016/SVG/main" r:embed="rId9"/>
                   </a:ext>
                 </a:extLst>
               </a:blip>
@@ -30704,7 +30341,7 @@
                   <a14:useLocalDpi xmlns:a14="http://schemas.microsoft.com/office/drawing/2010/main" val="0"/>
                 </a:ext>
                 <a:ext uri="{96DAC541-7B7A-43D3-8B79-37D633B846F1}">
-                  <asvg:svgBlip xmlns="" xmlns:asvg="http://schemas.microsoft.com/office/drawing/2016/SVG/main" r:embed="rId11"/>
+                  <asvg:svgBlip xmlns:asvg="http://schemas.microsoft.com/office/drawing/2016/SVG/main" r:embed="rId11"/>
                 </a:ext>
               </a:extLst>
             </a:blip>
@@ -30938,7 +30575,7 @@
                   <a14:useLocalDpi xmlns:a14="http://schemas.microsoft.com/office/drawing/2010/main" val="0"/>
                 </a:ext>
                 <a:ext uri="{96DAC541-7B7A-43D3-8B79-37D633B846F1}">
-                  <asvg:svgBlip xmlns="" xmlns:asvg="http://schemas.microsoft.com/office/drawing/2016/SVG/main" r:embed="rId13"/>
+                  <asvg:svgBlip xmlns:asvg="http://schemas.microsoft.com/office/drawing/2016/SVG/main" r:embed="rId13"/>
                 </a:ext>
               </a:extLst>
             </a:blip>
@@ -31042,7 +30679,7 @@
                   <a14:useLocalDpi xmlns:a14="http://schemas.microsoft.com/office/drawing/2010/main" val="0"/>
                 </a:ext>
                 <a:ext uri="{96DAC541-7B7A-43D3-8B79-37D633B846F1}">
-                  <asvg:svgBlip xmlns="" xmlns:asvg="http://schemas.microsoft.com/office/drawing/2016/SVG/main" r:embed="rId13"/>
+                  <asvg:svgBlip xmlns:asvg="http://schemas.microsoft.com/office/drawing/2016/SVG/main" r:embed="rId13"/>
                 </a:ext>
               </a:extLst>
             </a:blip>
@@ -31146,7 +30783,7 @@
                   <a14:useLocalDpi xmlns:a14="http://schemas.microsoft.com/office/drawing/2010/main" val="0"/>
                 </a:ext>
                 <a:ext uri="{96DAC541-7B7A-43D3-8B79-37D633B846F1}">
-                  <asvg:svgBlip xmlns="" xmlns:asvg="http://schemas.microsoft.com/office/drawing/2016/SVG/main" r:embed="rId13"/>
+                  <asvg:svgBlip xmlns:asvg="http://schemas.microsoft.com/office/drawing/2016/SVG/main" r:embed="rId13"/>
                 </a:ext>
               </a:extLst>
             </a:blip>
@@ -31269,13 +30906,6 @@
   <p:clrMapOvr>
     <a:masterClrMapping/>
   </p:clrMapOvr>
-  <p:timing>
-    <p:tnLst>
-      <p:par>
-        <p:cTn id="1" dur="indefinite" restart="never" nodeType="tmRoot"/>
-      </p:par>
-    </p:tnLst>
-  </p:timing>
 </p:sld>
 </file>
 
@@ -31516,7 +31146,7 @@
                     <a:p>
                       <a:pPr algn="ctr"/>
                       <a:r>
-                        <a:rPr lang="en-US" dirty="0" smtClean="0">
+                        <a:rPr lang="en-US" dirty="0">
                           <a:solidFill>
                             <a:schemeClr val="bg1"/>
                           </a:solidFill>
@@ -31524,7 +31154,7 @@
                         <a:t>Refresh</a:t>
                       </a:r>
                       <a:r>
-                        <a:rPr lang="en-US" baseline="0" dirty="0" smtClean="0">
+                        <a:rPr lang="en-US" baseline="0" dirty="0">
                           <a:solidFill>
                             <a:schemeClr val="bg1"/>
                           </a:solidFill>
@@ -31579,7 +31209,7 @@
                     <a:p>
                       <a:pPr algn="ctr"/>
                       <a:r>
-                        <a:rPr lang="de-AT" dirty="0" smtClean="0"/>
+                        <a:rPr lang="de-AT" dirty="0"/>
                         <a:t>X</a:t>
                       </a:r>
                       <a:endParaRPr lang="en-US" dirty="0"/>
@@ -31594,7 +31224,7 @@
                     <a:p>
                       <a:pPr algn="ctr"/>
                       <a:r>
-                        <a:rPr lang="de-AT" dirty="0" smtClean="0"/>
+                        <a:rPr lang="de-AT" dirty="0"/>
                         <a:t>X</a:t>
                       </a:r>
                       <a:endParaRPr lang="en-US" dirty="0"/>
@@ -31609,7 +31239,7 @@
                     <a:p>
                       <a:pPr algn="ctr"/>
                       <a:r>
-                        <a:rPr lang="de-AT" dirty="0" smtClean="0"/>
+                        <a:rPr lang="de-AT" dirty="0"/>
                         <a:t>X</a:t>
                       </a:r>
                       <a:endParaRPr lang="en-US" dirty="0"/>
@@ -31674,7 +31304,7 @@
                     <a:p>
                       <a:pPr algn="ctr"/>
                       <a:r>
-                        <a:rPr lang="de-AT" dirty="0" smtClean="0"/>
+                        <a:rPr lang="de-AT" dirty="0"/>
                         <a:t>X</a:t>
                       </a:r>
                       <a:endParaRPr lang="en-US" dirty="0"/>
@@ -31689,7 +31319,7 @@
                     <a:p>
                       <a:pPr algn="ctr"/>
                       <a:r>
-                        <a:rPr lang="de-AT" dirty="0" smtClean="0"/>
+                        <a:rPr lang="de-AT" dirty="0"/>
                         <a:t>X</a:t>
                       </a:r>
                       <a:endParaRPr lang="en-US" dirty="0"/>
@@ -31704,10 +31334,9 @@
                     <a:p>
                       <a:pPr algn="ctr"/>
                       <a:r>
-                        <a:rPr lang="en-US" dirty="0" smtClean="0"/>
+                        <a:rPr lang="en-US" dirty="0"/>
                         <a:t>X</a:t>
                       </a:r>
-                      <a:endParaRPr lang="en-US" dirty="0"/>
                     </a:p>
                   </a:txBody>
                   <a:tcPr/>
@@ -31732,13 +31361,6 @@
   <p:clrMapOvr>
     <a:masterClrMapping/>
   </p:clrMapOvr>
-  <p:timing>
-    <p:tnLst>
-      <p:par>
-        <p:cTn id="1" dur="indefinite" restart="never" nodeType="tmRoot"/>
-      </p:par>
-    </p:tnLst>
-  </p:timing>
 </p:sld>
 </file>
 
@@ -32974,57 +32596,42 @@
           </a:p>
         </p:txBody>
       </p:sp>
-      <mc:AlternateContent xmlns:mc="http://schemas.openxmlformats.org/markup-compatibility/2006" xmlns:p14="http://schemas.microsoft.com/office/powerpoint/2010/main">
-        <mc:Choice Requires="p14">
-          <p:contentPart p14:bwMode="auto" r:id="rId2">
-            <p14:nvContentPartPr>
-              <p14:cNvPr id="19" name="Ink 18">
-                <a:extLst>
-                  <a:ext uri="{FF2B5EF4-FFF2-40B4-BE49-F238E27FC236}">
-                    <a16:creationId xmlns:a16="http://schemas.microsoft.com/office/drawing/2014/main" id="{C9B00EE8-C140-41B1-A01B-2BD3ED2CC956}"/>
-                  </a:ext>
-                </a:extLst>
-              </p14:cNvPr>
-              <p14:cNvContentPartPr/>
-              <p14:nvPr/>
-            </p14:nvContentPartPr>
-            <p14:xfrm>
-              <a:off x="1775880" y="5457990"/>
-              <a:ext cx="2341440" cy="1124280"/>
-            </p14:xfrm>
-          </p:contentPart>
-        </mc:Choice>
-        <mc:Fallback xmlns="">
-          <p:pic>
-            <p:nvPicPr>
-              <p:cNvPr id="19" name="Ink 18">
-                <a:extLst>
-                  <a:ext uri="{FF2B5EF4-FFF2-40B4-BE49-F238E27FC236}">
-                    <a16:creationId xmlns:a16="http://schemas.microsoft.com/office/drawing/2014/main" id="{C9B00EE8-C140-41B1-A01B-2BD3ED2CC956}"/>
-                  </a:ext>
-                </a:extLst>
-              </p:cNvPr>
-              <p:cNvPicPr/>
-              <p:nvPr/>
-            </p:nvPicPr>
-            <p:blipFill>
-              <a:blip r:embed="rId3"/>
-              <a:stretch>
-                <a:fillRect/>
-              </a:stretch>
-            </p:blipFill>
-            <p:spPr>
-              <a:xfrm>
-                <a:off x="1766879" y="5449350"/>
-                <a:ext cx="2359083" cy="1141920"/>
-              </a:xfrm>
-              <a:prstGeom prst="rect">
-                <a:avLst/>
-              </a:prstGeom>
-            </p:spPr>
-          </p:pic>
-        </mc:Fallback>
-      </mc:AlternateContent>
+      <p:pic>
+        <p:nvPicPr>
+          <p:cNvPr id="4" name="Picture 3" descr="A close up of a sign&#10;&#10;Description automatically generated">
+            <a:extLst>
+              <a:ext uri="{FF2B5EF4-FFF2-40B4-BE49-F238E27FC236}">
+                <a16:creationId xmlns:a16="http://schemas.microsoft.com/office/drawing/2014/main" id="{52239A03-5121-43DF-974E-07714B5662E4}"/>
+              </a:ext>
+            </a:extLst>
+          </p:cNvPr>
+          <p:cNvPicPr>
+            <a:picLocks noChangeAspect="1"/>
+          </p:cNvPicPr>
+          <p:nvPr/>
+        </p:nvPicPr>
+        <p:blipFill>
+          <a:blip r:embed="rId2">
+            <a:extLst>
+              <a:ext uri="{28A0092B-C50C-407E-A947-70E740481C1C}">
+                <a14:useLocalDpi xmlns:a14="http://schemas.microsoft.com/office/drawing/2010/main" val="0"/>
+              </a:ext>
+            </a:extLst>
+          </a:blip>
+          <a:stretch>
+            <a:fillRect/>
+          </a:stretch>
+        </p:blipFill>
+        <p:spPr>
+          <a:xfrm>
+            <a:off x="1760409" y="5309658"/>
+            <a:ext cx="2494678" cy="1379818"/>
+          </a:xfrm>
+          <a:prstGeom prst="rect">
+            <a:avLst/>
+          </a:prstGeom>
+        </p:spPr>
+      </p:pic>
     </p:spTree>
     <p:extLst>
       <p:ext uri="{BB962C8B-B14F-4D97-AF65-F5344CB8AC3E}">
@@ -33069,7 +32676,7 @@
                                           </p:stCondLst>
                                         </p:cTn>
                                         <p:tgtEl>
-                                          <p:spTgt spid="19"/>
+                                          <p:spTgt spid="4"/>
                                         </p:tgtEl>
                                         <p:attrNameLst>
                                           <p:attrName>style.visibility</p:attrName>
@@ -34316,13 +33923,6 @@
   <p:clrMapOvr>
     <a:masterClrMapping/>
   </p:clrMapOvr>
-  <p:timing>
-    <p:tnLst>
-      <p:par>
-        <p:cTn id="1" dur="indefinite" restart="never" nodeType="tmRoot"/>
-      </p:par>
-    </p:tnLst>
-  </p:timing>
 </p:sld>
 </file>
 
@@ -34422,7 +34022,7 @@
                   <a14:useLocalDpi xmlns:a14="http://schemas.microsoft.com/office/drawing/2010/main" val="0"/>
                 </a:ext>
                 <a:ext uri="{96DAC541-7B7A-43D3-8B79-37D633B846F1}">
-                  <asvg:svgBlip xmlns="" xmlns:asvg="http://schemas.microsoft.com/office/drawing/2016/SVG/main" r:embed="rId3"/>
+                  <asvg:svgBlip xmlns:asvg="http://schemas.microsoft.com/office/drawing/2016/SVG/main" r:embed="rId3"/>
                 </a:ext>
               </a:extLst>
             </a:blip>
@@ -34523,7 +34123,7 @@
                   <a14:useLocalDpi xmlns:a14="http://schemas.microsoft.com/office/drawing/2010/main" val="0"/>
                 </a:ext>
                 <a:ext uri="{96DAC541-7B7A-43D3-8B79-37D633B846F1}">
-                  <asvg:svgBlip xmlns="" xmlns:asvg="http://schemas.microsoft.com/office/drawing/2016/SVG/main" r:embed="rId5"/>
+                  <asvg:svgBlip xmlns:asvg="http://schemas.microsoft.com/office/drawing/2016/SVG/main" r:embed="rId5"/>
                 </a:ext>
               </a:extLst>
             </a:blip>
@@ -34648,7 +34248,7 @@
                     <a14:useLocalDpi xmlns:a14="http://schemas.microsoft.com/office/drawing/2010/main" val="0"/>
                   </a:ext>
                   <a:ext uri="{96DAC541-7B7A-43D3-8B79-37D633B846F1}">
-                    <asvg:svgBlip xmlns="" xmlns:asvg="http://schemas.microsoft.com/office/drawing/2016/SVG/main" r:embed="rId7"/>
+                    <asvg:svgBlip xmlns:asvg="http://schemas.microsoft.com/office/drawing/2016/SVG/main" r:embed="rId7"/>
                   </a:ext>
                 </a:extLst>
               </a:blip>
@@ -34687,7 +34287,7 @@
                     <a14:useLocalDpi xmlns:a14="http://schemas.microsoft.com/office/drawing/2010/main" val="0"/>
                   </a:ext>
                   <a:ext uri="{96DAC541-7B7A-43D3-8B79-37D633B846F1}">
-                    <asvg:svgBlip xmlns="" xmlns:asvg="http://schemas.microsoft.com/office/drawing/2016/SVG/main" r:embed="rId9"/>
+                    <asvg:svgBlip xmlns:asvg="http://schemas.microsoft.com/office/drawing/2016/SVG/main" r:embed="rId9"/>
                   </a:ext>
                 </a:extLst>
               </a:blip>
@@ -34792,11 +34392,7 @@
             <a:pPr algn="ctr"/>
             <a:r>
               <a:rPr lang="de-AT" dirty="0"/>
-              <a:t>1. Login </a:t>
-            </a:r>
-            <a:r>
-              <a:rPr lang="de-AT" dirty="0" smtClean="0"/>
-              <a:t>Anfrage</a:t>
+              <a:t>1. Login Anfrage</a:t>
             </a:r>
             <a:endParaRPr lang="en-US" dirty="0"/>
           </a:p>
@@ -34915,15 +34511,15 @@
             <a:p>
               <a:pPr algn="ctr"/>
               <a:r>
-                <a:rPr lang="de-AT" dirty="0" smtClean="0"/>
+                <a:rPr lang="de-AT" dirty="0"/>
                 <a:t>2. Redirect zu </a:t>
               </a:r>
               <a:r>
-                <a:rPr lang="de-AT" i="1" dirty="0" err="1" smtClean="0"/>
+                <a:rPr lang="de-AT" i="1" dirty="0" err="1"/>
                 <a:t>Authorization</a:t>
               </a:r>
               <a:r>
-                <a:rPr lang="de-AT" i="1" dirty="0" smtClean="0"/>
+                <a:rPr lang="de-AT" i="1" dirty="0"/>
                 <a:t> Server + Code Challenge</a:t>
               </a:r>
               <a:endParaRPr lang="en-US" i="1" dirty="0"/>
@@ -35035,35 +34631,35 @@
             <a:p>
               <a:pPr algn="ctr"/>
               <a:r>
-                <a:rPr lang="de-AT" dirty="0" smtClean="0"/>
+                <a:rPr lang="de-AT" dirty="0"/>
                 <a:t>7. </a:t>
               </a:r>
               <a:r>
-                <a:rPr lang="de-AT" i="1" dirty="0" smtClean="0"/>
+                <a:rPr lang="de-AT" i="1" dirty="0"/>
                 <a:t>Client</a:t>
               </a:r>
               <a:r>
-                <a:rPr lang="de-AT" dirty="0" smtClean="0"/>
+                <a:rPr lang="de-AT" dirty="0"/>
                 <a:t> </a:t>
               </a:r>
               <a:r>
-                <a:rPr lang="de-AT" dirty="0" err="1" smtClean="0"/>
+                <a:rPr lang="de-AT" dirty="0" err="1"/>
                 <a:t>authorisiert</a:t>
               </a:r>
               <a:r>
-                <a:rPr lang="de-AT" dirty="0" smtClean="0"/>
+                <a:rPr lang="de-AT" dirty="0"/>
                 <a:t> sich mit </a:t>
               </a:r>
               <a:r>
-                <a:rPr lang="de-AT" i="1" dirty="0" err="1" smtClean="0"/>
+                <a:rPr lang="de-AT" i="1" dirty="0" err="1"/>
                 <a:t>Authorization</a:t>
               </a:r>
               <a:r>
-                <a:rPr lang="de-AT" i="1" dirty="0" smtClean="0"/>
+                <a:rPr lang="de-AT" i="1" dirty="0"/>
                 <a:t> Code und Code </a:t>
               </a:r>
               <a:r>
-                <a:rPr lang="de-AT" i="1" dirty="0" err="1" smtClean="0"/>
+                <a:rPr lang="de-AT" i="1" dirty="0" err="1"/>
                 <a:t>Verifier</a:t>
               </a:r>
               <a:endParaRPr lang="en-US" i="1" dirty="0"/>
@@ -35535,7 +35131,7 @@
                     <a14:useLocalDpi xmlns:a14="http://schemas.microsoft.com/office/drawing/2010/main" val="0"/>
                   </a:ext>
                   <a:ext uri="{96DAC541-7B7A-43D3-8B79-37D633B846F1}">
-                    <asvg:svgBlip xmlns="" xmlns:asvg="http://schemas.microsoft.com/office/drawing/2016/SVG/main" r:embed="rId9"/>
+                    <asvg:svgBlip xmlns:asvg="http://schemas.microsoft.com/office/drawing/2016/SVG/main" r:embed="rId9"/>
                   </a:ext>
                 </a:extLst>
               </a:blip>
@@ -35575,7 +35171,7 @@
                   <a14:useLocalDpi xmlns:a14="http://schemas.microsoft.com/office/drawing/2010/main" val="0"/>
                 </a:ext>
                 <a:ext uri="{96DAC541-7B7A-43D3-8B79-37D633B846F1}">
-                  <asvg:svgBlip xmlns="" xmlns:asvg="http://schemas.microsoft.com/office/drawing/2016/SVG/main" r:embed="rId11"/>
+                  <asvg:svgBlip xmlns:asvg="http://schemas.microsoft.com/office/drawing/2016/SVG/main" r:embed="rId11"/>
                 </a:ext>
               </a:extLst>
             </a:blip>
@@ -35809,7 +35405,7 @@
                   <a14:useLocalDpi xmlns:a14="http://schemas.microsoft.com/office/drawing/2010/main" val="0"/>
                 </a:ext>
                 <a:ext uri="{96DAC541-7B7A-43D3-8B79-37D633B846F1}">
-                  <asvg:svgBlip xmlns="" xmlns:asvg="http://schemas.microsoft.com/office/drawing/2016/SVG/main" r:embed="rId13"/>
+                  <asvg:svgBlip xmlns:asvg="http://schemas.microsoft.com/office/drawing/2016/SVG/main" r:embed="rId13"/>
                 </a:ext>
               </a:extLst>
             </a:blip>
@@ -35913,7 +35509,7 @@
                   <a14:useLocalDpi xmlns:a14="http://schemas.microsoft.com/office/drawing/2010/main" val="0"/>
                 </a:ext>
                 <a:ext uri="{96DAC541-7B7A-43D3-8B79-37D633B846F1}">
-                  <asvg:svgBlip xmlns="" xmlns:asvg="http://schemas.microsoft.com/office/drawing/2016/SVG/main" r:embed="rId13"/>
+                  <asvg:svgBlip xmlns:asvg="http://schemas.microsoft.com/office/drawing/2016/SVG/main" r:embed="rId13"/>
                 </a:ext>
               </a:extLst>
             </a:blip>
@@ -36108,7 +35704,7 @@
                   <a14:useLocalDpi xmlns:a14="http://schemas.microsoft.com/office/drawing/2010/main" val="0"/>
                 </a:ext>
                 <a:ext uri="{96DAC541-7B7A-43D3-8B79-37D633B846F1}">
-                  <asvg:svgBlip xmlns="" xmlns:asvg="http://schemas.microsoft.com/office/drawing/2016/SVG/main" r:embed="rId13"/>
+                  <asvg:svgBlip xmlns:asvg="http://schemas.microsoft.com/office/drawing/2016/SVG/main" r:embed="rId13"/>
                 </a:ext>
               </a:extLst>
             </a:blip>
@@ -36181,13 +35777,6 @@
   <p:clrMapOvr>
     <a:masterClrMapping/>
   </p:clrMapOvr>
-  <p:timing>
-    <p:tnLst>
-      <p:par>
-        <p:cTn id="1" dur="indefinite" restart="never" nodeType="tmRoot"/>
-      </p:par>
-    </p:tnLst>
-  </p:timing>
 </p:sld>
 </file>
 
@@ -36230,8 +35819,12 @@
           <a:lstStyle/>
           <a:p>
             <a:r>
+              <a:rPr lang="de-AT" dirty="0" err="1"/>
+              <a:t>Authorization</a:t>
+            </a:r>
+            <a:r>
               <a:rPr lang="de-AT" dirty="0"/>
-              <a:t>Zusammenfassung Grant/Flow Features</a:t>
+              <a:t> Code Grant (PKCE)</a:t>
             </a:r>
             <a:endParaRPr lang="en-US" dirty="0"/>
           </a:p>
@@ -36250,16 +35843,12 @@
             <a:graphicFrameLocks noGrp="1"/>
           </p:cNvGraphicFramePr>
           <p:nvPr>
-            <p:extLst>
-              <p:ext uri="{D42A27DB-BD31-4B8C-83A1-F6EECF244321}">
-                <p14:modId xmlns:p14="http://schemas.microsoft.com/office/powerpoint/2010/main" val="3433360073"/>
-              </p:ext>
-            </p:extLst>
+            <p:extLst/>
           </p:nvPr>
         </p:nvGraphicFramePr>
         <p:xfrm>
-          <a:off x="838200" y="1526129"/>
-          <a:ext cx="10440000" cy="4963982"/>
+          <a:off x="2032000" y="2872740"/>
+          <a:ext cx="8128000" cy="1381760"/>
         </p:xfrm>
         <a:graphic>
           <a:graphicData uri="http://schemas.openxmlformats.org/drawingml/2006/table">
@@ -36268,112 +35857,43 @@
                 <a:tableStyleId>{5940675A-B579-460E-94D1-54222C63F5DA}</a:tableStyleId>
               </a:tblPr>
               <a:tblGrid>
-                <a:gridCol w="1740000">
+                <a:gridCol w="1625600">
                   <a:extLst>
                     <a:ext uri="{9D8B030D-6E8A-4147-A177-3AD203B41FA5}">
                       <a16:colId xmlns:a16="http://schemas.microsoft.com/office/drawing/2014/main" val="1929636500"/>
                     </a:ext>
                   </a:extLst>
                 </a:gridCol>
-                <a:gridCol w="1740000">
-                  <a:extLst>
-                    <a:ext uri="{9D8B030D-6E8A-4147-A177-3AD203B41FA5}">
-                      <a16:colId xmlns:a16="http://schemas.microsoft.com/office/drawing/2014/main" val="395898648"/>
-                    </a:ext>
-                  </a:extLst>
-                </a:gridCol>
-                <a:gridCol w="1740000">
-                  <a:extLst>
-                    <a:ext uri="{9D8B030D-6E8A-4147-A177-3AD203B41FA5}">
-                      <a16:colId xmlns:a16="http://schemas.microsoft.com/office/drawing/2014/main" val="1690800767"/>
-                    </a:ext>
-                  </a:extLst>
-                </a:gridCol>
-                <a:gridCol w="1740000">
+                <a:gridCol w="1625600">
                   <a:extLst>
                     <a:ext uri="{9D8B030D-6E8A-4147-A177-3AD203B41FA5}">
                       <a16:colId xmlns:a16="http://schemas.microsoft.com/office/drawing/2014/main" val="3240070001"/>
                     </a:ext>
                   </a:extLst>
                 </a:gridCol>
-                <a:gridCol w="1740000">
+                <a:gridCol w="1625600">
                   <a:extLst>
                     <a:ext uri="{9D8B030D-6E8A-4147-A177-3AD203B41FA5}">
                       <a16:colId xmlns:a16="http://schemas.microsoft.com/office/drawing/2014/main" val="116783287"/>
                     </a:ext>
                   </a:extLst>
                 </a:gridCol>
-                <a:gridCol w="1740000">
+                <a:gridCol w="1625600">
                   <a:extLst>
                     <a:ext uri="{9D8B030D-6E8A-4147-A177-3AD203B41FA5}">
                       <a16:colId xmlns:a16="http://schemas.microsoft.com/office/drawing/2014/main" val="492657174"/>
                     </a:ext>
                   </a:extLst>
                 </a:gridCol>
+                <a:gridCol w="1625600">
+                  <a:extLst>
+                    <a:ext uri="{9D8B030D-6E8A-4147-A177-3AD203B41FA5}">
+                      <a16:colId xmlns:a16="http://schemas.microsoft.com/office/drawing/2014/main" val="2921898879"/>
+                    </a:ext>
+                  </a:extLst>
+                </a:gridCol>
               </a:tblGrid>
-              <a:tr h="741182">
-                <a:tc>
-                  <a:txBody>
-                    <a:bodyPr/>
-                    <a:lstStyle/>
-                    <a:p>
-                      <a:pPr algn="ctr"/>
-                      <a:endParaRPr lang="en-US" dirty="0">
-                        <a:solidFill>
-                          <a:schemeClr val="bg1"/>
-                        </a:solidFill>
-                      </a:endParaRPr>
-                    </a:p>
-                  </a:txBody>
-                  <a:tcPr anchor="ctr">
-                    <a:solidFill>
-                      <a:schemeClr val="tx1"/>
-                    </a:solidFill>
-                  </a:tcPr>
-                </a:tc>
-                <a:tc>
-                  <a:txBody>
-                    <a:bodyPr/>
-                    <a:lstStyle/>
-                    <a:p>
-                      <a:pPr algn="ctr"/>
-                      <a:r>
-                        <a:rPr lang="de-AT" dirty="0">
-                          <a:solidFill>
-                            <a:schemeClr val="bg1"/>
-                          </a:solidFill>
-                        </a:rPr>
-                        <a:t>Client </a:t>
-                      </a:r>
-                      <a:r>
-                        <a:rPr lang="de-AT" dirty="0" err="1">
-                          <a:solidFill>
-                            <a:schemeClr val="bg1"/>
-                          </a:solidFill>
-                        </a:rPr>
-                        <a:t>Credential</a:t>
-                      </a:r>
-                      <a:r>
-                        <a:rPr lang="de-AT" dirty="0">
-                          <a:solidFill>
-                            <a:schemeClr val="bg1"/>
-                          </a:solidFill>
-                        </a:rPr>
-                        <a:t> Grant</a:t>
-                      </a:r>
-                      <a:endParaRPr lang="en-US" dirty="0">
-                        <a:solidFill>
-                          <a:schemeClr val="bg1"/>
-                        </a:solidFill>
-                      </a:endParaRPr>
-                    </a:p>
-                  </a:txBody>
-                  <a:tcPr anchor="ctr">
-                    <a:solidFill>
-                      <a:schemeClr val="tx1"/>
-                    </a:solidFill>
-                  </a:tcPr>
-                </a:tc>
+              <a:tr h="370840">
                 <a:tc>
                   <a:txBody>
                     <a:bodyPr/>
@@ -36386,31 +35906,7 @@
                             <a:schemeClr val="bg1"/>
                           </a:solidFill>
                         </a:rPr>
-                        <a:t>Resource</a:t>
-                      </a:r>
-                      <a:r>
-                        <a:rPr lang="de-AT" dirty="0">
-                          <a:solidFill>
-                            <a:schemeClr val="bg1"/>
-                          </a:solidFill>
-                        </a:rPr>
-                        <a:t> </a:t>
-                      </a:r>
-                      <a:r>
-                        <a:rPr lang="de-AT" dirty="0" err="1">
-                          <a:solidFill>
-                            <a:schemeClr val="bg1"/>
-                          </a:solidFill>
-                        </a:rPr>
-                        <a:t>Owner</a:t>
-                      </a:r>
-                      <a:r>
-                        <a:rPr lang="de-AT" dirty="0">
-                          <a:solidFill>
-                            <a:schemeClr val="bg1"/>
-                          </a:solidFill>
-                        </a:rPr>
-                        <a:t> Grant</a:t>
+                        <a:t>Endpoint</a:t>
                       </a:r>
                       <a:endParaRPr lang="en-US" dirty="0">
                         <a:solidFill>
@@ -36419,7 +35915,7 @@
                       </a:endParaRPr>
                     </a:p>
                   </a:txBody>
-                  <a:tcPr anchor="ctr">
+                  <a:tcPr>
                     <a:solidFill>
                       <a:schemeClr val="tx1"/>
                     </a:solidFill>
@@ -36445,7 +35941,7 @@
                             <a:schemeClr val="bg1"/>
                           </a:solidFill>
                         </a:rPr>
-                        <a:t> Code Grant</a:t>
+                        <a:t> Code</a:t>
                       </a:r>
                       <a:endParaRPr lang="en-US" dirty="0">
                         <a:solidFill>
@@ -36454,42 +35950,7 @@
                       </a:endParaRPr>
                     </a:p>
                   </a:txBody>
-                  <a:tcPr anchor="ctr">
-                    <a:solidFill>
-                      <a:schemeClr val="tx1"/>
-                    </a:solidFill>
-                  </a:tcPr>
-                </a:tc>
-                <a:tc>
-                  <a:txBody>
-                    <a:bodyPr/>
-                    <a:lstStyle/>
-                    <a:p>
-                      <a:pPr algn="ctr"/>
-                      <a:r>
-                        <a:rPr lang="de-AT" dirty="0" err="1">
-                          <a:solidFill>
-                            <a:schemeClr val="bg1"/>
-                          </a:solidFill>
-                        </a:rPr>
-                        <a:t>Implict</a:t>
-                      </a:r>
-                      <a:r>
-                        <a:rPr lang="de-AT" dirty="0">
-                          <a:solidFill>
-                            <a:schemeClr val="bg1"/>
-                          </a:solidFill>
-                        </a:rPr>
-                        <a:t> Grant</a:t>
-                      </a:r>
-                      <a:endParaRPr lang="en-US" dirty="0">
-                        <a:solidFill>
-                          <a:schemeClr val="bg1"/>
-                        </a:solidFill>
-                      </a:endParaRPr>
-                    </a:p>
-                  </a:txBody>
-                  <a:tcPr anchor="ctr">
+                  <a:tcPr>
                     <a:solidFill>
                       <a:schemeClr val="tx1"/>
                     </a:solidFill>
@@ -36507,7 +35968,7 @@
                             <a:schemeClr val="bg1"/>
                           </a:solidFill>
                         </a:rPr>
-                        <a:t>Hybrid Flow</a:t>
+                        <a:t>Access Token</a:t>
                       </a:r>
                       <a:endParaRPr lang="en-US" dirty="0">
                         <a:solidFill>
@@ -36516,7 +35977,56 @@
                       </a:endParaRPr>
                     </a:p>
                   </a:txBody>
-                  <a:tcPr anchor="ctr">
+                  <a:tcPr>
+                    <a:solidFill>
+                      <a:schemeClr val="tx1"/>
+                    </a:solidFill>
+                  </a:tcPr>
+                </a:tc>
+                <a:tc>
+                  <a:txBody>
+                    <a:bodyPr/>
+                    <a:lstStyle/>
+                    <a:p>
+                      <a:pPr algn="ctr"/>
+                      <a:r>
+                        <a:rPr lang="de-AT" dirty="0">
+                          <a:solidFill>
+                            <a:schemeClr val="bg1"/>
+                          </a:solidFill>
+                        </a:rPr>
+                        <a:t>ID Token</a:t>
+                      </a:r>
+                      <a:endParaRPr lang="en-US" dirty="0">
+                        <a:solidFill>
+                          <a:schemeClr val="bg1"/>
+                        </a:solidFill>
+                      </a:endParaRPr>
+                    </a:p>
+                  </a:txBody>
+                  <a:tcPr>
+                    <a:solidFill>
+                      <a:schemeClr val="tx1"/>
+                    </a:solidFill>
+                  </a:tcPr>
+                </a:tc>
+                <a:tc>
+                  <a:txBody>
+                    <a:bodyPr/>
+                    <a:lstStyle/>
+                    <a:p>
+                      <a:pPr algn="ctr"/>
+                      <a:r>
+                        <a:rPr lang="en-US" dirty="0">
+                          <a:solidFill>
+                            <a:schemeClr val="bg1"/>
+                          </a:solidFill>
+                        </a:rPr>
+                        <a:t>Refresh Token</a:t>
+                      </a:r>
+                    </a:p>
+                  </a:txBody>
+                  <a:tcPr>
                     <a:solidFill>
                       <a:schemeClr val="tx1"/>
                     </a:solidFill>
@@ -36528,7 +36038,7 @@
                   </a:ext>
                 </a:extLst>
               </a:tr>
-              <a:tr h="911636">
+              <a:tr h="370840">
                 <a:tc>
                   <a:txBody>
                     <a:bodyPr/>
@@ -36536,21 +36046,13 @@
                     <a:p>
                       <a:pPr algn="ctr"/>
                       <a:r>
-                        <a:rPr lang="de-AT" dirty="0"/>
-                        <a:t>Alle Tokens von </a:t>
-                      </a:r>
-                      <a:r>
-                        <a:rPr lang="de-AT" i="1" dirty="0" err="1"/>
+                        <a:rPr lang="de-AT" dirty="0" err="1"/>
                         <a:t>Authorization</a:t>
                       </a:r>
-                      <a:r>
-                        <a:rPr lang="de-AT" i="1" dirty="0"/>
-                        <a:t> Endpunkt</a:t>
-                      </a:r>
-                      <a:endParaRPr lang="en-US" i="1" dirty="0"/>
+                      <a:endParaRPr lang="en-US" dirty="0"/>
                     </a:p>
                   </a:txBody>
-                  <a:tcPr anchor="ctr">
+                  <a:tcPr>
                     <a:solidFill>
                       <a:schemeClr val="bg1">
                         <a:lumMod val="85000"/>
@@ -36571,7 +36073,79 @@
                       <a:endParaRPr lang="en-US" dirty="0"/>
                     </a:p>
                   </a:txBody>
-                  <a:tcPr anchor="ctr"/>
+                  <a:tcPr/>
+                </a:tc>
+                <a:tc>
+                  <a:txBody>
+                    <a:bodyPr/>
+                    <a:lstStyle/>
+                    <a:p>
+                      <a:pPr algn="ctr"/>
+                      <a:endParaRPr lang="en-US" dirty="0"/>
+                    </a:p>
+                  </a:txBody>
+                  <a:tcPr/>
+                </a:tc>
+                <a:tc>
+                  <a:txBody>
+                    <a:bodyPr/>
+                    <a:lstStyle/>
+                    <a:p>
+                      <a:pPr algn="ctr"/>
+                      <a:endParaRPr lang="en-US" dirty="0"/>
+                    </a:p>
+                  </a:txBody>
+                  <a:tcPr/>
+                </a:tc>
+                <a:tc>
+                  <a:txBody>
+                    <a:bodyPr/>
+                    <a:lstStyle/>
+                    <a:p>
+                      <a:pPr algn="ctr"/>
+                      <a:endParaRPr lang="en-US" dirty="0"/>
+                    </a:p>
+                  </a:txBody>
+                  <a:tcPr/>
+                </a:tc>
+                <a:extLst>
+                  <a:ext uri="{0D108BD9-81ED-4DB2-BD59-A6C34878D82A}">
+                    <a16:rowId xmlns:a16="http://schemas.microsoft.com/office/drawing/2014/main" val="1320869910"/>
+                  </a:ext>
+                </a:extLst>
+              </a:tr>
+              <a:tr h="370840">
+                <a:tc>
+                  <a:txBody>
+                    <a:bodyPr/>
+                    <a:lstStyle/>
+                    <a:p>
+                      <a:pPr algn="ctr"/>
+                      <a:r>
+                        <a:rPr lang="de-AT" dirty="0"/>
+                        <a:t>Token</a:t>
+                      </a:r>
+                      <a:endParaRPr lang="en-US" dirty="0"/>
+                    </a:p>
+                  </a:txBody>
+                  <a:tcPr>
+                    <a:solidFill>
+                      <a:schemeClr val="bg1">
+                        <a:lumMod val="85000"/>
+                      </a:schemeClr>
+                    </a:solidFill>
+                  </a:tcPr>
+                </a:tc>
+                <a:tc>
+                  <a:txBody>
+                    <a:bodyPr/>
+                    <a:lstStyle/>
+                    <a:p>
+                      <a:pPr algn="ctr"/>
+                      <a:endParaRPr lang="en-US" dirty="0"/>
+                    </a:p>
+                  </a:txBody>
+                  <a:tcPr/>
                 </a:tc>
                 <a:tc>
                   <a:txBody>
@@ -36586,7 +36160,7 @@
                       <a:endParaRPr lang="en-US" dirty="0"/>
                     </a:p>
                   </a:txBody>
-                  <a:tcPr anchor="ctr"/>
+                  <a:tcPr/>
                 </a:tc>
                 <a:tc>
                   <a:txBody>
@@ -36601,7 +36175,7 @@
                       <a:endParaRPr lang="en-US" dirty="0"/>
                     </a:p>
                   </a:txBody>
-                  <a:tcPr anchor="ctr"/>
+                  <a:tcPr/>
                 </a:tc>
                 <a:tc>
                   <a:txBody>
@@ -36610,519 +36184,16 @@
                     <a:p>
                       <a:pPr algn="ctr"/>
                       <a:r>
-                        <a:rPr lang="de-AT" dirty="0"/>
-                        <a:t>Ja</a:t>
+                        <a:rPr lang="en-US" dirty="0"/>
+                        <a:t>X</a:t>
                       </a:r>
-                      <a:endParaRPr lang="en-US" dirty="0"/>
                     </a:p>
                   </a:txBody>
-                  <a:tcPr anchor="ctr"/>
-                </a:tc>
-                <a:tc>
-                  <a:txBody>
-                    <a:bodyPr/>
-                    <a:lstStyle/>
-                    <a:p>
-                      <a:pPr algn="ctr"/>
-                      <a:r>
-                        <a:rPr lang="de-AT" dirty="0"/>
-                        <a:t>X</a:t>
-                      </a:r>
-                      <a:endParaRPr lang="en-US" dirty="0"/>
-                    </a:p>
-                  </a:txBody>
-                  <a:tcPr anchor="ctr"/>
-                </a:tc>
-                <a:extLst>
-                  <a:ext uri="{0D108BD9-81ED-4DB2-BD59-A6C34878D82A}">
-                    <a16:rowId xmlns:a16="http://schemas.microsoft.com/office/drawing/2014/main" val="1320869910"/>
-                  </a:ext>
-                </a:extLst>
-              </a:tr>
-              <a:tr h="911636">
-                <a:tc>
-                  <a:txBody>
-                    <a:bodyPr/>
-                    <a:lstStyle/>
-                    <a:p>
-                      <a:pPr marL="0" marR="0" lvl="0" indent="0" algn="ctr" defTabSz="914400" rtl="0" eaLnBrk="1" fontAlgn="auto" latinLnBrk="0" hangingPunct="1">
-                        <a:lnSpc>
-                          <a:spcPct val="100000"/>
-                        </a:lnSpc>
-                        <a:spcBef>
-                          <a:spcPts val="0"/>
-                        </a:spcBef>
-                        <a:spcAft>
-                          <a:spcPts val="0"/>
-                        </a:spcAft>
-                        <a:buClrTx/>
-                        <a:buSzTx/>
-                        <a:buFontTx/>
-                        <a:buNone/>
-                        <a:tabLst/>
-                        <a:defRPr/>
-                      </a:pPr>
-                      <a:r>
-                        <a:rPr lang="de-AT" dirty="0"/>
-                        <a:t>Alle Tokens von </a:t>
-                      </a:r>
-                      <a:r>
-                        <a:rPr lang="de-AT" i="1" dirty="0" smtClean="0"/>
-                        <a:t>Token </a:t>
-                      </a:r>
-                      <a:r>
-                        <a:rPr lang="de-AT" i="1" dirty="0"/>
-                        <a:t>Endpunkt</a:t>
-                      </a:r>
-                      <a:endParaRPr lang="en-US" i="1" dirty="0"/>
-                    </a:p>
-                  </a:txBody>
-                  <a:tcPr anchor="ctr">
-                    <a:solidFill>
-                      <a:schemeClr val="bg1">
-                        <a:lumMod val="85000"/>
-                      </a:schemeClr>
-                    </a:solidFill>
-                  </a:tcPr>
-                </a:tc>
-                <a:tc>
-                  <a:txBody>
-                    <a:bodyPr/>
-                    <a:lstStyle/>
-                    <a:p>
-                      <a:pPr algn="ctr"/>
-                      <a:r>
-                        <a:rPr lang="de-AT" dirty="0"/>
-                        <a:t>Ja</a:t>
-                      </a:r>
-                      <a:endParaRPr lang="en-US" dirty="0"/>
-                    </a:p>
-                  </a:txBody>
-                  <a:tcPr anchor="ctr"/>
-                </a:tc>
-                <a:tc>
-                  <a:txBody>
-                    <a:bodyPr/>
-                    <a:lstStyle/>
-                    <a:p>
-                      <a:pPr algn="ctr"/>
-                      <a:r>
-                        <a:rPr lang="de-AT" dirty="0"/>
-                        <a:t>Ja</a:t>
-                      </a:r>
-                      <a:endParaRPr lang="en-US" dirty="0"/>
-                    </a:p>
-                  </a:txBody>
-                  <a:tcPr anchor="ctr"/>
-                </a:tc>
-                <a:tc>
-                  <a:txBody>
-                    <a:bodyPr/>
-                    <a:lstStyle/>
-                    <a:p>
-                      <a:pPr algn="ctr"/>
-                      <a:r>
-                        <a:rPr lang="de-AT" dirty="0"/>
-                        <a:t>Ja</a:t>
-                      </a:r>
-                      <a:endParaRPr lang="en-US" dirty="0"/>
-                    </a:p>
-                  </a:txBody>
-                  <a:tcPr anchor="ctr"/>
-                </a:tc>
-                <a:tc>
-                  <a:txBody>
-                    <a:bodyPr/>
-                    <a:lstStyle/>
-                    <a:p>
-                      <a:pPr algn="ctr"/>
-                      <a:r>
-                        <a:rPr lang="de-AT" dirty="0"/>
-                        <a:t>X</a:t>
-                      </a:r>
-                      <a:endParaRPr lang="en-US" dirty="0"/>
-                    </a:p>
-                  </a:txBody>
-                  <a:tcPr anchor="ctr"/>
-                </a:tc>
-                <a:tc>
-                  <a:txBody>
-                    <a:bodyPr/>
-                    <a:lstStyle/>
-                    <a:p>
-                      <a:pPr algn="ctr"/>
-                      <a:r>
-                        <a:rPr lang="de-AT" dirty="0"/>
-                        <a:t>X</a:t>
-                      </a:r>
-                      <a:endParaRPr lang="en-US" dirty="0"/>
-                    </a:p>
-                  </a:txBody>
-                  <a:tcPr anchor="ctr"/>
+                  <a:tcPr/>
                 </a:tc>
                 <a:extLst>
                   <a:ext uri="{0D108BD9-81ED-4DB2-BD59-A6C34878D82A}">
                     <a16:rowId xmlns:a16="http://schemas.microsoft.com/office/drawing/2014/main" val="685321953"/>
-                  </a:ext>
-                </a:extLst>
-              </a:tr>
-              <a:tr h="741182">
-                <a:tc>
-                  <a:txBody>
-                    <a:bodyPr/>
-                    <a:lstStyle/>
-                    <a:p>
-                      <a:pPr marL="0" marR="0" lvl="0" indent="0" algn="ctr" defTabSz="914400" rtl="0" eaLnBrk="1" fontAlgn="auto" latinLnBrk="0" hangingPunct="1">
-                        <a:lnSpc>
-                          <a:spcPct val="100000"/>
-                        </a:lnSpc>
-                        <a:spcBef>
-                          <a:spcPts val="0"/>
-                        </a:spcBef>
-                        <a:spcAft>
-                          <a:spcPts val="0"/>
-                        </a:spcAft>
-                        <a:buClrTx/>
-                        <a:buSzTx/>
-                        <a:buFontTx/>
-                        <a:buNone/>
-                        <a:tabLst/>
-                        <a:defRPr/>
-                      </a:pPr>
-                      <a:r>
-                        <a:rPr lang="de-AT" i="0" dirty="0"/>
-                        <a:t>Tokens über User Agent gesendet</a:t>
-                      </a:r>
-                      <a:endParaRPr lang="en-US" i="0" dirty="0"/>
-                    </a:p>
-                  </a:txBody>
-                  <a:tcPr anchor="ctr">
-                    <a:solidFill>
-                      <a:schemeClr val="bg1">
-                        <a:lumMod val="85000"/>
-                      </a:schemeClr>
-                    </a:solidFill>
-                  </a:tcPr>
-                </a:tc>
-                <a:tc>
-                  <a:txBody>
-                    <a:bodyPr/>
-                    <a:lstStyle/>
-                    <a:p>
-                      <a:pPr algn="ctr"/>
-                      <a:r>
-                        <a:rPr lang="de-AT" dirty="0"/>
-                        <a:t>X</a:t>
-                      </a:r>
-                    </a:p>
-                  </a:txBody>
-                  <a:tcPr anchor="ctr"/>
-                </a:tc>
-                <a:tc>
-                  <a:txBody>
-                    <a:bodyPr/>
-                    <a:lstStyle/>
-                    <a:p>
-                      <a:pPr algn="ctr"/>
-                      <a:r>
-                        <a:rPr lang="de-AT" dirty="0"/>
-                        <a:t>X</a:t>
-                      </a:r>
-                      <a:endParaRPr lang="en-US" dirty="0"/>
-                    </a:p>
-                  </a:txBody>
-                  <a:tcPr anchor="ctr"/>
-                </a:tc>
-                <a:tc>
-                  <a:txBody>
-                    <a:bodyPr/>
-                    <a:lstStyle/>
-                    <a:p>
-                      <a:pPr algn="ctr"/>
-                      <a:r>
-                        <a:rPr lang="de-AT" dirty="0"/>
-                        <a:t>X</a:t>
-                      </a:r>
-                      <a:endParaRPr lang="en-US" dirty="0"/>
-                    </a:p>
-                  </a:txBody>
-                  <a:tcPr anchor="ctr"/>
-                </a:tc>
-                <a:tc>
-                  <a:txBody>
-                    <a:bodyPr/>
-                    <a:lstStyle/>
-                    <a:p>
-                      <a:pPr algn="ctr"/>
-                      <a:r>
-                        <a:rPr lang="de-AT" dirty="0"/>
-                        <a:t>Ja</a:t>
-                      </a:r>
-                      <a:endParaRPr lang="en-US" dirty="0"/>
-                    </a:p>
-                  </a:txBody>
-                  <a:tcPr anchor="ctr"/>
-                </a:tc>
-                <a:tc>
-                  <a:txBody>
-                    <a:bodyPr/>
-                    <a:lstStyle/>
-                    <a:p>
-                      <a:pPr algn="ctr"/>
-                      <a:r>
-                        <a:rPr lang="de-AT" dirty="0"/>
-                        <a:t>Ja</a:t>
-                      </a:r>
-                      <a:endParaRPr lang="en-US" dirty="0"/>
-                    </a:p>
-                  </a:txBody>
-                  <a:tcPr anchor="ctr"/>
-                </a:tc>
-                <a:extLst>
-                  <a:ext uri="{0D108BD9-81ED-4DB2-BD59-A6C34878D82A}">
-                    <a16:rowId xmlns:a16="http://schemas.microsoft.com/office/drawing/2014/main" val="356802342"/>
-                  </a:ext>
-                </a:extLst>
-              </a:tr>
-              <a:tr h="741182">
-                <a:tc>
-                  <a:txBody>
-                    <a:bodyPr/>
-                    <a:lstStyle/>
-                    <a:p>
-                      <a:pPr marL="0" marR="0" lvl="0" indent="0" algn="ctr" defTabSz="914400" rtl="0" eaLnBrk="1" fontAlgn="auto" latinLnBrk="0" hangingPunct="1">
-                        <a:lnSpc>
-                          <a:spcPct val="100000"/>
-                        </a:lnSpc>
-                        <a:spcBef>
-                          <a:spcPts val="0"/>
-                        </a:spcBef>
-                        <a:spcAft>
-                          <a:spcPts val="0"/>
-                        </a:spcAft>
-                        <a:buClrTx/>
-                        <a:buSzTx/>
-                        <a:buFontTx/>
-                        <a:buNone/>
-                        <a:tabLst/>
-                        <a:defRPr/>
-                      </a:pPr>
-                      <a:r>
-                        <a:rPr lang="de-AT" i="1" dirty="0"/>
-                        <a:t>Refresh Token </a:t>
-                      </a:r>
-                      <a:r>
-                        <a:rPr lang="de-AT" i="0" dirty="0"/>
-                        <a:t>unterstützt</a:t>
-                      </a:r>
-                      <a:endParaRPr lang="en-US" i="0" dirty="0"/>
-                    </a:p>
-                  </a:txBody>
-                  <a:tcPr anchor="ctr">
-                    <a:solidFill>
-                      <a:schemeClr val="bg1">
-                        <a:lumMod val="85000"/>
-                      </a:schemeClr>
-                    </a:solidFill>
-                  </a:tcPr>
-                </a:tc>
-                <a:tc>
-                  <a:txBody>
-                    <a:bodyPr/>
-                    <a:lstStyle/>
-                    <a:p>
-                      <a:pPr algn="ctr"/>
-                      <a:r>
-                        <a:rPr lang="de-AT" dirty="0"/>
-                        <a:t>X</a:t>
-                      </a:r>
-                    </a:p>
-                  </a:txBody>
-                  <a:tcPr anchor="ctr"/>
-                </a:tc>
-                <a:tc>
-                  <a:txBody>
-                    <a:bodyPr/>
-                    <a:lstStyle/>
-                    <a:p>
-                      <a:pPr algn="ctr"/>
-                      <a:r>
-                        <a:rPr lang="de-AT" dirty="0"/>
-                        <a:t>Ja</a:t>
-                      </a:r>
-                      <a:endParaRPr lang="en-US" dirty="0"/>
-                    </a:p>
-                  </a:txBody>
-                  <a:tcPr anchor="ctr"/>
-                </a:tc>
-                <a:tc>
-                  <a:txBody>
-                    <a:bodyPr/>
-                    <a:lstStyle/>
-                    <a:p>
-                      <a:pPr algn="ctr"/>
-                      <a:r>
-                        <a:rPr lang="de-AT" dirty="0"/>
-                        <a:t>Ja</a:t>
-                      </a:r>
-                      <a:endParaRPr lang="en-US" dirty="0"/>
-                    </a:p>
-                  </a:txBody>
-                  <a:tcPr anchor="ctr"/>
-                </a:tc>
-                <a:tc>
-                  <a:txBody>
-                    <a:bodyPr/>
-                    <a:lstStyle/>
-                    <a:p>
-                      <a:pPr algn="ctr"/>
-                      <a:r>
-                        <a:rPr lang="de-AT" dirty="0"/>
-                        <a:t>X</a:t>
-                      </a:r>
-                      <a:endParaRPr lang="en-US" dirty="0"/>
-                    </a:p>
-                  </a:txBody>
-                  <a:tcPr anchor="ctr"/>
-                </a:tc>
-                <a:tc>
-                  <a:txBody>
-                    <a:bodyPr/>
-                    <a:lstStyle/>
-                    <a:p>
-                      <a:pPr algn="ctr"/>
-                      <a:r>
-                        <a:rPr lang="de-AT" dirty="0"/>
-                        <a:t>Ja</a:t>
-                      </a:r>
-                    </a:p>
-                  </a:txBody>
-                  <a:tcPr anchor="ctr"/>
-                </a:tc>
-                <a:extLst>
-                  <a:ext uri="{0D108BD9-81ED-4DB2-BD59-A6C34878D82A}">
-                    <a16:rowId xmlns:a16="http://schemas.microsoft.com/office/drawing/2014/main" val="1447987830"/>
-                  </a:ext>
-                </a:extLst>
-              </a:tr>
-              <a:tr h="741182">
-                <a:tc>
-                  <a:txBody>
-                    <a:bodyPr/>
-                    <a:lstStyle/>
-                    <a:p>
-                      <a:pPr marL="0" marR="0" lvl="0" indent="0" algn="ctr" defTabSz="914400" rtl="0" eaLnBrk="1" fontAlgn="auto" latinLnBrk="0" hangingPunct="1">
-                        <a:lnSpc>
-                          <a:spcPct val="100000"/>
-                        </a:lnSpc>
-                        <a:spcBef>
-                          <a:spcPts val="0"/>
-                        </a:spcBef>
-                        <a:spcAft>
-                          <a:spcPts val="0"/>
-                        </a:spcAft>
-                        <a:buClrTx/>
-                        <a:buSzTx/>
-                        <a:buFontTx/>
-                        <a:buNone/>
-                        <a:tabLst/>
-                        <a:defRPr/>
-                      </a:pPr>
-                      <a:r>
-                        <a:rPr lang="de-AT" i="0" dirty="0"/>
-                        <a:t>Ein </a:t>
-                      </a:r>
-                      <a:r>
-                        <a:rPr lang="de-AT" i="0" dirty="0" err="1"/>
-                        <a:t>Roundtrip</a:t>
-                      </a:r>
-                      <a:endParaRPr lang="en-US" i="0" dirty="0"/>
-                    </a:p>
-                  </a:txBody>
-                  <a:tcPr anchor="ctr">
-                    <a:solidFill>
-                      <a:schemeClr val="bg1">
-                        <a:lumMod val="85000"/>
-                      </a:schemeClr>
-                    </a:solidFill>
-                  </a:tcPr>
-                </a:tc>
-                <a:tc>
-                  <a:txBody>
-                    <a:bodyPr/>
-                    <a:lstStyle/>
-                    <a:p>
-                      <a:pPr algn="ctr"/>
-                      <a:r>
-                        <a:rPr lang="de-AT" dirty="0"/>
-                        <a:t>Ja</a:t>
-                      </a:r>
-                    </a:p>
-                  </a:txBody>
-                  <a:tcPr anchor="ctr"/>
-                </a:tc>
-                <a:tc>
-                  <a:txBody>
-                    <a:bodyPr/>
-                    <a:lstStyle/>
-                    <a:p>
-                      <a:pPr algn="ctr"/>
-                      <a:r>
-                        <a:rPr lang="de-AT" dirty="0"/>
-                        <a:t>Ja</a:t>
-                      </a:r>
-                      <a:endParaRPr lang="en-US" dirty="0"/>
-                    </a:p>
-                  </a:txBody>
-                  <a:tcPr anchor="ctr"/>
-                </a:tc>
-                <a:tc>
-                  <a:txBody>
-                    <a:bodyPr/>
-                    <a:lstStyle/>
-                    <a:p>
-                      <a:pPr algn="ctr"/>
-                      <a:r>
-                        <a:rPr lang="de-AT" dirty="0"/>
-                        <a:t>X</a:t>
-                      </a:r>
-                      <a:endParaRPr lang="en-US" dirty="0"/>
-                    </a:p>
-                  </a:txBody>
-                  <a:tcPr anchor="ctr"/>
-                </a:tc>
-                <a:tc>
-                  <a:txBody>
-                    <a:bodyPr/>
-                    <a:lstStyle/>
-                    <a:p>
-                      <a:pPr algn="ctr"/>
-                      <a:r>
-                        <a:rPr lang="de-AT" dirty="0"/>
-                        <a:t>Ja</a:t>
-                      </a:r>
-                      <a:endParaRPr lang="en-US" dirty="0"/>
-                    </a:p>
-                  </a:txBody>
-                  <a:tcPr anchor="ctr"/>
-                </a:tc>
-                <a:tc>
-                  <a:txBody>
-                    <a:bodyPr/>
-                    <a:lstStyle/>
-                    <a:p>
-                      <a:pPr algn="ctr"/>
-                      <a:r>
-                        <a:rPr lang="de-AT" dirty="0"/>
-                        <a:t>X</a:t>
-                      </a:r>
-                    </a:p>
-                  </a:txBody>
-                  <a:tcPr anchor="ctr"/>
-                </a:tc>
-                <a:extLst>
-                  <a:ext uri="{0D108BD9-81ED-4DB2-BD59-A6C34878D82A}">
-                    <a16:rowId xmlns:a16="http://schemas.microsoft.com/office/drawing/2014/main" val="757970485"/>
                   </a:ext>
                 </a:extLst>
               </a:tr>
@@ -37133,20 +36204,13 @@
     </p:spTree>
     <p:extLst>
       <p:ext uri="{BB962C8B-B14F-4D97-AF65-F5344CB8AC3E}">
-        <p14:creationId xmlns:p14="http://schemas.microsoft.com/office/powerpoint/2010/main" val="3957468252"/>
+        <p14:creationId xmlns:p14="http://schemas.microsoft.com/office/powerpoint/2010/main" val="1470957223"/>
       </p:ext>
     </p:extLst>
   </p:cSld>
   <p:clrMapOvr>
     <a:masterClrMapping/>
   </p:clrMapOvr>
-  <p:timing>
-    <p:tnLst>
-      <p:par>
-        <p:cTn id="1" dur="indefinite" restart="never" nodeType="tmRoot"/>
-      </p:par>
-    </p:tnLst>
-  </p:timing>
 </p:sld>
 </file>
 
@@ -37237,7 +36301,7 @@
                   <a14:useLocalDpi xmlns:a14="http://schemas.microsoft.com/office/drawing/2010/main" val="0"/>
                 </a:ext>
                 <a:ext uri="{96DAC541-7B7A-43D3-8B79-37D633B846F1}">
-                  <asvg:svgBlip xmlns="" xmlns:asvg="http://schemas.microsoft.com/office/drawing/2016/SVG/main" r:embed="rId3"/>
+                  <asvg:svgBlip xmlns:asvg="http://schemas.microsoft.com/office/drawing/2016/SVG/main" r:embed="rId3"/>
                 </a:ext>
               </a:extLst>
             </a:blip>
@@ -37371,7 +36435,7 @@
                   <a14:useLocalDpi xmlns:a14="http://schemas.microsoft.com/office/drawing/2010/main" val="0"/>
                 </a:ext>
                 <a:ext uri="{96DAC541-7B7A-43D3-8B79-37D633B846F1}">
-                  <asvg:svgBlip xmlns="" xmlns:asvg="http://schemas.microsoft.com/office/drawing/2016/SVG/main" r:embed="rId5"/>
+                  <asvg:svgBlip xmlns:asvg="http://schemas.microsoft.com/office/drawing/2016/SVG/main" r:embed="rId5"/>
                 </a:ext>
               </a:extLst>
             </a:blip>
@@ -37431,7 +36495,7 @@
                   <a14:useLocalDpi xmlns:a14="http://schemas.microsoft.com/office/drawing/2010/main" val="0"/>
                 </a:ext>
                 <a:ext uri="{96DAC541-7B7A-43D3-8B79-37D633B846F1}">
-                  <asvg:svgBlip xmlns="" xmlns:asvg="http://schemas.microsoft.com/office/drawing/2016/SVG/main" r:embed="rId7"/>
+                  <asvg:svgBlip xmlns:asvg="http://schemas.microsoft.com/office/drawing/2016/SVG/main" r:embed="rId7"/>
                 </a:ext>
               </a:extLst>
             </a:blip>
@@ -38000,7 +37064,7 @@
                   <a14:useLocalDpi xmlns:a14="http://schemas.microsoft.com/office/drawing/2010/main" val="0"/>
                 </a:ext>
                 <a:ext uri="{96DAC541-7B7A-43D3-8B79-37D633B846F1}">
-                  <asvg:svgBlip xmlns="" xmlns:asvg="http://schemas.microsoft.com/office/drawing/2016/SVG/main" r:embed="rId7"/>
+                  <asvg:svgBlip xmlns:asvg="http://schemas.microsoft.com/office/drawing/2016/SVG/main" r:embed="rId7"/>
                 </a:ext>
               </a:extLst>
             </a:blip>
@@ -38256,7 +37320,7 @@
                   <a14:useLocalDpi xmlns:a14="http://schemas.microsoft.com/office/drawing/2010/main" val="0"/>
                 </a:ext>
                 <a:ext uri="{96DAC541-7B7A-43D3-8B79-37D633B846F1}">
-                  <asvg:svgBlip xmlns="" xmlns:asvg="http://schemas.microsoft.com/office/drawing/2016/SVG/main" r:embed="rId3"/>
+                  <asvg:svgBlip xmlns:asvg="http://schemas.microsoft.com/office/drawing/2016/SVG/main" r:embed="rId3"/>
                 </a:ext>
               </a:extLst>
             </a:blip>
@@ -39078,17 +38142,958 @@
   <p:clrMapOvr>
     <a:masterClrMapping/>
   </p:clrMapOvr>
-  <p:timing>
-    <p:tnLst>
-      <p:par>
-        <p:cTn id="1" dur="indefinite" restart="never" nodeType="tmRoot"/>
-      </p:par>
-    </p:tnLst>
-  </p:timing>
 </p:sld>
 </file>
 
 <file path=ppt/slides/slide40.xml><?xml version="1.0" encoding="utf-8"?>
+<p:sld xmlns:a="http://schemas.openxmlformats.org/drawingml/2006/main" xmlns:r="http://schemas.openxmlformats.org/officeDocument/2006/relationships" xmlns:p="http://schemas.openxmlformats.org/presentationml/2006/main">
+  <p:cSld>
+    <p:spTree>
+      <p:nvGrpSpPr>
+        <p:cNvPr id="1" name=""/>
+        <p:cNvGrpSpPr/>
+        <p:nvPr/>
+      </p:nvGrpSpPr>
+      <p:grpSpPr>
+        <a:xfrm>
+          <a:off x="0" y="0"/>
+          <a:ext cx="0" cy="0"/>
+          <a:chOff x="0" y="0"/>
+          <a:chExt cx="0" cy="0"/>
+        </a:xfrm>
+      </p:grpSpPr>
+      <p:sp>
+        <p:nvSpPr>
+          <p:cNvPr id="2" name="Title 1">
+            <a:extLst>
+              <a:ext uri="{FF2B5EF4-FFF2-40B4-BE49-F238E27FC236}">
+                <a16:creationId xmlns:a16="http://schemas.microsoft.com/office/drawing/2014/main" id="{348397C1-A147-42F6-8AF5-33AF5868C7CC}"/>
+              </a:ext>
+            </a:extLst>
+          </p:cNvPr>
+          <p:cNvSpPr>
+            <a:spLocks noGrp="1"/>
+          </p:cNvSpPr>
+          <p:nvPr>
+            <p:ph type="title"/>
+          </p:nvPr>
+        </p:nvSpPr>
+        <p:spPr/>
+        <p:txBody>
+          <a:bodyPr/>
+          <a:lstStyle/>
+          <a:p>
+            <a:r>
+              <a:rPr lang="de-AT" dirty="0"/>
+              <a:t>Zusammenfassung Grant/Flow Features</a:t>
+            </a:r>
+            <a:endParaRPr lang="en-US" dirty="0"/>
+          </a:p>
+        </p:txBody>
+      </p:sp>
+      <p:graphicFrame>
+        <p:nvGraphicFramePr>
+          <p:cNvPr id="3" name="Table 2">
+            <a:extLst>
+              <a:ext uri="{FF2B5EF4-FFF2-40B4-BE49-F238E27FC236}">
+                <a16:creationId xmlns:a16="http://schemas.microsoft.com/office/drawing/2014/main" id="{92A1B128-AAB2-47F0-9CD1-9CCC30105557}"/>
+              </a:ext>
+            </a:extLst>
+          </p:cNvPr>
+          <p:cNvGraphicFramePr>
+            <a:graphicFrameLocks noGrp="1"/>
+          </p:cNvGraphicFramePr>
+          <p:nvPr>
+            <p:extLst>
+              <p:ext uri="{D42A27DB-BD31-4B8C-83A1-F6EECF244321}">
+                <p14:modId xmlns:p14="http://schemas.microsoft.com/office/powerpoint/2010/main" val="3433360073"/>
+              </p:ext>
+            </p:extLst>
+          </p:nvPr>
+        </p:nvGraphicFramePr>
+        <p:xfrm>
+          <a:off x="838200" y="1526129"/>
+          <a:ext cx="10440000" cy="4963982"/>
+        </p:xfrm>
+        <a:graphic>
+          <a:graphicData uri="http://schemas.openxmlformats.org/drawingml/2006/table">
+            <a:tbl>
+              <a:tblPr firstRow="1" bandRow="1">
+                <a:tableStyleId>{5940675A-B579-460E-94D1-54222C63F5DA}</a:tableStyleId>
+              </a:tblPr>
+              <a:tblGrid>
+                <a:gridCol w="1740000">
+                  <a:extLst>
+                    <a:ext uri="{9D8B030D-6E8A-4147-A177-3AD203B41FA5}">
+                      <a16:colId xmlns:a16="http://schemas.microsoft.com/office/drawing/2014/main" val="1929636500"/>
+                    </a:ext>
+                  </a:extLst>
+                </a:gridCol>
+                <a:gridCol w="1740000">
+                  <a:extLst>
+                    <a:ext uri="{9D8B030D-6E8A-4147-A177-3AD203B41FA5}">
+                      <a16:colId xmlns:a16="http://schemas.microsoft.com/office/drawing/2014/main" val="395898648"/>
+                    </a:ext>
+                  </a:extLst>
+                </a:gridCol>
+                <a:gridCol w="1740000">
+                  <a:extLst>
+                    <a:ext uri="{9D8B030D-6E8A-4147-A177-3AD203B41FA5}">
+                      <a16:colId xmlns:a16="http://schemas.microsoft.com/office/drawing/2014/main" val="1690800767"/>
+                    </a:ext>
+                  </a:extLst>
+                </a:gridCol>
+                <a:gridCol w="1740000">
+                  <a:extLst>
+                    <a:ext uri="{9D8B030D-6E8A-4147-A177-3AD203B41FA5}">
+                      <a16:colId xmlns:a16="http://schemas.microsoft.com/office/drawing/2014/main" val="3240070001"/>
+                    </a:ext>
+                  </a:extLst>
+                </a:gridCol>
+                <a:gridCol w="1740000">
+                  <a:extLst>
+                    <a:ext uri="{9D8B030D-6E8A-4147-A177-3AD203B41FA5}">
+                      <a16:colId xmlns:a16="http://schemas.microsoft.com/office/drawing/2014/main" val="116783287"/>
+                    </a:ext>
+                  </a:extLst>
+                </a:gridCol>
+                <a:gridCol w="1740000">
+                  <a:extLst>
+                    <a:ext uri="{9D8B030D-6E8A-4147-A177-3AD203B41FA5}">
+                      <a16:colId xmlns:a16="http://schemas.microsoft.com/office/drawing/2014/main" val="492657174"/>
+                    </a:ext>
+                  </a:extLst>
+                </a:gridCol>
+              </a:tblGrid>
+              <a:tr h="741182">
+                <a:tc>
+                  <a:txBody>
+                    <a:bodyPr/>
+                    <a:lstStyle/>
+                    <a:p>
+                      <a:pPr algn="ctr"/>
+                      <a:endParaRPr lang="en-US" dirty="0">
+                        <a:solidFill>
+                          <a:schemeClr val="bg1"/>
+                        </a:solidFill>
+                      </a:endParaRPr>
+                    </a:p>
+                  </a:txBody>
+                  <a:tcPr anchor="ctr">
+                    <a:solidFill>
+                      <a:schemeClr val="tx1"/>
+                    </a:solidFill>
+                  </a:tcPr>
+                </a:tc>
+                <a:tc>
+                  <a:txBody>
+                    <a:bodyPr/>
+                    <a:lstStyle/>
+                    <a:p>
+                      <a:pPr algn="ctr"/>
+                      <a:r>
+                        <a:rPr lang="de-AT" dirty="0">
+                          <a:solidFill>
+                            <a:schemeClr val="bg1"/>
+                          </a:solidFill>
+                        </a:rPr>
+                        <a:t>Client </a:t>
+                      </a:r>
+                      <a:r>
+                        <a:rPr lang="de-AT" dirty="0" err="1">
+                          <a:solidFill>
+                            <a:schemeClr val="bg1"/>
+                          </a:solidFill>
+                        </a:rPr>
+                        <a:t>Credential</a:t>
+                      </a:r>
+                      <a:r>
+                        <a:rPr lang="de-AT" dirty="0">
+                          <a:solidFill>
+                            <a:schemeClr val="bg1"/>
+                          </a:solidFill>
+                        </a:rPr>
+                        <a:t> Grant</a:t>
+                      </a:r>
+                      <a:endParaRPr lang="en-US" dirty="0">
+                        <a:solidFill>
+                          <a:schemeClr val="bg1"/>
+                        </a:solidFill>
+                      </a:endParaRPr>
+                    </a:p>
+                  </a:txBody>
+                  <a:tcPr anchor="ctr">
+                    <a:solidFill>
+                      <a:schemeClr val="tx1"/>
+                    </a:solidFill>
+                  </a:tcPr>
+                </a:tc>
+                <a:tc>
+                  <a:txBody>
+                    <a:bodyPr/>
+                    <a:lstStyle/>
+                    <a:p>
+                      <a:pPr algn="ctr"/>
+                      <a:r>
+                        <a:rPr lang="de-AT" dirty="0" err="1">
+                          <a:solidFill>
+                            <a:schemeClr val="bg1"/>
+                          </a:solidFill>
+                        </a:rPr>
+                        <a:t>Resource</a:t>
+                      </a:r>
+                      <a:r>
+                        <a:rPr lang="de-AT" dirty="0">
+                          <a:solidFill>
+                            <a:schemeClr val="bg1"/>
+                          </a:solidFill>
+                        </a:rPr>
+                        <a:t> </a:t>
+                      </a:r>
+                      <a:r>
+                        <a:rPr lang="de-AT" dirty="0" err="1">
+                          <a:solidFill>
+                            <a:schemeClr val="bg1"/>
+                          </a:solidFill>
+                        </a:rPr>
+                        <a:t>Owner</a:t>
+                      </a:r>
+                      <a:r>
+                        <a:rPr lang="de-AT" dirty="0">
+                          <a:solidFill>
+                            <a:schemeClr val="bg1"/>
+                          </a:solidFill>
+                        </a:rPr>
+                        <a:t> Grant</a:t>
+                      </a:r>
+                      <a:endParaRPr lang="en-US" dirty="0">
+                        <a:solidFill>
+                          <a:schemeClr val="bg1"/>
+                        </a:solidFill>
+                      </a:endParaRPr>
+                    </a:p>
+                  </a:txBody>
+                  <a:tcPr anchor="ctr">
+                    <a:solidFill>
+                      <a:schemeClr val="tx1"/>
+                    </a:solidFill>
+                  </a:tcPr>
+                </a:tc>
+                <a:tc>
+                  <a:txBody>
+                    <a:bodyPr/>
+                    <a:lstStyle/>
+                    <a:p>
+                      <a:pPr algn="ctr"/>
+                      <a:r>
+                        <a:rPr lang="de-AT" dirty="0" err="1">
+                          <a:solidFill>
+                            <a:schemeClr val="bg1"/>
+                          </a:solidFill>
+                        </a:rPr>
+                        <a:t>Authorization</a:t>
+                      </a:r>
+                      <a:r>
+                        <a:rPr lang="de-AT" dirty="0">
+                          <a:solidFill>
+                            <a:schemeClr val="bg1"/>
+                          </a:solidFill>
+                        </a:rPr>
+                        <a:t> Code Grant</a:t>
+                      </a:r>
+                      <a:endParaRPr lang="en-US" dirty="0">
+                        <a:solidFill>
+                          <a:schemeClr val="bg1"/>
+                        </a:solidFill>
+                      </a:endParaRPr>
+                    </a:p>
+                  </a:txBody>
+                  <a:tcPr anchor="ctr">
+                    <a:solidFill>
+                      <a:schemeClr val="tx1"/>
+                    </a:solidFill>
+                  </a:tcPr>
+                </a:tc>
+                <a:tc>
+                  <a:txBody>
+                    <a:bodyPr/>
+                    <a:lstStyle/>
+                    <a:p>
+                      <a:pPr algn="ctr"/>
+                      <a:r>
+                        <a:rPr lang="de-AT" dirty="0" err="1">
+                          <a:solidFill>
+                            <a:schemeClr val="bg1"/>
+                          </a:solidFill>
+                        </a:rPr>
+                        <a:t>Implict</a:t>
+                      </a:r>
+                      <a:r>
+                        <a:rPr lang="de-AT" dirty="0">
+                          <a:solidFill>
+                            <a:schemeClr val="bg1"/>
+                          </a:solidFill>
+                        </a:rPr>
+                        <a:t> Grant</a:t>
+                      </a:r>
+                      <a:endParaRPr lang="en-US" dirty="0">
+                        <a:solidFill>
+                          <a:schemeClr val="bg1"/>
+                        </a:solidFill>
+                      </a:endParaRPr>
+                    </a:p>
+                  </a:txBody>
+                  <a:tcPr anchor="ctr">
+                    <a:solidFill>
+                      <a:schemeClr val="tx1"/>
+                    </a:solidFill>
+                  </a:tcPr>
+                </a:tc>
+                <a:tc>
+                  <a:txBody>
+                    <a:bodyPr/>
+                    <a:lstStyle/>
+                    <a:p>
+                      <a:pPr algn="ctr"/>
+                      <a:r>
+                        <a:rPr lang="de-AT" dirty="0">
+                          <a:solidFill>
+                            <a:schemeClr val="bg1"/>
+                          </a:solidFill>
+                        </a:rPr>
+                        <a:t>Hybrid Flow</a:t>
+                      </a:r>
+                      <a:endParaRPr lang="en-US" dirty="0">
+                        <a:solidFill>
+                          <a:schemeClr val="bg1"/>
+                        </a:solidFill>
+                      </a:endParaRPr>
+                    </a:p>
+                  </a:txBody>
+                  <a:tcPr anchor="ctr">
+                    <a:solidFill>
+                      <a:schemeClr val="tx1"/>
+                    </a:solidFill>
+                  </a:tcPr>
+                </a:tc>
+                <a:extLst>
+                  <a:ext uri="{0D108BD9-81ED-4DB2-BD59-A6C34878D82A}">
+                    <a16:rowId xmlns:a16="http://schemas.microsoft.com/office/drawing/2014/main" val="1928875511"/>
+                  </a:ext>
+                </a:extLst>
+              </a:tr>
+              <a:tr h="911636">
+                <a:tc>
+                  <a:txBody>
+                    <a:bodyPr/>
+                    <a:lstStyle/>
+                    <a:p>
+                      <a:pPr algn="ctr"/>
+                      <a:r>
+                        <a:rPr lang="de-AT" dirty="0"/>
+                        <a:t>Alle Tokens von </a:t>
+                      </a:r>
+                      <a:r>
+                        <a:rPr lang="de-AT" i="1" dirty="0" err="1"/>
+                        <a:t>Authorization</a:t>
+                      </a:r>
+                      <a:r>
+                        <a:rPr lang="de-AT" i="1" dirty="0"/>
+                        <a:t> Endpunkt</a:t>
+                      </a:r>
+                      <a:endParaRPr lang="en-US" i="1" dirty="0"/>
+                    </a:p>
+                  </a:txBody>
+                  <a:tcPr anchor="ctr">
+                    <a:solidFill>
+                      <a:schemeClr val="bg1">
+                        <a:lumMod val="85000"/>
+                      </a:schemeClr>
+                    </a:solidFill>
+                  </a:tcPr>
+                </a:tc>
+                <a:tc>
+                  <a:txBody>
+                    <a:bodyPr/>
+                    <a:lstStyle/>
+                    <a:p>
+                      <a:pPr algn="ctr"/>
+                      <a:r>
+                        <a:rPr lang="de-AT" dirty="0"/>
+                        <a:t>X</a:t>
+                      </a:r>
+                      <a:endParaRPr lang="en-US" dirty="0"/>
+                    </a:p>
+                  </a:txBody>
+                  <a:tcPr anchor="ctr"/>
+                </a:tc>
+                <a:tc>
+                  <a:txBody>
+                    <a:bodyPr/>
+                    <a:lstStyle/>
+                    <a:p>
+                      <a:pPr algn="ctr"/>
+                      <a:r>
+                        <a:rPr lang="de-AT" dirty="0"/>
+                        <a:t>X</a:t>
+                      </a:r>
+                      <a:endParaRPr lang="en-US" dirty="0"/>
+                    </a:p>
+                  </a:txBody>
+                  <a:tcPr anchor="ctr"/>
+                </a:tc>
+                <a:tc>
+                  <a:txBody>
+                    <a:bodyPr/>
+                    <a:lstStyle/>
+                    <a:p>
+                      <a:pPr algn="ctr"/>
+                      <a:r>
+                        <a:rPr lang="de-AT" dirty="0"/>
+                        <a:t>X</a:t>
+                      </a:r>
+                      <a:endParaRPr lang="en-US" dirty="0"/>
+                    </a:p>
+                  </a:txBody>
+                  <a:tcPr anchor="ctr"/>
+                </a:tc>
+                <a:tc>
+                  <a:txBody>
+                    <a:bodyPr/>
+                    <a:lstStyle/>
+                    <a:p>
+                      <a:pPr algn="ctr"/>
+                      <a:r>
+                        <a:rPr lang="de-AT" dirty="0"/>
+                        <a:t>Ja</a:t>
+                      </a:r>
+                      <a:endParaRPr lang="en-US" dirty="0"/>
+                    </a:p>
+                  </a:txBody>
+                  <a:tcPr anchor="ctr"/>
+                </a:tc>
+                <a:tc>
+                  <a:txBody>
+                    <a:bodyPr/>
+                    <a:lstStyle/>
+                    <a:p>
+                      <a:pPr algn="ctr"/>
+                      <a:r>
+                        <a:rPr lang="de-AT" dirty="0"/>
+                        <a:t>X</a:t>
+                      </a:r>
+                      <a:endParaRPr lang="en-US" dirty="0"/>
+                    </a:p>
+                  </a:txBody>
+                  <a:tcPr anchor="ctr"/>
+                </a:tc>
+                <a:extLst>
+                  <a:ext uri="{0D108BD9-81ED-4DB2-BD59-A6C34878D82A}">
+                    <a16:rowId xmlns:a16="http://schemas.microsoft.com/office/drawing/2014/main" val="1320869910"/>
+                  </a:ext>
+                </a:extLst>
+              </a:tr>
+              <a:tr h="911636">
+                <a:tc>
+                  <a:txBody>
+                    <a:bodyPr/>
+                    <a:lstStyle/>
+                    <a:p>
+                      <a:pPr marL="0" marR="0" lvl="0" indent="0" algn="ctr" defTabSz="914400" rtl="0" eaLnBrk="1" fontAlgn="auto" latinLnBrk="0" hangingPunct="1">
+                        <a:lnSpc>
+                          <a:spcPct val="100000"/>
+                        </a:lnSpc>
+                        <a:spcBef>
+                          <a:spcPts val="0"/>
+                        </a:spcBef>
+                        <a:spcAft>
+                          <a:spcPts val="0"/>
+                        </a:spcAft>
+                        <a:buClrTx/>
+                        <a:buSzTx/>
+                        <a:buFontTx/>
+                        <a:buNone/>
+                        <a:tabLst/>
+                        <a:defRPr/>
+                      </a:pPr>
+                      <a:r>
+                        <a:rPr lang="de-AT" dirty="0"/>
+                        <a:t>Alle Tokens von </a:t>
+                      </a:r>
+                      <a:r>
+                        <a:rPr lang="de-AT" i="1" dirty="0"/>
+                        <a:t>Token Endpunkt</a:t>
+                      </a:r>
+                      <a:endParaRPr lang="en-US" i="1" dirty="0"/>
+                    </a:p>
+                  </a:txBody>
+                  <a:tcPr anchor="ctr">
+                    <a:solidFill>
+                      <a:schemeClr val="bg1">
+                        <a:lumMod val="85000"/>
+                      </a:schemeClr>
+                    </a:solidFill>
+                  </a:tcPr>
+                </a:tc>
+                <a:tc>
+                  <a:txBody>
+                    <a:bodyPr/>
+                    <a:lstStyle/>
+                    <a:p>
+                      <a:pPr algn="ctr"/>
+                      <a:r>
+                        <a:rPr lang="de-AT" dirty="0"/>
+                        <a:t>Ja</a:t>
+                      </a:r>
+                      <a:endParaRPr lang="en-US" dirty="0"/>
+                    </a:p>
+                  </a:txBody>
+                  <a:tcPr anchor="ctr"/>
+                </a:tc>
+                <a:tc>
+                  <a:txBody>
+                    <a:bodyPr/>
+                    <a:lstStyle/>
+                    <a:p>
+                      <a:pPr algn="ctr"/>
+                      <a:r>
+                        <a:rPr lang="de-AT" dirty="0"/>
+                        <a:t>Ja</a:t>
+                      </a:r>
+                      <a:endParaRPr lang="en-US" dirty="0"/>
+                    </a:p>
+                  </a:txBody>
+                  <a:tcPr anchor="ctr"/>
+                </a:tc>
+                <a:tc>
+                  <a:txBody>
+                    <a:bodyPr/>
+                    <a:lstStyle/>
+                    <a:p>
+                      <a:pPr algn="ctr"/>
+                      <a:r>
+                        <a:rPr lang="de-AT" dirty="0"/>
+                        <a:t>Ja</a:t>
+                      </a:r>
+                      <a:endParaRPr lang="en-US" dirty="0"/>
+                    </a:p>
+                  </a:txBody>
+                  <a:tcPr anchor="ctr"/>
+                </a:tc>
+                <a:tc>
+                  <a:txBody>
+                    <a:bodyPr/>
+                    <a:lstStyle/>
+                    <a:p>
+                      <a:pPr algn="ctr"/>
+                      <a:r>
+                        <a:rPr lang="de-AT" dirty="0"/>
+                        <a:t>X</a:t>
+                      </a:r>
+                      <a:endParaRPr lang="en-US" dirty="0"/>
+                    </a:p>
+                  </a:txBody>
+                  <a:tcPr anchor="ctr"/>
+                </a:tc>
+                <a:tc>
+                  <a:txBody>
+                    <a:bodyPr/>
+                    <a:lstStyle/>
+                    <a:p>
+                      <a:pPr algn="ctr"/>
+                      <a:r>
+                        <a:rPr lang="de-AT" dirty="0"/>
+                        <a:t>X</a:t>
+                      </a:r>
+                      <a:endParaRPr lang="en-US" dirty="0"/>
+                    </a:p>
+                  </a:txBody>
+                  <a:tcPr anchor="ctr"/>
+                </a:tc>
+                <a:extLst>
+                  <a:ext uri="{0D108BD9-81ED-4DB2-BD59-A6C34878D82A}">
+                    <a16:rowId xmlns:a16="http://schemas.microsoft.com/office/drawing/2014/main" val="685321953"/>
+                  </a:ext>
+                </a:extLst>
+              </a:tr>
+              <a:tr h="741182">
+                <a:tc>
+                  <a:txBody>
+                    <a:bodyPr/>
+                    <a:lstStyle/>
+                    <a:p>
+                      <a:pPr marL="0" marR="0" lvl="0" indent="0" algn="ctr" defTabSz="914400" rtl="0" eaLnBrk="1" fontAlgn="auto" latinLnBrk="0" hangingPunct="1">
+                        <a:lnSpc>
+                          <a:spcPct val="100000"/>
+                        </a:lnSpc>
+                        <a:spcBef>
+                          <a:spcPts val="0"/>
+                        </a:spcBef>
+                        <a:spcAft>
+                          <a:spcPts val="0"/>
+                        </a:spcAft>
+                        <a:buClrTx/>
+                        <a:buSzTx/>
+                        <a:buFontTx/>
+                        <a:buNone/>
+                        <a:tabLst/>
+                        <a:defRPr/>
+                      </a:pPr>
+                      <a:r>
+                        <a:rPr lang="de-AT" i="0" dirty="0"/>
+                        <a:t>Tokens über User Agent gesendet</a:t>
+                      </a:r>
+                      <a:endParaRPr lang="en-US" i="0" dirty="0"/>
+                    </a:p>
+                  </a:txBody>
+                  <a:tcPr anchor="ctr">
+                    <a:solidFill>
+                      <a:schemeClr val="bg1">
+                        <a:lumMod val="85000"/>
+                      </a:schemeClr>
+                    </a:solidFill>
+                  </a:tcPr>
+                </a:tc>
+                <a:tc>
+                  <a:txBody>
+                    <a:bodyPr/>
+                    <a:lstStyle/>
+                    <a:p>
+                      <a:pPr algn="ctr"/>
+                      <a:r>
+                        <a:rPr lang="de-AT" dirty="0"/>
+                        <a:t>X</a:t>
+                      </a:r>
+                    </a:p>
+                  </a:txBody>
+                  <a:tcPr anchor="ctr"/>
+                </a:tc>
+                <a:tc>
+                  <a:txBody>
+                    <a:bodyPr/>
+                    <a:lstStyle/>
+                    <a:p>
+                      <a:pPr algn="ctr"/>
+                      <a:r>
+                        <a:rPr lang="de-AT" dirty="0"/>
+                        <a:t>X</a:t>
+                      </a:r>
+                      <a:endParaRPr lang="en-US" dirty="0"/>
+                    </a:p>
+                  </a:txBody>
+                  <a:tcPr anchor="ctr"/>
+                </a:tc>
+                <a:tc>
+                  <a:txBody>
+                    <a:bodyPr/>
+                    <a:lstStyle/>
+                    <a:p>
+                      <a:pPr algn="ctr"/>
+                      <a:r>
+                        <a:rPr lang="de-AT" dirty="0"/>
+                        <a:t>X</a:t>
+                      </a:r>
+                      <a:endParaRPr lang="en-US" dirty="0"/>
+                    </a:p>
+                  </a:txBody>
+                  <a:tcPr anchor="ctr"/>
+                </a:tc>
+                <a:tc>
+                  <a:txBody>
+                    <a:bodyPr/>
+                    <a:lstStyle/>
+                    <a:p>
+                      <a:pPr algn="ctr"/>
+                      <a:r>
+                        <a:rPr lang="de-AT" dirty="0"/>
+                        <a:t>Ja</a:t>
+                      </a:r>
+                      <a:endParaRPr lang="en-US" dirty="0"/>
+                    </a:p>
+                  </a:txBody>
+                  <a:tcPr anchor="ctr"/>
+                </a:tc>
+                <a:tc>
+                  <a:txBody>
+                    <a:bodyPr/>
+                    <a:lstStyle/>
+                    <a:p>
+                      <a:pPr algn="ctr"/>
+                      <a:r>
+                        <a:rPr lang="de-AT" dirty="0"/>
+                        <a:t>Ja</a:t>
+                      </a:r>
+                      <a:endParaRPr lang="en-US" dirty="0"/>
+                    </a:p>
+                  </a:txBody>
+                  <a:tcPr anchor="ctr"/>
+                </a:tc>
+                <a:extLst>
+                  <a:ext uri="{0D108BD9-81ED-4DB2-BD59-A6C34878D82A}">
+                    <a16:rowId xmlns:a16="http://schemas.microsoft.com/office/drawing/2014/main" val="356802342"/>
+                  </a:ext>
+                </a:extLst>
+              </a:tr>
+              <a:tr h="741182">
+                <a:tc>
+                  <a:txBody>
+                    <a:bodyPr/>
+                    <a:lstStyle/>
+                    <a:p>
+                      <a:pPr marL="0" marR="0" lvl="0" indent="0" algn="ctr" defTabSz="914400" rtl="0" eaLnBrk="1" fontAlgn="auto" latinLnBrk="0" hangingPunct="1">
+                        <a:lnSpc>
+                          <a:spcPct val="100000"/>
+                        </a:lnSpc>
+                        <a:spcBef>
+                          <a:spcPts val="0"/>
+                        </a:spcBef>
+                        <a:spcAft>
+                          <a:spcPts val="0"/>
+                        </a:spcAft>
+                        <a:buClrTx/>
+                        <a:buSzTx/>
+                        <a:buFontTx/>
+                        <a:buNone/>
+                        <a:tabLst/>
+                        <a:defRPr/>
+                      </a:pPr>
+                      <a:r>
+                        <a:rPr lang="de-AT" i="1" dirty="0"/>
+                        <a:t>Refresh Token </a:t>
+                      </a:r>
+                      <a:r>
+                        <a:rPr lang="de-AT" i="0" dirty="0"/>
+                        <a:t>unterstützt</a:t>
+                      </a:r>
+                      <a:endParaRPr lang="en-US" i="0" dirty="0"/>
+                    </a:p>
+                  </a:txBody>
+                  <a:tcPr anchor="ctr">
+                    <a:solidFill>
+                      <a:schemeClr val="bg1">
+                        <a:lumMod val="85000"/>
+                      </a:schemeClr>
+                    </a:solidFill>
+                  </a:tcPr>
+                </a:tc>
+                <a:tc>
+                  <a:txBody>
+                    <a:bodyPr/>
+                    <a:lstStyle/>
+                    <a:p>
+                      <a:pPr algn="ctr"/>
+                      <a:r>
+                        <a:rPr lang="de-AT" dirty="0"/>
+                        <a:t>X</a:t>
+                      </a:r>
+                    </a:p>
+                  </a:txBody>
+                  <a:tcPr anchor="ctr"/>
+                </a:tc>
+                <a:tc>
+                  <a:txBody>
+                    <a:bodyPr/>
+                    <a:lstStyle/>
+                    <a:p>
+                      <a:pPr algn="ctr"/>
+                      <a:r>
+                        <a:rPr lang="de-AT" dirty="0"/>
+                        <a:t>Ja</a:t>
+                      </a:r>
+                      <a:endParaRPr lang="en-US" dirty="0"/>
+                    </a:p>
+                  </a:txBody>
+                  <a:tcPr anchor="ctr"/>
+                </a:tc>
+                <a:tc>
+                  <a:txBody>
+                    <a:bodyPr/>
+                    <a:lstStyle/>
+                    <a:p>
+                      <a:pPr algn="ctr"/>
+                      <a:r>
+                        <a:rPr lang="de-AT" dirty="0"/>
+                        <a:t>Ja</a:t>
+                      </a:r>
+                      <a:endParaRPr lang="en-US" dirty="0"/>
+                    </a:p>
+                  </a:txBody>
+                  <a:tcPr anchor="ctr"/>
+                </a:tc>
+                <a:tc>
+                  <a:txBody>
+                    <a:bodyPr/>
+                    <a:lstStyle/>
+                    <a:p>
+                      <a:pPr algn="ctr"/>
+                      <a:r>
+                        <a:rPr lang="de-AT" dirty="0"/>
+                        <a:t>X</a:t>
+                      </a:r>
+                      <a:endParaRPr lang="en-US" dirty="0"/>
+                    </a:p>
+                  </a:txBody>
+                  <a:tcPr anchor="ctr"/>
+                </a:tc>
+                <a:tc>
+                  <a:txBody>
+                    <a:bodyPr/>
+                    <a:lstStyle/>
+                    <a:p>
+                      <a:pPr algn="ctr"/>
+                      <a:r>
+                        <a:rPr lang="de-AT" dirty="0"/>
+                        <a:t>Ja</a:t>
+                      </a:r>
+                    </a:p>
+                  </a:txBody>
+                  <a:tcPr anchor="ctr"/>
+                </a:tc>
+                <a:extLst>
+                  <a:ext uri="{0D108BD9-81ED-4DB2-BD59-A6C34878D82A}">
+                    <a16:rowId xmlns:a16="http://schemas.microsoft.com/office/drawing/2014/main" val="1447987830"/>
+                  </a:ext>
+                </a:extLst>
+              </a:tr>
+              <a:tr h="741182">
+                <a:tc>
+                  <a:txBody>
+                    <a:bodyPr/>
+                    <a:lstStyle/>
+                    <a:p>
+                      <a:pPr marL="0" marR="0" lvl="0" indent="0" algn="ctr" defTabSz="914400" rtl="0" eaLnBrk="1" fontAlgn="auto" latinLnBrk="0" hangingPunct="1">
+                        <a:lnSpc>
+                          <a:spcPct val="100000"/>
+                        </a:lnSpc>
+                        <a:spcBef>
+                          <a:spcPts val="0"/>
+                        </a:spcBef>
+                        <a:spcAft>
+                          <a:spcPts val="0"/>
+                        </a:spcAft>
+                        <a:buClrTx/>
+                        <a:buSzTx/>
+                        <a:buFontTx/>
+                        <a:buNone/>
+                        <a:tabLst/>
+                        <a:defRPr/>
+                      </a:pPr>
+                      <a:r>
+                        <a:rPr lang="de-AT" i="0" dirty="0"/>
+                        <a:t>Ein </a:t>
+                      </a:r>
+                      <a:r>
+                        <a:rPr lang="de-AT" i="0" dirty="0" err="1"/>
+                        <a:t>Roundtrip</a:t>
+                      </a:r>
+                      <a:endParaRPr lang="en-US" i="0" dirty="0"/>
+                    </a:p>
+                  </a:txBody>
+                  <a:tcPr anchor="ctr">
+                    <a:solidFill>
+                      <a:schemeClr val="bg1">
+                        <a:lumMod val="85000"/>
+                      </a:schemeClr>
+                    </a:solidFill>
+                  </a:tcPr>
+                </a:tc>
+                <a:tc>
+                  <a:txBody>
+                    <a:bodyPr/>
+                    <a:lstStyle/>
+                    <a:p>
+                      <a:pPr algn="ctr"/>
+                      <a:r>
+                        <a:rPr lang="de-AT" dirty="0"/>
+                        <a:t>Ja</a:t>
+                      </a:r>
+                    </a:p>
+                  </a:txBody>
+                  <a:tcPr anchor="ctr"/>
+                </a:tc>
+                <a:tc>
+                  <a:txBody>
+                    <a:bodyPr/>
+                    <a:lstStyle/>
+                    <a:p>
+                      <a:pPr algn="ctr"/>
+                      <a:r>
+                        <a:rPr lang="de-AT" dirty="0"/>
+                        <a:t>Ja</a:t>
+                      </a:r>
+                      <a:endParaRPr lang="en-US" dirty="0"/>
+                    </a:p>
+                  </a:txBody>
+                  <a:tcPr anchor="ctr"/>
+                </a:tc>
+                <a:tc>
+                  <a:txBody>
+                    <a:bodyPr/>
+                    <a:lstStyle/>
+                    <a:p>
+                      <a:pPr algn="ctr"/>
+                      <a:r>
+                        <a:rPr lang="de-AT" dirty="0"/>
+                        <a:t>X</a:t>
+                      </a:r>
+                      <a:endParaRPr lang="en-US" dirty="0"/>
+                    </a:p>
+                  </a:txBody>
+                  <a:tcPr anchor="ctr"/>
+                </a:tc>
+                <a:tc>
+                  <a:txBody>
+                    <a:bodyPr/>
+                    <a:lstStyle/>
+                    <a:p>
+                      <a:pPr algn="ctr"/>
+                      <a:r>
+                        <a:rPr lang="de-AT" dirty="0"/>
+                        <a:t>Ja</a:t>
+                      </a:r>
+                      <a:endParaRPr lang="en-US" dirty="0"/>
+                    </a:p>
+                  </a:txBody>
+                  <a:tcPr anchor="ctr"/>
+                </a:tc>
+                <a:tc>
+                  <a:txBody>
+                    <a:bodyPr/>
+                    <a:lstStyle/>
+                    <a:p>
+                      <a:pPr algn="ctr"/>
+                      <a:r>
+                        <a:rPr lang="de-AT" dirty="0"/>
+                        <a:t>X</a:t>
+                      </a:r>
+                    </a:p>
+                  </a:txBody>
+                  <a:tcPr anchor="ctr"/>
+                </a:tc>
+                <a:extLst>
+                  <a:ext uri="{0D108BD9-81ED-4DB2-BD59-A6C34878D82A}">
+                    <a16:rowId xmlns:a16="http://schemas.microsoft.com/office/drawing/2014/main" val="757970485"/>
+                  </a:ext>
+                </a:extLst>
+              </a:tr>
+            </a:tbl>
+          </a:graphicData>
+        </a:graphic>
+      </p:graphicFrame>
+    </p:spTree>
+    <p:extLst>
+      <p:ext uri="{BB962C8B-B14F-4D97-AF65-F5344CB8AC3E}">
+        <p14:creationId xmlns:p14="http://schemas.microsoft.com/office/powerpoint/2010/main" val="3957468252"/>
+      </p:ext>
+    </p:extLst>
+  </p:cSld>
+  <p:clrMapOvr>
+    <a:masterClrMapping/>
+  </p:clrMapOvr>
+</p:sld>
+</file>
+
+<file path=ppt/slides/slide41.xml><?xml version="1.0" encoding="utf-8"?>
 <p:sld xmlns:a="http://schemas.openxmlformats.org/drawingml/2006/main" xmlns:r="http://schemas.openxmlformats.org/officeDocument/2006/relationships" xmlns:p="http://schemas.openxmlformats.org/presentationml/2006/main">
   <p:cSld>
     <p:spTree>
@@ -39613,13 +39618,13 @@
                     <a:p>
                       <a:pPr algn="l"/>
                       <a:r>
-                        <a:rPr lang="de-AT" dirty="0" err="1" smtClean="0">
+                        <a:rPr lang="de-AT" dirty="0" err="1">
                           <a:latin typeface="Consolas" panose="020B0609020204030204" pitchFamily="49" charset="0"/>
                         </a:rPr>
                         <a:t>code</a:t>
                       </a:r>
                       <a:r>
-                        <a:rPr lang="de-AT" dirty="0" smtClean="0">
+                        <a:rPr lang="de-AT" dirty="0">
                           <a:latin typeface="Consolas" panose="020B0609020204030204" pitchFamily="49" charset="0"/>
                         </a:rPr>
                         <a:t> </a:t>
@@ -39669,17 +39674,10 @@
   <p:clrMapOvr>
     <a:masterClrMapping/>
   </p:clrMapOvr>
-  <p:timing>
-    <p:tnLst>
-      <p:par>
-        <p:cTn id="1" dur="indefinite" restart="never" nodeType="tmRoot"/>
-      </p:par>
-    </p:tnLst>
-  </p:timing>
 </p:sld>
 </file>
 
-<file path=ppt/slides/slide41.xml><?xml version="1.0" encoding="utf-8"?>
+<file path=ppt/slides/slide42.xml><?xml version="1.0" encoding="utf-8"?>
 <p:sld xmlns:a="http://schemas.openxmlformats.org/drawingml/2006/main" xmlns:r="http://schemas.openxmlformats.org/officeDocument/2006/relationships" xmlns:p="http://schemas.openxmlformats.org/presentationml/2006/main" show="0">
   <p:cSld>
     <p:spTree>
@@ -39865,7 +39863,7 @@
                   <a14:useLocalDpi xmlns:a14="http://schemas.microsoft.com/office/drawing/2010/main" val="0"/>
                 </a:ext>
                 <a:ext uri="{96DAC541-7B7A-43D3-8B79-37D633B846F1}">
-                  <asvg:svgBlip xmlns="" xmlns:asvg="http://schemas.microsoft.com/office/drawing/2016/SVG/main" r:embed="rId5"/>
+                  <asvg:svgBlip xmlns:asvg="http://schemas.microsoft.com/office/drawing/2016/SVG/main" r:embed="rId5"/>
                 </a:ext>
               </a:extLst>
             </a:blip>
@@ -39970,7 +39968,7 @@
                   <a14:useLocalDpi xmlns:a14="http://schemas.microsoft.com/office/drawing/2010/main" val="0"/>
                 </a:ext>
                 <a:ext uri="{96DAC541-7B7A-43D3-8B79-37D633B846F1}">
-                  <asvg:svgBlip xmlns="" xmlns:asvg="http://schemas.microsoft.com/office/drawing/2016/SVG/main" r:embed="rId7"/>
+                  <asvg:svgBlip xmlns:asvg="http://schemas.microsoft.com/office/drawing/2016/SVG/main" r:embed="rId7"/>
                 </a:ext>
               </a:extLst>
             </a:blip>
@@ -40087,7 +40085,7 @@
                     <a14:useLocalDpi xmlns:a14="http://schemas.microsoft.com/office/drawing/2010/main" val="0"/>
                   </a:ext>
                   <a:ext uri="{96DAC541-7B7A-43D3-8B79-37D633B846F1}">
-                    <asvg:svgBlip xmlns="" xmlns:asvg="http://schemas.microsoft.com/office/drawing/2016/SVG/main" r:embed="rId9"/>
+                    <asvg:svgBlip xmlns:asvg="http://schemas.microsoft.com/office/drawing/2016/SVG/main" r:embed="rId9"/>
                   </a:ext>
                 </a:extLst>
               </a:blip>
@@ -40126,7 +40124,7 @@
                     <a14:useLocalDpi xmlns:a14="http://schemas.microsoft.com/office/drawing/2010/main" val="0"/>
                   </a:ext>
                   <a:ext uri="{96DAC541-7B7A-43D3-8B79-37D633B846F1}">
-                    <asvg:svgBlip xmlns="" xmlns:asvg="http://schemas.microsoft.com/office/drawing/2016/SVG/main" r:embed="rId11"/>
+                    <asvg:svgBlip xmlns:asvg="http://schemas.microsoft.com/office/drawing/2016/SVG/main" r:embed="rId11"/>
                   </a:ext>
                 </a:extLst>
               </a:blip>
@@ -40228,7 +40226,7 @@
                   <a14:useLocalDpi xmlns:a14="http://schemas.microsoft.com/office/drawing/2010/main" val="0"/>
                 </a:ext>
                 <a:ext uri="{96DAC541-7B7A-43D3-8B79-37D633B846F1}">
-                  <asvg:svgBlip xmlns="" xmlns:asvg="http://schemas.microsoft.com/office/drawing/2016/SVG/main" r:embed="rId13"/>
+                  <asvg:svgBlip xmlns:asvg="http://schemas.microsoft.com/office/drawing/2016/SVG/main" r:embed="rId13"/>
                 </a:ext>
               </a:extLst>
             </a:blip>
@@ -40325,7 +40323,7 @@
                   <a14:useLocalDpi xmlns:a14="http://schemas.microsoft.com/office/drawing/2010/main" val="0"/>
                 </a:ext>
                 <a:ext uri="{96DAC541-7B7A-43D3-8B79-37D633B846F1}">
-                  <asvg:svgBlip xmlns="" xmlns:asvg="http://schemas.microsoft.com/office/drawing/2016/SVG/main" r:embed="rId15"/>
+                  <asvg:svgBlip xmlns:asvg="http://schemas.microsoft.com/office/drawing/2016/SVG/main" r:embed="rId15"/>
                 </a:ext>
               </a:extLst>
             </a:blip>
@@ -40487,7 +40485,7 @@
                     <a14:useLocalDpi xmlns:a14="http://schemas.microsoft.com/office/drawing/2010/main" val="0"/>
                   </a:ext>
                   <a:ext uri="{96DAC541-7B7A-43D3-8B79-37D633B846F1}">
-                    <asvg:svgBlip xmlns="" xmlns:asvg="http://schemas.microsoft.com/office/drawing/2016/SVG/main" r:embed="rId11"/>
+                    <asvg:svgBlip xmlns:asvg="http://schemas.microsoft.com/office/drawing/2016/SVG/main" r:embed="rId11"/>
                   </a:ext>
                 </a:extLst>
               </a:blip>
@@ -40527,7 +40525,7 @@
                   <a14:useLocalDpi xmlns:a14="http://schemas.microsoft.com/office/drawing/2010/main" val="0"/>
                 </a:ext>
                 <a:ext uri="{96DAC541-7B7A-43D3-8B79-37D633B846F1}">
-                  <asvg:svgBlip xmlns="" xmlns:asvg="http://schemas.microsoft.com/office/drawing/2016/SVG/main" r:embed="rId17"/>
+                  <asvg:svgBlip xmlns:asvg="http://schemas.microsoft.com/office/drawing/2016/SVG/main" r:embed="rId17"/>
                 </a:ext>
               </a:extLst>
             </a:blip>
@@ -40607,7 +40605,7 @@
                     <a14:useLocalDpi xmlns:a14="http://schemas.microsoft.com/office/drawing/2010/main" val="0"/>
                   </a:ext>
                   <a:ext uri="{96DAC541-7B7A-43D3-8B79-37D633B846F1}">
-                    <asvg:svgBlip xmlns="" xmlns:asvg="http://schemas.microsoft.com/office/drawing/2016/SVG/main" r:embed="rId13"/>
+                    <asvg:svgBlip xmlns:asvg="http://schemas.microsoft.com/office/drawing/2016/SVG/main" r:embed="rId13"/>
                   </a:ext>
                 </a:extLst>
               </a:blip>
@@ -40684,7 +40682,7 @@
                   <a14:useLocalDpi xmlns:a14="http://schemas.microsoft.com/office/drawing/2010/main" val="0"/>
                 </a:ext>
                 <a:ext uri="{96DAC541-7B7A-43D3-8B79-37D633B846F1}">
-                  <asvg:svgBlip xmlns="" xmlns:asvg="http://schemas.microsoft.com/office/drawing/2016/SVG/main" r:embed="rId19"/>
+                  <asvg:svgBlip xmlns:asvg="http://schemas.microsoft.com/office/drawing/2016/SVG/main" r:embed="rId19"/>
                 </a:ext>
               </a:extLst>
             </a:blip>
@@ -40764,7 +40762,7 @@
                     <a14:useLocalDpi xmlns:a14="http://schemas.microsoft.com/office/drawing/2010/main" val="0"/>
                   </a:ext>
                   <a:ext uri="{96DAC541-7B7A-43D3-8B79-37D633B846F1}">
-                    <asvg:svgBlip xmlns="" xmlns:asvg="http://schemas.microsoft.com/office/drawing/2016/SVG/main" r:embed="rId13"/>
+                    <asvg:svgBlip xmlns:asvg="http://schemas.microsoft.com/office/drawing/2016/SVG/main" r:embed="rId13"/>
                   </a:ext>
                 </a:extLst>
               </a:blip>
@@ -40841,7 +40839,7 @@
                   <a14:useLocalDpi xmlns:a14="http://schemas.microsoft.com/office/drawing/2010/main" val="0"/>
                 </a:ext>
                 <a:ext uri="{96DAC541-7B7A-43D3-8B79-37D633B846F1}">
-                  <asvg:svgBlip xmlns="" xmlns:asvg="http://schemas.microsoft.com/office/drawing/2016/SVG/main" r:embed="rId21"/>
+                  <asvg:svgBlip xmlns:asvg="http://schemas.microsoft.com/office/drawing/2016/SVG/main" r:embed="rId21"/>
                 </a:ext>
               </a:extLst>
             </a:blip>
@@ -40901,7 +40899,7 @@
                   <a14:useLocalDpi xmlns:a14="http://schemas.microsoft.com/office/drawing/2010/main" val="0"/>
                 </a:ext>
                 <a:ext uri="{96DAC541-7B7A-43D3-8B79-37D633B846F1}">
-                  <asvg:svgBlip xmlns="" xmlns:asvg="http://schemas.microsoft.com/office/drawing/2016/SVG/main" r:embed="rId23"/>
+                  <asvg:svgBlip xmlns:asvg="http://schemas.microsoft.com/office/drawing/2016/SVG/main" r:embed="rId23"/>
                 </a:ext>
               </a:extLst>
             </a:blip>
@@ -41035,7 +41033,7 @@
                   <a14:useLocalDpi xmlns:a14="http://schemas.microsoft.com/office/drawing/2010/main" val="0"/>
                 </a:ext>
                 <a:ext uri="{96DAC541-7B7A-43D3-8B79-37D633B846F1}">
-                  <asvg:svgBlip xmlns="" xmlns:asvg="http://schemas.microsoft.com/office/drawing/2016/SVG/main" r:embed="rId25"/>
+                  <asvg:svgBlip xmlns:asvg="http://schemas.microsoft.com/office/drawing/2016/SVG/main" r:embed="rId25"/>
                 </a:ext>
               </a:extLst>
             </a:blip>
@@ -41095,7 +41093,7 @@
                   <a14:useLocalDpi xmlns:a14="http://schemas.microsoft.com/office/drawing/2010/main" val="0"/>
                 </a:ext>
                 <a:ext uri="{96DAC541-7B7A-43D3-8B79-37D633B846F1}">
-                  <asvg:svgBlip xmlns="" xmlns:asvg="http://schemas.microsoft.com/office/drawing/2016/SVG/main" r:embed="rId7"/>
+                  <asvg:svgBlip xmlns:asvg="http://schemas.microsoft.com/office/drawing/2016/SVG/main" r:embed="rId7"/>
                 </a:ext>
               </a:extLst>
             </a:blip>
@@ -41212,7 +41210,7 @@
                     <a14:useLocalDpi xmlns:a14="http://schemas.microsoft.com/office/drawing/2010/main" val="0"/>
                   </a:ext>
                   <a:ext uri="{96DAC541-7B7A-43D3-8B79-37D633B846F1}">
-                    <asvg:svgBlip xmlns="" xmlns:asvg="http://schemas.microsoft.com/office/drawing/2016/SVG/main" r:embed="rId11"/>
+                    <asvg:svgBlip xmlns:asvg="http://schemas.microsoft.com/office/drawing/2016/SVG/main" r:embed="rId11"/>
                   </a:ext>
                 </a:extLst>
               </a:blip>
@@ -41293,7 +41291,7 @@
                   <a14:useLocalDpi xmlns:a14="http://schemas.microsoft.com/office/drawing/2010/main" val="0"/>
                 </a:ext>
                 <a:ext uri="{96DAC541-7B7A-43D3-8B79-37D633B846F1}">
-                  <asvg:svgBlip xmlns="" xmlns:asvg="http://schemas.microsoft.com/office/drawing/2016/SVG/main" r:embed="rId27"/>
+                  <asvg:svgBlip xmlns:asvg="http://schemas.microsoft.com/office/drawing/2016/SVG/main" r:embed="rId27"/>
                 </a:ext>
               </a:extLst>
             </a:blip>
@@ -41353,7 +41351,7 @@
                   <a14:useLocalDpi xmlns:a14="http://schemas.microsoft.com/office/drawing/2010/main" val="0"/>
                 </a:ext>
                 <a:ext uri="{96DAC541-7B7A-43D3-8B79-37D633B846F1}">
-                  <asvg:svgBlip xmlns="" xmlns:asvg="http://schemas.microsoft.com/office/drawing/2016/SVG/main" r:embed="rId29"/>
+                  <asvg:svgBlip xmlns:asvg="http://schemas.microsoft.com/office/drawing/2016/SVG/main" r:embed="rId29"/>
                 </a:ext>
               </a:extLst>
             </a:blip>
@@ -41644,25 +41642,10 @@
   <p:clrMapOvr>
     <a:masterClrMapping/>
   </p:clrMapOvr>
-  <mc:AlternateContent xmlns:mc="http://schemas.openxmlformats.org/markup-compatibility/2006" xmlns:p14="http://schemas.microsoft.com/office/powerpoint/2010/main">
-    <mc:Choice Requires="p14">
-      <p:transition spd="slow" p14:dur="2000"/>
-    </mc:Choice>
-    <mc:Fallback xmlns="">
-      <p:transition spd="slow"/>
-    </mc:Fallback>
-  </mc:AlternateContent>
-  <p:timing>
-    <p:tnLst>
-      <p:par>
-        <p:cTn id="1" dur="indefinite" restart="never" nodeType="tmRoot"/>
-      </p:par>
-    </p:tnLst>
-  </p:timing>
 </p:sld>
 </file>
 
-<file path=ppt/slides/slide42.xml><?xml version="1.0" encoding="utf-8"?>
+<file path=ppt/slides/slide43.xml><?xml version="1.0" encoding="utf-8"?>
 <p:sld xmlns:a="http://schemas.openxmlformats.org/drawingml/2006/main" xmlns:r="http://schemas.openxmlformats.org/officeDocument/2006/relationships" xmlns:p="http://schemas.openxmlformats.org/presentationml/2006/main">
   <p:cSld>
     <p:spTree>
@@ -41695,7 +41678,7 @@
           <a:lstStyle/>
           <a:p>
             <a:r>
-              <a:rPr lang="de-AT" dirty="0" err="1" smtClean="0"/>
+              <a:rPr lang="de-AT" dirty="0" err="1"/>
               <a:t>Examples</a:t>
             </a:r>
             <a:endParaRPr lang="de-AT" dirty="0"/>
@@ -41761,7 +41744,9 @@
           <a:lstStyle/>
           <a:p>
             <a:r>
-              <a:rPr lang="de-AT" sz="3200" dirty="0"/>
+              <a:rPr lang="de-AT" sz="3200" dirty="0">
+                <a:hlinkClick r:id="rId3"/>
+              </a:rPr>
               <a:t>https://github.com/danielwagn3r/apisummit-2018</a:t>
             </a:r>
             <a:endParaRPr lang="en-US" sz="3200" dirty="0"/>
@@ -41870,13 +41855,6 @@
   <p:clrMapOvr>
     <a:masterClrMapping/>
   </p:clrMapOvr>
-  <p:timing>
-    <p:tnLst>
-      <p:par>
-        <p:cTn id="1" dur="indefinite" restart="never" nodeType="tmRoot"/>
-      </p:par>
-    </p:tnLst>
-  </p:timing>
 </p:sld>
 </file>
 
@@ -41987,13 +41965,6 @@
   <p:clrMapOvr>
     <a:masterClrMapping/>
   </p:clrMapOvr>
-  <p:timing>
-    <p:tnLst>
-      <p:par>
-        <p:cTn id="1" dur="indefinite" restart="never" nodeType="tmRoot"/>
-      </p:par>
-    </p:tnLst>
-  </p:timing>
 </p:sld>
 </file>
 
@@ -42086,13 +42057,6 @@
   <p:clrMapOvr>
     <a:masterClrMapping/>
   </p:clrMapOvr>
-  <p:timing>
-    <p:tnLst>
-      <p:par>
-        <p:cTn id="1" dur="indefinite" restart="never" nodeType="tmRoot"/>
-      </p:par>
-    </p:tnLst>
-  </p:timing>
 </p:sld>
 </file>
 
@@ -42235,13 +42199,6 @@
   <p:clrMapOvr>
     <a:masterClrMapping/>
   </p:clrMapOvr>
-  <p:timing>
-    <p:tnLst>
-      <p:par>
-        <p:cTn id="1" dur="indefinite" restart="never" nodeType="tmRoot"/>
-      </p:par>
-    </p:tnLst>
-  </p:timing>
 </p:sld>
 </file>
 
@@ -42318,26 +42275,22 @@
               <a:t> </a:t>
             </a:r>
             <a:r>
-              <a:rPr lang="de-AT" sz="4800" dirty="0" err="1" smtClean="0"/>
+              <a:rPr lang="de-AT" sz="4800" dirty="0" err="1"/>
               <a:t>framework</a:t>
-            </a:r>
-            <a:r>
-              <a:rPr lang="de-AT" sz="4800" dirty="0"/>
-              <a:t/>
             </a:r>
             <a:br>
               <a:rPr lang="de-AT" sz="4800" dirty="0"/>
             </a:br>
             <a:r>
-              <a:rPr lang="de-AT" sz="4800" dirty="0" err="1" smtClean="0"/>
+              <a:rPr lang="de-AT" sz="4800" dirty="0" err="1"/>
               <a:t>than</a:t>
             </a:r>
             <a:r>
-              <a:rPr lang="de-AT" sz="4800" dirty="0" smtClean="0"/>
+              <a:rPr lang="de-AT" sz="4800" dirty="0"/>
               <a:t> </a:t>
             </a:r>
             <a:r>
-              <a:rPr lang="de-AT" sz="4800" dirty="0" err="1" smtClean="0"/>
+              <a:rPr lang="de-AT" sz="4800" dirty="0" err="1"/>
               <a:t>protocol</a:t>
             </a:r>
             <a:endParaRPr lang="en-US" sz="4800" dirty="0"/>
@@ -42354,13 +42307,6 @@
   <p:clrMapOvr>
     <a:masterClrMapping/>
   </p:clrMapOvr>
-  <p:timing>
-    <p:tnLst>
-      <p:par>
-        <p:cTn id="1" dur="indefinite" restart="never" nodeType="tmRoot"/>
-      </p:par>
-    </p:tnLst>
-  </p:timing>
 </p:sld>
 </file>
 

--- a/OpenID & OAuth.pptx
+++ b/OpenID & OAuth.pptx
@@ -15581,7 +15581,7 @@
           <a:p>
             <a:fld id="{FF084CBC-36E0-4CC0-918D-767D7E309F2F}" type="datetimeFigureOut">
               <a:rPr lang="en-US" smtClean="0"/>
-              <a:t>12/2/2018</a:t>
+              <a:t>12/3/2018</a:t>
             </a:fld>
             <a:endParaRPr lang="en-US"/>
           </a:p>
@@ -16247,7 +16247,7 @@
           <a:p>
             <a:fld id="{8272ECE3-2878-47BE-B879-BFDD2207B1DF}" type="datetimeFigureOut">
               <a:rPr lang="en-US" smtClean="0"/>
-              <a:t>12/2/2018</a:t>
+              <a:t>12/3/2018</a:t>
             </a:fld>
             <a:endParaRPr lang="en-US"/>
           </a:p>
@@ -16445,7 +16445,7 @@
           <a:p>
             <a:fld id="{8272ECE3-2878-47BE-B879-BFDD2207B1DF}" type="datetimeFigureOut">
               <a:rPr lang="en-US" smtClean="0"/>
-              <a:t>12/2/2018</a:t>
+              <a:t>12/3/2018</a:t>
             </a:fld>
             <a:endParaRPr lang="en-US"/>
           </a:p>
@@ -16653,7 +16653,7 @@
           <a:p>
             <a:fld id="{8272ECE3-2878-47BE-B879-BFDD2207B1DF}" type="datetimeFigureOut">
               <a:rPr lang="en-US" smtClean="0"/>
-              <a:t>12/2/2018</a:t>
+              <a:t>12/3/2018</a:t>
             </a:fld>
             <a:endParaRPr lang="en-US"/>
           </a:p>
@@ -16851,7 +16851,7 @@
           <a:p>
             <a:fld id="{8272ECE3-2878-47BE-B879-BFDD2207B1DF}" type="datetimeFigureOut">
               <a:rPr lang="en-US" smtClean="0"/>
-              <a:t>12/2/2018</a:t>
+              <a:t>12/3/2018</a:t>
             </a:fld>
             <a:endParaRPr lang="en-US"/>
           </a:p>
@@ -17126,7 +17126,7 @@
           <a:p>
             <a:fld id="{8272ECE3-2878-47BE-B879-BFDD2207B1DF}" type="datetimeFigureOut">
               <a:rPr lang="en-US" smtClean="0"/>
-              <a:t>12/2/2018</a:t>
+              <a:t>12/3/2018</a:t>
             </a:fld>
             <a:endParaRPr lang="en-US"/>
           </a:p>
@@ -17391,7 +17391,7 @@
           <a:p>
             <a:fld id="{8272ECE3-2878-47BE-B879-BFDD2207B1DF}" type="datetimeFigureOut">
               <a:rPr lang="en-US" smtClean="0"/>
-              <a:t>12/2/2018</a:t>
+              <a:t>12/3/2018</a:t>
             </a:fld>
             <a:endParaRPr lang="en-US"/>
           </a:p>
@@ -17803,7 +17803,7 @@
           <a:p>
             <a:fld id="{8272ECE3-2878-47BE-B879-BFDD2207B1DF}" type="datetimeFigureOut">
               <a:rPr lang="en-US" smtClean="0"/>
-              <a:t>12/2/2018</a:t>
+              <a:t>12/3/2018</a:t>
             </a:fld>
             <a:endParaRPr lang="en-US"/>
           </a:p>
@@ -17944,7 +17944,7 @@
           <a:p>
             <a:fld id="{8272ECE3-2878-47BE-B879-BFDD2207B1DF}" type="datetimeFigureOut">
               <a:rPr lang="en-US" smtClean="0"/>
-              <a:t>12/2/2018</a:t>
+              <a:t>12/3/2018</a:t>
             </a:fld>
             <a:endParaRPr lang="en-US"/>
           </a:p>
@@ -18057,7 +18057,7 @@
           <a:p>
             <a:fld id="{8272ECE3-2878-47BE-B879-BFDD2207B1DF}" type="datetimeFigureOut">
               <a:rPr lang="en-US" smtClean="0"/>
-              <a:t>12/2/2018</a:t>
+              <a:t>12/3/2018</a:t>
             </a:fld>
             <a:endParaRPr lang="en-US"/>
           </a:p>
@@ -18368,7 +18368,7 @@
           <a:p>
             <a:fld id="{8272ECE3-2878-47BE-B879-BFDD2207B1DF}" type="datetimeFigureOut">
               <a:rPr lang="en-US" smtClean="0"/>
-              <a:t>12/2/2018</a:t>
+              <a:t>12/3/2018</a:t>
             </a:fld>
             <a:endParaRPr lang="en-US"/>
           </a:p>
@@ -18656,7 +18656,7 @@
           <a:p>
             <a:fld id="{8272ECE3-2878-47BE-B879-BFDD2207B1DF}" type="datetimeFigureOut">
               <a:rPr lang="en-US" smtClean="0"/>
-              <a:t>12/2/2018</a:t>
+              <a:t>12/3/2018</a:t>
             </a:fld>
             <a:endParaRPr lang="en-US"/>
           </a:p>
@@ -18897,7 +18897,7 @@
           <a:p>
             <a:fld id="{8272ECE3-2878-47BE-B879-BFDD2207B1DF}" type="datetimeFigureOut">
               <a:rPr lang="en-US" smtClean="0"/>
-              <a:t>12/2/2018</a:t>
+              <a:t>12/3/2018</a:t>
             </a:fld>
             <a:endParaRPr lang="en-US"/>
           </a:p>
@@ -22679,7 +22679,7 @@
         </p:nvSpPr>
         <p:spPr>
           <a:xfrm>
-            <a:off x="2358514" y="5130084"/>
+            <a:off x="2375836" y="5124873"/>
             <a:ext cx="2328266" cy="523220"/>
           </a:xfrm>
           <a:prstGeom prst="rect">
@@ -22716,7 +22716,7 @@
         </p:nvSpPr>
         <p:spPr>
           <a:xfrm>
-            <a:off x="2741256" y="5645592"/>
+            <a:off x="2721219" y="5545497"/>
             <a:ext cx="1730282" cy="400110"/>
           </a:xfrm>
           <a:prstGeom prst="rect">
@@ -22754,7 +22754,7 @@
         </p:nvSpPr>
         <p:spPr>
           <a:xfrm>
-            <a:off x="7639405" y="5130084"/>
+            <a:off x="7639403" y="5122282"/>
             <a:ext cx="1986441" cy="523220"/>
           </a:xfrm>
           <a:prstGeom prst="rect">
@@ -22797,8 +22797,8 @@
         </p:nvSpPr>
         <p:spPr>
           <a:xfrm>
-            <a:off x="7996178" y="5614814"/>
-            <a:ext cx="1024191" cy="461665"/>
+            <a:off x="7962295" y="5545497"/>
+            <a:ext cx="888833" cy="400110"/>
           </a:xfrm>
           <a:prstGeom prst="rect">
             <a:avLst/>
@@ -22812,7 +22812,7 @@
           <a:lstStyle/>
           <a:p>
             <a:r>
-              <a:rPr lang="de-AT" sz="2400" dirty="0" err="1">
+              <a:rPr lang="de-AT" sz="2000" dirty="0" err="1">
                 <a:hlinkClick r:id="rId5"/>
               </a:rPr>
               <a:t>akalcik</a:t>
@@ -22850,8 +22850,8 @@
         </p:blipFill>
         <p:spPr bwMode="auto">
           <a:xfrm>
-            <a:off x="7286165" y="4485776"/>
-            <a:ext cx="2570382" cy="644308"/>
+            <a:off x="7468491" y="4550624"/>
+            <a:ext cx="2328267" cy="583618"/>
           </a:xfrm>
           <a:prstGeom prst="rect">
             <a:avLst/>
@@ -22897,8 +22897,8 @@
         </p:blipFill>
         <p:spPr bwMode="auto">
           <a:xfrm>
-            <a:off x="2335453" y="4529847"/>
-            <a:ext cx="2311233" cy="473683"/>
+            <a:off x="2449669" y="4580112"/>
+            <a:ext cx="2136057" cy="437781"/>
           </a:xfrm>
           <a:prstGeom prst="rect">
             <a:avLst/>
@@ -22937,7 +22937,7 @@
         </p:blipFill>
         <p:spPr>
           <a:xfrm>
-            <a:off x="2510629" y="5755074"/>
+            <a:off x="2510629" y="5647232"/>
             <a:ext cx="241396" cy="196643"/>
           </a:xfrm>
           <a:prstGeom prst="rect">
@@ -22947,7 +22947,13 @@
       </p:pic>
       <p:pic>
         <p:nvPicPr>
-          <p:cNvPr id="12" name="Picture 11"/>
+          <p:cNvPr id="13" name="Picture 12">
+            <a:extLst>
+              <a:ext uri="{FF2B5EF4-FFF2-40B4-BE49-F238E27FC236}">
+                <a16:creationId xmlns:a16="http://schemas.microsoft.com/office/drawing/2014/main" id="{10E597E6-3C78-4013-B73E-9BE33B40CDAC}"/>
+              </a:ext>
+            </a:extLst>
+          </p:cNvPr>
           <p:cNvPicPr>
             <a:picLocks noChangeAspect="1"/>
           </p:cNvPicPr>
@@ -22967,14 +22973,97 @@
         </p:blipFill>
         <p:spPr>
           <a:xfrm>
-            <a:off x="7734119" y="5771441"/>
-            <a:ext cx="262059" cy="213475"/>
+            <a:off x="7740500" y="5647231"/>
+            <a:ext cx="241396" cy="196643"/>
           </a:xfrm>
           <a:prstGeom prst="rect">
             <a:avLst/>
           </a:prstGeom>
         </p:spPr>
       </p:pic>
+      <p:pic>
+        <p:nvPicPr>
+          <p:cNvPr id="6" name="Graphic 5">
+            <a:extLst>
+              <a:ext uri="{FF2B5EF4-FFF2-40B4-BE49-F238E27FC236}">
+                <a16:creationId xmlns:a16="http://schemas.microsoft.com/office/drawing/2014/main" id="{C0217533-5AE4-460F-AF67-3862F6DE16E3}"/>
+              </a:ext>
+            </a:extLst>
+          </p:cNvPr>
+          <p:cNvPicPr>
+            <a:picLocks noChangeAspect="1"/>
+          </p:cNvPicPr>
+          <p:nvPr/>
+        </p:nvPicPr>
+        <p:blipFill>
+          <a:blip r:embed="rId9">
+            <a:extLst>
+              <a:ext uri="{28A0092B-C50C-407E-A947-70E740481C1C}">
+                <a14:useLocalDpi xmlns:a14="http://schemas.microsoft.com/office/drawing/2010/main" val="0"/>
+              </a:ext>
+              <a:ext uri="{96DAC541-7B7A-43D3-8B79-37D633B846F1}">
+                <asvg:svgBlip xmlns:asvg="http://schemas.microsoft.com/office/drawing/2016/SVG/main" r:embed="rId10"/>
+              </a:ext>
+            </a:extLst>
+          </a:blip>
+          <a:stretch>
+            <a:fillRect/>
+          </a:stretch>
+        </p:blipFill>
+        <p:spPr>
+          <a:xfrm>
+            <a:off x="7724345" y="5949775"/>
+            <a:ext cx="241396" cy="214574"/>
+          </a:xfrm>
+          <a:prstGeom prst="rect">
+            <a:avLst/>
+          </a:prstGeom>
+        </p:spPr>
+      </p:pic>
+      <p:sp>
+        <p:nvSpPr>
+          <p:cNvPr id="14" name="TextBox 13">
+            <a:hlinkClick r:id="rId11"/>
+            <a:extLst>
+              <a:ext uri="{FF2B5EF4-FFF2-40B4-BE49-F238E27FC236}">
+                <a16:creationId xmlns:a16="http://schemas.microsoft.com/office/drawing/2014/main" id="{2EF2BF4C-DE9D-4FA7-8D24-83020A907B63}"/>
+              </a:ext>
+            </a:extLst>
+          </p:cNvPr>
+          <p:cNvSpPr txBox="1"/>
+          <p:nvPr/>
+        </p:nvSpPr>
+        <p:spPr>
+          <a:xfrm>
+            <a:off x="7962295" y="5856702"/>
+            <a:ext cx="1177630" cy="400110"/>
+          </a:xfrm>
+          <a:prstGeom prst="rect">
+            <a:avLst/>
+          </a:prstGeom>
+          <a:noFill/>
+        </p:spPr>
+        <p:txBody>
+          <a:bodyPr wrap="none" rtlCol="0">
+            <a:spAutoFit/>
+          </a:bodyPr>
+          <a:lstStyle>
+            <a:defPPr>
+              <a:defRPr lang="en-US"/>
+            </a:defPPr>
+            <a:lvl1pPr>
+              <a:defRPr sz="2000"/>
+            </a:lvl1pPr>
+          </a:lstStyle>
+          <a:p>
+            <a:r>
+              <a:rPr lang="de-AT" dirty="0"/>
+              <a:t>kalcik.net</a:t>
+            </a:r>
+            <a:endParaRPr lang="en-US" dirty="0"/>
+          </a:p>
+        </p:txBody>
+      </p:sp>
     </p:spTree>
     <p:extLst>
       <p:ext uri="{BB962C8B-B14F-4D97-AF65-F5344CB8AC3E}">
@@ -39180,8 +39269,8 @@
           </a:p>
         </p:txBody>
       </p:sp>
-      <mc:AlternateContent xmlns:mc="http://schemas.openxmlformats.org/markup-compatibility/2006">
-        <mc:Choice xmlns:p14="http://schemas.microsoft.com/office/powerpoint/2010/main" Requires="p14">
+      <mc:AlternateContent xmlns:mc="http://schemas.openxmlformats.org/markup-compatibility/2006" xmlns:p14="http://schemas.microsoft.com/office/powerpoint/2010/main">
+        <mc:Choice Requires="p14">
           <p:contentPart p14:bwMode="auto" r:id="rId10">
             <p14:nvContentPartPr>
               <p14:cNvPr id="86" name="Ink 85">
@@ -39200,7 +39289,7 @@
             </p14:xfrm>
           </p:contentPart>
         </mc:Choice>
-        <mc:Fallback>
+        <mc:Fallback xmlns="">
           <p:pic>
             <p:nvPicPr>
               <p:cNvPr id="86" name="Ink 85">
@@ -44382,8 +44471,8 @@
         </p:blipFill>
         <p:spPr>
           <a:xfrm>
-            <a:off x="2667000" y="0"/>
-            <a:ext cx="6858000" cy="6858000"/>
+            <a:off x="3267286" y="600286"/>
+            <a:ext cx="5657427" cy="5657427"/>
           </a:xfrm>
           <a:prstGeom prst="rect">
             <a:avLst/>

--- a/OpenID & OAuth.pptx
+++ b/OpenID & OAuth.pptx
@@ -40678,12 +40678,8 @@
             <a:p>
               <a:pPr algn="ctr"/>
               <a:r>
-                <a:rPr lang="de-AT" sz="1200" dirty="0" err="1"/>
-                <a:t>Confidental</a:t>
-              </a:r>
-              <a:r>
                 <a:rPr lang="de-AT" sz="1200" dirty="0"/>
-                <a:t> Client</a:t>
+                <a:t>Public Client</a:t>
               </a:r>
               <a:endParaRPr lang="en-US" sz="1200" dirty="0"/>
             </a:p>
@@ -42883,7 +42879,7 @@
           <p:nvPr>
             <p:extLst>
               <p:ext uri="{D42A27DB-BD31-4B8C-83A1-F6EECF244321}">
-                <p14:modId xmlns:p14="http://schemas.microsoft.com/office/powerpoint/2010/main" val="3043636124"/>
+                <p14:modId xmlns:p14="http://schemas.microsoft.com/office/powerpoint/2010/main" val="2416532710"/>
               </p:ext>
             </p:extLst>
           </p:nvPr>
@@ -42990,7 +42986,7 @@
                             <a:schemeClr val="bg1"/>
                           </a:solidFill>
                         </a:rPr>
-                        <a:t> Grant</a:t>
+                        <a:t> Flow</a:t>
                       </a:r>
                       <a:endParaRPr lang="en-US" dirty="0">
                         <a:solidFill>
@@ -43041,7 +43037,7 @@
                             <a:schemeClr val="bg1"/>
                           </a:solidFill>
                         </a:rPr>
-                        <a:t> Grant</a:t>
+                        <a:t> Flow</a:t>
                       </a:r>
                       <a:endParaRPr lang="en-US" dirty="0">
                         <a:solidFill>
@@ -43076,7 +43072,7 @@
                             <a:schemeClr val="bg1"/>
                           </a:solidFill>
                         </a:rPr>
-                        <a:t> Code Grant</a:t>
+                        <a:t> Code Flow</a:t>
                       </a:r>
                       <a:endParaRPr lang="en-US" dirty="0">
                         <a:solidFill>
@@ -43111,7 +43107,7 @@
                             <a:schemeClr val="bg1"/>
                           </a:solidFill>
                         </a:rPr>
-                        <a:t> Grant</a:t>
+                        <a:t> Flow</a:t>
                       </a:r>
                       <a:endParaRPr lang="en-US" dirty="0">
                         <a:solidFill>
@@ -43796,7 +43792,7 @@
           <p:nvPr>
             <p:extLst>
               <p:ext uri="{D42A27DB-BD31-4B8C-83A1-F6EECF244321}">
-                <p14:modId xmlns:p14="http://schemas.microsoft.com/office/powerpoint/2010/main" val="2864577627"/>
+                <p14:modId xmlns:p14="http://schemas.microsoft.com/office/powerpoint/2010/main" val="3630336877"/>
               </p:ext>
             </p:extLst>
           </p:nvPr>
@@ -43897,7 +43893,7 @@
                       </a:r>
                       <a:r>
                         <a:rPr lang="de-AT" i="0" dirty="0"/>
-                        <a:t> Grant</a:t>
+                        <a:t> Flow</a:t>
                       </a:r>
                       <a:endParaRPr lang="en-US" i="0" dirty="0"/>
                     </a:p>
@@ -43972,7 +43968,7 @@
                       </a:r>
                       <a:r>
                         <a:rPr lang="de-AT" i="0" dirty="0"/>
-                        <a:t> Grant</a:t>
+                        <a:t> Flow</a:t>
                       </a:r>
                       <a:endParaRPr lang="en-US" i="0" dirty="0"/>
                     </a:p>
@@ -44039,7 +44035,7 @@
                       </a:r>
                       <a:r>
                         <a:rPr lang="de-AT" i="0" dirty="0"/>
-                        <a:t> Code Grant</a:t>
+                        <a:t> Code Flow</a:t>
                       </a:r>
                       <a:endParaRPr lang="en-US" i="0" dirty="0"/>
                     </a:p>
@@ -44103,7 +44099,11 @@
                       </a:r>
                       <a:r>
                         <a:rPr lang="de-AT" i="0" dirty="0"/>
-                        <a:t> Code Grant</a:t>
+                        <a:t> </a:t>
+                      </a:r>
+                      <a:r>
+                        <a:rPr lang="de-AT" i="0"/>
+                        <a:t>Code Flow</a:t>
                       </a:r>
                       <a:endParaRPr lang="en-US" i="0" dirty="0"/>
                     </a:p>
